--- a/graphs/Staffing_Part1_23-24_preliminary_report.pptx
+++ b/graphs/Staffing_Part1_23-24_preliminary_report.pptx
@@ -2277,8 +2277,17 @@
               <a:rPr lang="en-US" sz="1600" b="1" dirty="0">
                 <a:latin typeface="Proxima Nova"/>
               </a:rPr>
-              <a:t>Employee Data: Tyler Munis, Power Schools – shows employe number, name, course name taught, school year, hire date, start date</a:t>
-            </a:r>
+              <a:t>Employee Data: Tyler Munis, Power Schools – shows employe number, name, course name taught, school year, hire date, start date, FMLA </a:t>
+            </a:r>
+            <a:r>
+              <a:rPr lang="en-US" sz="1600" b="1">
+                <a:latin typeface="Proxima Nova"/>
+              </a:rPr>
+              <a:t>data for leave</a:t>
+            </a:r>
+            <a:endParaRPr lang="en-US" sz="1600" b="1" dirty="0">
+              <a:latin typeface="Proxima Nova"/>
+            </a:endParaRPr>
           </a:p>
           <a:p>
             <a:r>
@@ -2747,35 +2756,49 @@
           <a:bodyPr/>
           <a:lstStyle/>
           <a:p>
-            <a:endParaRPr lang="en-US"/>
+            <a:r>
+              <a:rPr lang="en-US" dirty="0"/>
+              <a:t>Median, Mean, and SD by Region</a:t>
+            </a:r>
+            <a:br>
+              <a:rPr lang="en-US" dirty="0"/>
+            </a:br>
+            <a:r>
+              <a:rPr lang="en-US" dirty="0"/>
+              <a:t>for FMLA Length (in Days)</a:t>
+            </a:r>
           </a:p>
         </p:txBody>
       </p:sp>
-      <p:sp>
-        <p:nvSpPr>
-          <p:cNvPr id="3" name="Content Placeholder 2">
+      <p:pic>
+        <p:nvPicPr>
+          <p:cNvPr id="5" name="Content Placeholder 4">
             <a:extLst>
               <a:ext uri="{FF2B5EF4-FFF2-40B4-BE49-F238E27FC236}">
-                <a16:creationId xmlns:a16="http://schemas.microsoft.com/office/drawing/2014/main" id="{371101E1-A1CD-294A-674C-A0445468C271}"/>
+                <a16:creationId xmlns:a16="http://schemas.microsoft.com/office/drawing/2014/main" id="{5D5B50C7-5C1C-1804-FA21-51435ECE0719}"/>
               </a:ext>
             </a:extLst>
           </p:cNvPr>
-          <p:cNvSpPr>
-            <a:spLocks noGrp="1"/>
-          </p:cNvSpPr>
+          <p:cNvPicPr>
+            <a:picLocks noGrp="1" noChangeAspect="1"/>
+          </p:cNvPicPr>
           <p:nvPr>
             <p:ph idx="1"/>
           </p:nvPr>
-        </p:nvSpPr>
-        <p:spPr/>
-        <p:txBody>
-          <a:bodyPr/>
-          <a:lstStyle/>
-          <a:p>
-            <a:endParaRPr lang="en-US"/>
-          </a:p>
-        </p:txBody>
-      </p:sp>
+        </p:nvPicPr>
+        <p:blipFill>
+          <a:blip r:embed="rId2"/>
+          <a:stretch>
+            <a:fillRect/>
+          </a:stretch>
+        </p:blipFill>
+        <p:spPr>
+          <a:xfrm>
+            <a:off x="847205" y="1682580"/>
+            <a:ext cx="7449590" cy="2429214"/>
+          </a:xfrm>
+        </p:spPr>
+      </p:pic>
     </p:spTree>
     <p:extLst>
       <p:ext uri="{BB962C8B-B14F-4D97-AF65-F5344CB8AC3E}">

--- a/graphs/Staffing_Part1_23-24_preliminary_report.pptx
+++ b/graphs/Staffing_Part1_23-24_preliminary_report.pptx
@@ -5,36 +5,49 @@
     <p:sldMasterId id="2147483653" r:id="rId4"/>
   </p:sldMasterIdLst>
   <p:notesMasterIdLst>
-    <p:notesMasterId r:id="rId13"/>
+    <p:notesMasterId r:id="rId26"/>
   </p:notesMasterIdLst>
   <p:handoutMasterIdLst>
-    <p:handoutMasterId r:id="rId14"/>
+    <p:handoutMasterId r:id="rId27"/>
   </p:handoutMasterIdLst>
   <p:sldIdLst>
     <p:sldId id="256" r:id="rId5"/>
     <p:sldId id="301" r:id="rId6"/>
     <p:sldId id="302" r:id="rId7"/>
-    <p:sldId id="337" r:id="rId8"/>
-    <p:sldId id="338" r:id="rId9"/>
-    <p:sldId id="339" r:id="rId10"/>
-    <p:sldId id="340" r:id="rId11"/>
-    <p:sldId id="341" r:id="rId12"/>
+    <p:sldId id="342" r:id="rId8"/>
+    <p:sldId id="337" r:id="rId9"/>
+    <p:sldId id="338" r:id="rId10"/>
+    <p:sldId id="349" r:id="rId11"/>
+    <p:sldId id="350" r:id="rId12"/>
+    <p:sldId id="351" r:id="rId13"/>
+    <p:sldId id="353" r:id="rId14"/>
+    <p:sldId id="352" r:id="rId15"/>
+    <p:sldId id="354" r:id="rId16"/>
+    <p:sldId id="355" r:id="rId17"/>
+    <p:sldId id="356" r:id="rId18"/>
+    <p:sldId id="357" r:id="rId19"/>
+    <p:sldId id="346" r:id="rId20"/>
+    <p:sldId id="339" r:id="rId21"/>
+    <p:sldId id="345" r:id="rId22"/>
+    <p:sldId id="340" r:id="rId23"/>
+    <p:sldId id="348" r:id="rId24"/>
+    <p:sldId id="341" r:id="rId25"/>
   </p:sldIdLst>
   <p:sldSz cx="9144000" cy="5143500" type="screen16x9"/>
   <p:notesSz cx="6858000" cy="9144000"/>
   <p:embeddedFontLst>
     <p:embeddedFont>
       <p:font typeface="Proxima Nova" panose="02000506030000020004" pitchFamily="2" charset="0"/>
-      <p:regular r:id="rId15"/>
-      <p:bold r:id="rId16"/>
-      <p:italic r:id="rId17"/>
-      <p:boldItalic r:id="rId18"/>
+      <p:regular r:id="rId28"/>
+      <p:bold r:id="rId29"/>
+      <p:italic r:id="rId30"/>
+      <p:boldItalic r:id="rId31"/>
     </p:embeddedFont>
     <p:embeddedFont>
       <p:font typeface="Proxima Nova Extrabold" panose="02000506030000020004" pitchFamily="2" charset="0"/>
-      <p:bold r:id="rId19"/>
-      <p:italic r:id="rId20"/>
-      <p:boldItalic r:id="rId21"/>
+      <p:bold r:id="rId32"/>
+      <p:italic r:id="rId33"/>
+      <p:boldItalic r:id="rId34"/>
     </p:embeddedFont>
   </p:embeddedFontLst>
   <p:defaultTextStyle>
@@ -140,10 +153,23 @@
             <p14:sldId id="256"/>
             <p14:sldId id="301"/>
             <p14:sldId id="302"/>
+            <p14:sldId id="342"/>
             <p14:sldId id="337"/>
             <p14:sldId id="338"/>
+            <p14:sldId id="349"/>
+            <p14:sldId id="350"/>
+            <p14:sldId id="351"/>
+            <p14:sldId id="353"/>
+            <p14:sldId id="352"/>
+            <p14:sldId id="354"/>
+            <p14:sldId id="355"/>
+            <p14:sldId id="356"/>
+            <p14:sldId id="357"/>
+            <p14:sldId id="346"/>
             <p14:sldId id="339"/>
+            <p14:sldId id="345"/>
             <p14:sldId id="340"/>
+            <p14:sldId id="348"/>
             <p14:sldId id="341"/>
           </p14:sldIdLst>
         </p14:section>
@@ -274,7 +300,7 @@
           <a:p>
             <a:fld id="{2E275C40-3B4A-4627-ABFB-A04C0E1F1D24}" type="datetimeFigureOut">
               <a:rPr lang="en-US" smtClean="0"/>
-              <a:t>10/6/2024</a:t>
+              <a:t>10/7/2024</a:t>
             </a:fld>
             <a:endParaRPr lang="en-US"/>
           </a:p>
@@ -451,7 +477,7 @@
           <a:p>
             <a:fld id="{2067A5C0-D3D3-4E90-800D-D840E756A264}" type="datetimeFigureOut">
               <a:rPr lang="en-US" smtClean="0"/>
-              <a:t>10/6/2024</a:t>
+              <a:t>10/7/2024</a:t>
             </a:fld>
             <a:endParaRPr lang="en-US"/>
           </a:p>
@@ -2050,6 +2076,1012 @@
 </p:sld>
 </file>
 
+<file path=ppt/slides/slide10.xml><?xml version="1.0" encoding="utf-8"?>
+<p:sld xmlns:a="http://schemas.openxmlformats.org/drawingml/2006/main" xmlns:r="http://schemas.openxmlformats.org/officeDocument/2006/relationships" xmlns:p="http://schemas.openxmlformats.org/presentationml/2006/main">
+  <p:cSld>
+    <p:spTree>
+      <p:nvGrpSpPr>
+        <p:cNvPr id="1" name=""/>
+        <p:cNvGrpSpPr/>
+        <p:nvPr/>
+      </p:nvGrpSpPr>
+      <p:grpSpPr>
+        <a:xfrm>
+          <a:off x="0" y="0"/>
+          <a:ext cx="0" cy="0"/>
+          <a:chOff x="0" y="0"/>
+          <a:chExt cx="0" cy="0"/>
+        </a:xfrm>
+      </p:grpSpPr>
+      <p:sp>
+        <p:nvSpPr>
+          <p:cNvPr id="2" name="Title 1">
+            <a:extLst>
+              <a:ext uri="{FF2B5EF4-FFF2-40B4-BE49-F238E27FC236}">
+                <a16:creationId xmlns:a16="http://schemas.microsoft.com/office/drawing/2014/main" id="{14E3766F-290C-4F7F-528C-75291A2272EF}"/>
+              </a:ext>
+            </a:extLst>
+          </p:cNvPr>
+          <p:cNvSpPr>
+            <a:spLocks noGrp="1"/>
+          </p:cNvSpPr>
+          <p:nvPr>
+            <p:ph type="title"/>
+          </p:nvPr>
+        </p:nvSpPr>
+        <p:spPr>
+          <a:xfrm>
+            <a:off x="457200" y="205978"/>
+            <a:ext cx="8229600" cy="994171"/>
+          </a:xfrm>
+        </p:spPr>
+        <p:txBody>
+          <a:bodyPr/>
+          <a:lstStyle/>
+          <a:p>
+            <a:r>
+              <a:rPr lang="en-US" dirty="0"/>
+              <a:t>Lower Valley RGV Vacancy </a:t>
+            </a:r>
+            <a:br>
+              <a:rPr lang="en-US" dirty="0"/>
+            </a:br>
+            <a:r>
+              <a:rPr lang="en-US" dirty="0"/>
+              <a:t>Lengths in Days</a:t>
+            </a:r>
+          </a:p>
+        </p:txBody>
+      </p:sp>
+      <p:pic>
+        <p:nvPicPr>
+          <p:cNvPr id="5" name="Content Placeholder 4">
+            <a:extLst>
+              <a:ext uri="{FF2B5EF4-FFF2-40B4-BE49-F238E27FC236}">
+                <a16:creationId xmlns:a16="http://schemas.microsoft.com/office/drawing/2014/main" id="{7AC9A718-9AE1-0C6B-9553-4AD11BE7C7DA}"/>
+              </a:ext>
+            </a:extLst>
+          </p:cNvPr>
+          <p:cNvPicPr>
+            <a:picLocks noGrp="1" noChangeAspect="1"/>
+          </p:cNvPicPr>
+          <p:nvPr>
+            <p:ph idx="1"/>
+          </p:nvPr>
+        </p:nvPicPr>
+        <p:blipFill>
+          <a:blip r:embed="rId2"/>
+          <a:stretch>
+            <a:fillRect/>
+          </a:stretch>
+        </p:blipFill>
+        <p:spPr>
+          <a:xfrm>
+            <a:off x="1464508" y="1395022"/>
+            <a:ext cx="5765278" cy="3394075"/>
+          </a:xfrm>
+        </p:spPr>
+      </p:pic>
+    </p:spTree>
+    <p:extLst>
+      <p:ext uri="{BB962C8B-B14F-4D97-AF65-F5344CB8AC3E}">
+        <p14:creationId xmlns:p14="http://schemas.microsoft.com/office/powerpoint/2010/main" val="2223568588"/>
+      </p:ext>
+    </p:extLst>
+  </p:cSld>
+  <p:clrMapOvr>
+    <a:masterClrMapping/>
+  </p:clrMapOvr>
+</p:sld>
+</file>
+
+<file path=ppt/slides/slide11.xml><?xml version="1.0" encoding="utf-8"?>
+<p:sld xmlns:a="http://schemas.openxmlformats.org/drawingml/2006/main" xmlns:r="http://schemas.openxmlformats.org/officeDocument/2006/relationships" xmlns:p="http://schemas.openxmlformats.org/presentationml/2006/main">
+  <p:cSld>
+    <p:spTree>
+      <p:nvGrpSpPr>
+        <p:cNvPr id="1" name=""/>
+        <p:cNvGrpSpPr/>
+        <p:nvPr/>
+      </p:nvGrpSpPr>
+      <p:grpSpPr>
+        <a:xfrm>
+          <a:off x="0" y="0"/>
+          <a:ext cx="0" cy="0"/>
+          <a:chOff x="0" y="0"/>
+          <a:chExt cx="0" cy="0"/>
+        </a:xfrm>
+      </p:grpSpPr>
+      <p:sp>
+        <p:nvSpPr>
+          <p:cNvPr id="2" name="Title 1">
+            <a:extLst>
+              <a:ext uri="{FF2B5EF4-FFF2-40B4-BE49-F238E27FC236}">
+                <a16:creationId xmlns:a16="http://schemas.microsoft.com/office/drawing/2014/main" id="{9289C9EA-94CC-3D33-4482-14404ABC1EDF}"/>
+              </a:ext>
+            </a:extLst>
+          </p:cNvPr>
+          <p:cNvSpPr>
+            <a:spLocks noGrp="1"/>
+          </p:cNvSpPr>
+          <p:nvPr>
+            <p:ph type="title"/>
+          </p:nvPr>
+        </p:nvSpPr>
+        <p:spPr>
+          <a:xfrm>
+            <a:off x="457200" y="205979"/>
+            <a:ext cx="8229600" cy="910788"/>
+          </a:xfrm>
+        </p:spPr>
+        <p:txBody>
+          <a:bodyPr/>
+          <a:lstStyle/>
+          <a:p>
+            <a:r>
+              <a:rPr lang="en-US" dirty="0"/>
+              <a:t>Upper Valley RGV Vacancy </a:t>
+            </a:r>
+            <a:br>
+              <a:rPr lang="en-US" dirty="0"/>
+            </a:br>
+            <a:r>
+              <a:rPr lang="en-US" dirty="0"/>
+              <a:t>Lengths in Days</a:t>
+            </a:r>
+          </a:p>
+        </p:txBody>
+      </p:sp>
+      <p:pic>
+        <p:nvPicPr>
+          <p:cNvPr id="5" name="Content Placeholder 4">
+            <a:extLst>
+              <a:ext uri="{FF2B5EF4-FFF2-40B4-BE49-F238E27FC236}">
+                <a16:creationId xmlns:a16="http://schemas.microsoft.com/office/drawing/2014/main" id="{5142658B-B7B6-E92B-F6E6-C8EB6A500DBC}"/>
+              </a:ext>
+            </a:extLst>
+          </p:cNvPr>
+          <p:cNvPicPr>
+            <a:picLocks noGrp="1" noChangeAspect="1"/>
+          </p:cNvPicPr>
+          <p:nvPr>
+            <p:ph idx="1"/>
+          </p:nvPr>
+        </p:nvPicPr>
+        <p:blipFill>
+          <a:blip r:embed="rId2"/>
+          <a:stretch>
+            <a:fillRect/>
+          </a:stretch>
+        </p:blipFill>
+        <p:spPr>
+          <a:xfrm>
+            <a:off x="1636478" y="1365042"/>
+            <a:ext cx="5871043" cy="3394075"/>
+          </a:xfrm>
+        </p:spPr>
+      </p:pic>
+    </p:spTree>
+    <p:extLst>
+      <p:ext uri="{BB962C8B-B14F-4D97-AF65-F5344CB8AC3E}">
+        <p14:creationId xmlns:p14="http://schemas.microsoft.com/office/powerpoint/2010/main" val="3197204371"/>
+      </p:ext>
+    </p:extLst>
+  </p:cSld>
+  <p:clrMapOvr>
+    <a:masterClrMapping/>
+  </p:clrMapOvr>
+</p:sld>
+</file>
+
+<file path=ppt/slides/slide12.xml><?xml version="1.0" encoding="utf-8"?>
+<p:sld xmlns:a="http://schemas.openxmlformats.org/drawingml/2006/main" xmlns:r="http://schemas.openxmlformats.org/officeDocument/2006/relationships" xmlns:p="http://schemas.openxmlformats.org/presentationml/2006/main">
+  <p:cSld>
+    <p:spTree>
+      <p:nvGrpSpPr>
+        <p:cNvPr id="1" name=""/>
+        <p:cNvGrpSpPr/>
+        <p:nvPr/>
+      </p:nvGrpSpPr>
+      <p:grpSpPr>
+        <a:xfrm>
+          <a:off x="0" y="0"/>
+          <a:ext cx="0" cy="0"/>
+          <a:chOff x="0" y="0"/>
+          <a:chExt cx="0" cy="0"/>
+        </a:xfrm>
+      </p:grpSpPr>
+      <p:sp>
+        <p:nvSpPr>
+          <p:cNvPr id="2" name="Title 1">
+            <a:extLst>
+              <a:ext uri="{FF2B5EF4-FFF2-40B4-BE49-F238E27FC236}">
+                <a16:creationId xmlns:a16="http://schemas.microsoft.com/office/drawing/2014/main" id="{18E6F7C8-B189-60A5-DEA9-F328950B91BB}"/>
+              </a:ext>
+            </a:extLst>
+          </p:cNvPr>
+          <p:cNvSpPr>
+            <a:spLocks noGrp="1"/>
+          </p:cNvSpPr>
+          <p:nvPr>
+            <p:ph type="title"/>
+          </p:nvPr>
+        </p:nvSpPr>
+        <p:spPr>
+          <a:xfrm>
+            <a:off x="457200" y="205978"/>
+            <a:ext cx="8229600" cy="1015719"/>
+          </a:xfrm>
+        </p:spPr>
+        <p:txBody>
+          <a:bodyPr/>
+          <a:lstStyle/>
+          <a:p>
+            <a:r>
+              <a:rPr lang="en-US" dirty="0"/>
+              <a:t>Mid Valley RGV Vacancy </a:t>
+            </a:r>
+            <a:br>
+              <a:rPr lang="en-US" dirty="0"/>
+            </a:br>
+            <a:r>
+              <a:rPr lang="en-US" dirty="0"/>
+              <a:t>Lengths in Days</a:t>
+            </a:r>
+          </a:p>
+        </p:txBody>
+      </p:sp>
+      <p:pic>
+        <p:nvPicPr>
+          <p:cNvPr id="5" name="Content Placeholder 4">
+            <a:extLst>
+              <a:ext uri="{FF2B5EF4-FFF2-40B4-BE49-F238E27FC236}">
+                <a16:creationId xmlns:a16="http://schemas.microsoft.com/office/drawing/2014/main" id="{5D3A619D-D3A6-736B-6AB3-ED82FA8C4849}"/>
+              </a:ext>
+            </a:extLst>
+          </p:cNvPr>
+          <p:cNvPicPr>
+            <a:picLocks noGrp="1" noChangeAspect="1"/>
+          </p:cNvPicPr>
+          <p:nvPr>
+            <p:ph idx="1"/>
+          </p:nvPr>
+        </p:nvPicPr>
+        <p:blipFill>
+          <a:blip r:embed="rId2"/>
+          <a:stretch>
+            <a:fillRect/>
+          </a:stretch>
+        </p:blipFill>
+        <p:spPr>
+          <a:xfrm>
+            <a:off x="1443652" y="1432497"/>
+            <a:ext cx="5672080" cy="3394075"/>
+          </a:xfrm>
+        </p:spPr>
+      </p:pic>
+    </p:spTree>
+    <p:extLst>
+      <p:ext uri="{BB962C8B-B14F-4D97-AF65-F5344CB8AC3E}">
+        <p14:creationId xmlns:p14="http://schemas.microsoft.com/office/powerpoint/2010/main" val="2040977"/>
+      </p:ext>
+    </p:extLst>
+  </p:cSld>
+  <p:clrMapOvr>
+    <a:masterClrMapping/>
+  </p:clrMapOvr>
+</p:sld>
+</file>
+
+<file path=ppt/slides/slide13.xml><?xml version="1.0" encoding="utf-8"?>
+<p:sld xmlns:a="http://schemas.openxmlformats.org/drawingml/2006/main" xmlns:r="http://schemas.openxmlformats.org/officeDocument/2006/relationships" xmlns:p="http://schemas.openxmlformats.org/presentationml/2006/main">
+  <p:cSld>
+    <p:spTree>
+      <p:nvGrpSpPr>
+        <p:cNvPr id="1" name=""/>
+        <p:cNvGrpSpPr/>
+        <p:nvPr/>
+      </p:nvGrpSpPr>
+      <p:grpSpPr>
+        <a:xfrm>
+          <a:off x="0" y="0"/>
+          <a:ext cx="0" cy="0"/>
+          <a:chOff x="0" y="0"/>
+          <a:chExt cx="0" cy="0"/>
+        </a:xfrm>
+      </p:grpSpPr>
+      <p:sp>
+        <p:nvSpPr>
+          <p:cNvPr id="2" name="Title 1">
+            <a:extLst>
+              <a:ext uri="{FF2B5EF4-FFF2-40B4-BE49-F238E27FC236}">
+                <a16:creationId xmlns:a16="http://schemas.microsoft.com/office/drawing/2014/main" id="{B90650CE-A720-278E-6659-3CE49EED3071}"/>
+              </a:ext>
+            </a:extLst>
+          </p:cNvPr>
+          <p:cNvSpPr>
+            <a:spLocks noGrp="1"/>
+          </p:cNvSpPr>
+          <p:nvPr>
+            <p:ph type="title"/>
+          </p:nvPr>
+        </p:nvSpPr>
+        <p:spPr>
+          <a:xfrm>
+            <a:off x="457200" y="205979"/>
+            <a:ext cx="8229600" cy="963254"/>
+          </a:xfrm>
+        </p:spPr>
+        <p:txBody>
+          <a:bodyPr/>
+          <a:lstStyle/>
+          <a:p>
+            <a:r>
+              <a:rPr lang="en-US" dirty="0"/>
+              <a:t>Permian Basin Vacancy </a:t>
+            </a:r>
+            <a:br>
+              <a:rPr lang="en-US" dirty="0"/>
+            </a:br>
+            <a:r>
+              <a:rPr lang="en-US" dirty="0"/>
+              <a:t>Lengths in Days</a:t>
+            </a:r>
+          </a:p>
+        </p:txBody>
+      </p:sp>
+      <p:pic>
+        <p:nvPicPr>
+          <p:cNvPr id="5" name="Content Placeholder 4">
+            <a:extLst>
+              <a:ext uri="{FF2B5EF4-FFF2-40B4-BE49-F238E27FC236}">
+                <a16:creationId xmlns:a16="http://schemas.microsoft.com/office/drawing/2014/main" id="{AA634593-10E4-E606-465F-2FF94F49EA67}"/>
+              </a:ext>
+            </a:extLst>
+          </p:cNvPr>
+          <p:cNvPicPr>
+            <a:picLocks noGrp="1" noChangeAspect="1"/>
+          </p:cNvPicPr>
+          <p:nvPr>
+            <p:ph idx="1"/>
+          </p:nvPr>
+        </p:nvPicPr>
+        <p:blipFill>
+          <a:blip r:embed="rId2"/>
+          <a:stretch>
+            <a:fillRect/>
+          </a:stretch>
+        </p:blipFill>
+        <p:spPr>
+          <a:xfrm>
+            <a:off x="1527635" y="1395022"/>
+            <a:ext cx="5624035" cy="3394075"/>
+          </a:xfrm>
+        </p:spPr>
+      </p:pic>
+    </p:spTree>
+    <p:extLst>
+      <p:ext uri="{BB962C8B-B14F-4D97-AF65-F5344CB8AC3E}">
+        <p14:creationId xmlns:p14="http://schemas.microsoft.com/office/powerpoint/2010/main" val="652096335"/>
+      </p:ext>
+    </p:extLst>
+  </p:cSld>
+  <p:clrMapOvr>
+    <a:masterClrMapping/>
+  </p:clrMapOvr>
+</p:sld>
+</file>
+
+<file path=ppt/slides/slide14.xml><?xml version="1.0" encoding="utf-8"?>
+<p:sld xmlns:a="http://schemas.openxmlformats.org/drawingml/2006/main" xmlns:r="http://schemas.openxmlformats.org/officeDocument/2006/relationships" xmlns:p="http://schemas.openxmlformats.org/presentationml/2006/main">
+  <p:cSld>
+    <p:spTree>
+      <p:nvGrpSpPr>
+        <p:cNvPr id="1" name=""/>
+        <p:cNvGrpSpPr/>
+        <p:nvPr/>
+      </p:nvGrpSpPr>
+      <p:grpSpPr>
+        <a:xfrm>
+          <a:off x="0" y="0"/>
+          <a:ext cx="0" cy="0"/>
+          <a:chOff x="0" y="0"/>
+          <a:chExt cx="0" cy="0"/>
+        </a:xfrm>
+      </p:grpSpPr>
+      <p:sp>
+        <p:nvSpPr>
+          <p:cNvPr id="2" name="Title 1">
+            <a:extLst>
+              <a:ext uri="{FF2B5EF4-FFF2-40B4-BE49-F238E27FC236}">
+                <a16:creationId xmlns:a16="http://schemas.microsoft.com/office/drawing/2014/main" id="{9E21C964-0DD2-6B33-CB6B-9A1B7C731A19}"/>
+              </a:ext>
+            </a:extLst>
+          </p:cNvPr>
+          <p:cNvSpPr>
+            <a:spLocks noGrp="1"/>
+          </p:cNvSpPr>
+          <p:nvPr>
+            <p:ph type="title"/>
+          </p:nvPr>
+        </p:nvSpPr>
+        <p:spPr/>
+        <p:txBody>
+          <a:bodyPr/>
+          <a:lstStyle/>
+          <a:p>
+            <a:r>
+              <a:rPr lang="en-US" dirty="0"/>
+              <a:t>San Antonio Vacancy Lengths in Days</a:t>
+            </a:r>
+          </a:p>
+        </p:txBody>
+      </p:sp>
+      <p:pic>
+        <p:nvPicPr>
+          <p:cNvPr id="5" name="Content Placeholder 4">
+            <a:extLst>
+              <a:ext uri="{FF2B5EF4-FFF2-40B4-BE49-F238E27FC236}">
+                <a16:creationId xmlns:a16="http://schemas.microsoft.com/office/drawing/2014/main" id="{83C53CC5-ED06-8B81-9C55-D9A27D2A1F74}"/>
+              </a:ext>
+            </a:extLst>
+          </p:cNvPr>
+          <p:cNvPicPr>
+            <a:picLocks noGrp="1" noChangeAspect="1"/>
+          </p:cNvPicPr>
+          <p:nvPr>
+            <p:ph idx="1"/>
+          </p:nvPr>
+        </p:nvPicPr>
+        <p:blipFill>
+          <a:blip r:embed="rId2"/>
+          <a:stretch>
+            <a:fillRect/>
+          </a:stretch>
+        </p:blipFill>
+        <p:spPr>
+          <a:xfrm>
+            <a:off x="1363593" y="1282596"/>
+            <a:ext cx="5772236" cy="3394075"/>
+          </a:xfrm>
+        </p:spPr>
+      </p:pic>
+    </p:spTree>
+    <p:extLst>
+      <p:ext uri="{BB962C8B-B14F-4D97-AF65-F5344CB8AC3E}">
+        <p14:creationId xmlns:p14="http://schemas.microsoft.com/office/powerpoint/2010/main" val="2419743042"/>
+      </p:ext>
+    </p:extLst>
+  </p:cSld>
+  <p:clrMapOvr>
+    <a:masterClrMapping/>
+  </p:clrMapOvr>
+</p:sld>
+</file>
+
+<file path=ppt/slides/slide15.xml><?xml version="1.0" encoding="utf-8"?>
+<p:sld xmlns:a="http://schemas.openxmlformats.org/drawingml/2006/main" xmlns:r="http://schemas.openxmlformats.org/officeDocument/2006/relationships" xmlns:p="http://schemas.openxmlformats.org/presentationml/2006/main">
+  <p:cSld>
+    <p:spTree>
+      <p:nvGrpSpPr>
+        <p:cNvPr id="1" name=""/>
+        <p:cNvGrpSpPr/>
+        <p:nvPr/>
+      </p:nvGrpSpPr>
+      <p:grpSpPr>
+        <a:xfrm>
+          <a:off x="0" y="0"/>
+          <a:ext cx="0" cy="0"/>
+          <a:chOff x="0" y="0"/>
+          <a:chExt cx="0" cy="0"/>
+        </a:xfrm>
+      </p:grpSpPr>
+      <p:sp>
+        <p:nvSpPr>
+          <p:cNvPr id="2" name="Title 1">
+            <a:extLst>
+              <a:ext uri="{FF2B5EF4-FFF2-40B4-BE49-F238E27FC236}">
+                <a16:creationId xmlns:a16="http://schemas.microsoft.com/office/drawing/2014/main" id="{2A65DB97-E8B2-AB81-4A1B-EA4D70E8192D}"/>
+              </a:ext>
+            </a:extLst>
+          </p:cNvPr>
+          <p:cNvSpPr>
+            <a:spLocks noGrp="1"/>
+          </p:cNvSpPr>
+          <p:nvPr>
+            <p:ph type="title"/>
+          </p:nvPr>
+        </p:nvSpPr>
+        <p:spPr>
+          <a:xfrm>
+            <a:off x="457200" y="205979"/>
+            <a:ext cx="8229600" cy="1010702"/>
+          </a:xfrm>
+        </p:spPr>
+        <p:txBody>
+          <a:bodyPr/>
+          <a:lstStyle/>
+          <a:p>
+            <a:r>
+              <a:rPr lang="en-US" dirty="0"/>
+              <a:t>Tarrant County Vacancy </a:t>
+            </a:r>
+            <a:br>
+              <a:rPr lang="en-US" dirty="0"/>
+            </a:br>
+            <a:r>
+              <a:rPr lang="en-US" dirty="0"/>
+              <a:t>Lengths in Days</a:t>
+            </a:r>
+          </a:p>
+        </p:txBody>
+      </p:sp>
+      <p:pic>
+        <p:nvPicPr>
+          <p:cNvPr id="5" name="Content Placeholder 4">
+            <a:extLst>
+              <a:ext uri="{FF2B5EF4-FFF2-40B4-BE49-F238E27FC236}">
+                <a16:creationId xmlns:a16="http://schemas.microsoft.com/office/drawing/2014/main" id="{ED19D254-3A9A-29E7-CB63-A22679A647B4}"/>
+              </a:ext>
+            </a:extLst>
+          </p:cNvPr>
+          <p:cNvPicPr>
+            <a:picLocks noGrp="1" noChangeAspect="1"/>
+          </p:cNvPicPr>
+          <p:nvPr>
+            <p:ph idx="1"/>
+          </p:nvPr>
+        </p:nvPicPr>
+        <p:blipFill>
+          <a:blip r:embed="rId2"/>
+          <a:stretch>
+            <a:fillRect/>
+          </a:stretch>
+        </p:blipFill>
+        <p:spPr>
+          <a:xfrm>
+            <a:off x="1627469" y="1381519"/>
+            <a:ext cx="5617007" cy="3394075"/>
+          </a:xfrm>
+        </p:spPr>
+      </p:pic>
+    </p:spTree>
+    <p:extLst>
+      <p:ext uri="{BB962C8B-B14F-4D97-AF65-F5344CB8AC3E}">
+        <p14:creationId xmlns:p14="http://schemas.microsoft.com/office/powerpoint/2010/main" val="1878602875"/>
+      </p:ext>
+    </p:extLst>
+  </p:cSld>
+  <p:clrMapOvr>
+    <a:masterClrMapping/>
+  </p:clrMapOvr>
+</p:sld>
+</file>
+
+<file path=ppt/slides/slide16.xml><?xml version="1.0" encoding="utf-8"?>
+<p:sld xmlns:a="http://schemas.openxmlformats.org/drawingml/2006/main" xmlns:r="http://schemas.openxmlformats.org/officeDocument/2006/relationships" xmlns:p="http://schemas.openxmlformats.org/presentationml/2006/main">
+  <p:cSld>
+    <p:spTree>
+      <p:nvGrpSpPr>
+        <p:cNvPr id="1" name=""/>
+        <p:cNvGrpSpPr/>
+        <p:nvPr/>
+      </p:nvGrpSpPr>
+      <p:grpSpPr>
+        <a:xfrm>
+          <a:off x="0" y="0"/>
+          <a:ext cx="0" cy="0"/>
+          <a:chOff x="0" y="0"/>
+          <a:chExt cx="0" cy="0"/>
+        </a:xfrm>
+      </p:grpSpPr>
+      <p:sp>
+        <p:nvSpPr>
+          <p:cNvPr id="2" name="Title 1">
+            <a:extLst>
+              <a:ext uri="{FF2B5EF4-FFF2-40B4-BE49-F238E27FC236}">
+                <a16:creationId xmlns:a16="http://schemas.microsoft.com/office/drawing/2014/main" id="{52679B77-58AA-91AE-04A1-298ACFE63D09}"/>
+              </a:ext>
+            </a:extLst>
+          </p:cNvPr>
+          <p:cNvSpPr>
+            <a:spLocks noGrp="1"/>
+          </p:cNvSpPr>
+          <p:nvPr>
+            <p:ph type="title"/>
+          </p:nvPr>
+        </p:nvSpPr>
+        <p:spPr/>
+        <p:txBody>
+          <a:bodyPr/>
+          <a:lstStyle/>
+          <a:p>
+            <a:r>
+              <a:rPr lang="en-US" dirty="0"/>
+              <a:t>Number of Staffing Vacancies Varied by Region </a:t>
+            </a:r>
+          </a:p>
+        </p:txBody>
+      </p:sp>
+      <p:pic>
+        <p:nvPicPr>
+          <p:cNvPr id="5" name="Content Placeholder 4">
+            <a:extLst>
+              <a:ext uri="{FF2B5EF4-FFF2-40B4-BE49-F238E27FC236}">
+                <a16:creationId xmlns:a16="http://schemas.microsoft.com/office/drawing/2014/main" id="{8B360A15-4A80-E0CD-B889-486EDD1B1DA5}"/>
+              </a:ext>
+            </a:extLst>
+          </p:cNvPr>
+          <p:cNvPicPr>
+            <a:picLocks noGrp="1" noChangeAspect="1"/>
+          </p:cNvPicPr>
+          <p:nvPr>
+            <p:ph idx="1"/>
+          </p:nvPr>
+        </p:nvPicPr>
+        <p:blipFill>
+          <a:blip r:embed="rId2"/>
+          <a:stretch>
+            <a:fillRect/>
+          </a:stretch>
+        </p:blipFill>
+        <p:spPr>
+          <a:xfrm>
+            <a:off x="1032336" y="1501409"/>
+            <a:ext cx="5166297" cy="2528188"/>
+          </a:xfrm>
+        </p:spPr>
+      </p:pic>
+      <p:sp>
+        <p:nvSpPr>
+          <p:cNvPr id="6" name="TextBox 5">
+            <a:extLst>
+              <a:ext uri="{FF2B5EF4-FFF2-40B4-BE49-F238E27FC236}">
+                <a16:creationId xmlns:a16="http://schemas.microsoft.com/office/drawing/2014/main" id="{F0BAE911-98B4-C2EC-0389-C3D73AA76924}"/>
+              </a:ext>
+            </a:extLst>
+          </p:cNvPr>
+          <p:cNvSpPr txBox="1"/>
+          <p:nvPr/>
+        </p:nvSpPr>
+        <p:spPr>
+          <a:xfrm>
+            <a:off x="6542048" y="2765503"/>
+            <a:ext cx="2386361" cy="954107"/>
+          </a:xfrm>
+          <a:prstGeom prst="rect">
+            <a:avLst/>
+          </a:prstGeom>
+          <a:noFill/>
+        </p:spPr>
+        <p:txBody>
+          <a:bodyPr wrap="square" rtlCol="0">
+            <a:spAutoFit/>
+          </a:bodyPr>
+          <a:lstStyle/>
+          <a:p>
+            <a:r>
+              <a:rPr lang="en-US" sz="1400" dirty="0"/>
+              <a:t>San Antonio had the highest count of Staffing Vacancies and Permian Basin had the lowest.</a:t>
+            </a:r>
+          </a:p>
+        </p:txBody>
+      </p:sp>
+    </p:spTree>
+    <p:extLst>
+      <p:ext uri="{BB962C8B-B14F-4D97-AF65-F5344CB8AC3E}">
+        <p14:creationId xmlns:p14="http://schemas.microsoft.com/office/powerpoint/2010/main" val="3674475542"/>
+      </p:ext>
+    </p:extLst>
+  </p:cSld>
+  <p:clrMapOvr>
+    <a:masterClrMapping/>
+  </p:clrMapOvr>
+</p:sld>
+</file>
+
+<file path=ppt/slides/slide17.xml><?xml version="1.0" encoding="utf-8"?>
+<p:sld xmlns:a="http://schemas.openxmlformats.org/drawingml/2006/main" xmlns:r="http://schemas.openxmlformats.org/officeDocument/2006/relationships" xmlns:p="http://schemas.openxmlformats.org/presentationml/2006/main">
+  <p:cSld>
+    <p:spTree>
+      <p:nvGrpSpPr>
+        <p:cNvPr id="1" name=""/>
+        <p:cNvGrpSpPr/>
+        <p:nvPr/>
+      </p:nvGrpSpPr>
+      <p:grpSpPr>
+        <a:xfrm>
+          <a:off x="0" y="0"/>
+          <a:ext cx="0" cy="0"/>
+          <a:chOff x="0" y="0"/>
+          <a:chExt cx="0" cy="0"/>
+        </a:xfrm>
+      </p:grpSpPr>
+      <p:sp>
+        <p:nvSpPr>
+          <p:cNvPr id="2" name="Title 1">
+            <a:extLst>
+              <a:ext uri="{FF2B5EF4-FFF2-40B4-BE49-F238E27FC236}">
+                <a16:creationId xmlns:a16="http://schemas.microsoft.com/office/drawing/2014/main" id="{6F107ADE-630F-B970-D055-02DE6ACC11E2}"/>
+              </a:ext>
+            </a:extLst>
+          </p:cNvPr>
+          <p:cNvSpPr>
+            <a:spLocks noGrp="1"/>
+          </p:cNvSpPr>
+          <p:nvPr>
+            <p:ph type="title"/>
+          </p:nvPr>
+        </p:nvSpPr>
+        <p:spPr/>
+        <p:txBody>
+          <a:bodyPr/>
+          <a:lstStyle/>
+          <a:p>
+            <a:r>
+              <a:rPr lang="en-US" sz="2800" dirty="0"/>
+              <a:t>Number of Staffing Vacancies were Highest in San Antonio, Followed by Austin</a:t>
+            </a:r>
+            <a:r>
+              <a:rPr lang="en-US" dirty="0"/>
+              <a:t>.</a:t>
+            </a:r>
+          </a:p>
+        </p:txBody>
+      </p:sp>
+      <p:pic>
+        <p:nvPicPr>
+          <p:cNvPr id="7" name="Content Placeholder 6">
+            <a:extLst>
+              <a:ext uri="{FF2B5EF4-FFF2-40B4-BE49-F238E27FC236}">
+                <a16:creationId xmlns:a16="http://schemas.microsoft.com/office/drawing/2014/main" id="{9C0D9475-88D0-D69B-243B-D4DA3955663A}"/>
+              </a:ext>
+            </a:extLst>
+          </p:cNvPr>
+          <p:cNvPicPr>
+            <a:picLocks noGrp="1" noChangeAspect="1"/>
+          </p:cNvPicPr>
+          <p:nvPr>
+            <p:ph idx="1"/>
+          </p:nvPr>
+        </p:nvPicPr>
+        <p:blipFill>
+          <a:blip r:embed="rId2"/>
+          <a:stretch>
+            <a:fillRect/>
+          </a:stretch>
+        </p:blipFill>
+        <p:spPr>
+          <a:xfrm>
+            <a:off x="1397532" y="1207856"/>
+            <a:ext cx="5902677" cy="3656193"/>
+          </a:xfrm>
+        </p:spPr>
+      </p:pic>
+    </p:spTree>
+    <p:extLst>
+      <p:ext uri="{BB962C8B-B14F-4D97-AF65-F5344CB8AC3E}">
+        <p14:creationId xmlns:p14="http://schemas.microsoft.com/office/powerpoint/2010/main" val="1750920157"/>
+      </p:ext>
+    </p:extLst>
+  </p:cSld>
+  <p:clrMapOvr>
+    <a:masterClrMapping/>
+  </p:clrMapOvr>
+</p:sld>
+</file>
+
+<file path=ppt/slides/slide18.xml><?xml version="1.0" encoding="utf-8"?>
+<p:sld xmlns:a="http://schemas.openxmlformats.org/drawingml/2006/main" xmlns:r="http://schemas.openxmlformats.org/officeDocument/2006/relationships" xmlns:p="http://schemas.openxmlformats.org/presentationml/2006/main">
+  <p:cSld>
+    <p:spTree>
+      <p:nvGrpSpPr>
+        <p:cNvPr id="1" name=""/>
+        <p:cNvGrpSpPr/>
+        <p:nvPr/>
+      </p:nvGrpSpPr>
+      <p:grpSpPr>
+        <a:xfrm>
+          <a:off x="0" y="0"/>
+          <a:ext cx="0" cy="0"/>
+          <a:chOff x="0" y="0"/>
+          <a:chExt cx="0" cy="0"/>
+        </a:xfrm>
+      </p:grpSpPr>
+      <p:sp>
+        <p:nvSpPr>
+          <p:cNvPr id="2" name="Title 1">
+            <a:extLst>
+              <a:ext uri="{FF2B5EF4-FFF2-40B4-BE49-F238E27FC236}">
+                <a16:creationId xmlns:a16="http://schemas.microsoft.com/office/drawing/2014/main" id="{BBC38D5B-9622-410A-FB03-1458F8571920}"/>
+              </a:ext>
+            </a:extLst>
+          </p:cNvPr>
+          <p:cNvSpPr>
+            <a:spLocks noGrp="1"/>
+          </p:cNvSpPr>
+          <p:nvPr>
+            <p:ph type="title"/>
+          </p:nvPr>
+        </p:nvSpPr>
+        <p:spPr/>
+        <p:txBody>
+          <a:bodyPr/>
+          <a:lstStyle/>
+          <a:p>
+            <a:r>
+              <a:rPr lang="en-US" dirty="0"/>
+              <a:t>FMLA Data</a:t>
+            </a:r>
+          </a:p>
+        </p:txBody>
+      </p:sp>
+      <p:sp>
+        <p:nvSpPr>
+          <p:cNvPr id="3" name="Content Placeholder 2">
+            <a:extLst>
+              <a:ext uri="{FF2B5EF4-FFF2-40B4-BE49-F238E27FC236}">
+                <a16:creationId xmlns:a16="http://schemas.microsoft.com/office/drawing/2014/main" id="{58421222-1872-B5C4-1802-5D6A054D2304}"/>
+              </a:ext>
+            </a:extLst>
+          </p:cNvPr>
+          <p:cNvSpPr>
+            <a:spLocks noGrp="1"/>
+          </p:cNvSpPr>
+          <p:nvPr>
+            <p:ph idx="1"/>
+          </p:nvPr>
+        </p:nvSpPr>
+        <p:spPr>
+          <a:xfrm>
+            <a:off x="457200" y="1200151"/>
+            <a:ext cx="8229600" cy="3825332"/>
+          </a:xfrm>
+        </p:spPr>
+        <p:txBody>
+          <a:bodyPr>
+            <a:normAutofit fontScale="85000" lnSpcReduction="20000"/>
+          </a:bodyPr>
+          <a:lstStyle/>
+          <a:p>
+            <a:r>
+              <a:rPr lang="en-US" dirty="0"/>
+              <a:t>FMLA is Family Medical Leave and is time off for medical or family (such as having a child) absences </a:t>
+            </a:r>
+          </a:p>
+          <a:p>
+            <a:endParaRPr lang="en-US" dirty="0"/>
+          </a:p>
+          <a:p>
+            <a:r>
+              <a:rPr lang="en-US" dirty="0"/>
+              <a:t>FMLA leave length of time is counted in days, starting from the first day the employee is absent with leave to the return-to-work date.</a:t>
+            </a:r>
+          </a:p>
+          <a:p>
+            <a:endParaRPr lang="en-US" dirty="0"/>
+          </a:p>
+          <a:p>
+            <a:r>
+              <a:rPr lang="en-US" dirty="0"/>
+              <a:t>FMLA leave can vary in length of time (depending on how many days the employee applied for and was approved for).</a:t>
+            </a:r>
+          </a:p>
+          <a:p>
+            <a:pPr marL="457200" lvl="1" indent="0">
+              <a:buNone/>
+            </a:pPr>
+            <a:endParaRPr lang="en-US" dirty="0"/>
+          </a:p>
+        </p:txBody>
+      </p:sp>
+    </p:spTree>
+    <p:extLst>
+      <p:ext uri="{BB962C8B-B14F-4D97-AF65-F5344CB8AC3E}">
+        <p14:creationId xmlns:p14="http://schemas.microsoft.com/office/powerpoint/2010/main" val="1758383388"/>
+      </p:ext>
+    </p:extLst>
+  </p:cSld>
+  <p:clrMapOvr>
+    <a:masterClrMapping/>
+  </p:clrMapOvr>
+</p:sld>
+</file>
+
+<file path=ppt/slides/slide19.xml><?xml version="1.0" encoding="utf-8"?>
+<p:sld xmlns:a="http://schemas.openxmlformats.org/drawingml/2006/main" xmlns:r="http://schemas.openxmlformats.org/officeDocument/2006/relationships" xmlns:p="http://schemas.openxmlformats.org/presentationml/2006/main">
+  <p:cSld>
+    <p:spTree>
+      <p:nvGrpSpPr>
+        <p:cNvPr id="1" name=""/>
+        <p:cNvGrpSpPr/>
+        <p:nvPr/>
+      </p:nvGrpSpPr>
+      <p:grpSpPr>
+        <a:xfrm>
+          <a:off x="0" y="0"/>
+          <a:ext cx="0" cy="0"/>
+          <a:chOff x="0" y="0"/>
+          <a:chExt cx="0" cy="0"/>
+        </a:xfrm>
+      </p:grpSpPr>
+      <p:sp>
+        <p:nvSpPr>
+          <p:cNvPr id="2" name="Title 1">
+            <a:extLst>
+              <a:ext uri="{FF2B5EF4-FFF2-40B4-BE49-F238E27FC236}">
+                <a16:creationId xmlns:a16="http://schemas.microsoft.com/office/drawing/2014/main" id="{FBC7836D-EAD1-4B46-FE83-4E9445DE1CEA}"/>
+              </a:ext>
+            </a:extLst>
+          </p:cNvPr>
+          <p:cNvSpPr>
+            <a:spLocks noGrp="1"/>
+          </p:cNvSpPr>
+          <p:nvPr>
+            <p:ph type="title"/>
+          </p:nvPr>
+        </p:nvSpPr>
+        <p:spPr/>
+        <p:txBody>
+          <a:bodyPr/>
+          <a:lstStyle/>
+          <a:p>
+            <a:r>
+              <a:rPr lang="en-US" dirty="0"/>
+              <a:t>Median, Mean, and SD by Region</a:t>
+            </a:r>
+            <a:br>
+              <a:rPr lang="en-US" dirty="0"/>
+            </a:br>
+            <a:r>
+              <a:rPr lang="en-US" dirty="0"/>
+              <a:t>for FMLA Length (in Days)</a:t>
+            </a:r>
+          </a:p>
+        </p:txBody>
+      </p:sp>
+      <p:pic>
+        <p:nvPicPr>
+          <p:cNvPr id="5" name="Content Placeholder 4">
+            <a:extLst>
+              <a:ext uri="{FF2B5EF4-FFF2-40B4-BE49-F238E27FC236}">
+                <a16:creationId xmlns:a16="http://schemas.microsoft.com/office/drawing/2014/main" id="{5D5B50C7-5C1C-1804-FA21-51435ECE0719}"/>
+              </a:ext>
+            </a:extLst>
+          </p:cNvPr>
+          <p:cNvPicPr>
+            <a:picLocks noGrp="1" noChangeAspect="1"/>
+          </p:cNvPicPr>
+          <p:nvPr>
+            <p:ph idx="1"/>
+          </p:nvPr>
+        </p:nvPicPr>
+        <p:blipFill>
+          <a:blip r:embed="rId2"/>
+          <a:stretch>
+            <a:fillRect/>
+          </a:stretch>
+        </p:blipFill>
+        <p:spPr>
+          <a:xfrm>
+            <a:off x="847205" y="1682580"/>
+            <a:ext cx="7449590" cy="2429214"/>
+          </a:xfrm>
+        </p:spPr>
+      </p:pic>
+    </p:spTree>
+    <p:extLst>
+      <p:ext uri="{BB962C8B-B14F-4D97-AF65-F5344CB8AC3E}">
+        <p14:creationId xmlns:p14="http://schemas.microsoft.com/office/powerpoint/2010/main" val="2368985111"/>
+      </p:ext>
+    </p:extLst>
+  </p:cSld>
+  <p:clrMapOvr>
+    <a:masterClrMapping/>
+  </p:clrMapOvr>
+</p:sld>
+</file>
+
 <file path=ppt/slides/slide2.xml><?xml version="1.0" encoding="utf-8"?>
 <p:sld xmlns:a="http://schemas.openxmlformats.org/drawingml/2006/main" xmlns:r="http://schemas.openxmlformats.org/officeDocument/2006/relationships" xmlns:p="http://schemas.openxmlformats.org/presentationml/2006/main">
   <p:cSld>
@@ -2119,31 +3151,25 @@
         </p:spPr>
         <p:txBody>
           <a:bodyPr>
-            <a:normAutofit fontScale="92500" lnSpcReduction="20000"/>
+            <a:normAutofit fontScale="92500"/>
           </a:bodyPr>
           <a:lstStyle/>
           <a:p>
             <a:r>
               <a:rPr lang="en-US" sz="2800" b="1" dirty="0"/>
-              <a:t>1) How long are vacancies (median and mean and SD)?</a:t>
-            </a:r>
-          </a:p>
-          <a:p>
-            <a:endParaRPr lang="en-US" sz="2800" b="1" dirty="0"/>
+              <a:t>1) How long are vacancies at IDEA for teacher roles? </a:t>
+            </a:r>
           </a:p>
           <a:p>
             <a:r>
               <a:rPr lang="en-US" sz="2800" b="1" dirty="0"/>
-              <a:t>2) How many vacancies (median, mean and SD)?</a:t>
-            </a:r>
-          </a:p>
-          <a:p>
-            <a:endParaRPr lang="en-US" sz="2800" b="1" dirty="0"/>
+              <a:t>2) How many vacancies are at IDEA for teacher roles? </a:t>
+            </a:r>
           </a:p>
           <a:p>
             <a:r>
               <a:rPr lang="en-US" sz="2800" b="1" dirty="0"/>
-              <a:t>3) What is the most # of vacancies at one "time“?</a:t>
+              <a:t>3) What is the highest number of vacancies during a single time period? </a:t>
             </a:r>
           </a:p>
           <a:p>
@@ -2152,17 +3178,20 @@
               <a:buChar char="o"/>
             </a:pPr>
             <a:r>
-              <a:rPr lang="en-US" sz="2400" b="1" dirty="0"/>
+              <a:rPr lang="en-US" sz="2000" b="1" dirty="0"/>
               <a:t>(time = week, month, quarter, semester)</a:t>
             </a:r>
           </a:p>
           <a:p>
+            <a:pPr marL="0" indent="0">
+              <a:buNone/>
+            </a:pPr>
             <a:endParaRPr lang="en-US" sz="2800" b="1" dirty="0"/>
           </a:p>
           <a:p>
             <a:r>
               <a:rPr lang="en-US" sz="2800" b="1" dirty="0"/>
-              <a:t>4) Add box plots and histograms</a:t>
+              <a:t>4) Graphs, box plots, and histograms of data</a:t>
             </a:r>
             <a:r>
               <a:rPr lang="en-US" sz="2000" b="1" dirty="0"/>
@@ -2176,6 +3205,224 @@
     <p:extLst>
       <p:ext uri="{BB962C8B-B14F-4D97-AF65-F5344CB8AC3E}">
         <p14:creationId xmlns:p14="http://schemas.microsoft.com/office/powerpoint/2010/main" val="3336068545"/>
+      </p:ext>
+    </p:extLst>
+  </p:cSld>
+  <p:clrMapOvr>
+    <a:masterClrMapping/>
+  </p:clrMapOvr>
+</p:sld>
+</file>
+
+<file path=ppt/slides/slide20.xml><?xml version="1.0" encoding="utf-8"?>
+<p:sld xmlns:a="http://schemas.openxmlformats.org/drawingml/2006/main" xmlns:r="http://schemas.openxmlformats.org/officeDocument/2006/relationships" xmlns:p="http://schemas.openxmlformats.org/presentationml/2006/main">
+  <p:cSld>
+    <p:spTree>
+      <p:nvGrpSpPr>
+        <p:cNvPr id="1" name=""/>
+        <p:cNvGrpSpPr/>
+        <p:nvPr/>
+      </p:nvGrpSpPr>
+      <p:grpSpPr>
+        <a:xfrm>
+          <a:off x="0" y="0"/>
+          <a:ext cx="0" cy="0"/>
+          <a:chOff x="0" y="0"/>
+          <a:chExt cx="0" cy="0"/>
+        </a:xfrm>
+      </p:grpSpPr>
+      <p:sp>
+        <p:nvSpPr>
+          <p:cNvPr id="2" name="Title 1">
+            <a:extLst>
+              <a:ext uri="{FF2B5EF4-FFF2-40B4-BE49-F238E27FC236}">
+                <a16:creationId xmlns:a16="http://schemas.microsoft.com/office/drawing/2014/main" id="{52679B77-58AA-91AE-04A1-298ACFE63D09}"/>
+              </a:ext>
+            </a:extLst>
+          </p:cNvPr>
+          <p:cNvSpPr>
+            <a:spLocks noGrp="1"/>
+          </p:cNvSpPr>
+          <p:nvPr>
+            <p:ph type="title"/>
+          </p:nvPr>
+        </p:nvSpPr>
+        <p:spPr/>
+        <p:txBody>
+          <a:bodyPr/>
+          <a:lstStyle/>
+          <a:p>
+            <a:r>
+              <a:rPr lang="en-US" dirty="0"/>
+              <a:t>Number of Teacher Leaves from FMLA Varied by Region </a:t>
+            </a:r>
+          </a:p>
+        </p:txBody>
+      </p:sp>
+      <p:sp>
+        <p:nvSpPr>
+          <p:cNvPr id="6" name="TextBox 5">
+            <a:extLst>
+              <a:ext uri="{FF2B5EF4-FFF2-40B4-BE49-F238E27FC236}">
+                <a16:creationId xmlns:a16="http://schemas.microsoft.com/office/drawing/2014/main" id="{F0BAE911-98B4-C2EC-0389-C3D73AA76924}"/>
+              </a:ext>
+            </a:extLst>
+          </p:cNvPr>
+          <p:cNvSpPr txBox="1"/>
+          <p:nvPr/>
+        </p:nvSpPr>
+        <p:spPr>
+          <a:xfrm>
+            <a:off x="6088419" y="2252547"/>
+            <a:ext cx="2386361" cy="954107"/>
+          </a:xfrm>
+          <a:prstGeom prst="rect">
+            <a:avLst/>
+          </a:prstGeom>
+          <a:noFill/>
+        </p:spPr>
+        <p:txBody>
+          <a:bodyPr wrap="square" rtlCol="0">
+            <a:spAutoFit/>
+          </a:bodyPr>
+          <a:lstStyle/>
+          <a:p>
+            <a:r>
+              <a:rPr lang="en-US" sz="1400" dirty="0"/>
+              <a:t>Lower Valley RGV had the highest count of teacher leaves from FMLA, and Permian Basin had the lowest.</a:t>
+            </a:r>
+          </a:p>
+        </p:txBody>
+      </p:sp>
+      <p:pic>
+        <p:nvPicPr>
+          <p:cNvPr id="7" name="Content Placeholder 6">
+            <a:extLst>
+              <a:ext uri="{FF2B5EF4-FFF2-40B4-BE49-F238E27FC236}">
+                <a16:creationId xmlns:a16="http://schemas.microsoft.com/office/drawing/2014/main" id="{898DE5A7-369B-C320-DB1A-62406171A20C}"/>
+              </a:ext>
+            </a:extLst>
+          </p:cNvPr>
+          <p:cNvPicPr>
+            <a:picLocks noGrp="1" noChangeAspect="1"/>
+          </p:cNvPicPr>
+          <p:nvPr>
+            <p:ph idx="1"/>
+          </p:nvPr>
+        </p:nvPicPr>
+        <p:blipFill>
+          <a:blip r:embed="rId2"/>
+          <a:stretch>
+            <a:fillRect/>
+          </a:stretch>
+        </p:blipFill>
+        <p:spPr>
+          <a:xfrm>
+            <a:off x="669220" y="1590907"/>
+            <a:ext cx="5135844" cy="2751345"/>
+          </a:xfrm>
+        </p:spPr>
+      </p:pic>
+    </p:spTree>
+    <p:extLst>
+      <p:ext uri="{BB962C8B-B14F-4D97-AF65-F5344CB8AC3E}">
+        <p14:creationId xmlns:p14="http://schemas.microsoft.com/office/powerpoint/2010/main" val="980250847"/>
+      </p:ext>
+    </p:extLst>
+  </p:cSld>
+  <p:clrMapOvr>
+    <a:masterClrMapping/>
+  </p:clrMapOvr>
+</p:sld>
+</file>
+
+<file path=ppt/slides/slide21.xml><?xml version="1.0" encoding="utf-8"?>
+<p:sld xmlns:a="http://schemas.openxmlformats.org/drawingml/2006/main" xmlns:r="http://schemas.openxmlformats.org/officeDocument/2006/relationships" xmlns:p="http://schemas.openxmlformats.org/presentationml/2006/main">
+  <p:cSld>
+    <p:spTree>
+      <p:nvGrpSpPr>
+        <p:cNvPr id="1" name=""/>
+        <p:cNvGrpSpPr/>
+        <p:nvPr/>
+      </p:nvGrpSpPr>
+      <p:grpSpPr>
+        <a:xfrm>
+          <a:off x="0" y="0"/>
+          <a:ext cx="0" cy="0"/>
+          <a:chOff x="0" y="0"/>
+          <a:chExt cx="0" cy="0"/>
+        </a:xfrm>
+      </p:grpSpPr>
+      <p:sp>
+        <p:nvSpPr>
+          <p:cNvPr id="2" name="Title 1">
+            <a:extLst>
+              <a:ext uri="{FF2B5EF4-FFF2-40B4-BE49-F238E27FC236}">
+                <a16:creationId xmlns:a16="http://schemas.microsoft.com/office/drawing/2014/main" id="{28D5521C-48D0-B610-862A-4789FBA92E74}"/>
+              </a:ext>
+            </a:extLst>
+          </p:cNvPr>
+          <p:cNvSpPr>
+            <a:spLocks noGrp="1"/>
+          </p:cNvSpPr>
+          <p:nvPr>
+            <p:ph type="title"/>
+          </p:nvPr>
+        </p:nvSpPr>
+        <p:spPr>
+          <a:xfrm>
+            <a:off x="329783" y="205979"/>
+            <a:ext cx="8476937" cy="857250"/>
+          </a:xfrm>
+        </p:spPr>
+        <p:txBody>
+          <a:bodyPr/>
+          <a:lstStyle/>
+          <a:p>
+            <a:r>
+              <a:rPr lang="en-US" sz="2800" dirty="0"/>
+              <a:t>Number of Teacher Leaves from FMLA were Highest in Lower Valley RGV, Followed by Austin</a:t>
+            </a:r>
+            <a:r>
+              <a:rPr lang="en-US" dirty="0"/>
+              <a:t>.</a:t>
+            </a:r>
+          </a:p>
+        </p:txBody>
+      </p:sp>
+      <p:pic>
+        <p:nvPicPr>
+          <p:cNvPr id="11" name="Content Placeholder 10">
+            <a:extLst>
+              <a:ext uri="{FF2B5EF4-FFF2-40B4-BE49-F238E27FC236}">
+                <a16:creationId xmlns:a16="http://schemas.microsoft.com/office/drawing/2014/main" id="{FE95FB40-14C7-63AC-F82A-7178326B0A45}"/>
+              </a:ext>
+            </a:extLst>
+          </p:cNvPr>
+          <p:cNvPicPr>
+            <a:picLocks noGrp="1" noChangeAspect="1"/>
+          </p:cNvPicPr>
+          <p:nvPr>
+            <p:ph idx="1"/>
+          </p:nvPr>
+        </p:nvPicPr>
+        <p:blipFill>
+          <a:blip r:embed="rId2"/>
+          <a:stretch>
+            <a:fillRect/>
+          </a:stretch>
+        </p:blipFill>
+        <p:spPr>
+          <a:xfrm>
+            <a:off x="1247738" y="1244184"/>
+            <a:ext cx="6048144" cy="3627359"/>
+          </a:xfrm>
+        </p:spPr>
+      </p:pic>
+    </p:spTree>
+    <p:extLst>
+      <p:ext uri="{BB962C8B-B14F-4D97-AF65-F5344CB8AC3E}">
+        <p14:creationId xmlns:p14="http://schemas.microsoft.com/office/powerpoint/2010/main" val="1183491755"/>
       </p:ext>
     </p:extLst>
   </p:cSld>
@@ -2277,17 +3524,8 @@
               <a:rPr lang="en-US" sz="1600" b="1" dirty="0">
                 <a:latin typeface="Proxima Nova"/>
               </a:rPr>
-              <a:t>Employee Data: Tyler Munis, Power Schools – shows employe number, name, course name taught, school year, hire date, start date, FMLA </a:t>
-            </a:r>
-            <a:r>
-              <a:rPr lang="en-US" sz="1600" b="1">
-                <a:latin typeface="Proxima Nova"/>
-              </a:rPr>
-              <a:t>data for leave</a:t>
-            </a:r>
-            <a:endParaRPr lang="en-US" sz="1600" b="1" dirty="0">
-              <a:latin typeface="Proxima Nova"/>
-            </a:endParaRPr>
+              <a:t>Employee Data: Tyler Munis, Power Schools – shows employee number, name, course name taught, school year, hire date, start date, FMLA data for leave</a:t>
+            </a:r>
           </a:p>
           <a:p>
             <a:r>
@@ -2417,7 +3655,7 @@
                   <a:srgbClr val="33CC33"/>
                 </a:solidFill>
               </a:rPr>
-              <a:t>“Region is inclusive of all Texas regions, including all Texas schools that have accountability ratings A-F.</a:t>
+              <a:t>Region is inclusive of all Texas regions, and campus includes all Texas schools that have accountability ratings A-F.</a:t>
             </a:r>
             <a:endParaRPr lang="en-US" sz="1600" b="1" dirty="0"/>
           </a:p>
@@ -2428,7 +3666,7 @@
                   <a:srgbClr val="FF9900"/>
                 </a:solidFill>
               </a:rPr>
-              <a:t>When Semester Exam data comes in for 2021-2022, we will rerun code with the new data to get this year’s results.</a:t>
+              <a:t>Time periods are derived from role posting date, hire date, and start date.</a:t>
             </a:r>
           </a:p>
         </p:txBody>
@@ -2468,7 +3706,7 @@
           <p:cNvPr id="2" name="Title 1">
             <a:extLst>
               <a:ext uri="{FF2B5EF4-FFF2-40B4-BE49-F238E27FC236}">
-                <a16:creationId xmlns:a16="http://schemas.microsoft.com/office/drawing/2014/main" id="{AA39770A-CF44-8137-9F19-BB39B8946D0F}"/>
+                <a16:creationId xmlns:a16="http://schemas.microsoft.com/office/drawing/2014/main" id="{BBC38D5B-9622-410A-FB03-1458F8571920}"/>
               </a:ext>
             </a:extLst>
           </p:cNvPr>
@@ -2486,51 +3724,71 @@
           <a:p>
             <a:r>
               <a:rPr lang="en-US" dirty="0"/>
-              <a:t>Median, Mean, and SD by Region</a:t>
-            </a:r>
-            <a:br>
-              <a:rPr lang="en-US" dirty="0"/>
-            </a:br>
-            <a:r>
-              <a:rPr lang="en-US" dirty="0"/>
-              <a:t>for Vacancy Length (in Days)</a:t>
+              <a:t>Vacancy Data</a:t>
             </a:r>
           </a:p>
         </p:txBody>
       </p:sp>
-      <p:pic>
-        <p:nvPicPr>
-          <p:cNvPr id="5" name="Content Placeholder 4">
+      <p:sp>
+        <p:nvSpPr>
+          <p:cNvPr id="3" name="Content Placeholder 2">
             <a:extLst>
               <a:ext uri="{FF2B5EF4-FFF2-40B4-BE49-F238E27FC236}">
-                <a16:creationId xmlns:a16="http://schemas.microsoft.com/office/drawing/2014/main" id="{D961A4A6-4566-C081-2807-04C9984F439E}"/>
+                <a16:creationId xmlns:a16="http://schemas.microsoft.com/office/drawing/2014/main" id="{58421222-1872-B5C4-1802-5D6A054D2304}"/>
               </a:ext>
             </a:extLst>
           </p:cNvPr>
-          <p:cNvPicPr>
-            <a:picLocks noGrp="1" noChangeAspect="1"/>
-          </p:cNvPicPr>
+          <p:cNvSpPr>
+            <a:spLocks noGrp="1"/>
+          </p:cNvSpPr>
           <p:nvPr>
             <p:ph idx="1"/>
           </p:nvPr>
-        </p:nvPicPr>
-        <p:blipFill>
-          <a:blip r:embed="rId2"/>
-          <a:stretch>
-            <a:fillRect/>
-          </a:stretch>
-        </p:blipFill>
+        </p:nvSpPr>
         <p:spPr>
           <a:xfrm>
-            <a:off x="494731" y="1758791"/>
-            <a:ext cx="8154538" cy="2276793"/>
+            <a:off x="457200" y="1200151"/>
+            <a:ext cx="8229600" cy="3637320"/>
           </a:xfrm>
         </p:spPr>
-      </p:pic>
+        <p:txBody>
+          <a:bodyPr>
+            <a:normAutofit fontScale="85000" lnSpcReduction="10000"/>
+          </a:bodyPr>
+          <a:lstStyle/>
+          <a:p>
+            <a:r>
+              <a:rPr lang="en-US" dirty="0"/>
+              <a:t>Vacancies are for teaching positions</a:t>
+            </a:r>
+          </a:p>
+          <a:p>
+            <a:endParaRPr lang="en-US" dirty="0"/>
+          </a:p>
+          <a:p>
+            <a:r>
+              <a:rPr lang="en-US" dirty="0"/>
+              <a:t>Vacancies are when there is an opening for a teaching role that needs to be filled</a:t>
+            </a:r>
+          </a:p>
+          <a:p>
+            <a:pPr marL="0" indent="0">
+              <a:buNone/>
+            </a:pPr>
+            <a:endParaRPr lang="en-US" dirty="0"/>
+          </a:p>
+          <a:p>
+            <a:r>
+              <a:rPr lang="en-US" dirty="0"/>
+              <a:t>Vacancies can vary in length of time (from the time the position is open or posted, to the time the role is filled – and there is no longer that vacancy).</a:t>
+            </a:r>
+          </a:p>
+        </p:txBody>
+      </p:sp>
     </p:spTree>
     <p:extLst>
       <p:ext uri="{BB962C8B-B14F-4D97-AF65-F5344CB8AC3E}">
-        <p14:creationId xmlns:p14="http://schemas.microsoft.com/office/powerpoint/2010/main" val="278336843"/>
+        <p14:creationId xmlns:p14="http://schemas.microsoft.com/office/powerpoint/2010/main" val="973872011"/>
       </p:ext>
     </p:extLst>
   </p:cSld>
@@ -2562,7 +3820,7 @@
           <p:cNvPr id="2" name="Title 1">
             <a:extLst>
               <a:ext uri="{FF2B5EF4-FFF2-40B4-BE49-F238E27FC236}">
-                <a16:creationId xmlns:a16="http://schemas.microsoft.com/office/drawing/2014/main" id="{15027D3D-BAAF-A99F-79AD-5FDFFC62846B}"/>
+                <a16:creationId xmlns:a16="http://schemas.microsoft.com/office/drawing/2014/main" id="{AA39770A-CF44-8137-9F19-BB39B8946D0F}"/>
               </a:ext>
             </a:extLst>
           </p:cNvPr>
@@ -2580,7 +3838,14 @@
           <a:p>
             <a:r>
               <a:rPr lang="en-US" dirty="0"/>
-              <a:t>Summary Statistics After Grouping by Region </a:t>
+              <a:t>Median, Mean, and SD by Region</a:t>
+            </a:r>
+            <a:br>
+              <a:rPr lang="en-US" dirty="0"/>
+            </a:br>
+            <a:r>
+              <a:rPr lang="en-US" dirty="0"/>
+              <a:t>for Vacancy Length (in Days)</a:t>
             </a:r>
           </a:p>
         </p:txBody>
@@ -2590,7 +3855,7 @@
           <p:cNvPr id="5" name="Content Placeholder 4">
             <a:extLst>
               <a:ext uri="{FF2B5EF4-FFF2-40B4-BE49-F238E27FC236}">
-                <a16:creationId xmlns:a16="http://schemas.microsoft.com/office/drawing/2014/main" id="{DDC95942-097D-5590-63EF-39DA7CE1B15D}"/>
+                <a16:creationId xmlns:a16="http://schemas.microsoft.com/office/drawing/2014/main" id="{D961A4A6-4566-C081-2807-04C9984F439E}"/>
               </a:ext>
             </a:extLst>
           </p:cNvPr>
@@ -2609,15 +3874,15 @@
         </p:blipFill>
         <p:spPr>
           <a:xfrm>
-            <a:off x="574744" y="1921921"/>
-            <a:ext cx="8112056" cy="1074920"/>
+            <a:off x="494731" y="1758791"/>
+            <a:ext cx="8154538" cy="2276793"/>
           </a:xfrm>
         </p:spPr>
       </p:pic>
     </p:spTree>
     <p:extLst>
       <p:ext uri="{BB962C8B-B14F-4D97-AF65-F5344CB8AC3E}">
-        <p14:creationId xmlns:p14="http://schemas.microsoft.com/office/powerpoint/2010/main" val="1401580884"/>
+        <p14:creationId xmlns:p14="http://schemas.microsoft.com/office/powerpoint/2010/main" val="278336843"/>
       </p:ext>
     </p:extLst>
   </p:cSld>
@@ -2649,7 +3914,7 @@
           <p:cNvPr id="2" name="Title 1">
             <a:extLst>
               <a:ext uri="{FF2B5EF4-FFF2-40B4-BE49-F238E27FC236}">
-                <a16:creationId xmlns:a16="http://schemas.microsoft.com/office/drawing/2014/main" id="{6F107ADE-630F-B970-D055-02DE6ACC11E2}"/>
+                <a16:creationId xmlns:a16="http://schemas.microsoft.com/office/drawing/2014/main" id="{15027D3D-BAAF-A99F-79AD-5FDFFC62846B}"/>
               </a:ext>
             </a:extLst>
           </p:cNvPr>
@@ -2666,12 +3931,8 @@
           <a:lstStyle/>
           <a:p>
             <a:r>
-              <a:rPr lang="en-US" sz="2800" dirty="0"/>
-              <a:t>Number of Staffing Vacancies were Highest in San Antonio, Followed by Austin</a:t>
-            </a:r>
-            <a:r>
               <a:rPr lang="en-US" dirty="0"/>
-              <a:t>.</a:t>
+              <a:t>Summary Statistics for Vacancies After Grouping by Region </a:t>
             </a:r>
           </a:p>
         </p:txBody>
@@ -2681,7 +3942,7 @@
           <p:cNvPr id="5" name="Content Placeholder 4">
             <a:extLst>
               <a:ext uri="{FF2B5EF4-FFF2-40B4-BE49-F238E27FC236}">
-                <a16:creationId xmlns:a16="http://schemas.microsoft.com/office/drawing/2014/main" id="{E3314E1E-7596-DB1C-96C1-962BBC07C9A6}"/>
+                <a16:creationId xmlns:a16="http://schemas.microsoft.com/office/drawing/2014/main" id="{DDC95942-097D-5590-63EF-39DA7CE1B15D}"/>
               </a:ext>
             </a:extLst>
           </p:cNvPr>
@@ -2700,15 +3961,15 @@
         </p:blipFill>
         <p:spPr>
           <a:xfrm>
-            <a:off x="1255055" y="1223108"/>
-            <a:ext cx="6052262" cy="3714413"/>
+            <a:off x="574744" y="1921921"/>
+            <a:ext cx="8112056" cy="1074920"/>
           </a:xfrm>
         </p:spPr>
       </p:pic>
     </p:spTree>
     <p:extLst>
       <p:ext uri="{BB962C8B-B14F-4D97-AF65-F5344CB8AC3E}">
-        <p14:creationId xmlns:p14="http://schemas.microsoft.com/office/powerpoint/2010/main" val="1750920157"/>
+        <p14:creationId xmlns:p14="http://schemas.microsoft.com/office/powerpoint/2010/main" val="1401580884"/>
       </p:ext>
     </p:extLst>
   </p:cSld>
@@ -2740,7 +4001,7 @@
           <p:cNvPr id="2" name="Title 1">
             <a:extLst>
               <a:ext uri="{FF2B5EF4-FFF2-40B4-BE49-F238E27FC236}">
-                <a16:creationId xmlns:a16="http://schemas.microsoft.com/office/drawing/2014/main" id="{FBC7836D-EAD1-4B46-FE83-4E9445DE1CEA}"/>
+                <a16:creationId xmlns:a16="http://schemas.microsoft.com/office/drawing/2014/main" id="{939E8D49-0186-4404-E0CD-4D9CF88836EA}"/>
               </a:ext>
             </a:extLst>
           </p:cNvPr>
@@ -2758,14 +4019,7 @@
           <a:p>
             <a:r>
               <a:rPr lang="en-US" dirty="0"/>
-              <a:t>Median, Mean, and SD by Region</a:t>
-            </a:r>
-            <a:br>
-              <a:rPr lang="en-US" dirty="0"/>
-            </a:br>
-            <a:r>
-              <a:rPr lang="en-US" dirty="0"/>
-              <a:t>for FMLA Length (in Days)</a:t>
+              <a:t>Austin Vacancy Lengths in Days</a:t>
             </a:r>
           </a:p>
         </p:txBody>
@@ -2775,7 +4029,7 @@
           <p:cNvPr id="5" name="Content Placeholder 4">
             <a:extLst>
               <a:ext uri="{FF2B5EF4-FFF2-40B4-BE49-F238E27FC236}">
-                <a16:creationId xmlns:a16="http://schemas.microsoft.com/office/drawing/2014/main" id="{5D5B50C7-5C1C-1804-FA21-51435ECE0719}"/>
+                <a16:creationId xmlns:a16="http://schemas.microsoft.com/office/drawing/2014/main" id="{90CE44CE-2471-63F3-F3A9-7B9C30F475A0}"/>
               </a:ext>
             </a:extLst>
           </p:cNvPr>
@@ -2794,15 +4048,15 @@
         </p:blipFill>
         <p:spPr>
           <a:xfrm>
-            <a:off x="847205" y="1682580"/>
-            <a:ext cx="7449590" cy="2429214"/>
+            <a:off x="1778415" y="1200150"/>
+            <a:ext cx="5587169" cy="3394075"/>
           </a:xfrm>
         </p:spPr>
       </p:pic>
     </p:spTree>
     <p:extLst>
       <p:ext uri="{BB962C8B-B14F-4D97-AF65-F5344CB8AC3E}">
-        <p14:creationId xmlns:p14="http://schemas.microsoft.com/office/powerpoint/2010/main" val="2368985111"/>
+        <p14:creationId xmlns:p14="http://schemas.microsoft.com/office/powerpoint/2010/main" val="2882914638"/>
       </p:ext>
     </p:extLst>
   </p:cSld>
@@ -2834,7 +4088,7 @@
           <p:cNvPr id="2" name="Title 1">
             <a:extLst>
               <a:ext uri="{FF2B5EF4-FFF2-40B4-BE49-F238E27FC236}">
-                <a16:creationId xmlns:a16="http://schemas.microsoft.com/office/drawing/2014/main" id="{28D5521C-48D0-B610-862A-4789FBA92E74}"/>
+                <a16:creationId xmlns:a16="http://schemas.microsoft.com/office/drawing/2014/main" id="{26896BA4-8BFF-AB45-84EA-418B75546F36}"/>
               </a:ext>
             </a:extLst>
           </p:cNvPr>
@@ -2850,16 +4104,78 @@
           <a:bodyPr/>
           <a:lstStyle/>
           <a:p>
-            <a:endParaRPr lang="en-US"/>
+            <a:r>
+              <a:rPr lang="en-US" dirty="0"/>
+              <a:t>El Paso Vacancy Lengths in Days</a:t>
+            </a:r>
           </a:p>
         </p:txBody>
       </p:sp>
+      <p:pic>
+        <p:nvPicPr>
+          <p:cNvPr id="5" name="Content Placeholder 4">
+            <a:extLst>
+              <a:ext uri="{FF2B5EF4-FFF2-40B4-BE49-F238E27FC236}">
+                <a16:creationId xmlns:a16="http://schemas.microsoft.com/office/drawing/2014/main" id="{9C77C0F8-9F4F-7BAB-639B-008509E2B066}"/>
+              </a:ext>
+            </a:extLst>
+          </p:cNvPr>
+          <p:cNvPicPr>
+            <a:picLocks noGrp="1" noChangeAspect="1"/>
+          </p:cNvPicPr>
+          <p:nvPr>
+            <p:ph idx="1"/>
+          </p:nvPr>
+        </p:nvPicPr>
+        <p:blipFill>
+          <a:blip r:embed="rId2"/>
+          <a:stretch>
+            <a:fillRect/>
+          </a:stretch>
+        </p:blipFill>
+        <p:spPr>
+          <a:xfrm>
+            <a:off x="1818035" y="1200150"/>
+            <a:ext cx="5507929" cy="3394075"/>
+          </a:xfrm>
+        </p:spPr>
+      </p:pic>
+    </p:spTree>
+    <p:extLst>
+      <p:ext uri="{BB962C8B-B14F-4D97-AF65-F5344CB8AC3E}">
+        <p14:creationId xmlns:p14="http://schemas.microsoft.com/office/powerpoint/2010/main" val="3790466691"/>
+      </p:ext>
+    </p:extLst>
+  </p:cSld>
+  <p:clrMapOvr>
+    <a:masterClrMapping/>
+  </p:clrMapOvr>
+</p:sld>
+</file>
+
+<file path=ppt/slides/slide9.xml><?xml version="1.0" encoding="utf-8"?>
+<p:sld xmlns:a="http://schemas.openxmlformats.org/drawingml/2006/main" xmlns:r="http://schemas.openxmlformats.org/officeDocument/2006/relationships" xmlns:p="http://schemas.openxmlformats.org/presentationml/2006/main">
+  <p:cSld>
+    <p:spTree>
+      <p:nvGrpSpPr>
+        <p:cNvPr id="1" name=""/>
+        <p:cNvGrpSpPr/>
+        <p:nvPr/>
+      </p:nvGrpSpPr>
+      <p:grpSpPr>
+        <a:xfrm>
+          <a:off x="0" y="0"/>
+          <a:ext cx="0" cy="0"/>
+          <a:chOff x="0" y="0"/>
+          <a:chExt cx="0" cy="0"/>
+        </a:xfrm>
+      </p:grpSpPr>
       <p:sp>
         <p:nvSpPr>
-          <p:cNvPr id="3" name="Content Placeholder 2">
+          <p:cNvPr id="2" name="Title 1">
             <a:extLst>
               <a:ext uri="{FF2B5EF4-FFF2-40B4-BE49-F238E27FC236}">
-                <a16:creationId xmlns:a16="http://schemas.microsoft.com/office/drawing/2014/main" id="{B8273A8B-9491-F39D-5D98-645DC05C233E}"/>
+                <a16:creationId xmlns:a16="http://schemas.microsoft.com/office/drawing/2014/main" id="{5878F9D7-8020-7245-4B9E-01D1B5CDD7AE}"/>
               </a:ext>
             </a:extLst>
           </p:cNvPr>
@@ -2867,22 +4183,59 @@
             <a:spLocks noGrp="1"/>
           </p:cNvSpPr>
           <p:nvPr>
-            <p:ph idx="1"/>
+            <p:ph type="title"/>
           </p:nvPr>
         </p:nvSpPr>
-        <p:spPr/>
+        <p:spPr>
+          <a:xfrm>
+            <a:off x="457200" y="205978"/>
+            <a:ext cx="8229600" cy="994171"/>
+          </a:xfrm>
+        </p:spPr>
         <p:txBody>
           <a:bodyPr/>
           <a:lstStyle/>
           <a:p>
-            <a:endParaRPr lang="en-US"/>
+            <a:r>
+              <a:rPr lang="en-US" dirty="0"/>
+              <a:t>Greater Houston Area Vacancy Lengths in Days</a:t>
+            </a:r>
           </a:p>
         </p:txBody>
       </p:sp>
+      <p:pic>
+        <p:nvPicPr>
+          <p:cNvPr id="9" name="Content Placeholder 8">
+            <a:extLst>
+              <a:ext uri="{FF2B5EF4-FFF2-40B4-BE49-F238E27FC236}">
+                <a16:creationId xmlns:a16="http://schemas.microsoft.com/office/drawing/2014/main" id="{D803710D-484C-D62A-3392-5E71A9A59F7F}"/>
+              </a:ext>
+            </a:extLst>
+          </p:cNvPr>
+          <p:cNvPicPr>
+            <a:picLocks noGrp="1" noChangeAspect="1"/>
+          </p:cNvPicPr>
+          <p:nvPr>
+            <p:ph idx="1"/>
+          </p:nvPr>
+        </p:nvPicPr>
+        <p:blipFill>
+          <a:blip r:embed="rId2"/>
+          <a:stretch>
+            <a:fillRect/>
+          </a:stretch>
+        </p:blipFill>
+        <p:spPr>
+          <a:xfrm>
+            <a:off x="1464848" y="1372537"/>
+            <a:ext cx="5749607" cy="3394075"/>
+          </a:xfrm>
+        </p:spPr>
+      </p:pic>
     </p:spTree>
     <p:extLst>
       <p:ext uri="{BB962C8B-B14F-4D97-AF65-F5344CB8AC3E}">
-        <p14:creationId xmlns:p14="http://schemas.microsoft.com/office/powerpoint/2010/main" val="1183491755"/>
+        <p14:creationId xmlns:p14="http://schemas.microsoft.com/office/powerpoint/2010/main" val="1289593336"/>
       </p:ext>
     </p:extLst>
   </p:cSld>
@@ -3808,6 +5161,21 @@
 </file>
 
 <file path=customXml/item1.xml><?xml version="1.0" encoding="utf-8"?>
+<p:properties xmlns:p="http://schemas.microsoft.com/office/2006/metadata/properties" xmlns:xsi="http://www.w3.org/2001/XMLSchema-instance" xmlns:pc="http://schemas.microsoft.com/office/infopath/2007/PartnerControls">
+  <documentManagement/>
+</p:properties>
+</file>
+
+<file path=customXml/item2.xml><?xml version="1.0" encoding="utf-8"?>
+<?mso-contentType ?>
+<FormTemplates xmlns="http://schemas.microsoft.com/sharepoint/v3/contenttype/forms">
+  <Display>DocumentLibraryForm</Display>
+  <Edit>DocumentLibraryForm</Edit>
+  <New>DocumentLibraryForm</New>
+</FormTemplates>
+</file>
+
+<file path=customXml/item3.xml><?xml version="1.0" encoding="utf-8"?>
 <ct:contentTypeSchema xmlns:ct="http://schemas.microsoft.com/office/2006/metadata/contentType" xmlns:ma="http://schemas.microsoft.com/office/2006/metadata/properties/metaAttributes" ct:_="" ma:_="" ma:contentTypeName="Document" ma:contentTypeID="0x010100DF49D00B096D244FAC5AFF8B60974F61" ma:contentTypeVersion="11" ma:contentTypeDescription="Create a new document." ma:contentTypeScope="" ma:versionID="e46cd2fcefc6db6a90d7fd0c5747b844">
   <xsd:schema xmlns:xsd="http://www.w3.org/2001/XMLSchema" xmlns:xs="http://www.w3.org/2001/XMLSchema" xmlns:p="http://schemas.microsoft.com/office/2006/metadata/properties" xmlns:ns2="d3c7062f-4ea7-49cc-b3fe-850ed8fbc539" xmlns:ns3="4bdf3d67-7eae-48ef-a451-1b2c03484972" targetNamespace="http://schemas.microsoft.com/office/2006/metadata/properties" ma:root="true" ma:fieldsID="865c60c29ba958a0a0c1ed2c0277074c" ns2:_="" ns3:_="">
     <xsd:import namespace="d3c7062f-4ea7-49cc-b3fe-850ed8fbc539"/>
@@ -4018,22 +5386,32 @@
 </ct:contentTypeSchema>
 </file>
 
-<file path=customXml/item2.xml><?xml version="1.0" encoding="utf-8"?>
-<?mso-contentType ?>
-<FormTemplates xmlns="http://schemas.microsoft.com/sharepoint/v3/contenttype/forms">
-  <Display>DocumentLibraryForm</Display>
-  <Edit>DocumentLibraryForm</Edit>
-  <New>DocumentLibraryForm</New>
-</FormTemplates>
+<file path=customXml/itemProps1.xml><?xml version="1.0" encoding="utf-8"?>
+<ds:datastoreItem xmlns:ds="http://schemas.openxmlformats.org/officeDocument/2006/customXml" ds:itemID="{1A521E03-7C40-4A97-94E2-72A900A35FF1}">
+  <ds:schemaRefs>
+    <ds:schemaRef ds:uri="4bdf3d67-7eae-48ef-a451-1b2c03484972"/>
+    <ds:schemaRef ds:uri="d3c7062f-4ea7-49cc-b3fe-850ed8fbc539"/>
+    <ds:schemaRef ds:uri="http://purl.org/dc/dcmitype/"/>
+    <ds:schemaRef ds:uri="http://purl.org/dc/elements/1.1/"/>
+    <ds:schemaRef ds:uri="http://purl.org/dc/terms/"/>
+    <ds:schemaRef ds:uri="http://schemas.microsoft.com/office/2006/documentManagement/types"/>
+    <ds:schemaRef ds:uri="http://schemas.microsoft.com/office/2006/metadata/properties"/>
+    <ds:schemaRef ds:uri="http://schemas.microsoft.com/office/infopath/2007/PartnerControls"/>
+    <ds:schemaRef ds:uri="http://schemas.openxmlformats.org/package/2006/metadata/core-properties"/>
+    <ds:schemaRef ds:uri="http://www.w3.org/XML/1998/namespace"/>
+  </ds:schemaRefs>
+</ds:datastoreItem>
 </file>
 
-<file path=customXml/item3.xml><?xml version="1.0" encoding="utf-8"?>
-<p:properties xmlns:p="http://schemas.microsoft.com/office/2006/metadata/properties" xmlns:xsi="http://www.w3.org/2001/XMLSchema-instance" xmlns:pc="http://schemas.microsoft.com/office/infopath/2007/PartnerControls">
-  <documentManagement/>
-</p:properties>
+<file path=customXml/itemProps2.xml><?xml version="1.0" encoding="utf-8"?>
+<ds:datastoreItem xmlns:ds="http://schemas.openxmlformats.org/officeDocument/2006/customXml" ds:itemID="{4345A88B-8F77-4C36-85CD-A433C8B900F7}">
+  <ds:schemaRefs>
+    <ds:schemaRef ds:uri="http://schemas.microsoft.com/sharepoint/v3/contenttype/forms"/>
+  </ds:schemaRefs>
+</ds:datastoreItem>
 </file>
 
-<file path=customXml/itemProps1.xml><?xml version="1.0" encoding="utf-8"?>
+<file path=customXml/itemProps3.xml><?xml version="1.0" encoding="utf-8"?>
 <ds:datastoreItem xmlns:ds="http://schemas.openxmlformats.org/officeDocument/2006/customXml" ds:itemID="{A4CAEAFD-F28A-43BB-9051-236ACB100365}">
   <ds:schemaRefs>
     <ds:schemaRef ds:uri="4bdf3d67-7eae-48ef-a451-1b2c03484972"/>
@@ -4050,29 +5428,4 @@
     <ds:schemaRef ds:uri="http://www.w3.org/2001/XMLSchema"/>
   </ds:schemaRefs>
 </ds:datastoreItem>
-</file>
-
-<file path=customXml/itemProps2.xml><?xml version="1.0" encoding="utf-8"?>
-<ds:datastoreItem xmlns:ds="http://schemas.openxmlformats.org/officeDocument/2006/customXml" ds:itemID="{4345A88B-8F77-4C36-85CD-A433C8B900F7}">
-  <ds:schemaRefs>
-    <ds:schemaRef ds:uri="http://schemas.microsoft.com/sharepoint/v3/contenttype/forms"/>
-  </ds:schemaRefs>
-</ds:datastoreItem>
-</file>
-
-<file path=customXml/itemProps3.xml><?xml version="1.0" encoding="utf-8"?>
-<ds:datastoreItem xmlns:ds="http://schemas.openxmlformats.org/officeDocument/2006/customXml" ds:itemID="{1A521E03-7C40-4A97-94E2-72A900A35FF1}">
-  <ds:schemaRefs>
-    <ds:schemaRef ds:uri="4bdf3d67-7eae-48ef-a451-1b2c03484972"/>
-    <ds:schemaRef ds:uri="d3c7062f-4ea7-49cc-b3fe-850ed8fbc539"/>
-    <ds:schemaRef ds:uri="http://purl.org/dc/dcmitype/"/>
-    <ds:schemaRef ds:uri="http://purl.org/dc/elements/1.1/"/>
-    <ds:schemaRef ds:uri="http://purl.org/dc/terms/"/>
-    <ds:schemaRef ds:uri="http://schemas.microsoft.com/office/2006/documentManagement/types"/>
-    <ds:schemaRef ds:uri="http://schemas.microsoft.com/office/2006/metadata/properties"/>
-    <ds:schemaRef ds:uri="http://schemas.microsoft.com/office/infopath/2007/PartnerControls"/>
-    <ds:schemaRef ds:uri="http://schemas.openxmlformats.org/package/2006/metadata/core-properties"/>
-    <ds:schemaRef ds:uri="http://www.w3.org/XML/1998/namespace"/>
-  </ds:schemaRefs>
-</ds:datastoreItem>
 </file>
--- a/graphs/Staffing_Part1_23-24_preliminary_report.pptx
+++ b/graphs/Staffing_Part1_23-24_preliminary_report.pptx
@@ -5,49 +5,85 @@
     <p:sldMasterId id="2147483653" r:id="rId4"/>
   </p:sldMasterIdLst>
   <p:notesMasterIdLst>
-    <p:notesMasterId r:id="rId26"/>
+    <p:notesMasterId r:id="rId62"/>
   </p:notesMasterIdLst>
   <p:handoutMasterIdLst>
-    <p:handoutMasterId r:id="rId27"/>
+    <p:handoutMasterId r:id="rId63"/>
   </p:handoutMasterIdLst>
   <p:sldIdLst>
     <p:sldId id="256" r:id="rId5"/>
     <p:sldId id="301" r:id="rId6"/>
     <p:sldId id="302" r:id="rId7"/>
     <p:sldId id="342" r:id="rId8"/>
-    <p:sldId id="337" r:id="rId9"/>
-    <p:sldId id="338" r:id="rId10"/>
-    <p:sldId id="349" r:id="rId11"/>
-    <p:sldId id="350" r:id="rId12"/>
-    <p:sldId id="351" r:id="rId13"/>
-    <p:sldId id="353" r:id="rId14"/>
-    <p:sldId id="352" r:id="rId15"/>
-    <p:sldId id="354" r:id="rId16"/>
-    <p:sldId id="355" r:id="rId17"/>
-    <p:sldId id="356" r:id="rId18"/>
-    <p:sldId id="357" r:id="rId19"/>
-    <p:sldId id="346" r:id="rId20"/>
-    <p:sldId id="339" r:id="rId21"/>
-    <p:sldId id="345" r:id="rId22"/>
-    <p:sldId id="340" r:id="rId23"/>
-    <p:sldId id="348" r:id="rId24"/>
-    <p:sldId id="341" r:id="rId25"/>
+    <p:sldId id="368" r:id="rId9"/>
+    <p:sldId id="337" r:id="rId10"/>
+    <p:sldId id="338" r:id="rId11"/>
+    <p:sldId id="349" r:id="rId12"/>
+    <p:sldId id="350" r:id="rId13"/>
+    <p:sldId id="351" r:id="rId14"/>
+    <p:sldId id="353" r:id="rId15"/>
+    <p:sldId id="352" r:id="rId16"/>
+    <p:sldId id="354" r:id="rId17"/>
+    <p:sldId id="355" r:id="rId18"/>
+    <p:sldId id="356" r:id="rId19"/>
+    <p:sldId id="357" r:id="rId20"/>
+    <p:sldId id="346" r:id="rId21"/>
+    <p:sldId id="339" r:id="rId22"/>
+    <p:sldId id="369" r:id="rId23"/>
+    <p:sldId id="358" r:id="rId24"/>
+    <p:sldId id="362" r:id="rId25"/>
+    <p:sldId id="366" r:id="rId26"/>
+    <p:sldId id="367" r:id="rId27"/>
+    <p:sldId id="372" r:id="rId28"/>
+    <p:sldId id="371" r:id="rId29"/>
+    <p:sldId id="382" r:id="rId30"/>
+    <p:sldId id="381" r:id="rId31"/>
+    <p:sldId id="388" r:id="rId32"/>
+    <p:sldId id="392" r:id="rId33"/>
+    <p:sldId id="400" r:id="rId34"/>
+    <p:sldId id="396" r:id="rId35"/>
+    <p:sldId id="397" r:id="rId36"/>
+    <p:sldId id="398" r:id="rId37"/>
+    <p:sldId id="399" r:id="rId38"/>
+    <p:sldId id="390" r:id="rId39"/>
+    <p:sldId id="393" r:id="rId40"/>
+    <p:sldId id="345" r:id="rId41"/>
+    <p:sldId id="375" r:id="rId42"/>
+    <p:sldId id="340" r:id="rId43"/>
+    <p:sldId id="348" r:id="rId44"/>
+    <p:sldId id="341" r:id="rId45"/>
+    <p:sldId id="365" r:id="rId46"/>
+    <p:sldId id="374" r:id="rId47"/>
+    <p:sldId id="376" r:id="rId48"/>
+    <p:sldId id="377" r:id="rId49"/>
+    <p:sldId id="378" r:id="rId50"/>
+    <p:sldId id="379" r:id="rId51"/>
+    <p:sldId id="380" r:id="rId52"/>
+    <p:sldId id="383" r:id="rId53"/>
+    <p:sldId id="384" r:id="rId54"/>
+    <p:sldId id="385" r:id="rId55"/>
+    <p:sldId id="386" r:id="rId56"/>
+    <p:sldId id="394" r:id="rId57"/>
+    <p:sldId id="387" r:id="rId58"/>
+    <p:sldId id="395" r:id="rId59"/>
+    <p:sldId id="401" r:id="rId60"/>
+    <p:sldId id="361" r:id="rId61"/>
   </p:sldIdLst>
   <p:sldSz cx="9144000" cy="5143500" type="screen16x9"/>
   <p:notesSz cx="6858000" cy="9144000"/>
   <p:embeddedFontLst>
     <p:embeddedFont>
       <p:font typeface="Proxima Nova" panose="02000506030000020004" pitchFamily="2" charset="0"/>
-      <p:regular r:id="rId28"/>
-      <p:bold r:id="rId29"/>
-      <p:italic r:id="rId30"/>
-      <p:boldItalic r:id="rId31"/>
+      <p:regular r:id="rId64"/>
+      <p:bold r:id="rId65"/>
+      <p:italic r:id="rId66"/>
+      <p:boldItalic r:id="rId67"/>
     </p:embeddedFont>
     <p:embeddedFont>
       <p:font typeface="Proxima Nova Extrabold" panose="02000506030000020004" pitchFamily="2" charset="0"/>
-      <p:bold r:id="rId32"/>
-      <p:italic r:id="rId33"/>
-      <p:boldItalic r:id="rId34"/>
+      <p:bold r:id="rId68"/>
+      <p:italic r:id="rId69"/>
+      <p:boldItalic r:id="rId70"/>
     </p:embeddedFont>
   </p:embeddedFontLst>
   <p:defaultTextStyle>
@@ -154,6 +190,7 @@
             <p14:sldId id="301"/>
             <p14:sldId id="302"/>
             <p14:sldId id="342"/>
+            <p14:sldId id="368"/>
             <p14:sldId id="337"/>
             <p14:sldId id="338"/>
             <p14:sldId id="349"/>
@@ -167,14 +204,50 @@
             <p14:sldId id="357"/>
             <p14:sldId id="346"/>
             <p14:sldId id="339"/>
+            <p14:sldId id="369"/>
+            <p14:sldId id="358"/>
+            <p14:sldId id="362"/>
+            <p14:sldId id="366"/>
+            <p14:sldId id="367"/>
+            <p14:sldId id="372"/>
+            <p14:sldId id="371"/>
+            <p14:sldId id="382"/>
+            <p14:sldId id="381"/>
+            <p14:sldId id="388"/>
+            <p14:sldId id="392"/>
+            <p14:sldId id="400"/>
+            <p14:sldId id="396"/>
+            <p14:sldId id="397"/>
+            <p14:sldId id="398"/>
+            <p14:sldId id="399"/>
+            <p14:sldId id="390"/>
+            <p14:sldId id="393"/>
             <p14:sldId id="345"/>
+            <p14:sldId id="375"/>
             <p14:sldId id="340"/>
             <p14:sldId id="348"/>
             <p14:sldId id="341"/>
+            <p14:sldId id="365"/>
+            <p14:sldId id="374"/>
+            <p14:sldId id="376"/>
+            <p14:sldId id="377"/>
+            <p14:sldId id="378"/>
+            <p14:sldId id="379"/>
+            <p14:sldId id="380"/>
+            <p14:sldId id="383"/>
+            <p14:sldId id="384"/>
+            <p14:sldId id="385"/>
+            <p14:sldId id="386"/>
+            <p14:sldId id="394"/>
+            <p14:sldId id="387"/>
+            <p14:sldId id="395"/>
+            <p14:sldId id="401"/>
           </p14:sldIdLst>
         </p14:section>
         <p14:section name="Appendix" id="{7707790E-8F7D-47FE-B46E-129A00257476}">
-          <p14:sldIdLst/>
+          <p14:sldIdLst>
+            <p14:sldId id="361"/>
+          </p14:sldIdLst>
         </p14:section>
       </p14:sectionLst>
     </p:ext>
@@ -2098,7 +2171,7 @@
           <p:cNvPr id="2" name="Title 1">
             <a:extLst>
               <a:ext uri="{FF2B5EF4-FFF2-40B4-BE49-F238E27FC236}">
-                <a16:creationId xmlns:a16="http://schemas.microsoft.com/office/drawing/2014/main" id="{14E3766F-290C-4F7F-528C-75291A2272EF}"/>
+                <a16:creationId xmlns:a16="http://schemas.microsoft.com/office/drawing/2014/main" id="{5878F9D7-8020-7245-4B9E-01D1B5CDD7AE}"/>
               </a:ext>
             </a:extLst>
           </p:cNvPr>
@@ -2121,24 +2194,17 @@
           <a:p>
             <a:r>
               <a:rPr lang="en-US" dirty="0"/>
-              <a:t>Lower Valley RGV Vacancy </a:t>
-            </a:r>
-            <a:br>
-              <a:rPr lang="en-US" dirty="0"/>
-            </a:br>
-            <a:r>
-              <a:rPr lang="en-US" dirty="0"/>
-              <a:t>Lengths in Days</a:t>
+              <a:t>Greater Houston Area Vacancy Lengths in Days</a:t>
             </a:r>
           </a:p>
         </p:txBody>
       </p:sp>
       <p:pic>
         <p:nvPicPr>
-          <p:cNvPr id="5" name="Content Placeholder 4">
-            <a:extLst>
-              <a:ext uri="{FF2B5EF4-FFF2-40B4-BE49-F238E27FC236}">
-                <a16:creationId xmlns:a16="http://schemas.microsoft.com/office/drawing/2014/main" id="{7AC9A718-9AE1-0C6B-9553-4AD11BE7C7DA}"/>
+          <p:cNvPr id="9" name="Content Placeholder 8">
+            <a:extLst>
+              <a:ext uri="{FF2B5EF4-FFF2-40B4-BE49-F238E27FC236}">
+                <a16:creationId xmlns:a16="http://schemas.microsoft.com/office/drawing/2014/main" id="{D803710D-484C-D62A-3392-5E71A9A59F7F}"/>
               </a:ext>
             </a:extLst>
           </p:cNvPr>
@@ -2157,15 +2223,15 @@
         </p:blipFill>
         <p:spPr>
           <a:xfrm>
-            <a:off x="1464508" y="1395022"/>
-            <a:ext cx="5765278" cy="3394075"/>
+            <a:off x="1464848" y="1372537"/>
+            <a:ext cx="5749607" cy="3394075"/>
           </a:xfrm>
         </p:spPr>
       </p:pic>
     </p:spTree>
     <p:extLst>
       <p:ext uri="{BB962C8B-B14F-4D97-AF65-F5344CB8AC3E}">
-        <p14:creationId xmlns:p14="http://schemas.microsoft.com/office/powerpoint/2010/main" val="2223568588"/>
+        <p14:creationId xmlns:p14="http://schemas.microsoft.com/office/powerpoint/2010/main" val="1289593336"/>
       </p:ext>
     </p:extLst>
   </p:cSld>
@@ -2197,7 +2263,7 @@
           <p:cNvPr id="2" name="Title 1">
             <a:extLst>
               <a:ext uri="{FF2B5EF4-FFF2-40B4-BE49-F238E27FC236}">
-                <a16:creationId xmlns:a16="http://schemas.microsoft.com/office/drawing/2014/main" id="{9289C9EA-94CC-3D33-4482-14404ABC1EDF}"/>
+                <a16:creationId xmlns:a16="http://schemas.microsoft.com/office/drawing/2014/main" id="{14E3766F-290C-4F7F-528C-75291A2272EF}"/>
               </a:ext>
             </a:extLst>
           </p:cNvPr>
@@ -2210,8 +2276,8 @@
         </p:nvSpPr>
         <p:spPr>
           <a:xfrm>
-            <a:off x="457200" y="205979"/>
-            <a:ext cx="8229600" cy="910788"/>
+            <a:off x="457200" y="205978"/>
+            <a:ext cx="8229600" cy="994171"/>
           </a:xfrm>
         </p:spPr>
         <p:txBody>
@@ -2220,7 +2286,7 @@
           <a:p>
             <a:r>
               <a:rPr lang="en-US" dirty="0"/>
-              <a:t>Upper Valley RGV Vacancy </a:t>
+              <a:t>Lower Valley RGV Vacancy </a:t>
             </a:r>
             <a:br>
               <a:rPr lang="en-US" dirty="0"/>
@@ -2237,7 +2303,7 @@
           <p:cNvPr id="5" name="Content Placeholder 4">
             <a:extLst>
               <a:ext uri="{FF2B5EF4-FFF2-40B4-BE49-F238E27FC236}">
-                <a16:creationId xmlns:a16="http://schemas.microsoft.com/office/drawing/2014/main" id="{5142658B-B7B6-E92B-F6E6-C8EB6A500DBC}"/>
+                <a16:creationId xmlns:a16="http://schemas.microsoft.com/office/drawing/2014/main" id="{7AC9A718-9AE1-0C6B-9553-4AD11BE7C7DA}"/>
               </a:ext>
             </a:extLst>
           </p:cNvPr>
@@ -2256,15 +2322,15 @@
         </p:blipFill>
         <p:spPr>
           <a:xfrm>
-            <a:off x="1636478" y="1365042"/>
-            <a:ext cx="5871043" cy="3394075"/>
+            <a:off x="1464508" y="1395022"/>
+            <a:ext cx="5765278" cy="3394075"/>
           </a:xfrm>
         </p:spPr>
       </p:pic>
     </p:spTree>
     <p:extLst>
       <p:ext uri="{BB962C8B-B14F-4D97-AF65-F5344CB8AC3E}">
-        <p14:creationId xmlns:p14="http://schemas.microsoft.com/office/powerpoint/2010/main" val="3197204371"/>
+        <p14:creationId xmlns:p14="http://schemas.microsoft.com/office/powerpoint/2010/main" val="2223568588"/>
       </p:ext>
     </p:extLst>
   </p:cSld>
@@ -2296,7 +2362,7 @@
           <p:cNvPr id="2" name="Title 1">
             <a:extLst>
               <a:ext uri="{FF2B5EF4-FFF2-40B4-BE49-F238E27FC236}">
-                <a16:creationId xmlns:a16="http://schemas.microsoft.com/office/drawing/2014/main" id="{18E6F7C8-B189-60A5-DEA9-F328950B91BB}"/>
+                <a16:creationId xmlns:a16="http://schemas.microsoft.com/office/drawing/2014/main" id="{9289C9EA-94CC-3D33-4482-14404ABC1EDF}"/>
               </a:ext>
             </a:extLst>
           </p:cNvPr>
@@ -2309,8 +2375,8 @@
         </p:nvSpPr>
         <p:spPr>
           <a:xfrm>
-            <a:off x="457200" y="205978"/>
-            <a:ext cx="8229600" cy="1015719"/>
+            <a:off x="457200" y="205979"/>
+            <a:ext cx="8229600" cy="910788"/>
           </a:xfrm>
         </p:spPr>
         <p:txBody>
@@ -2319,7 +2385,7 @@
           <a:p>
             <a:r>
               <a:rPr lang="en-US" dirty="0"/>
-              <a:t>Mid Valley RGV Vacancy </a:t>
+              <a:t>Upper Valley RGV Vacancy </a:t>
             </a:r>
             <a:br>
               <a:rPr lang="en-US" dirty="0"/>
@@ -2336,7 +2402,7 @@
           <p:cNvPr id="5" name="Content Placeholder 4">
             <a:extLst>
               <a:ext uri="{FF2B5EF4-FFF2-40B4-BE49-F238E27FC236}">
-                <a16:creationId xmlns:a16="http://schemas.microsoft.com/office/drawing/2014/main" id="{5D3A619D-D3A6-736B-6AB3-ED82FA8C4849}"/>
+                <a16:creationId xmlns:a16="http://schemas.microsoft.com/office/drawing/2014/main" id="{5142658B-B7B6-E92B-F6E6-C8EB6A500DBC}"/>
               </a:ext>
             </a:extLst>
           </p:cNvPr>
@@ -2355,15 +2421,15 @@
         </p:blipFill>
         <p:spPr>
           <a:xfrm>
-            <a:off x="1443652" y="1432497"/>
-            <a:ext cx="5672080" cy="3394075"/>
+            <a:off x="1636478" y="1365042"/>
+            <a:ext cx="5871043" cy="3394075"/>
           </a:xfrm>
         </p:spPr>
       </p:pic>
     </p:spTree>
     <p:extLst>
       <p:ext uri="{BB962C8B-B14F-4D97-AF65-F5344CB8AC3E}">
-        <p14:creationId xmlns:p14="http://schemas.microsoft.com/office/powerpoint/2010/main" val="2040977"/>
+        <p14:creationId xmlns:p14="http://schemas.microsoft.com/office/powerpoint/2010/main" val="3197204371"/>
       </p:ext>
     </p:extLst>
   </p:cSld>
@@ -2395,7 +2461,7 @@
           <p:cNvPr id="2" name="Title 1">
             <a:extLst>
               <a:ext uri="{FF2B5EF4-FFF2-40B4-BE49-F238E27FC236}">
-                <a16:creationId xmlns:a16="http://schemas.microsoft.com/office/drawing/2014/main" id="{B90650CE-A720-278E-6659-3CE49EED3071}"/>
+                <a16:creationId xmlns:a16="http://schemas.microsoft.com/office/drawing/2014/main" id="{18E6F7C8-B189-60A5-DEA9-F328950B91BB}"/>
               </a:ext>
             </a:extLst>
           </p:cNvPr>
@@ -2408,8 +2474,8 @@
         </p:nvSpPr>
         <p:spPr>
           <a:xfrm>
-            <a:off x="457200" y="205979"/>
-            <a:ext cx="8229600" cy="963254"/>
+            <a:off x="457200" y="205978"/>
+            <a:ext cx="8229600" cy="1015719"/>
           </a:xfrm>
         </p:spPr>
         <p:txBody>
@@ -2418,7 +2484,7 @@
           <a:p>
             <a:r>
               <a:rPr lang="en-US" dirty="0"/>
-              <a:t>Permian Basin Vacancy </a:t>
+              <a:t>Mid Valley RGV Vacancy </a:t>
             </a:r>
             <a:br>
               <a:rPr lang="en-US" dirty="0"/>
@@ -2435,7 +2501,7 @@
           <p:cNvPr id="5" name="Content Placeholder 4">
             <a:extLst>
               <a:ext uri="{FF2B5EF4-FFF2-40B4-BE49-F238E27FC236}">
-                <a16:creationId xmlns:a16="http://schemas.microsoft.com/office/drawing/2014/main" id="{AA634593-10E4-E606-465F-2FF94F49EA67}"/>
+                <a16:creationId xmlns:a16="http://schemas.microsoft.com/office/drawing/2014/main" id="{5D3A619D-D3A6-736B-6AB3-ED82FA8C4849}"/>
               </a:ext>
             </a:extLst>
           </p:cNvPr>
@@ -2454,15 +2520,15 @@
         </p:blipFill>
         <p:spPr>
           <a:xfrm>
-            <a:off x="1527635" y="1395022"/>
-            <a:ext cx="5624035" cy="3394075"/>
+            <a:off x="1443652" y="1432497"/>
+            <a:ext cx="5672080" cy="3394075"/>
           </a:xfrm>
         </p:spPr>
       </p:pic>
     </p:spTree>
     <p:extLst>
       <p:ext uri="{BB962C8B-B14F-4D97-AF65-F5344CB8AC3E}">
-        <p14:creationId xmlns:p14="http://schemas.microsoft.com/office/powerpoint/2010/main" val="652096335"/>
+        <p14:creationId xmlns:p14="http://schemas.microsoft.com/office/powerpoint/2010/main" val="2040977"/>
       </p:ext>
     </p:extLst>
   </p:cSld>
@@ -2494,7 +2560,7 @@
           <p:cNvPr id="2" name="Title 1">
             <a:extLst>
               <a:ext uri="{FF2B5EF4-FFF2-40B4-BE49-F238E27FC236}">
-                <a16:creationId xmlns:a16="http://schemas.microsoft.com/office/drawing/2014/main" id="{9E21C964-0DD2-6B33-CB6B-9A1B7C731A19}"/>
+                <a16:creationId xmlns:a16="http://schemas.microsoft.com/office/drawing/2014/main" id="{B90650CE-A720-278E-6659-3CE49EED3071}"/>
               </a:ext>
             </a:extLst>
           </p:cNvPr>
@@ -2505,14 +2571,26 @@
             <p:ph type="title"/>
           </p:nvPr>
         </p:nvSpPr>
-        <p:spPr/>
+        <p:spPr>
+          <a:xfrm>
+            <a:off x="457200" y="205979"/>
+            <a:ext cx="8229600" cy="963254"/>
+          </a:xfrm>
+        </p:spPr>
         <p:txBody>
           <a:bodyPr/>
           <a:lstStyle/>
           <a:p>
             <a:r>
               <a:rPr lang="en-US" dirty="0"/>
-              <a:t>San Antonio Vacancy Lengths in Days</a:t>
+              <a:t>Permian Basin Vacancy </a:t>
+            </a:r>
+            <a:br>
+              <a:rPr lang="en-US" dirty="0"/>
+            </a:br>
+            <a:r>
+              <a:rPr lang="en-US" dirty="0"/>
+              <a:t>Lengths in Days</a:t>
             </a:r>
           </a:p>
         </p:txBody>
@@ -2522,7 +2600,7 @@
           <p:cNvPr id="5" name="Content Placeholder 4">
             <a:extLst>
               <a:ext uri="{FF2B5EF4-FFF2-40B4-BE49-F238E27FC236}">
-                <a16:creationId xmlns:a16="http://schemas.microsoft.com/office/drawing/2014/main" id="{83C53CC5-ED06-8B81-9C55-D9A27D2A1F74}"/>
+                <a16:creationId xmlns:a16="http://schemas.microsoft.com/office/drawing/2014/main" id="{AA634593-10E4-E606-465F-2FF94F49EA67}"/>
               </a:ext>
             </a:extLst>
           </p:cNvPr>
@@ -2541,15 +2619,15 @@
         </p:blipFill>
         <p:spPr>
           <a:xfrm>
-            <a:off x="1363593" y="1282596"/>
-            <a:ext cx="5772236" cy="3394075"/>
+            <a:off x="1527635" y="1395022"/>
+            <a:ext cx="5624035" cy="3394075"/>
           </a:xfrm>
         </p:spPr>
       </p:pic>
     </p:spTree>
     <p:extLst>
       <p:ext uri="{BB962C8B-B14F-4D97-AF65-F5344CB8AC3E}">
-        <p14:creationId xmlns:p14="http://schemas.microsoft.com/office/powerpoint/2010/main" val="2419743042"/>
+        <p14:creationId xmlns:p14="http://schemas.microsoft.com/office/powerpoint/2010/main" val="652096335"/>
       </p:ext>
     </p:extLst>
   </p:cSld>
@@ -2581,7 +2659,7 @@
           <p:cNvPr id="2" name="Title 1">
             <a:extLst>
               <a:ext uri="{FF2B5EF4-FFF2-40B4-BE49-F238E27FC236}">
-                <a16:creationId xmlns:a16="http://schemas.microsoft.com/office/drawing/2014/main" id="{2A65DB97-E8B2-AB81-4A1B-EA4D70E8192D}"/>
+                <a16:creationId xmlns:a16="http://schemas.microsoft.com/office/drawing/2014/main" id="{9E21C964-0DD2-6B33-CB6B-9A1B7C731A19}"/>
               </a:ext>
             </a:extLst>
           </p:cNvPr>
@@ -2592,26 +2670,14 @@
             <p:ph type="title"/>
           </p:nvPr>
         </p:nvSpPr>
-        <p:spPr>
-          <a:xfrm>
-            <a:off x="457200" y="205979"/>
-            <a:ext cx="8229600" cy="1010702"/>
-          </a:xfrm>
-        </p:spPr>
+        <p:spPr/>
         <p:txBody>
           <a:bodyPr/>
           <a:lstStyle/>
           <a:p>
             <a:r>
               <a:rPr lang="en-US" dirty="0"/>
-              <a:t>Tarrant County Vacancy </a:t>
-            </a:r>
-            <a:br>
-              <a:rPr lang="en-US" dirty="0"/>
-            </a:br>
-            <a:r>
-              <a:rPr lang="en-US" dirty="0"/>
-              <a:t>Lengths in Days</a:t>
+              <a:t>San Antonio Vacancy Lengths in Days</a:t>
             </a:r>
           </a:p>
         </p:txBody>
@@ -2621,7 +2687,7 @@
           <p:cNvPr id="5" name="Content Placeholder 4">
             <a:extLst>
               <a:ext uri="{FF2B5EF4-FFF2-40B4-BE49-F238E27FC236}">
-                <a16:creationId xmlns:a16="http://schemas.microsoft.com/office/drawing/2014/main" id="{ED19D254-3A9A-29E7-CB63-A22679A647B4}"/>
+                <a16:creationId xmlns:a16="http://schemas.microsoft.com/office/drawing/2014/main" id="{83C53CC5-ED06-8B81-9C55-D9A27D2A1F74}"/>
               </a:ext>
             </a:extLst>
           </p:cNvPr>
@@ -2640,15 +2706,15 @@
         </p:blipFill>
         <p:spPr>
           <a:xfrm>
-            <a:off x="1627469" y="1381519"/>
-            <a:ext cx="5617007" cy="3394075"/>
+            <a:off x="1363593" y="1282596"/>
+            <a:ext cx="5772236" cy="3394075"/>
           </a:xfrm>
         </p:spPr>
       </p:pic>
     </p:spTree>
     <p:extLst>
       <p:ext uri="{BB962C8B-B14F-4D97-AF65-F5344CB8AC3E}">
-        <p14:creationId xmlns:p14="http://schemas.microsoft.com/office/powerpoint/2010/main" val="1878602875"/>
+        <p14:creationId xmlns:p14="http://schemas.microsoft.com/office/powerpoint/2010/main" val="2419743042"/>
       </p:ext>
     </p:extLst>
   </p:cSld>
@@ -2680,7 +2746,7 @@
           <p:cNvPr id="2" name="Title 1">
             <a:extLst>
               <a:ext uri="{FF2B5EF4-FFF2-40B4-BE49-F238E27FC236}">
-                <a16:creationId xmlns:a16="http://schemas.microsoft.com/office/drawing/2014/main" id="{52679B77-58AA-91AE-04A1-298ACFE63D09}"/>
+                <a16:creationId xmlns:a16="http://schemas.microsoft.com/office/drawing/2014/main" id="{2A65DB97-E8B2-AB81-4A1B-EA4D70E8192D}"/>
               </a:ext>
             </a:extLst>
           </p:cNvPr>
@@ -2691,14 +2757,26 @@
             <p:ph type="title"/>
           </p:nvPr>
         </p:nvSpPr>
-        <p:spPr/>
+        <p:spPr>
+          <a:xfrm>
+            <a:off x="457200" y="205979"/>
+            <a:ext cx="8229600" cy="1010702"/>
+          </a:xfrm>
+        </p:spPr>
         <p:txBody>
           <a:bodyPr/>
           <a:lstStyle/>
           <a:p>
             <a:r>
               <a:rPr lang="en-US" dirty="0"/>
-              <a:t>Number of Staffing Vacancies Varied by Region </a:t>
+              <a:t>Tarrant County Vacancy </a:t>
+            </a:r>
+            <a:br>
+              <a:rPr lang="en-US" dirty="0"/>
+            </a:br>
+            <a:r>
+              <a:rPr lang="en-US" dirty="0"/>
+              <a:t>Lengths in Days</a:t>
             </a:r>
           </a:p>
         </p:txBody>
@@ -2708,7 +2786,7 @@
           <p:cNvPr id="5" name="Content Placeholder 4">
             <a:extLst>
               <a:ext uri="{FF2B5EF4-FFF2-40B4-BE49-F238E27FC236}">
-                <a16:creationId xmlns:a16="http://schemas.microsoft.com/office/drawing/2014/main" id="{8B360A15-4A80-E0CD-B889-486EDD1B1DA5}"/>
+                <a16:creationId xmlns:a16="http://schemas.microsoft.com/office/drawing/2014/main" id="{ED19D254-3A9A-29E7-CB63-A22679A647B4}"/>
               </a:ext>
             </a:extLst>
           </p:cNvPr>
@@ -2727,50 +2805,15 @@
         </p:blipFill>
         <p:spPr>
           <a:xfrm>
-            <a:off x="1032336" y="1501409"/>
-            <a:ext cx="5166297" cy="2528188"/>
+            <a:off x="1627469" y="1381519"/>
+            <a:ext cx="5617007" cy="3394075"/>
           </a:xfrm>
         </p:spPr>
       </p:pic>
-      <p:sp>
-        <p:nvSpPr>
-          <p:cNvPr id="6" name="TextBox 5">
-            <a:extLst>
-              <a:ext uri="{FF2B5EF4-FFF2-40B4-BE49-F238E27FC236}">
-                <a16:creationId xmlns:a16="http://schemas.microsoft.com/office/drawing/2014/main" id="{F0BAE911-98B4-C2EC-0389-C3D73AA76924}"/>
-              </a:ext>
-            </a:extLst>
-          </p:cNvPr>
-          <p:cNvSpPr txBox="1"/>
-          <p:nvPr/>
-        </p:nvSpPr>
-        <p:spPr>
-          <a:xfrm>
-            <a:off x="6542048" y="2765503"/>
-            <a:ext cx="2386361" cy="954107"/>
-          </a:xfrm>
-          <a:prstGeom prst="rect">
-            <a:avLst/>
-          </a:prstGeom>
-          <a:noFill/>
-        </p:spPr>
-        <p:txBody>
-          <a:bodyPr wrap="square" rtlCol="0">
-            <a:spAutoFit/>
-          </a:bodyPr>
-          <a:lstStyle/>
-          <a:p>
-            <a:r>
-              <a:rPr lang="en-US" sz="1400" dirty="0"/>
-              <a:t>San Antonio had the highest count of Staffing Vacancies and Permian Basin had the lowest.</a:t>
-            </a:r>
-          </a:p>
-        </p:txBody>
-      </p:sp>
     </p:spTree>
     <p:extLst>
       <p:ext uri="{BB962C8B-B14F-4D97-AF65-F5344CB8AC3E}">
-        <p14:creationId xmlns:p14="http://schemas.microsoft.com/office/powerpoint/2010/main" val="3674475542"/>
+        <p14:creationId xmlns:p14="http://schemas.microsoft.com/office/powerpoint/2010/main" val="1878602875"/>
       </p:ext>
     </p:extLst>
   </p:cSld>
@@ -2802,7 +2845,7 @@
           <p:cNvPr id="2" name="Title 1">
             <a:extLst>
               <a:ext uri="{FF2B5EF4-FFF2-40B4-BE49-F238E27FC236}">
-                <a16:creationId xmlns:a16="http://schemas.microsoft.com/office/drawing/2014/main" id="{6F107ADE-630F-B970-D055-02DE6ACC11E2}"/>
+                <a16:creationId xmlns:a16="http://schemas.microsoft.com/office/drawing/2014/main" id="{52679B77-58AA-91AE-04A1-298ACFE63D09}"/>
               </a:ext>
             </a:extLst>
           </p:cNvPr>
@@ -2819,22 +2862,18 @@
           <a:lstStyle/>
           <a:p>
             <a:r>
-              <a:rPr lang="en-US" sz="2800" dirty="0"/>
-              <a:t>Number of Staffing Vacancies were Highest in San Antonio, Followed by Austin</a:t>
-            </a:r>
-            <a:r>
               <a:rPr lang="en-US" dirty="0"/>
-              <a:t>.</a:t>
+              <a:t>Number of Staffing Vacancies Varied by Region </a:t>
             </a:r>
           </a:p>
         </p:txBody>
       </p:sp>
       <p:pic>
         <p:nvPicPr>
-          <p:cNvPr id="7" name="Content Placeholder 6">
-            <a:extLst>
-              <a:ext uri="{FF2B5EF4-FFF2-40B4-BE49-F238E27FC236}">
-                <a16:creationId xmlns:a16="http://schemas.microsoft.com/office/drawing/2014/main" id="{9C0D9475-88D0-D69B-243B-D4DA3955663A}"/>
+          <p:cNvPr id="5" name="Content Placeholder 4">
+            <a:extLst>
+              <a:ext uri="{FF2B5EF4-FFF2-40B4-BE49-F238E27FC236}">
+                <a16:creationId xmlns:a16="http://schemas.microsoft.com/office/drawing/2014/main" id="{8B360A15-4A80-E0CD-B889-486EDD1B1DA5}"/>
               </a:ext>
             </a:extLst>
           </p:cNvPr>
@@ -2853,15 +2892,50 @@
         </p:blipFill>
         <p:spPr>
           <a:xfrm>
-            <a:off x="1397532" y="1207856"/>
-            <a:ext cx="5902677" cy="3656193"/>
+            <a:off x="1032336" y="1501409"/>
+            <a:ext cx="5166297" cy="2528188"/>
           </a:xfrm>
         </p:spPr>
       </p:pic>
+      <p:sp>
+        <p:nvSpPr>
+          <p:cNvPr id="6" name="TextBox 5">
+            <a:extLst>
+              <a:ext uri="{FF2B5EF4-FFF2-40B4-BE49-F238E27FC236}">
+                <a16:creationId xmlns:a16="http://schemas.microsoft.com/office/drawing/2014/main" id="{F0BAE911-98B4-C2EC-0389-C3D73AA76924}"/>
+              </a:ext>
+            </a:extLst>
+          </p:cNvPr>
+          <p:cNvSpPr txBox="1"/>
+          <p:nvPr/>
+        </p:nvSpPr>
+        <p:spPr>
+          <a:xfrm>
+            <a:off x="6542048" y="2765503"/>
+            <a:ext cx="2386361" cy="954107"/>
+          </a:xfrm>
+          <a:prstGeom prst="rect">
+            <a:avLst/>
+          </a:prstGeom>
+          <a:noFill/>
+        </p:spPr>
+        <p:txBody>
+          <a:bodyPr wrap="square" rtlCol="0">
+            <a:spAutoFit/>
+          </a:bodyPr>
+          <a:lstStyle/>
+          <a:p>
+            <a:r>
+              <a:rPr lang="en-US" sz="1400" dirty="0"/>
+              <a:t>San Antonio had the highest count of Staffing Vacancies and Permian Basin had the lowest.</a:t>
+            </a:r>
+          </a:p>
+        </p:txBody>
+      </p:sp>
     </p:spTree>
     <p:extLst>
       <p:ext uri="{BB962C8B-B14F-4D97-AF65-F5344CB8AC3E}">
-        <p14:creationId xmlns:p14="http://schemas.microsoft.com/office/powerpoint/2010/main" val="1750920157"/>
+        <p14:creationId xmlns:p14="http://schemas.microsoft.com/office/powerpoint/2010/main" val="3674475542"/>
       </p:ext>
     </p:extLst>
   </p:cSld>
@@ -2893,7 +2967,7 @@
           <p:cNvPr id="2" name="Title 1">
             <a:extLst>
               <a:ext uri="{FF2B5EF4-FFF2-40B4-BE49-F238E27FC236}">
-                <a16:creationId xmlns:a16="http://schemas.microsoft.com/office/drawing/2014/main" id="{BBC38D5B-9622-410A-FB03-1458F8571920}"/>
+                <a16:creationId xmlns:a16="http://schemas.microsoft.com/office/drawing/2014/main" id="{6F107ADE-630F-B970-D055-02DE6ACC11E2}"/>
               </a:ext>
             </a:extLst>
           </p:cNvPr>
@@ -2910,75 +2984,49 @@
           <a:lstStyle/>
           <a:p>
             <a:r>
+              <a:rPr lang="en-US" sz="2800" dirty="0"/>
+              <a:t>Number of Staffing Vacancies were Highest in San Antonio, Followed by Austin</a:t>
+            </a:r>
+            <a:r>
               <a:rPr lang="en-US" dirty="0"/>
-              <a:t>FMLA Data</a:t>
-            </a:r>
-          </a:p>
-        </p:txBody>
-      </p:sp>
-      <p:sp>
-        <p:nvSpPr>
-          <p:cNvPr id="3" name="Content Placeholder 2">
-            <a:extLst>
-              <a:ext uri="{FF2B5EF4-FFF2-40B4-BE49-F238E27FC236}">
-                <a16:creationId xmlns:a16="http://schemas.microsoft.com/office/drawing/2014/main" id="{58421222-1872-B5C4-1802-5D6A054D2304}"/>
-              </a:ext>
-            </a:extLst>
-          </p:cNvPr>
-          <p:cNvSpPr>
-            <a:spLocks noGrp="1"/>
-          </p:cNvSpPr>
+              <a:t>.</a:t>
+            </a:r>
+          </a:p>
+        </p:txBody>
+      </p:sp>
+      <p:pic>
+        <p:nvPicPr>
+          <p:cNvPr id="7" name="Content Placeholder 6">
+            <a:extLst>
+              <a:ext uri="{FF2B5EF4-FFF2-40B4-BE49-F238E27FC236}">
+                <a16:creationId xmlns:a16="http://schemas.microsoft.com/office/drawing/2014/main" id="{9C0D9475-88D0-D69B-243B-D4DA3955663A}"/>
+              </a:ext>
+            </a:extLst>
+          </p:cNvPr>
+          <p:cNvPicPr>
+            <a:picLocks noGrp="1" noChangeAspect="1"/>
+          </p:cNvPicPr>
           <p:nvPr>
             <p:ph idx="1"/>
           </p:nvPr>
-        </p:nvSpPr>
-        <p:spPr>
-          <a:xfrm>
-            <a:off x="457200" y="1200151"/>
-            <a:ext cx="8229600" cy="3825332"/>
-          </a:xfrm>
-        </p:spPr>
-        <p:txBody>
-          <a:bodyPr>
-            <a:normAutofit fontScale="85000" lnSpcReduction="20000"/>
-          </a:bodyPr>
-          <a:lstStyle/>
-          <a:p>
-            <a:r>
-              <a:rPr lang="en-US" dirty="0"/>
-              <a:t>FMLA is Family Medical Leave and is time off for medical or family (such as having a child) absences </a:t>
-            </a:r>
-          </a:p>
-          <a:p>
-            <a:endParaRPr lang="en-US" dirty="0"/>
-          </a:p>
-          <a:p>
-            <a:r>
-              <a:rPr lang="en-US" dirty="0"/>
-              <a:t>FMLA leave length of time is counted in days, starting from the first day the employee is absent with leave to the return-to-work date.</a:t>
-            </a:r>
-          </a:p>
-          <a:p>
-            <a:endParaRPr lang="en-US" dirty="0"/>
-          </a:p>
-          <a:p>
-            <a:r>
-              <a:rPr lang="en-US" dirty="0"/>
-              <a:t>FMLA leave can vary in length of time (depending on how many days the employee applied for and was approved for).</a:t>
-            </a:r>
-          </a:p>
-          <a:p>
-            <a:pPr marL="457200" lvl="1" indent="0">
-              <a:buNone/>
-            </a:pPr>
-            <a:endParaRPr lang="en-US" dirty="0"/>
-          </a:p>
-        </p:txBody>
-      </p:sp>
+        </p:nvPicPr>
+        <p:blipFill>
+          <a:blip r:embed="rId2"/>
+          <a:stretch>
+            <a:fillRect/>
+          </a:stretch>
+        </p:blipFill>
+        <p:spPr>
+          <a:xfrm>
+            <a:off x="1397532" y="1207856"/>
+            <a:ext cx="5902677" cy="3656193"/>
+          </a:xfrm>
+        </p:spPr>
+      </p:pic>
     </p:spTree>
     <p:extLst>
       <p:ext uri="{BB962C8B-B14F-4D97-AF65-F5344CB8AC3E}">
-        <p14:creationId xmlns:p14="http://schemas.microsoft.com/office/powerpoint/2010/main" val="1758383388"/>
+        <p14:creationId xmlns:p14="http://schemas.microsoft.com/office/powerpoint/2010/main" val="1750920157"/>
       </p:ext>
     </p:extLst>
   </p:cSld>
@@ -3010,7 +3058,7 @@
           <p:cNvPr id="2" name="Title 1">
             <a:extLst>
               <a:ext uri="{FF2B5EF4-FFF2-40B4-BE49-F238E27FC236}">
-                <a16:creationId xmlns:a16="http://schemas.microsoft.com/office/drawing/2014/main" id="{FBC7836D-EAD1-4B46-FE83-4E9445DE1CEA}"/>
+                <a16:creationId xmlns:a16="http://schemas.microsoft.com/office/drawing/2014/main" id="{82D438B2-5785-AFE9-99F4-D31F05163870}"/>
               </a:ext>
             </a:extLst>
           </p:cNvPr>
@@ -3028,51 +3076,51 @@
           <a:p>
             <a:r>
               <a:rPr lang="en-US" dirty="0"/>
-              <a:t>Median, Mean, and SD by Region</a:t>
-            </a:r>
-            <a:br>
+              <a:t>Vacancy: </a:t>
+            </a:r>
+            <a:r>
+              <a:rPr lang="en-US" u="sng" dirty="0"/>
+              <a:t>Campus</a:t>
+            </a:r>
+            <a:r>
               <a:rPr lang="en-US" dirty="0"/>
-            </a:br>
+              <a:t> </a:t>
+            </a:r>
+          </a:p>
+        </p:txBody>
+      </p:sp>
+      <p:sp>
+        <p:nvSpPr>
+          <p:cNvPr id="3" name="Content Placeholder 2">
+            <a:extLst>
+              <a:ext uri="{FF2B5EF4-FFF2-40B4-BE49-F238E27FC236}">
+                <a16:creationId xmlns:a16="http://schemas.microsoft.com/office/drawing/2014/main" id="{853DCFB2-0C9D-1618-6F98-955BEB7BCC10}"/>
+              </a:ext>
+            </a:extLst>
+          </p:cNvPr>
+          <p:cNvSpPr>
+            <a:spLocks noGrp="1"/>
+          </p:cNvSpPr>
+          <p:nvPr>
+            <p:ph idx="1"/>
+          </p:nvPr>
+        </p:nvSpPr>
+        <p:spPr/>
+        <p:txBody>
+          <a:bodyPr/>
+          <a:lstStyle/>
+          <a:p>
             <a:r>
               <a:rPr lang="en-US" dirty="0"/>
-              <a:t>for FMLA Length (in Days)</a:t>
-            </a:r>
-          </a:p>
-        </p:txBody>
-      </p:sp>
-      <p:pic>
-        <p:nvPicPr>
-          <p:cNvPr id="5" name="Content Placeholder 4">
-            <a:extLst>
-              <a:ext uri="{FF2B5EF4-FFF2-40B4-BE49-F238E27FC236}">
-                <a16:creationId xmlns:a16="http://schemas.microsoft.com/office/drawing/2014/main" id="{5D5B50C7-5C1C-1804-FA21-51435ECE0719}"/>
-              </a:ext>
-            </a:extLst>
-          </p:cNvPr>
-          <p:cNvPicPr>
-            <a:picLocks noGrp="1" noChangeAspect="1"/>
-          </p:cNvPicPr>
-          <p:nvPr>
-            <p:ph idx="1"/>
-          </p:nvPr>
-        </p:nvPicPr>
-        <p:blipFill>
-          <a:blip r:embed="rId2"/>
-          <a:stretch>
-            <a:fillRect/>
-          </a:stretch>
-        </p:blipFill>
-        <p:spPr>
-          <a:xfrm>
-            <a:off x="847205" y="1682580"/>
-            <a:ext cx="7449590" cy="2429214"/>
-          </a:xfrm>
-        </p:spPr>
-      </p:pic>
+              <a:t>All Campuses in Texas where there were vacancies in SY 23-24.</a:t>
+            </a:r>
+          </a:p>
+        </p:txBody>
+      </p:sp>
     </p:spTree>
     <p:extLst>
       <p:ext uri="{BB962C8B-B14F-4D97-AF65-F5344CB8AC3E}">
-        <p14:creationId xmlns:p14="http://schemas.microsoft.com/office/powerpoint/2010/main" val="2368985111"/>
+        <p14:creationId xmlns:p14="http://schemas.microsoft.com/office/powerpoint/2010/main" val="3955759004"/>
       </p:ext>
     </p:extLst>
   </p:cSld>
@@ -3236,7 +3284,7 @@
           <p:cNvPr id="2" name="Title 1">
             <a:extLst>
               <a:ext uri="{FF2B5EF4-FFF2-40B4-BE49-F238E27FC236}">
-                <a16:creationId xmlns:a16="http://schemas.microsoft.com/office/drawing/2014/main" id="{52679B77-58AA-91AE-04A1-298ACFE63D09}"/>
+                <a16:creationId xmlns:a16="http://schemas.microsoft.com/office/drawing/2014/main" id="{3F0DA002-1E78-DF3A-C6B6-4C57AE820B91}"/>
               </a:ext>
             </a:extLst>
           </p:cNvPr>
@@ -3253,53 +3301,25 @@
           <a:lstStyle/>
           <a:p>
             <a:r>
-              <a:rPr lang="en-US" dirty="0"/>
-              <a:t>Number of Teacher Leaves from FMLA Varied by Region </a:t>
-            </a:r>
-          </a:p>
-        </p:txBody>
-      </p:sp>
-      <p:sp>
-        <p:nvSpPr>
-          <p:cNvPr id="6" name="TextBox 5">
-            <a:extLst>
-              <a:ext uri="{FF2B5EF4-FFF2-40B4-BE49-F238E27FC236}">
-                <a16:creationId xmlns:a16="http://schemas.microsoft.com/office/drawing/2014/main" id="{F0BAE911-98B4-C2EC-0389-C3D73AA76924}"/>
-              </a:ext>
-            </a:extLst>
-          </p:cNvPr>
-          <p:cNvSpPr txBox="1"/>
-          <p:nvPr/>
-        </p:nvSpPr>
-        <p:spPr>
-          <a:xfrm>
-            <a:off x="6088419" y="2252547"/>
-            <a:ext cx="2386361" cy="954107"/>
-          </a:xfrm>
-          <a:prstGeom prst="rect">
-            <a:avLst/>
-          </a:prstGeom>
-          <a:noFill/>
-        </p:spPr>
-        <p:txBody>
-          <a:bodyPr wrap="square" rtlCol="0">
-            <a:spAutoFit/>
-          </a:bodyPr>
-          <a:lstStyle/>
-          <a:p>
-            <a:r>
-              <a:rPr lang="en-US" sz="1400" dirty="0"/>
-              <a:t>Lower Valley RGV had the highest count of teacher leaves from FMLA, and Permian Basin had the lowest.</a:t>
+              <a:rPr lang="en-US" sz="2800" dirty="0"/>
+              <a:t>Median, Mean, and SD by Campus</a:t>
+            </a:r>
+            <a:br>
+              <a:rPr lang="en-US" sz="2800" dirty="0"/>
+            </a:br>
+            <a:r>
+              <a:rPr lang="en-US" sz="2800" dirty="0"/>
+              <a:t>for Vacancy Length (in Days) – Part 1</a:t>
             </a:r>
           </a:p>
         </p:txBody>
       </p:sp>
       <p:pic>
         <p:nvPicPr>
-          <p:cNvPr id="7" name="Content Placeholder 6">
-            <a:extLst>
-              <a:ext uri="{FF2B5EF4-FFF2-40B4-BE49-F238E27FC236}">
-                <a16:creationId xmlns:a16="http://schemas.microsoft.com/office/drawing/2014/main" id="{898DE5A7-369B-C320-DB1A-62406171A20C}"/>
+          <p:cNvPr id="5" name="Content Placeholder 4">
+            <a:extLst>
+              <a:ext uri="{FF2B5EF4-FFF2-40B4-BE49-F238E27FC236}">
+                <a16:creationId xmlns:a16="http://schemas.microsoft.com/office/drawing/2014/main" id="{4503909A-335B-0FAB-1534-115BE8D5BD94}"/>
               </a:ext>
             </a:extLst>
           </p:cNvPr>
@@ -3318,15 +3338,15 @@
         </p:blipFill>
         <p:spPr>
           <a:xfrm>
-            <a:off x="669220" y="1590907"/>
-            <a:ext cx="5135844" cy="2751345"/>
+            <a:off x="1587831" y="1152710"/>
+            <a:ext cx="5425088" cy="3784811"/>
           </a:xfrm>
         </p:spPr>
       </p:pic>
     </p:spTree>
     <p:extLst>
       <p:ext uri="{BB962C8B-B14F-4D97-AF65-F5344CB8AC3E}">
-        <p14:creationId xmlns:p14="http://schemas.microsoft.com/office/powerpoint/2010/main" val="980250847"/>
+        <p14:creationId xmlns:p14="http://schemas.microsoft.com/office/powerpoint/2010/main" val="1749973272"/>
       </p:ext>
     </p:extLst>
   </p:cSld>
@@ -3358,7 +3378,7 @@
           <p:cNvPr id="2" name="Title 1">
             <a:extLst>
               <a:ext uri="{FF2B5EF4-FFF2-40B4-BE49-F238E27FC236}">
-                <a16:creationId xmlns:a16="http://schemas.microsoft.com/office/drawing/2014/main" id="{28D5521C-48D0-B610-862A-4789FBA92E74}"/>
+                <a16:creationId xmlns:a16="http://schemas.microsoft.com/office/drawing/2014/main" id="{3F0DA002-1E78-DF3A-C6B6-4C57AE820B91}"/>
               </a:ext>
             </a:extLst>
           </p:cNvPr>
@@ -3369,33 +3389,31 @@
             <p:ph type="title"/>
           </p:nvPr>
         </p:nvSpPr>
-        <p:spPr>
-          <a:xfrm>
-            <a:off x="329783" y="205979"/>
-            <a:ext cx="8476937" cy="857250"/>
-          </a:xfrm>
-        </p:spPr>
+        <p:spPr/>
         <p:txBody>
           <a:bodyPr/>
           <a:lstStyle/>
           <a:p>
             <a:r>
               <a:rPr lang="en-US" sz="2800" dirty="0"/>
-              <a:t>Number of Teacher Leaves from FMLA were Highest in Lower Valley RGV, Followed by Austin</a:t>
-            </a:r>
-            <a:r>
-              <a:rPr lang="en-US" dirty="0"/>
-              <a:t>.</a:t>
+              <a:t>Median, Mean, and SD by Campus</a:t>
+            </a:r>
+            <a:br>
+              <a:rPr lang="en-US" sz="2800" dirty="0"/>
+            </a:br>
+            <a:r>
+              <a:rPr lang="en-US" sz="2800" dirty="0"/>
+              <a:t>for Vacancy Length (in Days) – Part 2</a:t>
             </a:r>
           </a:p>
         </p:txBody>
       </p:sp>
       <p:pic>
         <p:nvPicPr>
-          <p:cNvPr id="11" name="Content Placeholder 10">
-            <a:extLst>
-              <a:ext uri="{FF2B5EF4-FFF2-40B4-BE49-F238E27FC236}">
-                <a16:creationId xmlns:a16="http://schemas.microsoft.com/office/drawing/2014/main" id="{FE95FB40-14C7-63AC-F82A-7178326B0A45}"/>
+          <p:cNvPr id="7" name="Content Placeholder 6">
+            <a:extLst>
+              <a:ext uri="{FF2B5EF4-FFF2-40B4-BE49-F238E27FC236}">
+                <a16:creationId xmlns:a16="http://schemas.microsoft.com/office/drawing/2014/main" id="{C865DAA4-E111-253D-E49F-7C65A42F4D3B}"/>
               </a:ext>
             </a:extLst>
           </p:cNvPr>
@@ -3414,15 +3432,971 @@
         </p:blipFill>
         <p:spPr>
           <a:xfrm>
-            <a:off x="1247738" y="1244184"/>
-            <a:ext cx="6048144" cy="3627359"/>
+            <a:off x="1733340" y="1154347"/>
+            <a:ext cx="5317364" cy="3783174"/>
           </a:xfrm>
         </p:spPr>
       </p:pic>
     </p:spTree>
     <p:extLst>
       <p:ext uri="{BB962C8B-B14F-4D97-AF65-F5344CB8AC3E}">
-        <p14:creationId xmlns:p14="http://schemas.microsoft.com/office/powerpoint/2010/main" val="1183491755"/>
+        <p14:creationId xmlns:p14="http://schemas.microsoft.com/office/powerpoint/2010/main" val="162567118"/>
+      </p:ext>
+    </p:extLst>
+  </p:cSld>
+  <p:clrMapOvr>
+    <a:masterClrMapping/>
+  </p:clrMapOvr>
+</p:sld>
+</file>
+
+<file path=ppt/slides/slide22.xml><?xml version="1.0" encoding="utf-8"?>
+<p:sld xmlns:a="http://schemas.openxmlformats.org/drawingml/2006/main" xmlns:r="http://schemas.openxmlformats.org/officeDocument/2006/relationships" xmlns:p="http://schemas.openxmlformats.org/presentationml/2006/main">
+  <p:cSld>
+    <p:spTree>
+      <p:nvGrpSpPr>
+        <p:cNvPr id="1" name=""/>
+        <p:cNvGrpSpPr/>
+        <p:nvPr/>
+      </p:nvGrpSpPr>
+      <p:grpSpPr>
+        <a:xfrm>
+          <a:off x="0" y="0"/>
+          <a:ext cx="0" cy="0"/>
+          <a:chOff x="0" y="0"/>
+          <a:chExt cx="0" cy="0"/>
+        </a:xfrm>
+      </p:grpSpPr>
+      <p:sp>
+        <p:nvSpPr>
+          <p:cNvPr id="2" name="Title 1">
+            <a:extLst>
+              <a:ext uri="{FF2B5EF4-FFF2-40B4-BE49-F238E27FC236}">
+                <a16:creationId xmlns:a16="http://schemas.microsoft.com/office/drawing/2014/main" id="{3F0DA002-1E78-DF3A-C6B6-4C57AE820B91}"/>
+              </a:ext>
+            </a:extLst>
+          </p:cNvPr>
+          <p:cNvSpPr>
+            <a:spLocks noGrp="1"/>
+          </p:cNvSpPr>
+          <p:nvPr>
+            <p:ph type="title"/>
+          </p:nvPr>
+        </p:nvSpPr>
+        <p:spPr>
+          <a:xfrm>
+            <a:off x="457200" y="120650"/>
+            <a:ext cx="8229600" cy="857250"/>
+          </a:xfrm>
+        </p:spPr>
+        <p:txBody>
+          <a:bodyPr/>
+          <a:lstStyle/>
+          <a:p>
+            <a:r>
+              <a:rPr lang="en-US" sz="2400" dirty="0"/>
+              <a:t>Median, Mean, and SD by Campus</a:t>
+            </a:r>
+            <a:br>
+              <a:rPr lang="en-US" sz="2400" dirty="0"/>
+            </a:br>
+            <a:r>
+              <a:rPr lang="en-US" sz="2400" dirty="0"/>
+              <a:t>for Teacher Leave from FMLA (in Days) – Part 1</a:t>
+            </a:r>
+          </a:p>
+        </p:txBody>
+      </p:sp>
+      <p:pic>
+        <p:nvPicPr>
+          <p:cNvPr id="5" name="Content Placeholder 4">
+            <a:extLst>
+              <a:ext uri="{FF2B5EF4-FFF2-40B4-BE49-F238E27FC236}">
+                <a16:creationId xmlns:a16="http://schemas.microsoft.com/office/drawing/2014/main" id="{B564F7C4-2B5C-04AC-60A0-453766EF40D6}"/>
+              </a:ext>
+            </a:extLst>
+          </p:cNvPr>
+          <p:cNvPicPr>
+            <a:picLocks noGrp="1" noChangeAspect="1"/>
+          </p:cNvPicPr>
+          <p:nvPr>
+            <p:ph idx="1"/>
+          </p:nvPr>
+        </p:nvPicPr>
+        <p:blipFill>
+          <a:blip r:embed="rId2"/>
+          <a:stretch>
+            <a:fillRect/>
+          </a:stretch>
+        </p:blipFill>
+        <p:spPr>
+          <a:xfrm>
+            <a:off x="1734738" y="977900"/>
+            <a:ext cx="5420442" cy="3927773"/>
+          </a:xfrm>
+        </p:spPr>
+      </p:pic>
+    </p:spTree>
+    <p:extLst>
+      <p:ext uri="{BB962C8B-B14F-4D97-AF65-F5344CB8AC3E}">
+        <p14:creationId xmlns:p14="http://schemas.microsoft.com/office/powerpoint/2010/main" val="1162580884"/>
+      </p:ext>
+    </p:extLst>
+  </p:cSld>
+  <p:clrMapOvr>
+    <a:masterClrMapping/>
+  </p:clrMapOvr>
+</p:sld>
+</file>
+
+<file path=ppt/slides/slide23.xml><?xml version="1.0" encoding="utf-8"?>
+<p:sld xmlns:a="http://schemas.openxmlformats.org/drawingml/2006/main" xmlns:r="http://schemas.openxmlformats.org/officeDocument/2006/relationships" xmlns:p="http://schemas.openxmlformats.org/presentationml/2006/main">
+  <p:cSld>
+    <p:spTree>
+      <p:nvGrpSpPr>
+        <p:cNvPr id="1" name=""/>
+        <p:cNvGrpSpPr/>
+        <p:nvPr/>
+      </p:nvGrpSpPr>
+      <p:grpSpPr>
+        <a:xfrm>
+          <a:off x="0" y="0"/>
+          <a:ext cx="0" cy="0"/>
+          <a:chOff x="0" y="0"/>
+          <a:chExt cx="0" cy="0"/>
+        </a:xfrm>
+      </p:grpSpPr>
+      <p:sp>
+        <p:nvSpPr>
+          <p:cNvPr id="2" name="Title 1">
+            <a:extLst>
+              <a:ext uri="{FF2B5EF4-FFF2-40B4-BE49-F238E27FC236}">
+                <a16:creationId xmlns:a16="http://schemas.microsoft.com/office/drawing/2014/main" id="{3F0DA002-1E78-DF3A-C6B6-4C57AE820B91}"/>
+              </a:ext>
+            </a:extLst>
+          </p:cNvPr>
+          <p:cNvSpPr>
+            <a:spLocks noGrp="1"/>
+          </p:cNvSpPr>
+          <p:nvPr>
+            <p:ph type="title"/>
+          </p:nvPr>
+        </p:nvSpPr>
+        <p:spPr>
+          <a:xfrm>
+            <a:off x="457200" y="84059"/>
+            <a:ext cx="8229600" cy="857250"/>
+          </a:xfrm>
+        </p:spPr>
+        <p:txBody>
+          <a:bodyPr/>
+          <a:lstStyle/>
+          <a:p>
+            <a:r>
+              <a:rPr lang="en-US" sz="2400" dirty="0"/>
+              <a:t>Median, Mean, and SD by Campus</a:t>
+            </a:r>
+            <a:br>
+              <a:rPr lang="en-US" sz="2400" dirty="0"/>
+            </a:br>
+            <a:r>
+              <a:rPr lang="en-US" sz="2400" dirty="0"/>
+              <a:t>for Teacher Leave from FMLA (in Days) – Part 2</a:t>
+            </a:r>
+          </a:p>
+        </p:txBody>
+      </p:sp>
+      <p:pic>
+        <p:nvPicPr>
+          <p:cNvPr id="6" name="Content Placeholder 5">
+            <a:extLst>
+              <a:ext uri="{FF2B5EF4-FFF2-40B4-BE49-F238E27FC236}">
+                <a16:creationId xmlns:a16="http://schemas.microsoft.com/office/drawing/2014/main" id="{23DB210D-01A1-25E3-86BE-8C14894F3223}"/>
+              </a:ext>
+            </a:extLst>
+          </p:cNvPr>
+          <p:cNvPicPr>
+            <a:picLocks noGrp="1" noChangeAspect="1"/>
+          </p:cNvPicPr>
+          <p:nvPr>
+            <p:ph idx="1"/>
+          </p:nvPr>
+        </p:nvPicPr>
+        <p:blipFill>
+          <a:blip r:embed="rId2"/>
+          <a:stretch>
+            <a:fillRect/>
+          </a:stretch>
+        </p:blipFill>
+        <p:spPr>
+          <a:xfrm>
+            <a:off x="1618356" y="1035104"/>
+            <a:ext cx="5475864" cy="3863922"/>
+          </a:xfrm>
+        </p:spPr>
+      </p:pic>
+    </p:spTree>
+    <p:extLst>
+      <p:ext uri="{BB962C8B-B14F-4D97-AF65-F5344CB8AC3E}">
+        <p14:creationId xmlns:p14="http://schemas.microsoft.com/office/powerpoint/2010/main" val="2856569222"/>
+      </p:ext>
+    </p:extLst>
+  </p:cSld>
+  <p:clrMapOvr>
+    <a:masterClrMapping/>
+  </p:clrMapOvr>
+</p:sld>
+</file>
+
+<file path=ppt/slides/slide24.xml><?xml version="1.0" encoding="utf-8"?>
+<p:sld xmlns:a="http://schemas.openxmlformats.org/drawingml/2006/main" xmlns:r="http://schemas.openxmlformats.org/officeDocument/2006/relationships" xmlns:p="http://schemas.openxmlformats.org/presentationml/2006/main">
+  <p:cSld>
+    <p:spTree>
+      <p:nvGrpSpPr>
+        <p:cNvPr id="1" name=""/>
+        <p:cNvGrpSpPr/>
+        <p:nvPr/>
+      </p:nvGrpSpPr>
+      <p:grpSpPr>
+        <a:xfrm>
+          <a:off x="0" y="0"/>
+          <a:ext cx="0" cy="0"/>
+          <a:chOff x="0" y="0"/>
+          <a:chExt cx="0" cy="0"/>
+        </a:xfrm>
+      </p:grpSpPr>
+      <p:sp>
+        <p:nvSpPr>
+          <p:cNvPr id="2" name="Title 1">
+            <a:extLst>
+              <a:ext uri="{FF2B5EF4-FFF2-40B4-BE49-F238E27FC236}">
+                <a16:creationId xmlns:a16="http://schemas.microsoft.com/office/drawing/2014/main" id="{871C6B0C-DD4A-5277-EC14-D85F43798E65}"/>
+              </a:ext>
+            </a:extLst>
+          </p:cNvPr>
+          <p:cNvSpPr>
+            <a:spLocks noGrp="1"/>
+          </p:cNvSpPr>
+          <p:nvPr>
+            <p:ph type="title"/>
+          </p:nvPr>
+        </p:nvSpPr>
+        <p:spPr/>
+        <p:txBody>
+          <a:bodyPr/>
+          <a:lstStyle/>
+          <a:p>
+            <a:r>
+              <a:rPr lang="en-US" dirty="0"/>
+              <a:t>Summary Statistics for Vacancies After Grouping by Campus </a:t>
+            </a:r>
+          </a:p>
+        </p:txBody>
+      </p:sp>
+      <p:pic>
+        <p:nvPicPr>
+          <p:cNvPr id="5" name="Content Placeholder 4">
+            <a:extLst>
+              <a:ext uri="{FF2B5EF4-FFF2-40B4-BE49-F238E27FC236}">
+                <a16:creationId xmlns:a16="http://schemas.microsoft.com/office/drawing/2014/main" id="{1CD498F5-A3F6-5C51-E17D-3D12B02C015B}"/>
+              </a:ext>
+            </a:extLst>
+          </p:cNvPr>
+          <p:cNvPicPr>
+            <a:picLocks noGrp="1" noChangeAspect="1"/>
+          </p:cNvPicPr>
+          <p:nvPr>
+            <p:ph idx="1"/>
+          </p:nvPr>
+        </p:nvPicPr>
+        <p:blipFill>
+          <a:blip r:embed="rId2"/>
+          <a:stretch>
+            <a:fillRect/>
+          </a:stretch>
+        </p:blipFill>
+        <p:spPr>
+          <a:xfrm>
+            <a:off x="1062646" y="2075224"/>
+            <a:ext cx="6805251" cy="857250"/>
+          </a:xfrm>
+        </p:spPr>
+      </p:pic>
+    </p:spTree>
+    <p:extLst>
+      <p:ext uri="{BB962C8B-B14F-4D97-AF65-F5344CB8AC3E}">
+        <p14:creationId xmlns:p14="http://schemas.microsoft.com/office/powerpoint/2010/main" val="76242600"/>
+      </p:ext>
+    </p:extLst>
+  </p:cSld>
+  <p:clrMapOvr>
+    <a:masterClrMapping/>
+  </p:clrMapOvr>
+</p:sld>
+</file>
+
+<file path=ppt/slides/slide25.xml><?xml version="1.0" encoding="utf-8"?>
+<p:sld xmlns:a="http://schemas.openxmlformats.org/drawingml/2006/main" xmlns:r="http://schemas.openxmlformats.org/officeDocument/2006/relationships" xmlns:p="http://schemas.openxmlformats.org/presentationml/2006/main">
+  <p:cSld>
+    <p:spTree>
+      <p:nvGrpSpPr>
+        <p:cNvPr id="1" name=""/>
+        <p:cNvGrpSpPr/>
+        <p:nvPr/>
+      </p:nvGrpSpPr>
+      <p:grpSpPr>
+        <a:xfrm>
+          <a:off x="0" y="0"/>
+          <a:ext cx="0" cy="0"/>
+          <a:chOff x="0" y="0"/>
+          <a:chExt cx="0" cy="0"/>
+        </a:xfrm>
+      </p:grpSpPr>
+      <p:sp>
+        <p:nvSpPr>
+          <p:cNvPr id="2" name="Title 1">
+            <a:extLst>
+              <a:ext uri="{FF2B5EF4-FFF2-40B4-BE49-F238E27FC236}">
+                <a16:creationId xmlns:a16="http://schemas.microsoft.com/office/drawing/2014/main" id="{52679B77-58AA-91AE-04A1-298ACFE63D09}"/>
+              </a:ext>
+            </a:extLst>
+          </p:cNvPr>
+          <p:cNvSpPr>
+            <a:spLocks noGrp="1"/>
+          </p:cNvSpPr>
+          <p:nvPr>
+            <p:ph type="title"/>
+          </p:nvPr>
+        </p:nvSpPr>
+        <p:spPr>
+          <a:xfrm>
+            <a:off x="457199" y="122159"/>
+            <a:ext cx="8229600" cy="857250"/>
+          </a:xfrm>
+        </p:spPr>
+        <p:txBody>
+          <a:bodyPr/>
+          <a:lstStyle/>
+          <a:p>
+            <a:r>
+              <a:rPr lang="en-US" sz="3200" dirty="0"/>
+              <a:t>Number of Staffing Vacancies </a:t>
+            </a:r>
+            <a:br>
+              <a:rPr lang="en-US" sz="3200" dirty="0"/>
+            </a:br>
+            <a:r>
+              <a:rPr lang="en-US" sz="3200" dirty="0"/>
+              <a:t>Varied by Campus </a:t>
+            </a:r>
+          </a:p>
+        </p:txBody>
+      </p:sp>
+      <p:pic>
+        <p:nvPicPr>
+          <p:cNvPr id="7" name="Content Placeholder 4">
+            <a:extLst>
+              <a:ext uri="{FF2B5EF4-FFF2-40B4-BE49-F238E27FC236}">
+                <a16:creationId xmlns:a16="http://schemas.microsoft.com/office/drawing/2014/main" id="{918EB846-EE1C-9721-55B8-C3C391A6FA22}"/>
+              </a:ext>
+            </a:extLst>
+          </p:cNvPr>
+          <p:cNvPicPr>
+            <a:picLocks noGrp="1" noChangeAspect="1"/>
+          </p:cNvPicPr>
+          <p:nvPr>
+            <p:ph idx="1"/>
+          </p:nvPr>
+        </p:nvPicPr>
+        <p:blipFill>
+          <a:blip r:embed="rId2"/>
+          <a:stretch>
+            <a:fillRect/>
+          </a:stretch>
+        </p:blipFill>
+        <p:spPr>
+          <a:xfrm>
+            <a:off x="110438" y="1169670"/>
+            <a:ext cx="2755710" cy="3446558"/>
+          </a:xfrm>
+        </p:spPr>
+      </p:pic>
+      <p:pic>
+        <p:nvPicPr>
+          <p:cNvPr id="9" name="Picture 8">
+            <a:extLst>
+              <a:ext uri="{FF2B5EF4-FFF2-40B4-BE49-F238E27FC236}">
+                <a16:creationId xmlns:a16="http://schemas.microsoft.com/office/drawing/2014/main" id="{F9A0FB2A-F2F0-7EB0-AEE9-C7AD18BC018F}"/>
+              </a:ext>
+            </a:extLst>
+          </p:cNvPr>
+          <p:cNvPicPr>
+            <a:picLocks noChangeAspect="1"/>
+          </p:cNvPicPr>
+          <p:nvPr/>
+        </p:nvPicPr>
+        <p:blipFill>
+          <a:blip r:embed="rId3"/>
+          <a:stretch>
+            <a:fillRect/>
+          </a:stretch>
+        </p:blipFill>
+        <p:spPr>
+          <a:xfrm>
+            <a:off x="3121140" y="1169670"/>
+            <a:ext cx="2771063" cy="3446558"/>
+          </a:xfrm>
+          <a:prstGeom prst="rect">
+            <a:avLst/>
+          </a:prstGeom>
+        </p:spPr>
+      </p:pic>
+      <p:pic>
+        <p:nvPicPr>
+          <p:cNvPr id="11" name="Picture 10">
+            <a:extLst>
+              <a:ext uri="{FF2B5EF4-FFF2-40B4-BE49-F238E27FC236}">
+                <a16:creationId xmlns:a16="http://schemas.microsoft.com/office/drawing/2014/main" id="{6EDCB488-BE41-58D9-663D-6832506DAE11}"/>
+              </a:ext>
+            </a:extLst>
+          </p:cNvPr>
+          <p:cNvPicPr>
+            <a:picLocks noChangeAspect="1"/>
+          </p:cNvPicPr>
+          <p:nvPr/>
+        </p:nvPicPr>
+        <p:blipFill>
+          <a:blip r:embed="rId4"/>
+          <a:stretch>
+            <a:fillRect/>
+          </a:stretch>
+        </p:blipFill>
+        <p:spPr>
+          <a:xfrm>
+            <a:off x="6147195" y="1169670"/>
+            <a:ext cx="2772564" cy="3446558"/>
+          </a:xfrm>
+          <a:prstGeom prst="rect">
+            <a:avLst/>
+          </a:prstGeom>
+        </p:spPr>
+      </p:pic>
+    </p:spTree>
+    <p:extLst>
+      <p:ext uri="{BB962C8B-B14F-4D97-AF65-F5344CB8AC3E}">
+        <p14:creationId xmlns:p14="http://schemas.microsoft.com/office/powerpoint/2010/main" val="3024046216"/>
+      </p:ext>
+    </p:extLst>
+  </p:cSld>
+  <p:clrMapOvr>
+    <a:masterClrMapping/>
+  </p:clrMapOvr>
+</p:sld>
+</file>
+
+<file path=ppt/slides/slide26.xml><?xml version="1.0" encoding="utf-8"?>
+<p:sld xmlns:a="http://schemas.openxmlformats.org/drawingml/2006/main" xmlns:r="http://schemas.openxmlformats.org/officeDocument/2006/relationships" xmlns:p="http://schemas.openxmlformats.org/presentationml/2006/main">
+  <p:cSld>
+    <p:spTree>
+      <p:nvGrpSpPr>
+        <p:cNvPr id="1" name=""/>
+        <p:cNvGrpSpPr/>
+        <p:nvPr/>
+      </p:nvGrpSpPr>
+      <p:grpSpPr>
+        <a:xfrm>
+          <a:off x="0" y="0"/>
+          <a:ext cx="0" cy="0"/>
+          <a:chOff x="0" y="0"/>
+          <a:chExt cx="0" cy="0"/>
+        </a:xfrm>
+      </p:grpSpPr>
+      <p:sp>
+        <p:nvSpPr>
+          <p:cNvPr id="2" name="Title 1">
+            <a:extLst>
+              <a:ext uri="{FF2B5EF4-FFF2-40B4-BE49-F238E27FC236}">
+                <a16:creationId xmlns:a16="http://schemas.microsoft.com/office/drawing/2014/main" id="{A407967A-F0EC-4346-307A-3E17D0C4A4EB}"/>
+              </a:ext>
+            </a:extLst>
+          </p:cNvPr>
+          <p:cNvSpPr>
+            <a:spLocks noGrp="1"/>
+          </p:cNvSpPr>
+          <p:nvPr>
+            <p:ph type="title"/>
+          </p:nvPr>
+        </p:nvSpPr>
+        <p:spPr/>
+        <p:txBody>
+          <a:bodyPr/>
+          <a:lstStyle/>
+          <a:p>
+            <a:r>
+              <a:rPr lang="en-US" dirty="0"/>
+              <a:t>Vacancy: </a:t>
+            </a:r>
+            <a:r>
+              <a:rPr lang="en-US" u="sng" dirty="0"/>
+              <a:t>Subject</a:t>
+            </a:r>
+          </a:p>
+        </p:txBody>
+      </p:sp>
+      <p:sp>
+        <p:nvSpPr>
+          <p:cNvPr id="3" name="Content Placeholder 2">
+            <a:extLst>
+              <a:ext uri="{FF2B5EF4-FFF2-40B4-BE49-F238E27FC236}">
+                <a16:creationId xmlns:a16="http://schemas.microsoft.com/office/drawing/2014/main" id="{9FAFC360-21DE-2CE8-8D8A-09A7655F010B}"/>
+              </a:ext>
+            </a:extLst>
+          </p:cNvPr>
+          <p:cNvSpPr>
+            <a:spLocks noGrp="1"/>
+          </p:cNvSpPr>
+          <p:nvPr>
+            <p:ph idx="1"/>
+          </p:nvPr>
+        </p:nvSpPr>
+        <p:spPr/>
+        <p:txBody>
+          <a:bodyPr>
+            <a:normAutofit/>
+          </a:bodyPr>
+          <a:lstStyle/>
+          <a:p>
+            <a:r>
+              <a:rPr lang="en-US" b="1" u="sng" dirty="0"/>
+              <a:t>Includes four subjects:</a:t>
+            </a:r>
+          </a:p>
+          <a:p>
+            <a:pPr lvl="1">
+              <a:buFont typeface="Arial" panose="020B0604020202020204" pitchFamily="34" charset="0"/>
+              <a:buChar char="•"/>
+            </a:pPr>
+            <a:r>
+              <a:rPr lang="en-US" dirty="0"/>
+              <a:t>Math</a:t>
+            </a:r>
+          </a:p>
+          <a:p>
+            <a:pPr lvl="1">
+              <a:buFont typeface="Arial" panose="020B0604020202020204" pitchFamily="34" charset="0"/>
+              <a:buChar char="•"/>
+            </a:pPr>
+            <a:r>
+              <a:rPr lang="en-US" dirty="0"/>
+              <a:t>English Language Arts</a:t>
+            </a:r>
+          </a:p>
+          <a:p>
+            <a:pPr lvl="1">
+              <a:buFont typeface="Arial" panose="020B0604020202020204" pitchFamily="34" charset="0"/>
+              <a:buChar char="•"/>
+            </a:pPr>
+            <a:r>
+              <a:rPr lang="en-US" dirty="0"/>
+              <a:t>Science</a:t>
+            </a:r>
+          </a:p>
+          <a:p>
+            <a:pPr lvl="1">
+              <a:buFont typeface="Arial" panose="020B0604020202020204" pitchFamily="34" charset="0"/>
+              <a:buChar char="•"/>
+            </a:pPr>
+            <a:r>
+              <a:rPr lang="en-US" dirty="0"/>
+              <a:t>Social Studies</a:t>
+            </a:r>
+            <a:endParaRPr lang="en-US" b="1" u="sng" dirty="0"/>
+          </a:p>
+        </p:txBody>
+      </p:sp>
+    </p:spTree>
+    <p:extLst>
+      <p:ext uri="{BB962C8B-B14F-4D97-AF65-F5344CB8AC3E}">
+        <p14:creationId xmlns:p14="http://schemas.microsoft.com/office/powerpoint/2010/main" val="3522499391"/>
+      </p:ext>
+    </p:extLst>
+  </p:cSld>
+  <p:clrMapOvr>
+    <a:masterClrMapping/>
+  </p:clrMapOvr>
+</p:sld>
+</file>
+
+<file path=ppt/slides/slide27.xml><?xml version="1.0" encoding="utf-8"?>
+<p:sld xmlns:a="http://schemas.openxmlformats.org/drawingml/2006/main" xmlns:r="http://schemas.openxmlformats.org/officeDocument/2006/relationships" xmlns:p="http://schemas.openxmlformats.org/presentationml/2006/main">
+  <p:cSld>
+    <p:spTree>
+      <p:nvGrpSpPr>
+        <p:cNvPr id="1" name=""/>
+        <p:cNvGrpSpPr/>
+        <p:nvPr/>
+      </p:nvGrpSpPr>
+      <p:grpSpPr>
+        <a:xfrm>
+          <a:off x="0" y="0"/>
+          <a:ext cx="0" cy="0"/>
+          <a:chOff x="0" y="0"/>
+          <a:chExt cx="0" cy="0"/>
+        </a:xfrm>
+      </p:grpSpPr>
+      <p:sp>
+        <p:nvSpPr>
+          <p:cNvPr id="2" name="Title 1">
+            <a:extLst>
+              <a:ext uri="{FF2B5EF4-FFF2-40B4-BE49-F238E27FC236}">
+                <a16:creationId xmlns:a16="http://schemas.microsoft.com/office/drawing/2014/main" id="{2F7DD7AD-76ED-80DA-5738-5290E4C9FCAD}"/>
+              </a:ext>
+            </a:extLst>
+          </p:cNvPr>
+          <p:cNvSpPr>
+            <a:spLocks noGrp="1"/>
+          </p:cNvSpPr>
+          <p:nvPr>
+            <p:ph type="title"/>
+          </p:nvPr>
+        </p:nvSpPr>
+        <p:spPr>
+          <a:xfrm>
+            <a:off x="289560" y="205979"/>
+            <a:ext cx="8397240" cy="857250"/>
+          </a:xfrm>
+        </p:spPr>
+        <p:txBody>
+          <a:bodyPr/>
+          <a:lstStyle/>
+          <a:p>
+            <a:r>
+              <a:rPr lang="en-US" dirty="0"/>
+              <a:t>Summary Statistics for Vacancy Length in Days by Subject</a:t>
+            </a:r>
+          </a:p>
+        </p:txBody>
+      </p:sp>
+      <p:pic>
+        <p:nvPicPr>
+          <p:cNvPr id="5" name="Content Placeholder 4">
+            <a:extLst>
+              <a:ext uri="{FF2B5EF4-FFF2-40B4-BE49-F238E27FC236}">
+                <a16:creationId xmlns:a16="http://schemas.microsoft.com/office/drawing/2014/main" id="{A7E613AA-95A0-E540-DAAE-1E6A18B3A67E}"/>
+              </a:ext>
+            </a:extLst>
+          </p:cNvPr>
+          <p:cNvPicPr>
+            <a:picLocks noGrp="1" noChangeAspect="1"/>
+          </p:cNvPicPr>
+          <p:nvPr>
+            <p:ph idx="1"/>
+          </p:nvPr>
+        </p:nvPicPr>
+        <p:blipFill>
+          <a:blip r:embed="rId2"/>
+          <a:stretch>
+            <a:fillRect/>
+          </a:stretch>
+        </p:blipFill>
+        <p:spPr>
+          <a:xfrm>
+            <a:off x="746731" y="1737479"/>
+            <a:ext cx="7650538" cy="1226581"/>
+          </a:xfrm>
+        </p:spPr>
+      </p:pic>
+      <p:sp>
+        <p:nvSpPr>
+          <p:cNvPr id="6" name="TextBox 5">
+            <a:extLst>
+              <a:ext uri="{FF2B5EF4-FFF2-40B4-BE49-F238E27FC236}">
+                <a16:creationId xmlns:a16="http://schemas.microsoft.com/office/drawing/2014/main" id="{E910A2DA-4856-EB80-D49B-6CD61F31E2FF}"/>
+              </a:ext>
+            </a:extLst>
+          </p:cNvPr>
+          <p:cNvSpPr txBox="1"/>
+          <p:nvPr/>
+        </p:nvSpPr>
+        <p:spPr>
+          <a:xfrm>
+            <a:off x="746731" y="3535560"/>
+            <a:ext cx="5913119" cy="1169551"/>
+          </a:xfrm>
+          <a:prstGeom prst="rect">
+            <a:avLst/>
+          </a:prstGeom>
+          <a:noFill/>
+        </p:spPr>
+        <p:txBody>
+          <a:bodyPr wrap="square" rtlCol="0">
+            <a:spAutoFit/>
+          </a:bodyPr>
+          <a:lstStyle/>
+          <a:p>
+            <a:r>
+              <a:rPr lang="en-US" sz="1400" dirty="0">
+                <a:solidFill>
+                  <a:srgbClr val="2007B9"/>
+                </a:solidFill>
+              </a:rPr>
+              <a:t>The highest median vacancy length was Math at 34 days, and the lowest median was Science at 32 days. The largest mean vacancy length was for English Language Arts (60.2 days) and the lowest was for Social Studies (47.5). The largest standard deviation for vacancy length was for English Language Arts (53.0), and the lowest was for Science (42.1 days).</a:t>
+            </a:r>
+          </a:p>
+        </p:txBody>
+      </p:sp>
+    </p:spTree>
+    <p:extLst>
+      <p:ext uri="{BB962C8B-B14F-4D97-AF65-F5344CB8AC3E}">
+        <p14:creationId xmlns:p14="http://schemas.microsoft.com/office/powerpoint/2010/main" val="2342478317"/>
+      </p:ext>
+    </p:extLst>
+  </p:cSld>
+  <p:clrMapOvr>
+    <a:masterClrMapping/>
+  </p:clrMapOvr>
+</p:sld>
+</file>
+
+<file path=ppt/slides/slide28.xml><?xml version="1.0" encoding="utf-8"?>
+<p:sld xmlns:a="http://schemas.openxmlformats.org/drawingml/2006/main" xmlns:r="http://schemas.openxmlformats.org/officeDocument/2006/relationships" xmlns:p="http://schemas.openxmlformats.org/presentationml/2006/main">
+  <p:cSld>
+    <p:spTree>
+      <p:nvGrpSpPr>
+        <p:cNvPr id="1" name=""/>
+        <p:cNvGrpSpPr/>
+        <p:nvPr/>
+      </p:nvGrpSpPr>
+      <p:grpSpPr>
+        <a:xfrm>
+          <a:off x="0" y="0"/>
+          <a:ext cx="0" cy="0"/>
+          <a:chOff x="0" y="0"/>
+          <a:chExt cx="0" cy="0"/>
+        </a:xfrm>
+      </p:grpSpPr>
+      <p:sp>
+        <p:nvSpPr>
+          <p:cNvPr id="2" name="Title 1">
+            <a:extLst>
+              <a:ext uri="{FF2B5EF4-FFF2-40B4-BE49-F238E27FC236}">
+                <a16:creationId xmlns:a16="http://schemas.microsoft.com/office/drawing/2014/main" id="{36E7FD49-1846-B31A-DF1D-E805015F4FFC}"/>
+              </a:ext>
+            </a:extLst>
+          </p:cNvPr>
+          <p:cNvSpPr>
+            <a:spLocks noGrp="1"/>
+          </p:cNvSpPr>
+          <p:nvPr>
+            <p:ph type="title"/>
+          </p:nvPr>
+        </p:nvSpPr>
+        <p:spPr/>
+        <p:txBody>
+          <a:bodyPr/>
+          <a:lstStyle/>
+          <a:p>
+            <a:r>
+              <a:rPr lang="en-US" dirty="0"/>
+              <a:t>Number of Staffing Vacancies Varied by Subject</a:t>
+            </a:r>
+          </a:p>
+        </p:txBody>
+      </p:sp>
+      <p:sp>
+        <p:nvSpPr>
+          <p:cNvPr id="6" name="TextBox 5">
+            <a:extLst>
+              <a:ext uri="{FF2B5EF4-FFF2-40B4-BE49-F238E27FC236}">
+                <a16:creationId xmlns:a16="http://schemas.microsoft.com/office/drawing/2014/main" id="{64D833D9-E13B-775D-A977-9C7C3BFC2EEC}"/>
+              </a:ext>
+            </a:extLst>
+          </p:cNvPr>
+          <p:cNvSpPr txBox="1"/>
+          <p:nvPr/>
+        </p:nvSpPr>
+        <p:spPr>
+          <a:xfrm>
+            <a:off x="2362200" y="3714511"/>
+            <a:ext cx="4781393" cy="738664"/>
+          </a:xfrm>
+          <a:prstGeom prst="rect">
+            <a:avLst/>
+          </a:prstGeom>
+          <a:noFill/>
+        </p:spPr>
+        <p:txBody>
+          <a:bodyPr wrap="square" rtlCol="0">
+            <a:spAutoFit/>
+          </a:bodyPr>
+          <a:lstStyle/>
+          <a:p>
+            <a:r>
+              <a:rPr lang="en-US" sz="1400" dirty="0">
+                <a:solidFill>
+                  <a:srgbClr val="2007B9"/>
+                </a:solidFill>
+              </a:rPr>
+              <a:t>English Language Arts had the highest number of staffing vacancies (288) and Science had the lowest number of vacancies at 93.</a:t>
+            </a:r>
+          </a:p>
+        </p:txBody>
+      </p:sp>
+      <p:pic>
+        <p:nvPicPr>
+          <p:cNvPr id="10" name="Content Placeholder 9">
+            <a:extLst>
+              <a:ext uri="{FF2B5EF4-FFF2-40B4-BE49-F238E27FC236}">
+                <a16:creationId xmlns:a16="http://schemas.microsoft.com/office/drawing/2014/main" id="{D4D4D755-E90D-D6E7-1592-FF871C7D704C}"/>
+              </a:ext>
+            </a:extLst>
+          </p:cNvPr>
+          <p:cNvPicPr>
+            <a:picLocks noGrp="1" noChangeAspect="1"/>
+          </p:cNvPicPr>
+          <p:nvPr>
+            <p:ph idx="1"/>
+          </p:nvPr>
+        </p:nvPicPr>
+        <p:blipFill>
+          <a:blip r:embed="rId2"/>
+          <a:stretch>
+            <a:fillRect/>
+          </a:stretch>
+        </p:blipFill>
+        <p:spPr>
+          <a:xfrm>
+            <a:off x="1329383" y="1668780"/>
+            <a:ext cx="6044163" cy="1616157"/>
+          </a:xfrm>
+        </p:spPr>
+      </p:pic>
+    </p:spTree>
+    <p:extLst>
+      <p:ext uri="{BB962C8B-B14F-4D97-AF65-F5344CB8AC3E}">
+        <p14:creationId xmlns:p14="http://schemas.microsoft.com/office/powerpoint/2010/main" val="1355635477"/>
+      </p:ext>
+    </p:extLst>
+  </p:cSld>
+  <p:clrMapOvr>
+    <a:masterClrMapping/>
+  </p:clrMapOvr>
+</p:sld>
+</file>
+
+<file path=ppt/slides/slide29.xml><?xml version="1.0" encoding="utf-8"?>
+<p:sld xmlns:a="http://schemas.openxmlformats.org/drawingml/2006/main" xmlns:r="http://schemas.openxmlformats.org/officeDocument/2006/relationships" xmlns:p="http://schemas.openxmlformats.org/presentationml/2006/main">
+  <p:cSld>
+    <p:spTree>
+      <p:nvGrpSpPr>
+        <p:cNvPr id="1" name=""/>
+        <p:cNvGrpSpPr/>
+        <p:nvPr/>
+      </p:nvGrpSpPr>
+      <p:grpSpPr>
+        <a:xfrm>
+          <a:off x="0" y="0"/>
+          <a:ext cx="0" cy="0"/>
+          <a:chOff x="0" y="0"/>
+          <a:chExt cx="0" cy="0"/>
+        </a:xfrm>
+      </p:grpSpPr>
+      <p:sp>
+        <p:nvSpPr>
+          <p:cNvPr id="2" name="Title 1">
+            <a:extLst>
+              <a:ext uri="{FF2B5EF4-FFF2-40B4-BE49-F238E27FC236}">
+                <a16:creationId xmlns:a16="http://schemas.microsoft.com/office/drawing/2014/main" id="{4A2ACE67-5290-E1A4-19C6-9F06225C0E9E}"/>
+              </a:ext>
+            </a:extLst>
+          </p:cNvPr>
+          <p:cNvSpPr>
+            <a:spLocks noGrp="1"/>
+          </p:cNvSpPr>
+          <p:nvPr>
+            <p:ph type="title"/>
+          </p:nvPr>
+        </p:nvSpPr>
+        <p:spPr/>
+        <p:txBody>
+          <a:bodyPr/>
+          <a:lstStyle/>
+          <a:p>
+            <a:r>
+              <a:rPr lang="en-US" dirty="0"/>
+              <a:t>Summary Statistics for Number of Vacancies after Grouping by Subject</a:t>
+            </a:r>
+          </a:p>
+        </p:txBody>
+      </p:sp>
+      <p:pic>
+        <p:nvPicPr>
+          <p:cNvPr id="5" name="Content Placeholder 4">
+            <a:extLst>
+              <a:ext uri="{FF2B5EF4-FFF2-40B4-BE49-F238E27FC236}">
+                <a16:creationId xmlns:a16="http://schemas.microsoft.com/office/drawing/2014/main" id="{CDEEE186-DF5D-E808-2333-FBD1F50149DE}"/>
+              </a:ext>
+            </a:extLst>
+          </p:cNvPr>
+          <p:cNvPicPr>
+            <a:picLocks noGrp="1" noChangeAspect="1"/>
+          </p:cNvPicPr>
+          <p:nvPr>
+            <p:ph idx="1"/>
+          </p:nvPr>
+        </p:nvPicPr>
+        <p:blipFill>
+          <a:blip r:embed="rId2"/>
+          <a:stretch>
+            <a:fillRect/>
+          </a:stretch>
+        </p:blipFill>
+        <p:spPr>
+          <a:xfrm>
+            <a:off x="1069257" y="2340017"/>
+            <a:ext cx="7239347" cy="758867"/>
+          </a:xfrm>
+        </p:spPr>
+      </p:pic>
+      <p:sp>
+        <p:nvSpPr>
+          <p:cNvPr id="6" name="TextBox 5">
+            <a:extLst>
+              <a:ext uri="{FF2B5EF4-FFF2-40B4-BE49-F238E27FC236}">
+                <a16:creationId xmlns:a16="http://schemas.microsoft.com/office/drawing/2014/main" id="{8CA326DD-859F-9DD0-30E8-F05833BBE6A6}"/>
+              </a:ext>
+            </a:extLst>
+          </p:cNvPr>
+          <p:cNvSpPr txBox="1"/>
+          <p:nvPr/>
+        </p:nvSpPr>
+        <p:spPr>
+          <a:xfrm>
+            <a:off x="2735581" y="3878580"/>
+            <a:ext cx="4175760" cy="738664"/>
+          </a:xfrm>
+          <a:prstGeom prst="rect">
+            <a:avLst/>
+          </a:prstGeom>
+          <a:noFill/>
+        </p:spPr>
+        <p:txBody>
+          <a:bodyPr wrap="square" rtlCol="0">
+            <a:spAutoFit/>
+          </a:bodyPr>
+          <a:lstStyle/>
+          <a:p>
+            <a:r>
+              <a:rPr lang="en-US" sz="1400" dirty="0"/>
+              <a:t>Both English Language Arts and Math were above the median and mean numbers of staffing vacancies after grouping by subject.</a:t>
+            </a:r>
+          </a:p>
+        </p:txBody>
+      </p:sp>
+    </p:spTree>
+    <p:extLst>
+      <p:ext uri="{BB962C8B-B14F-4D97-AF65-F5344CB8AC3E}">
+        <p14:creationId xmlns:p14="http://schemas.microsoft.com/office/powerpoint/2010/main" val="870953000"/>
       </p:ext>
     </p:extLst>
   </p:cSld>
@@ -3684,6 +4658,1135 @@
 </p:sld>
 </file>
 
+<file path=ppt/slides/slide30.xml><?xml version="1.0" encoding="utf-8"?>
+<p:sld xmlns:a="http://schemas.openxmlformats.org/drawingml/2006/main" xmlns:r="http://schemas.openxmlformats.org/officeDocument/2006/relationships" xmlns:p="http://schemas.openxmlformats.org/presentationml/2006/main">
+  <p:cSld>
+    <p:spTree>
+      <p:nvGrpSpPr>
+        <p:cNvPr id="1" name=""/>
+        <p:cNvGrpSpPr/>
+        <p:nvPr/>
+      </p:nvGrpSpPr>
+      <p:grpSpPr>
+        <a:xfrm>
+          <a:off x="0" y="0"/>
+          <a:ext cx="0" cy="0"/>
+          <a:chOff x="0" y="0"/>
+          <a:chExt cx="0" cy="0"/>
+        </a:xfrm>
+      </p:grpSpPr>
+      <p:sp>
+        <p:nvSpPr>
+          <p:cNvPr id="2" name="Title 1">
+            <a:extLst>
+              <a:ext uri="{FF2B5EF4-FFF2-40B4-BE49-F238E27FC236}">
+                <a16:creationId xmlns:a16="http://schemas.microsoft.com/office/drawing/2014/main" id="{E3D4945D-16E9-ABA7-B846-2A0979EBB053}"/>
+              </a:ext>
+            </a:extLst>
+          </p:cNvPr>
+          <p:cNvSpPr>
+            <a:spLocks noGrp="1"/>
+          </p:cNvSpPr>
+          <p:nvPr>
+            <p:ph type="title"/>
+          </p:nvPr>
+        </p:nvSpPr>
+        <p:spPr/>
+        <p:txBody>
+          <a:bodyPr/>
+          <a:lstStyle/>
+          <a:p>
+            <a:r>
+              <a:rPr lang="en-US" dirty="0"/>
+              <a:t>Reading Histograms</a:t>
+            </a:r>
+          </a:p>
+        </p:txBody>
+      </p:sp>
+      <p:sp>
+        <p:nvSpPr>
+          <p:cNvPr id="3" name="Content Placeholder 2">
+            <a:extLst>
+              <a:ext uri="{FF2B5EF4-FFF2-40B4-BE49-F238E27FC236}">
+                <a16:creationId xmlns:a16="http://schemas.microsoft.com/office/drawing/2014/main" id="{66E89BFF-99CC-2572-A1AA-CF95264D6DED}"/>
+              </a:ext>
+            </a:extLst>
+          </p:cNvPr>
+          <p:cNvSpPr>
+            <a:spLocks noGrp="1"/>
+          </p:cNvSpPr>
+          <p:nvPr>
+            <p:ph idx="1"/>
+          </p:nvPr>
+        </p:nvSpPr>
+        <p:spPr>
+          <a:xfrm>
+            <a:off x="457200" y="1063229"/>
+            <a:ext cx="8229600" cy="3531394"/>
+          </a:xfrm>
+        </p:spPr>
+        <p:txBody>
+          <a:bodyPr>
+            <a:normAutofit fontScale="92500" lnSpcReduction="10000"/>
+          </a:bodyPr>
+          <a:lstStyle/>
+          <a:p>
+            <a:r>
+              <a:rPr lang="en-US" dirty="0"/>
+              <a:t>Number of days Vacant (Vacancy length in days) is shown on the horizontal axis</a:t>
+            </a:r>
+          </a:p>
+          <a:p>
+            <a:pPr marL="0" indent="0">
+              <a:buNone/>
+            </a:pPr>
+            <a:endParaRPr lang="en-US" dirty="0"/>
+          </a:p>
+          <a:p>
+            <a:r>
+              <a:rPr lang="en-US" dirty="0"/>
+              <a:t>Number of vacancies (frequency) within a range of a particular length is on the vertical axis</a:t>
+            </a:r>
+          </a:p>
+          <a:p>
+            <a:pPr lvl="1">
+              <a:buFont typeface="Courier New" panose="02070309020205020404" pitchFamily="49" charset="0"/>
+              <a:buChar char="o"/>
+            </a:pPr>
+            <a:r>
+              <a:rPr lang="en-US" sz="2200" dirty="0"/>
+              <a:t>The number of vacancies that had the same length of time (the vacancies were open for a similar number of days).</a:t>
+            </a:r>
+          </a:p>
+        </p:txBody>
+      </p:sp>
+    </p:spTree>
+    <p:extLst>
+      <p:ext uri="{BB962C8B-B14F-4D97-AF65-F5344CB8AC3E}">
+        <p14:creationId xmlns:p14="http://schemas.microsoft.com/office/powerpoint/2010/main" val="3655245498"/>
+      </p:ext>
+    </p:extLst>
+  </p:cSld>
+  <p:clrMapOvr>
+    <a:masterClrMapping/>
+  </p:clrMapOvr>
+</p:sld>
+</file>
+
+<file path=ppt/slides/slide31.xml><?xml version="1.0" encoding="utf-8"?>
+<p:sld xmlns:a="http://schemas.openxmlformats.org/drawingml/2006/main" xmlns:r="http://schemas.openxmlformats.org/officeDocument/2006/relationships" xmlns:p="http://schemas.openxmlformats.org/presentationml/2006/main">
+  <p:cSld>
+    <p:spTree>
+      <p:nvGrpSpPr>
+        <p:cNvPr id="1" name=""/>
+        <p:cNvGrpSpPr/>
+        <p:nvPr/>
+      </p:nvGrpSpPr>
+      <p:grpSpPr>
+        <a:xfrm>
+          <a:off x="0" y="0"/>
+          <a:ext cx="0" cy="0"/>
+          <a:chOff x="0" y="0"/>
+          <a:chExt cx="0" cy="0"/>
+        </a:xfrm>
+      </p:grpSpPr>
+      <p:sp>
+        <p:nvSpPr>
+          <p:cNvPr id="2" name="Title 1">
+            <a:extLst>
+              <a:ext uri="{FF2B5EF4-FFF2-40B4-BE49-F238E27FC236}">
+                <a16:creationId xmlns:a16="http://schemas.microsoft.com/office/drawing/2014/main" id="{2E9EFEB0-4670-2EBA-F747-7F519CF5C668}"/>
+              </a:ext>
+            </a:extLst>
+          </p:cNvPr>
+          <p:cNvSpPr>
+            <a:spLocks noGrp="1"/>
+          </p:cNvSpPr>
+          <p:nvPr>
+            <p:ph type="title"/>
+          </p:nvPr>
+        </p:nvSpPr>
+        <p:spPr/>
+        <p:txBody>
+          <a:bodyPr/>
+          <a:lstStyle/>
+          <a:p>
+            <a:r>
+              <a:rPr lang="en-US" dirty="0"/>
+              <a:t>Math Vacancy Lengths in Days</a:t>
+            </a:r>
+          </a:p>
+        </p:txBody>
+      </p:sp>
+      <p:pic>
+        <p:nvPicPr>
+          <p:cNvPr id="5" name="Content Placeholder 4">
+            <a:extLst>
+              <a:ext uri="{FF2B5EF4-FFF2-40B4-BE49-F238E27FC236}">
+                <a16:creationId xmlns:a16="http://schemas.microsoft.com/office/drawing/2014/main" id="{20A6DBB0-7290-B3D3-1803-8928D33C9364}"/>
+              </a:ext>
+            </a:extLst>
+          </p:cNvPr>
+          <p:cNvPicPr>
+            <a:picLocks noGrp="1" noChangeAspect="1"/>
+          </p:cNvPicPr>
+          <p:nvPr>
+            <p:ph idx="1"/>
+          </p:nvPr>
+        </p:nvPicPr>
+        <p:blipFill>
+          <a:blip r:embed="rId2"/>
+          <a:stretch>
+            <a:fillRect/>
+          </a:stretch>
+        </p:blipFill>
+        <p:spPr>
+          <a:xfrm>
+            <a:off x="786893" y="1188720"/>
+            <a:ext cx="6001511" cy="3519805"/>
+          </a:xfrm>
+        </p:spPr>
+      </p:pic>
+      <p:sp>
+        <p:nvSpPr>
+          <p:cNvPr id="6" name="TextBox 5">
+            <a:extLst>
+              <a:ext uri="{FF2B5EF4-FFF2-40B4-BE49-F238E27FC236}">
+                <a16:creationId xmlns:a16="http://schemas.microsoft.com/office/drawing/2014/main" id="{BDACAFC7-6268-8D82-A015-98D8A48B440E}"/>
+              </a:ext>
+            </a:extLst>
+          </p:cNvPr>
+          <p:cNvSpPr txBox="1"/>
+          <p:nvPr/>
+        </p:nvSpPr>
+        <p:spPr>
+          <a:xfrm>
+            <a:off x="6888480" y="2571750"/>
+            <a:ext cx="1950719" cy="738664"/>
+          </a:xfrm>
+          <a:prstGeom prst="rect">
+            <a:avLst/>
+          </a:prstGeom>
+          <a:noFill/>
+        </p:spPr>
+        <p:txBody>
+          <a:bodyPr wrap="square" rtlCol="0">
+            <a:spAutoFit/>
+          </a:bodyPr>
+          <a:lstStyle/>
+          <a:p>
+            <a:r>
+              <a:rPr lang="en-US" sz="1400" dirty="0">
+                <a:solidFill>
+                  <a:srgbClr val="2007B9"/>
+                </a:solidFill>
+              </a:rPr>
+              <a:t>The highest frequencies of vacancies were less than 50 days.</a:t>
+            </a:r>
+          </a:p>
+        </p:txBody>
+      </p:sp>
+    </p:spTree>
+    <p:extLst>
+      <p:ext uri="{BB962C8B-B14F-4D97-AF65-F5344CB8AC3E}">
+        <p14:creationId xmlns:p14="http://schemas.microsoft.com/office/powerpoint/2010/main" val="3127002968"/>
+      </p:ext>
+    </p:extLst>
+  </p:cSld>
+  <p:clrMapOvr>
+    <a:masterClrMapping/>
+  </p:clrMapOvr>
+</p:sld>
+</file>
+
+<file path=ppt/slides/slide32.xml><?xml version="1.0" encoding="utf-8"?>
+<p:sld xmlns:a="http://schemas.openxmlformats.org/drawingml/2006/main" xmlns:r="http://schemas.openxmlformats.org/officeDocument/2006/relationships" xmlns:p="http://schemas.openxmlformats.org/presentationml/2006/main">
+  <p:cSld>
+    <p:spTree>
+      <p:nvGrpSpPr>
+        <p:cNvPr id="1" name=""/>
+        <p:cNvGrpSpPr/>
+        <p:nvPr/>
+      </p:nvGrpSpPr>
+      <p:grpSpPr>
+        <a:xfrm>
+          <a:off x="0" y="0"/>
+          <a:ext cx="0" cy="0"/>
+          <a:chOff x="0" y="0"/>
+          <a:chExt cx="0" cy="0"/>
+        </a:xfrm>
+      </p:grpSpPr>
+      <p:sp>
+        <p:nvSpPr>
+          <p:cNvPr id="2" name="Title 1">
+            <a:extLst>
+              <a:ext uri="{FF2B5EF4-FFF2-40B4-BE49-F238E27FC236}">
+                <a16:creationId xmlns:a16="http://schemas.microsoft.com/office/drawing/2014/main" id="{91237200-1517-4F1E-7F37-1AECF5EF49ED}"/>
+              </a:ext>
+            </a:extLst>
+          </p:cNvPr>
+          <p:cNvSpPr>
+            <a:spLocks noGrp="1"/>
+          </p:cNvSpPr>
+          <p:nvPr>
+            <p:ph type="title"/>
+          </p:nvPr>
+        </p:nvSpPr>
+        <p:spPr/>
+        <p:txBody>
+          <a:bodyPr/>
+          <a:lstStyle/>
+          <a:p>
+            <a:r>
+              <a:rPr lang="en-US" dirty="0"/>
+              <a:t>English Language Arts Vacancy Lengths in Days</a:t>
+            </a:r>
+          </a:p>
+        </p:txBody>
+      </p:sp>
+      <p:pic>
+        <p:nvPicPr>
+          <p:cNvPr id="5" name="Content Placeholder 4">
+            <a:extLst>
+              <a:ext uri="{FF2B5EF4-FFF2-40B4-BE49-F238E27FC236}">
+                <a16:creationId xmlns:a16="http://schemas.microsoft.com/office/drawing/2014/main" id="{9874124B-AD4F-214B-49E0-00951ADF01DD}"/>
+              </a:ext>
+            </a:extLst>
+          </p:cNvPr>
+          <p:cNvPicPr>
+            <a:picLocks noGrp="1" noChangeAspect="1"/>
+          </p:cNvPicPr>
+          <p:nvPr>
+            <p:ph idx="1"/>
+          </p:nvPr>
+        </p:nvPicPr>
+        <p:blipFill>
+          <a:blip r:embed="rId2"/>
+          <a:stretch>
+            <a:fillRect/>
+          </a:stretch>
+        </p:blipFill>
+        <p:spPr>
+          <a:xfrm>
+            <a:off x="807561" y="1249680"/>
+            <a:ext cx="5943917" cy="3588781"/>
+          </a:xfrm>
+        </p:spPr>
+      </p:pic>
+      <p:sp>
+        <p:nvSpPr>
+          <p:cNvPr id="6" name="TextBox 5">
+            <a:extLst>
+              <a:ext uri="{FF2B5EF4-FFF2-40B4-BE49-F238E27FC236}">
+                <a16:creationId xmlns:a16="http://schemas.microsoft.com/office/drawing/2014/main" id="{E87DFEA0-8FAD-651A-3666-872536E47D49}"/>
+              </a:ext>
+            </a:extLst>
+          </p:cNvPr>
+          <p:cNvSpPr txBox="1"/>
+          <p:nvPr/>
+        </p:nvSpPr>
+        <p:spPr>
+          <a:xfrm>
+            <a:off x="7292340" y="2571750"/>
+            <a:ext cx="1470660" cy="954107"/>
+          </a:xfrm>
+          <a:prstGeom prst="rect">
+            <a:avLst/>
+          </a:prstGeom>
+          <a:noFill/>
+        </p:spPr>
+        <p:txBody>
+          <a:bodyPr wrap="square" rtlCol="0">
+            <a:spAutoFit/>
+          </a:bodyPr>
+          <a:lstStyle/>
+          <a:p>
+            <a:r>
+              <a:rPr lang="en-US" sz="1400" dirty="0">
+                <a:solidFill>
+                  <a:srgbClr val="2007B9"/>
+                </a:solidFill>
+              </a:rPr>
+              <a:t>The highest frequencies of vacancies were less than 50 days.</a:t>
+            </a:r>
+          </a:p>
+        </p:txBody>
+      </p:sp>
+    </p:spTree>
+    <p:extLst>
+      <p:ext uri="{BB962C8B-B14F-4D97-AF65-F5344CB8AC3E}">
+        <p14:creationId xmlns:p14="http://schemas.microsoft.com/office/powerpoint/2010/main" val="3880701273"/>
+      </p:ext>
+    </p:extLst>
+  </p:cSld>
+  <p:clrMapOvr>
+    <a:masterClrMapping/>
+  </p:clrMapOvr>
+</p:sld>
+</file>
+
+<file path=ppt/slides/slide33.xml><?xml version="1.0" encoding="utf-8"?>
+<p:sld xmlns:a="http://schemas.openxmlformats.org/drawingml/2006/main" xmlns:r="http://schemas.openxmlformats.org/officeDocument/2006/relationships" xmlns:p="http://schemas.openxmlformats.org/presentationml/2006/main">
+  <p:cSld>
+    <p:spTree>
+      <p:nvGrpSpPr>
+        <p:cNvPr id="1" name=""/>
+        <p:cNvGrpSpPr/>
+        <p:nvPr/>
+      </p:nvGrpSpPr>
+      <p:grpSpPr>
+        <a:xfrm>
+          <a:off x="0" y="0"/>
+          <a:ext cx="0" cy="0"/>
+          <a:chOff x="0" y="0"/>
+          <a:chExt cx="0" cy="0"/>
+        </a:xfrm>
+      </p:grpSpPr>
+      <p:sp>
+        <p:nvSpPr>
+          <p:cNvPr id="2" name="Title 1">
+            <a:extLst>
+              <a:ext uri="{FF2B5EF4-FFF2-40B4-BE49-F238E27FC236}">
+                <a16:creationId xmlns:a16="http://schemas.microsoft.com/office/drawing/2014/main" id="{AF181CAF-D565-AB92-7DF9-E99C94E2846A}"/>
+              </a:ext>
+            </a:extLst>
+          </p:cNvPr>
+          <p:cNvSpPr>
+            <a:spLocks noGrp="1"/>
+          </p:cNvSpPr>
+          <p:nvPr>
+            <p:ph type="title"/>
+          </p:nvPr>
+        </p:nvSpPr>
+        <p:spPr/>
+        <p:txBody>
+          <a:bodyPr/>
+          <a:lstStyle/>
+          <a:p>
+            <a:r>
+              <a:rPr lang="en-US" dirty="0"/>
+              <a:t>Science Vacancy Lengths in Days</a:t>
+            </a:r>
+          </a:p>
+        </p:txBody>
+      </p:sp>
+      <p:pic>
+        <p:nvPicPr>
+          <p:cNvPr id="5" name="Content Placeholder 4">
+            <a:extLst>
+              <a:ext uri="{FF2B5EF4-FFF2-40B4-BE49-F238E27FC236}">
+                <a16:creationId xmlns:a16="http://schemas.microsoft.com/office/drawing/2014/main" id="{27B9431A-A571-7337-EB12-EBD9047D91FB}"/>
+              </a:ext>
+            </a:extLst>
+          </p:cNvPr>
+          <p:cNvPicPr>
+            <a:picLocks noGrp="1" noChangeAspect="1"/>
+          </p:cNvPicPr>
+          <p:nvPr>
+            <p:ph idx="1"/>
+          </p:nvPr>
+        </p:nvPicPr>
+        <p:blipFill>
+          <a:blip r:embed="rId2"/>
+          <a:stretch>
+            <a:fillRect/>
+          </a:stretch>
+        </p:blipFill>
+        <p:spPr>
+          <a:xfrm>
+            <a:off x="752546" y="1154670"/>
+            <a:ext cx="5916538" cy="3492896"/>
+          </a:xfrm>
+        </p:spPr>
+      </p:pic>
+      <p:sp>
+        <p:nvSpPr>
+          <p:cNvPr id="6" name="TextBox 5">
+            <a:extLst>
+              <a:ext uri="{FF2B5EF4-FFF2-40B4-BE49-F238E27FC236}">
+                <a16:creationId xmlns:a16="http://schemas.microsoft.com/office/drawing/2014/main" id="{F81EA22A-EE3B-7A7E-0AD0-67DB626C9465}"/>
+              </a:ext>
+            </a:extLst>
+          </p:cNvPr>
+          <p:cNvSpPr txBox="1"/>
+          <p:nvPr/>
+        </p:nvSpPr>
+        <p:spPr>
+          <a:xfrm>
+            <a:off x="6840926" y="2208620"/>
+            <a:ext cx="1845874" cy="1384995"/>
+          </a:xfrm>
+          <a:prstGeom prst="rect">
+            <a:avLst/>
+          </a:prstGeom>
+          <a:noFill/>
+        </p:spPr>
+        <p:txBody>
+          <a:bodyPr wrap="square" rtlCol="0">
+            <a:spAutoFit/>
+          </a:bodyPr>
+          <a:lstStyle/>
+          <a:p>
+            <a:r>
+              <a:rPr lang="en-US" sz="1400" dirty="0">
+                <a:solidFill>
+                  <a:srgbClr val="2007B9"/>
+                </a:solidFill>
+              </a:rPr>
+              <a:t>The highest frequency of vacancies was less than 50 days. The next highest frequency of vacancies was 50-100 days.</a:t>
+            </a:r>
+          </a:p>
+        </p:txBody>
+      </p:sp>
+    </p:spTree>
+    <p:extLst>
+      <p:ext uri="{BB962C8B-B14F-4D97-AF65-F5344CB8AC3E}">
+        <p14:creationId xmlns:p14="http://schemas.microsoft.com/office/powerpoint/2010/main" val="460292166"/>
+      </p:ext>
+    </p:extLst>
+  </p:cSld>
+  <p:clrMapOvr>
+    <a:masterClrMapping/>
+  </p:clrMapOvr>
+</p:sld>
+</file>
+
+<file path=ppt/slides/slide34.xml><?xml version="1.0" encoding="utf-8"?>
+<p:sld xmlns:a="http://schemas.openxmlformats.org/drawingml/2006/main" xmlns:r="http://schemas.openxmlformats.org/officeDocument/2006/relationships" xmlns:p="http://schemas.openxmlformats.org/presentationml/2006/main">
+  <p:cSld>
+    <p:spTree>
+      <p:nvGrpSpPr>
+        <p:cNvPr id="1" name=""/>
+        <p:cNvGrpSpPr/>
+        <p:nvPr/>
+      </p:nvGrpSpPr>
+      <p:grpSpPr>
+        <a:xfrm>
+          <a:off x="0" y="0"/>
+          <a:ext cx="0" cy="0"/>
+          <a:chOff x="0" y="0"/>
+          <a:chExt cx="0" cy="0"/>
+        </a:xfrm>
+      </p:grpSpPr>
+      <p:sp>
+        <p:nvSpPr>
+          <p:cNvPr id="2" name="Title 1">
+            <a:extLst>
+              <a:ext uri="{FF2B5EF4-FFF2-40B4-BE49-F238E27FC236}">
+                <a16:creationId xmlns:a16="http://schemas.microsoft.com/office/drawing/2014/main" id="{B5948B2E-6688-74E1-FE7C-08DD21549810}"/>
+              </a:ext>
+            </a:extLst>
+          </p:cNvPr>
+          <p:cNvSpPr>
+            <a:spLocks noGrp="1"/>
+          </p:cNvSpPr>
+          <p:nvPr>
+            <p:ph type="title"/>
+          </p:nvPr>
+        </p:nvSpPr>
+        <p:spPr/>
+        <p:txBody>
+          <a:bodyPr/>
+          <a:lstStyle/>
+          <a:p>
+            <a:r>
+              <a:rPr lang="en-US" dirty="0"/>
+              <a:t>Social Studies Vacancy </a:t>
+            </a:r>
+            <a:br>
+              <a:rPr lang="en-US" dirty="0"/>
+            </a:br>
+            <a:r>
+              <a:rPr lang="en-US" dirty="0"/>
+              <a:t>Lengths in Days</a:t>
+            </a:r>
+          </a:p>
+        </p:txBody>
+      </p:sp>
+      <p:pic>
+        <p:nvPicPr>
+          <p:cNvPr id="5" name="Content Placeholder 4">
+            <a:extLst>
+              <a:ext uri="{FF2B5EF4-FFF2-40B4-BE49-F238E27FC236}">
+                <a16:creationId xmlns:a16="http://schemas.microsoft.com/office/drawing/2014/main" id="{01B35684-9C06-4490-81D3-3CE7BAAD3721}"/>
+              </a:ext>
+            </a:extLst>
+          </p:cNvPr>
+          <p:cNvPicPr>
+            <a:picLocks noGrp="1" noChangeAspect="1"/>
+          </p:cNvPicPr>
+          <p:nvPr>
+            <p:ph idx="1"/>
+          </p:nvPr>
+        </p:nvPicPr>
+        <p:blipFill>
+          <a:blip r:embed="rId2"/>
+          <a:stretch>
+            <a:fillRect/>
+          </a:stretch>
+        </p:blipFill>
+        <p:spPr>
+          <a:xfrm>
+            <a:off x="677097" y="1341120"/>
+            <a:ext cx="5826267" cy="3458845"/>
+          </a:xfrm>
+        </p:spPr>
+      </p:pic>
+      <p:sp>
+        <p:nvSpPr>
+          <p:cNvPr id="6" name="TextBox 5">
+            <a:extLst>
+              <a:ext uri="{FF2B5EF4-FFF2-40B4-BE49-F238E27FC236}">
+                <a16:creationId xmlns:a16="http://schemas.microsoft.com/office/drawing/2014/main" id="{CF8DC9A4-8784-381C-C47F-6E64DED8F805}"/>
+              </a:ext>
+            </a:extLst>
+          </p:cNvPr>
+          <p:cNvSpPr txBox="1"/>
+          <p:nvPr/>
+        </p:nvSpPr>
+        <p:spPr>
+          <a:xfrm>
+            <a:off x="6869874" y="2791608"/>
+            <a:ext cx="1816926" cy="1169551"/>
+          </a:xfrm>
+          <a:prstGeom prst="rect">
+            <a:avLst/>
+          </a:prstGeom>
+          <a:noFill/>
+        </p:spPr>
+        <p:txBody>
+          <a:bodyPr wrap="square" rtlCol="0">
+            <a:spAutoFit/>
+          </a:bodyPr>
+          <a:lstStyle/>
+          <a:p>
+            <a:r>
+              <a:rPr lang="en-US" sz="1400" dirty="0">
+                <a:solidFill>
+                  <a:srgbClr val="2007B9"/>
+                </a:solidFill>
+              </a:rPr>
+              <a:t>The two highest frequencies of vacancies had lengths that were less than 50 days.</a:t>
+            </a:r>
+          </a:p>
+        </p:txBody>
+      </p:sp>
+    </p:spTree>
+    <p:extLst>
+      <p:ext uri="{BB962C8B-B14F-4D97-AF65-F5344CB8AC3E}">
+        <p14:creationId xmlns:p14="http://schemas.microsoft.com/office/powerpoint/2010/main" val="3019242470"/>
+      </p:ext>
+    </p:extLst>
+  </p:cSld>
+  <p:clrMapOvr>
+    <a:masterClrMapping/>
+  </p:clrMapOvr>
+</p:sld>
+</file>
+
+<file path=ppt/slides/slide35.xml><?xml version="1.0" encoding="utf-8"?>
+<p:sld xmlns:a="http://schemas.openxmlformats.org/drawingml/2006/main" xmlns:r="http://schemas.openxmlformats.org/officeDocument/2006/relationships" xmlns:p="http://schemas.openxmlformats.org/presentationml/2006/main">
+  <p:cSld>
+    <p:spTree>
+      <p:nvGrpSpPr>
+        <p:cNvPr id="1" name=""/>
+        <p:cNvGrpSpPr/>
+        <p:nvPr/>
+      </p:nvGrpSpPr>
+      <p:grpSpPr>
+        <a:xfrm>
+          <a:off x="0" y="0"/>
+          <a:ext cx="0" cy="0"/>
+          <a:chOff x="0" y="0"/>
+          <a:chExt cx="0" cy="0"/>
+        </a:xfrm>
+      </p:grpSpPr>
+      <p:sp>
+        <p:nvSpPr>
+          <p:cNvPr id="2" name="Title 1">
+            <a:extLst>
+              <a:ext uri="{FF2B5EF4-FFF2-40B4-BE49-F238E27FC236}">
+                <a16:creationId xmlns:a16="http://schemas.microsoft.com/office/drawing/2014/main" id="{3136F1D8-3D40-2147-0795-2ABC902D7176}"/>
+              </a:ext>
+            </a:extLst>
+          </p:cNvPr>
+          <p:cNvSpPr>
+            <a:spLocks noGrp="1"/>
+          </p:cNvSpPr>
+          <p:nvPr>
+            <p:ph type="title"/>
+          </p:nvPr>
+        </p:nvSpPr>
+        <p:spPr/>
+        <p:txBody>
+          <a:bodyPr/>
+          <a:lstStyle/>
+          <a:p>
+            <a:r>
+              <a:rPr lang="en-US" dirty="0"/>
+              <a:t>Number Staffing Vacancies were Highest in English Language Arts</a:t>
+            </a:r>
+          </a:p>
+        </p:txBody>
+      </p:sp>
+      <p:pic>
+        <p:nvPicPr>
+          <p:cNvPr id="5" name="Content Placeholder 4">
+            <a:extLst>
+              <a:ext uri="{FF2B5EF4-FFF2-40B4-BE49-F238E27FC236}">
+                <a16:creationId xmlns:a16="http://schemas.microsoft.com/office/drawing/2014/main" id="{8F60AFF8-C5A4-7A33-9A36-19DFFF463ED1}"/>
+              </a:ext>
+            </a:extLst>
+          </p:cNvPr>
+          <p:cNvPicPr>
+            <a:picLocks noGrp="1" noChangeAspect="1"/>
+          </p:cNvPicPr>
+          <p:nvPr>
+            <p:ph idx="1"/>
+          </p:nvPr>
+        </p:nvPicPr>
+        <p:blipFill>
+          <a:blip r:embed="rId2"/>
+          <a:stretch>
+            <a:fillRect/>
+          </a:stretch>
+        </p:blipFill>
+        <p:spPr>
+          <a:xfrm>
+            <a:off x="542440" y="1332090"/>
+            <a:ext cx="5865980" cy="3513595"/>
+          </a:xfrm>
+        </p:spPr>
+      </p:pic>
+      <p:sp>
+        <p:nvSpPr>
+          <p:cNvPr id="6" name="TextBox 5">
+            <a:extLst>
+              <a:ext uri="{FF2B5EF4-FFF2-40B4-BE49-F238E27FC236}">
+                <a16:creationId xmlns:a16="http://schemas.microsoft.com/office/drawing/2014/main" id="{7D78D8F0-31C3-4C4C-EA82-60C44C6B4F61}"/>
+              </a:ext>
+            </a:extLst>
+          </p:cNvPr>
+          <p:cNvSpPr txBox="1"/>
+          <p:nvPr/>
+        </p:nvSpPr>
+        <p:spPr>
+          <a:xfrm>
+            <a:off x="6766560" y="2073224"/>
+            <a:ext cx="2049780" cy="2031325"/>
+          </a:xfrm>
+          <a:prstGeom prst="rect">
+            <a:avLst/>
+          </a:prstGeom>
+          <a:noFill/>
+        </p:spPr>
+        <p:txBody>
+          <a:bodyPr wrap="square" rtlCol="0">
+            <a:spAutoFit/>
+          </a:bodyPr>
+          <a:lstStyle/>
+          <a:p>
+            <a:r>
+              <a:rPr lang="en-US" sz="1400" dirty="0"/>
+              <a:t>Each subject across Texas had a different number of staffing vacancies. English Language arts had the most at 288, followed by Math at 187, then Social Studies with 142. Science had the lowest vacancies with 93. </a:t>
+            </a:r>
+          </a:p>
+        </p:txBody>
+      </p:sp>
+    </p:spTree>
+    <p:extLst>
+      <p:ext uri="{BB962C8B-B14F-4D97-AF65-F5344CB8AC3E}">
+        <p14:creationId xmlns:p14="http://schemas.microsoft.com/office/powerpoint/2010/main" val="2693204481"/>
+      </p:ext>
+    </p:extLst>
+  </p:cSld>
+  <p:clrMapOvr>
+    <a:masterClrMapping/>
+  </p:clrMapOvr>
+</p:sld>
+</file>
+
+<file path=ppt/slides/slide36.xml><?xml version="1.0" encoding="utf-8"?>
+<p:sld xmlns:a="http://schemas.openxmlformats.org/drawingml/2006/main" xmlns:r="http://schemas.openxmlformats.org/officeDocument/2006/relationships" xmlns:p="http://schemas.openxmlformats.org/presentationml/2006/main">
+  <p:cSld>
+    <p:spTree>
+      <p:nvGrpSpPr>
+        <p:cNvPr id="1" name=""/>
+        <p:cNvGrpSpPr/>
+        <p:nvPr/>
+      </p:nvGrpSpPr>
+      <p:grpSpPr>
+        <a:xfrm>
+          <a:off x="0" y="0"/>
+          <a:ext cx="0" cy="0"/>
+          <a:chOff x="0" y="0"/>
+          <a:chExt cx="0" cy="0"/>
+        </a:xfrm>
+      </p:grpSpPr>
+      <p:sp>
+        <p:nvSpPr>
+          <p:cNvPr id="2" name="Title 1">
+            <a:extLst>
+              <a:ext uri="{FF2B5EF4-FFF2-40B4-BE49-F238E27FC236}">
+                <a16:creationId xmlns:a16="http://schemas.microsoft.com/office/drawing/2014/main" id="{90C4692D-CA11-C3F1-9B56-EE432BCFD1BF}"/>
+              </a:ext>
+            </a:extLst>
+          </p:cNvPr>
+          <p:cNvSpPr>
+            <a:spLocks noGrp="1"/>
+          </p:cNvSpPr>
+          <p:nvPr>
+            <p:ph type="title"/>
+          </p:nvPr>
+        </p:nvSpPr>
+        <p:spPr/>
+        <p:txBody>
+          <a:bodyPr/>
+          <a:lstStyle/>
+          <a:p>
+            <a:endParaRPr lang="en-US"/>
+          </a:p>
+        </p:txBody>
+      </p:sp>
+      <p:sp>
+        <p:nvSpPr>
+          <p:cNvPr id="3" name="Content Placeholder 2">
+            <a:extLst>
+              <a:ext uri="{FF2B5EF4-FFF2-40B4-BE49-F238E27FC236}">
+                <a16:creationId xmlns:a16="http://schemas.microsoft.com/office/drawing/2014/main" id="{0D5D56DB-B18A-DD31-9D23-F7FD88C9A00C}"/>
+              </a:ext>
+            </a:extLst>
+          </p:cNvPr>
+          <p:cNvSpPr>
+            <a:spLocks noGrp="1"/>
+          </p:cNvSpPr>
+          <p:nvPr>
+            <p:ph idx="1"/>
+          </p:nvPr>
+        </p:nvSpPr>
+        <p:spPr/>
+        <p:txBody>
+          <a:bodyPr/>
+          <a:lstStyle/>
+          <a:p>
+            <a:endParaRPr lang="en-US"/>
+          </a:p>
+        </p:txBody>
+      </p:sp>
+    </p:spTree>
+    <p:extLst>
+      <p:ext uri="{BB962C8B-B14F-4D97-AF65-F5344CB8AC3E}">
+        <p14:creationId xmlns:p14="http://schemas.microsoft.com/office/powerpoint/2010/main" val="2178654052"/>
+      </p:ext>
+    </p:extLst>
+  </p:cSld>
+  <p:clrMapOvr>
+    <a:masterClrMapping/>
+  </p:clrMapOvr>
+</p:sld>
+</file>
+
+<file path=ppt/slides/slide37.xml><?xml version="1.0" encoding="utf-8"?>
+<p:sld xmlns:a="http://schemas.openxmlformats.org/drawingml/2006/main" xmlns:r="http://schemas.openxmlformats.org/officeDocument/2006/relationships" xmlns:p="http://schemas.openxmlformats.org/presentationml/2006/main">
+  <p:cSld>
+    <p:spTree>
+      <p:nvGrpSpPr>
+        <p:cNvPr id="1" name=""/>
+        <p:cNvGrpSpPr/>
+        <p:nvPr/>
+      </p:nvGrpSpPr>
+      <p:grpSpPr>
+        <a:xfrm>
+          <a:off x="0" y="0"/>
+          <a:ext cx="0" cy="0"/>
+          <a:chOff x="0" y="0"/>
+          <a:chExt cx="0" cy="0"/>
+        </a:xfrm>
+      </p:grpSpPr>
+      <p:sp>
+        <p:nvSpPr>
+          <p:cNvPr id="2" name="Title 1">
+            <a:extLst>
+              <a:ext uri="{FF2B5EF4-FFF2-40B4-BE49-F238E27FC236}">
+                <a16:creationId xmlns:a16="http://schemas.microsoft.com/office/drawing/2014/main" id="{BBC38D5B-9622-410A-FB03-1458F8571920}"/>
+              </a:ext>
+            </a:extLst>
+          </p:cNvPr>
+          <p:cNvSpPr>
+            <a:spLocks noGrp="1"/>
+          </p:cNvSpPr>
+          <p:nvPr>
+            <p:ph type="title"/>
+          </p:nvPr>
+        </p:nvSpPr>
+        <p:spPr/>
+        <p:txBody>
+          <a:bodyPr/>
+          <a:lstStyle/>
+          <a:p>
+            <a:r>
+              <a:rPr lang="en-US" dirty="0"/>
+              <a:t>FMLA Data</a:t>
+            </a:r>
+          </a:p>
+        </p:txBody>
+      </p:sp>
+      <p:sp>
+        <p:nvSpPr>
+          <p:cNvPr id="3" name="Content Placeholder 2">
+            <a:extLst>
+              <a:ext uri="{FF2B5EF4-FFF2-40B4-BE49-F238E27FC236}">
+                <a16:creationId xmlns:a16="http://schemas.microsoft.com/office/drawing/2014/main" id="{58421222-1872-B5C4-1802-5D6A054D2304}"/>
+              </a:ext>
+            </a:extLst>
+          </p:cNvPr>
+          <p:cNvSpPr>
+            <a:spLocks noGrp="1"/>
+          </p:cNvSpPr>
+          <p:nvPr>
+            <p:ph idx="1"/>
+          </p:nvPr>
+        </p:nvSpPr>
+        <p:spPr>
+          <a:xfrm>
+            <a:off x="457200" y="1200151"/>
+            <a:ext cx="8229600" cy="3825332"/>
+          </a:xfrm>
+        </p:spPr>
+        <p:txBody>
+          <a:bodyPr>
+            <a:normAutofit fontScale="85000" lnSpcReduction="20000"/>
+          </a:bodyPr>
+          <a:lstStyle/>
+          <a:p>
+            <a:r>
+              <a:rPr lang="en-US" dirty="0"/>
+              <a:t>FMLA is Family Medical Leave and is time off for medical or family (such as having a child) absences </a:t>
+            </a:r>
+          </a:p>
+          <a:p>
+            <a:endParaRPr lang="en-US" dirty="0"/>
+          </a:p>
+          <a:p>
+            <a:r>
+              <a:rPr lang="en-US" dirty="0"/>
+              <a:t>FMLA leave length of time is counted in days, starting from the first day the employee is absent with leave to the return-to-work date.</a:t>
+            </a:r>
+          </a:p>
+          <a:p>
+            <a:endParaRPr lang="en-US" dirty="0"/>
+          </a:p>
+          <a:p>
+            <a:r>
+              <a:rPr lang="en-US" dirty="0"/>
+              <a:t>FMLA leave can vary in length of time (depending on how many days the employee applied for and was approved for).</a:t>
+            </a:r>
+          </a:p>
+          <a:p>
+            <a:pPr marL="457200" lvl="1" indent="0">
+              <a:buNone/>
+            </a:pPr>
+            <a:endParaRPr lang="en-US" dirty="0"/>
+          </a:p>
+        </p:txBody>
+      </p:sp>
+    </p:spTree>
+    <p:extLst>
+      <p:ext uri="{BB962C8B-B14F-4D97-AF65-F5344CB8AC3E}">
+        <p14:creationId xmlns:p14="http://schemas.microsoft.com/office/powerpoint/2010/main" val="1758383388"/>
+      </p:ext>
+    </p:extLst>
+  </p:cSld>
+  <p:clrMapOvr>
+    <a:masterClrMapping/>
+  </p:clrMapOvr>
+</p:sld>
+</file>
+
+<file path=ppt/slides/slide38.xml><?xml version="1.0" encoding="utf-8"?>
+<p:sld xmlns:a="http://schemas.openxmlformats.org/drawingml/2006/main" xmlns:r="http://schemas.openxmlformats.org/officeDocument/2006/relationships" xmlns:p="http://schemas.openxmlformats.org/presentationml/2006/main">
+  <p:cSld>
+    <p:spTree>
+      <p:nvGrpSpPr>
+        <p:cNvPr id="1" name=""/>
+        <p:cNvGrpSpPr/>
+        <p:nvPr/>
+      </p:nvGrpSpPr>
+      <p:grpSpPr>
+        <a:xfrm>
+          <a:off x="0" y="0"/>
+          <a:ext cx="0" cy="0"/>
+          <a:chOff x="0" y="0"/>
+          <a:chExt cx="0" cy="0"/>
+        </a:xfrm>
+      </p:grpSpPr>
+      <p:sp>
+        <p:nvSpPr>
+          <p:cNvPr id="2" name="Title 1">
+            <a:extLst>
+              <a:ext uri="{FF2B5EF4-FFF2-40B4-BE49-F238E27FC236}">
+                <a16:creationId xmlns:a16="http://schemas.microsoft.com/office/drawing/2014/main" id="{5EFE2270-F8D7-54E1-3D71-84F42B2E0A11}"/>
+              </a:ext>
+            </a:extLst>
+          </p:cNvPr>
+          <p:cNvSpPr>
+            <a:spLocks noGrp="1"/>
+          </p:cNvSpPr>
+          <p:nvPr>
+            <p:ph type="title"/>
+          </p:nvPr>
+        </p:nvSpPr>
+        <p:spPr/>
+        <p:txBody>
+          <a:bodyPr/>
+          <a:lstStyle/>
+          <a:p>
+            <a:r>
+              <a:rPr lang="en-US" dirty="0"/>
+              <a:t>FMLA: </a:t>
+            </a:r>
+            <a:r>
+              <a:rPr lang="en-US" u="sng" dirty="0"/>
+              <a:t>Region</a:t>
+            </a:r>
+          </a:p>
+        </p:txBody>
+      </p:sp>
+      <p:sp>
+        <p:nvSpPr>
+          <p:cNvPr id="3" name="Content Placeholder 2">
+            <a:extLst>
+              <a:ext uri="{FF2B5EF4-FFF2-40B4-BE49-F238E27FC236}">
+                <a16:creationId xmlns:a16="http://schemas.microsoft.com/office/drawing/2014/main" id="{7B95A4F0-CF20-22C0-CF73-728979EF7A6C}"/>
+              </a:ext>
+            </a:extLst>
+          </p:cNvPr>
+          <p:cNvSpPr>
+            <a:spLocks noGrp="1"/>
+          </p:cNvSpPr>
+          <p:nvPr>
+            <p:ph idx="1"/>
+          </p:nvPr>
+        </p:nvSpPr>
+        <p:spPr/>
+        <p:txBody>
+          <a:bodyPr/>
+          <a:lstStyle/>
+          <a:p>
+            <a:r>
+              <a:rPr lang="en-US" dirty="0"/>
+              <a:t>Regions in Texas who had teachers that took leave for FMLA </a:t>
+            </a:r>
+          </a:p>
+        </p:txBody>
+      </p:sp>
+    </p:spTree>
+    <p:extLst>
+      <p:ext uri="{BB962C8B-B14F-4D97-AF65-F5344CB8AC3E}">
+        <p14:creationId xmlns:p14="http://schemas.microsoft.com/office/powerpoint/2010/main" val="2463031648"/>
+      </p:ext>
+    </p:extLst>
+  </p:cSld>
+  <p:clrMapOvr>
+    <a:masterClrMapping/>
+  </p:clrMapOvr>
+</p:sld>
+</file>
+
+<file path=ppt/slides/slide39.xml><?xml version="1.0" encoding="utf-8"?>
+<p:sld xmlns:a="http://schemas.openxmlformats.org/drawingml/2006/main" xmlns:r="http://schemas.openxmlformats.org/officeDocument/2006/relationships" xmlns:p="http://schemas.openxmlformats.org/presentationml/2006/main">
+  <p:cSld>
+    <p:spTree>
+      <p:nvGrpSpPr>
+        <p:cNvPr id="1" name=""/>
+        <p:cNvGrpSpPr/>
+        <p:nvPr/>
+      </p:nvGrpSpPr>
+      <p:grpSpPr>
+        <a:xfrm>
+          <a:off x="0" y="0"/>
+          <a:ext cx="0" cy="0"/>
+          <a:chOff x="0" y="0"/>
+          <a:chExt cx="0" cy="0"/>
+        </a:xfrm>
+      </p:grpSpPr>
+      <p:sp>
+        <p:nvSpPr>
+          <p:cNvPr id="2" name="Title 1">
+            <a:extLst>
+              <a:ext uri="{FF2B5EF4-FFF2-40B4-BE49-F238E27FC236}">
+                <a16:creationId xmlns:a16="http://schemas.microsoft.com/office/drawing/2014/main" id="{FBC7836D-EAD1-4B46-FE83-4E9445DE1CEA}"/>
+              </a:ext>
+            </a:extLst>
+          </p:cNvPr>
+          <p:cNvSpPr>
+            <a:spLocks noGrp="1"/>
+          </p:cNvSpPr>
+          <p:nvPr>
+            <p:ph type="title"/>
+          </p:nvPr>
+        </p:nvSpPr>
+        <p:spPr/>
+        <p:txBody>
+          <a:bodyPr/>
+          <a:lstStyle/>
+          <a:p>
+            <a:r>
+              <a:rPr lang="en-US" dirty="0"/>
+              <a:t>Median, Mean, and SD by Region</a:t>
+            </a:r>
+            <a:br>
+              <a:rPr lang="en-US" dirty="0"/>
+            </a:br>
+            <a:r>
+              <a:rPr lang="en-US" dirty="0"/>
+              <a:t>for FMLA Length (in Days)</a:t>
+            </a:r>
+          </a:p>
+        </p:txBody>
+      </p:sp>
+      <p:pic>
+        <p:nvPicPr>
+          <p:cNvPr id="5" name="Content Placeholder 4">
+            <a:extLst>
+              <a:ext uri="{FF2B5EF4-FFF2-40B4-BE49-F238E27FC236}">
+                <a16:creationId xmlns:a16="http://schemas.microsoft.com/office/drawing/2014/main" id="{5D5B50C7-5C1C-1804-FA21-51435ECE0719}"/>
+              </a:ext>
+            </a:extLst>
+          </p:cNvPr>
+          <p:cNvPicPr>
+            <a:picLocks noGrp="1" noChangeAspect="1"/>
+          </p:cNvPicPr>
+          <p:nvPr>
+            <p:ph idx="1"/>
+          </p:nvPr>
+        </p:nvPicPr>
+        <p:blipFill>
+          <a:blip r:embed="rId2"/>
+          <a:stretch>
+            <a:fillRect/>
+          </a:stretch>
+        </p:blipFill>
+        <p:spPr>
+          <a:xfrm>
+            <a:off x="847205" y="1682580"/>
+            <a:ext cx="7449590" cy="2429214"/>
+          </a:xfrm>
+        </p:spPr>
+      </p:pic>
+    </p:spTree>
+    <p:extLst>
+      <p:ext uri="{BB962C8B-B14F-4D97-AF65-F5344CB8AC3E}">
+        <p14:creationId xmlns:p14="http://schemas.microsoft.com/office/powerpoint/2010/main" val="2368985111"/>
+      </p:ext>
+    </p:extLst>
+  </p:cSld>
+  <p:clrMapOvr>
+    <a:masterClrMapping/>
+  </p:clrMapOvr>
+</p:sld>
+</file>
+
 <file path=ppt/slides/slide4.xml><?xml version="1.0" encoding="utf-8"?>
 <p:sld xmlns:a="http://schemas.openxmlformats.org/drawingml/2006/main" xmlns:r="http://schemas.openxmlformats.org/officeDocument/2006/relationships" xmlns:p="http://schemas.openxmlformats.org/presentationml/2006/main">
   <p:cSld>
@@ -3789,6 +5892,1144 @@
     <p:extLst>
       <p:ext uri="{BB962C8B-B14F-4D97-AF65-F5344CB8AC3E}">
         <p14:creationId xmlns:p14="http://schemas.microsoft.com/office/powerpoint/2010/main" val="973872011"/>
+      </p:ext>
+    </p:extLst>
+  </p:cSld>
+  <p:clrMapOvr>
+    <a:masterClrMapping/>
+  </p:clrMapOvr>
+</p:sld>
+</file>
+
+<file path=ppt/slides/slide40.xml><?xml version="1.0" encoding="utf-8"?>
+<p:sld xmlns:a="http://schemas.openxmlformats.org/drawingml/2006/main" xmlns:r="http://schemas.openxmlformats.org/officeDocument/2006/relationships" xmlns:p="http://schemas.openxmlformats.org/presentationml/2006/main">
+  <p:cSld>
+    <p:spTree>
+      <p:nvGrpSpPr>
+        <p:cNvPr id="1" name=""/>
+        <p:cNvGrpSpPr/>
+        <p:nvPr/>
+      </p:nvGrpSpPr>
+      <p:grpSpPr>
+        <a:xfrm>
+          <a:off x="0" y="0"/>
+          <a:ext cx="0" cy="0"/>
+          <a:chOff x="0" y="0"/>
+          <a:chExt cx="0" cy="0"/>
+        </a:xfrm>
+      </p:grpSpPr>
+      <p:sp>
+        <p:nvSpPr>
+          <p:cNvPr id="2" name="Title 1">
+            <a:extLst>
+              <a:ext uri="{FF2B5EF4-FFF2-40B4-BE49-F238E27FC236}">
+                <a16:creationId xmlns:a16="http://schemas.microsoft.com/office/drawing/2014/main" id="{52679B77-58AA-91AE-04A1-298ACFE63D09}"/>
+              </a:ext>
+            </a:extLst>
+          </p:cNvPr>
+          <p:cNvSpPr>
+            <a:spLocks noGrp="1"/>
+          </p:cNvSpPr>
+          <p:nvPr>
+            <p:ph type="title"/>
+          </p:nvPr>
+        </p:nvSpPr>
+        <p:spPr/>
+        <p:txBody>
+          <a:bodyPr/>
+          <a:lstStyle/>
+          <a:p>
+            <a:r>
+              <a:rPr lang="en-US" dirty="0"/>
+              <a:t>Number of Teacher Leaves from FMLA Varied by Region </a:t>
+            </a:r>
+          </a:p>
+        </p:txBody>
+      </p:sp>
+      <p:sp>
+        <p:nvSpPr>
+          <p:cNvPr id="6" name="TextBox 5">
+            <a:extLst>
+              <a:ext uri="{FF2B5EF4-FFF2-40B4-BE49-F238E27FC236}">
+                <a16:creationId xmlns:a16="http://schemas.microsoft.com/office/drawing/2014/main" id="{F0BAE911-98B4-C2EC-0389-C3D73AA76924}"/>
+              </a:ext>
+            </a:extLst>
+          </p:cNvPr>
+          <p:cNvSpPr txBox="1"/>
+          <p:nvPr/>
+        </p:nvSpPr>
+        <p:spPr>
+          <a:xfrm>
+            <a:off x="6088419" y="2252547"/>
+            <a:ext cx="2386361" cy="954107"/>
+          </a:xfrm>
+          <a:prstGeom prst="rect">
+            <a:avLst/>
+          </a:prstGeom>
+          <a:noFill/>
+        </p:spPr>
+        <p:txBody>
+          <a:bodyPr wrap="square" rtlCol="0">
+            <a:spAutoFit/>
+          </a:bodyPr>
+          <a:lstStyle/>
+          <a:p>
+            <a:r>
+              <a:rPr lang="en-US" sz="1400" dirty="0"/>
+              <a:t>Lower Valley RGV had the highest count of teacher leaves from FMLA, and Permian Basin had the lowest.</a:t>
+            </a:r>
+          </a:p>
+        </p:txBody>
+      </p:sp>
+      <p:pic>
+        <p:nvPicPr>
+          <p:cNvPr id="7" name="Content Placeholder 6">
+            <a:extLst>
+              <a:ext uri="{FF2B5EF4-FFF2-40B4-BE49-F238E27FC236}">
+                <a16:creationId xmlns:a16="http://schemas.microsoft.com/office/drawing/2014/main" id="{898DE5A7-369B-C320-DB1A-62406171A20C}"/>
+              </a:ext>
+            </a:extLst>
+          </p:cNvPr>
+          <p:cNvPicPr>
+            <a:picLocks noGrp="1" noChangeAspect="1"/>
+          </p:cNvPicPr>
+          <p:nvPr>
+            <p:ph idx="1"/>
+          </p:nvPr>
+        </p:nvPicPr>
+        <p:blipFill>
+          <a:blip r:embed="rId2"/>
+          <a:stretch>
+            <a:fillRect/>
+          </a:stretch>
+        </p:blipFill>
+        <p:spPr>
+          <a:xfrm>
+            <a:off x="669220" y="1590907"/>
+            <a:ext cx="5135844" cy="2751345"/>
+          </a:xfrm>
+        </p:spPr>
+      </p:pic>
+    </p:spTree>
+    <p:extLst>
+      <p:ext uri="{BB962C8B-B14F-4D97-AF65-F5344CB8AC3E}">
+        <p14:creationId xmlns:p14="http://schemas.microsoft.com/office/powerpoint/2010/main" val="980250847"/>
+      </p:ext>
+    </p:extLst>
+  </p:cSld>
+  <p:clrMapOvr>
+    <a:masterClrMapping/>
+  </p:clrMapOvr>
+</p:sld>
+</file>
+
+<file path=ppt/slides/slide41.xml><?xml version="1.0" encoding="utf-8"?>
+<p:sld xmlns:a="http://schemas.openxmlformats.org/drawingml/2006/main" xmlns:r="http://schemas.openxmlformats.org/officeDocument/2006/relationships" xmlns:p="http://schemas.openxmlformats.org/presentationml/2006/main">
+  <p:cSld>
+    <p:spTree>
+      <p:nvGrpSpPr>
+        <p:cNvPr id="1" name=""/>
+        <p:cNvGrpSpPr/>
+        <p:nvPr/>
+      </p:nvGrpSpPr>
+      <p:grpSpPr>
+        <a:xfrm>
+          <a:off x="0" y="0"/>
+          <a:ext cx="0" cy="0"/>
+          <a:chOff x="0" y="0"/>
+          <a:chExt cx="0" cy="0"/>
+        </a:xfrm>
+      </p:grpSpPr>
+      <p:sp>
+        <p:nvSpPr>
+          <p:cNvPr id="2" name="Title 1">
+            <a:extLst>
+              <a:ext uri="{FF2B5EF4-FFF2-40B4-BE49-F238E27FC236}">
+                <a16:creationId xmlns:a16="http://schemas.microsoft.com/office/drawing/2014/main" id="{28D5521C-48D0-B610-862A-4789FBA92E74}"/>
+              </a:ext>
+            </a:extLst>
+          </p:cNvPr>
+          <p:cNvSpPr>
+            <a:spLocks noGrp="1"/>
+          </p:cNvSpPr>
+          <p:nvPr>
+            <p:ph type="title"/>
+          </p:nvPr>
+        </p:nvSpPr>
+        <p:spPr>
+          <a:xfrm>
+            <a:off x="329783" y="205979"/>
+            <a:ext cx="8476937" cy="857250"/>
+          </a:xfrm>
+        </p:spPr>
+        <p:txBody>
+          <a:bodyPr/>
+          <a:lstStyle/>
+          <a:p>
+            <a:r>
+              <a:rPr lang="en-US" sz="2800" dirty="0"/>
+              <a:t>Number of Teacher Leaves from FMLA were Highest in Lower Valley RGV, Followed by Austin</a:t>
+            </a:r>
+            <a:r>
+              <a:rPr lang="en-US" dirty="0"/>
+              <a:t>.</a:t>
+            </a:r>
+          </a:p>
+        </p:txBody>
+      </p:sp>
+      <p:pic>
+        <p:nvPicPr>
+          <p:cNvPr id="11" name="Content Placeholder 10">
+            <a:extLst>
+              <a:ext uri="{FF2B5EF4-FFF2-40B4-BE49-F238E27FC236}">
+                <a16:creationId xmlns:a16="http://schemas.microsoft.com/office/drawing/2014/main" id="{FE95FB40-14C7-63AC-F82A-7178326B0A45}"/>
+              </a:ext>
+            </a:extLst>
+          </p:cNvPr>
+          <p:cNvPicPr>
+            <a:picLocks noGrp="1" noChangeAspect="1"/>
+          </p:cNvPicPr>
+          <p:nvPr>
+            <p:ph idx="1"/>
+          </p:nvPr>
+        </p:nvPicPr>
+        <p:blipFill>
+          <a:blip r:embed="rId2"/>
+          <a:stretch>
+            <a:fillRect/>
+          </a:stretch>
+        </p:blipFill>
+        <p:spPr>
+          <a:xfrm>
+            <a:off x="508598" y="1251804"/>
+            <a:ext cx="6048144" cy="3627359"/>
+          </a:xfrm>
+        </p:spPr>
+      </p:pic>
+      <p:sp>
+        <p:nvSpPr>
+          <p:cNvPr id="12" name="TextBox 11">
+            <a:extLst>
+              <a:ext uri="{FF2B5EF4-FFF2-40B4-BE49-F238E27FC236}">
+                <a16:creationId xmlns:a16="http://schemas.microsoft.com/office/drawing/2014/main" id="{9A1BBCC1-A79A-F3D5-94C5-EB87B4059619}"/>
+              </a:ext>
+            </a:extLst>
+          </p:cNvPr>
+          <p:cNvSpPr txBox="1"/>
+          <p:nvPr/>
+        </p:nvSpPr>
+        <p:spPr>
+          <a:xfrm>
+            <a:off x="6772181" y="2571750"/>
+            <a:ext cx="2034539" cy="1600438"/>
+          </a:xfrm>
+          <a:prstGeom prst="rect">
+            <a:avLst/>
+          </a:prstGeom>
+          <a:noFill/>
+        </p:spPr>
+        <p:txBody>
+          <a:bodyPr wrap="square" rtlCol="0">
+            <a:spAutoFit/>
+          </a:bodyPr>
+          <a:lstStyle/>
+          <a:p>
+            <a:r>
+              <a:rPr lang="en-US" sz="1400" dirty="0"/>
+              <a:t>The highest number of Teacher leaves from FMLA was in the Lower Valley RGV (140) and Austin (127), and the lowest was in Permian Basin (9).</a:t>
+            </a:r>
+          </a:p>
+        </p:txBody>
+      </p:sp>
+    </p:spTree>
+    <p:extLst>
+      <p:ext uri="{BB962C8B-B14F-4D97-AF65-F5344CB8AC3E}">
+        <p14:creationId xmlns:p14="http://schemas.microsoft.com/office/powerpoint/2010/main" val="1183491755"/>
+      </p:ext>
+    </p:extLst>
+  </p:cSld>
+  <p:clrMapOvr>
+    <a:masterClrMapping/>
+  </p:clrMapOvr>
+</p:sld>
+</file>
+
+<file path=ppt/slides/slide42.xml><?xml version="1.0" encoding="utf-8"?>
+<p:sld xmlns:a="http://schemas.openxmlformats.org/drawingml/2006/main" xmlns:r="http://schemas.openxmlformats.org/officeDocument/2006/relationships" xmlns:p="http://schemas.openxmlformats.org/presentationml/2006/main">
+  <p:cSld>
+    <p:spTree>
+      <p:nvGrpSpPr>
+        <p:cNvPr id="1" name=""/>
+        <p:cNvGrpSpPr/>
+        <p:nvPr/>
+      </p:nvGrpSpPr>
+      <p:grpSpPr>
+        <a:xfrm>
+          <a:off x="0" y="0"/>
+          <a:ext cx="0" cy="0"/>
+          <a:chOff x="0" y="0"/>
+          <a:chExt cx="0" cy="0"/>
+        </a:xfrm>
+      </p:grpSpPr>
+      <p:sp>
+        <p:nvSpPr>
+          <p:cNvPr id="2" name="Title 1">
+            <a:extLst>
+              <a:ext uri="{FF2B5EF4-FFF2-40B4-BE49-F238E27FC236}">
+                <a16:creationId xmlns:a16="http://schemas.microsoft.com/office/drawing/2014/main" id="{8F7C4C28-06A3-6115-AFD8-9AC5C9248E11}"/>
+              </a:ext>
+            </a:extLst>
+          </p:cNvPr>
+          <p:cNvSpPr>
+            <a:spLocks noGrp="1"/>
+          </p:cNvSpPr>
+          <p:nvPr>
+            <p:ph type="title"/>
+          </p:nvPr>
+        </p:nvSpPr>
+        <p:spPr/>
+        <p:txBody>
+          <a:bodyPr/>
+          <a:lstStyle/>
+          <a:p>
+            <a:r>
+              <a:rPr lang="en-US" dirty="0"/>
+              <a:t>FMLA: </a:t>
+            </a:r>
+            <a:r>
+              <a:rPr lang="en-US" u="sng" dirty="0"/>
+              <a:t>Campus</a:t>
+            </a:r>
+          </a:p>
+        </p:txBody>
+      </p:sp>
+      <p:sp>
+        <p:nvSpPr>
+          <p:cNvPr id="3" name="Content Placeholder 2">
+            <a:extLst>
+              <a:ext uri="{FF2B5EF4-FFF2-40B4-BE49-F238E27FC236}">
+                <a16:creationId xmlns:a16="http://schemas.microsoft.com/office/drawing/2014/main" id="{34A0BAC7-649A-6F82-63B4-78AF5AC055C6}"/>
+              </a:ext>
+            </a:extLst>
+          </p:cNvPr>
+          <p:cNvSpPr>
+            <a:spLocks noGrp="1"/>
+          </p:cNvSpPr>
+          <p:nvPr>
+            <p:ph idx="1"/>
+          </p:nvPr>
+        </p:nvSpPr>
+        <p:spPr/>
+        <p:txBody>
+          <a:bodyPr/>
+          <a:lstStyle/>
+          <a:p>
+            <a:r>
+              <a:rPr lang="en-US" dirty="0"/>
+              <a:t>Campuses in Texas who had teachers that took leave for FMLA </a:t>
+            </a:r>
+          </a:p>
+        </p:txBody>
+      </p:sp>
+    </p:spTree>
+    <p:extLst>
+      <p:ext uri="{BB962C8B-B14F-4D97-AF65-F5344CB8AC3E}">
+        <p14:creationId xmlns:p14="http://schemas.microsoft.com/office/powerpoint/2010/main" val="756694295"/>
+      </p:ext>
+    </p:extLst>
+  </p:cSld>
+  <p:clrMapOvr>
+    <a:masterClrMapping/>
+  </p:clrMapOvr>
+</p:sld>
+</file>
+
+<file path=ppt/slides/slide43.xml><?xml version="1.0" encoding="utf-8"?>
+<p:sld xmlns:a="http://schemas.openxmlformats.org/drawingml/2006/main" xmlns:r="http://schemas.openxmlformats.org/officeDocument/2006/relationships" xmlns:p="http://schemas.openxmlformats.org/presentationml/2006/main">
+  <p:cSld>
+    <p:spTree>
+      <p:nvGrpSpPr>
+        <p:cNvPr id="1" name=""/>
+        <p:cNvGrpSpPr/>
+        <p:nvPr/>
+      </p:nvGrpSpPr>
+      <p:grpSpPr>
+        <a:xfrm>
+          <a:off x="0" y="0"/>
+          <a:ext cx="0" cy="0"/>
+          <a:chOff x="0" y="0"/>
+          <a:chExt cx="0" cy="0"/>
+        </a:xfrm>
+      </p:grpSpPr>
+      <p:sp>
+        <p:nvSpPr>
+          <p:cNvPr id="2" name="Title 1">
+            <a:extLst>
+              <a:ext uri="{FF2B5EF4-FFF2-40B4-BE49-F238E27FC236}">
+                <a16:creationId xmlns:a16="http://schemas.microsoft.com/office/drawing/2014/main" id="{6A638824-3F6C-B8D5-BD1B-268725B07718}"/>
+              </a:ext>
+            </a:extLst>
+          </p:cNvPr>
+          <p:cNvSpPr>
+            <a:spLocks noGrp="1"/>
+          </p:cNvSpPr>
+          <p:nvPr>
+            <p:ph type="title"/>
+          </p:nvPr>
+        </p:nvSpPr>
+        <p:spPr/>
+        <p:txBody>
+          <a:bodyPr/>
+          <a:lstStyle/>
+          <a:p>
+            <a:r>
+              <a:rPr lang="en-US" sz="2800" dirty="0"/>
+              <a:t>Summary Statistics for Teacher Leave from FMLA After Grouping by Campus </a:t>
+            </a:r>
+          </a:p>
+        </p:txBody>
+      </p:sp>
+      <p:pic>
+        <p:nvPicPr>
+          <p:cNvPr id="7" name="Content Placeholder 6">
+            <a:extLst>
+              <a:ext uri="{FF2B5EF4-FFF2-40B4-BE49-F238E27FC236}">
+                <a16:creationId xmlns:a16="http://schemas.microsoft.com/office/drawing/2014/main" id="{FBBAE37E-3972-45CF-3A5D-1F101884472D}"/>
+              </a:ext>
+            </a:extLst>
+          </p:cNvPr>
+          <p:cNvPicPr>
+            <a:picLocks noGrp="1" noChangeAspect="1"/>
+          </p:cNvPicPr>
+          <p:nvPr>
+            <p:ph idx="1"/>
+          </p:nvPr>
+        </p:nvPicPr>
+        <p:blipFill>
+          <a:blip r:embed="rId2"/>
+          <a:stretch>
+            <a:fillRect/>
+          </a:stretch>
+        </p:blipFill>
+        <p:spPr>
+          <a:xfrm>
+            <a:off x="1348766" y="2188031"/>
+            <a:ext cx="6446468" cy="767437"/>
+          </a:xfrm>
+        </p:spPr>
+      </p:pic>
+    </p:spTree>
+    <p:extLst>
+      <p:ext uri="{BB962C8B-B14F-4D97-AF65-F5344CB8AC3E}">
+        <p14:creationId xmlns:p14="http://schemas.microsoft.com/office/powerpoint/2010/main" val="527098689"/>
+      </p:ext>
+    </p:extLst>
+  </p:cSld>
+  <p:clrMapOvr>
+    <a:masterClrMapping/>
+  </p:clrMapOvr>
+</p:sld>
+</file>
+
+<file path=ppt/slides/slide44.xml><?xml version="1.0" encoding="utf-8"?>
+<p:sld xmlns:a="http://schemas.openxmlformats.org/drawingml/2006/main" xmlns:r="http://schemas.openxmlformats.org/officeDocument/2006/relationships" xmlns:p="http://schemas.openxmlformats.org/presentationml/2006/main">
+  <p:cSld>
+    <p:spTree>
+      <p:nvGrpSpPr>
+        <p:cNvPr id="1" name=""/>
+        <p:cNvGrpSpPr/>
+        <p:nvPr/>
+      </p:nvGrpSpPr>
+      <p:grpSpPr>
+        <a:xfrm>
+          <a:off x="0" y="0"/>
+          <a:ext cx="0" cy="0"/>
+          <a:chOff x="0" y="0"/>
+          <a:chExt cx="0" cy="0"/>
+        </a:xfrm>
+      </p:grpSpPr>
+      <p:sp>
+        <p:nvSpPr>
+          <p:cNvPr id="2" name="Title 1">
+            <a:extLst>
+              <a:ext uri="{FF2B5EF4-FFF2-40B4-BE49-F238E27FC236}">
+                <a16:creationId xmlns:a16="http://schemas.microsoft.com/office/drawing/2014/main" id="{07CE3E82-C41F-47E4-9922-CC3F8CD8CE06}"/>
+              </a:ext>
+            </a:extLst>
+          </p:cNvPr>
+          <p:cNvSpPr>
+            <a:spLocks noGrp="1"/>
+          </p:cNvSpPr>
+          <p:nvPr>
+            <p:ph type="title"/>
+          </p:nvPr>
+        </p:nvSpPr>
+        <p:spPr/>
+        <p:txBody>
+          <a:bodyPr/>
+          <a:lstStyle/>
+          <a:p>
+            <a:r>
+              <a:rPr lang="en-US" dirty="0"/>
+              <a:t>Number of Teacher Leaves from FMLA Varied by Campus</a:t>
+            </a:r>
+          </a:p>
+        </p:txBody>
+      </p:sp>
+      <p:pic>
+        <p:nvPicPr>
+          <p:cNvPr id="9" name="Content Placeholder 8">
+            <a:extLst>
+              <a:ext uri="{FF2B5EF4-FFF2-40B4-BE49-F238E27FC236}">
+                <a16:creationId xmlns:a16="http://schemas.microsoft.com/office/drawing/2014/main" id="{6D945BE9-539E-7B8A-A3EA-926DEDB8BFD4}"/>
+              </a:ext>
+            </a:extLst>
+          </p:cNvPr>
+          <p:cNvPicPr>
+            <a:picLocks noGrp="1" noChangeAspect="1"/>
+          </p:cNvPicPr>
+          <p:nvPr>
+            <p:ph idx="1"/>
+          </p:nvPr>
+        </p:nvPicPr>
+        <p:blipFill>
+          <a:blip r:embed="rId2"/>
+          <a:stretch>
+            <a:fillRect/>
+          </a:stretch>
+        </p:blipFill>
+        <p:spPr>
+          <a:xfrm>
+            <a:off x="166390" y="1379220"/>
+            <a:ext cx="2769833" cy="3161664"/>
+          </a:xfrm>
+        </p:spPr>
+      </p:pic>
+      <p:pic>
+        <p:nvPicPr>
+          <p:cNvPr id="11" name="Picture 10">
+            <a:extLst>
+              <a:ext uri="{FF2B5EF4-FFF2-40B4-BE49-F238E27FC236}">
+                <a16:creationId xmlns:a16="http://schemas.microsoft.com/office/drawing/2014/main" id="{B6C6E180-2EAA-4B0B-63AE-1EC2D78BD702}"/>
+              </a:ext>
+            </a:extLst>
+          </p:cNvPr>
+          <p:cNvPicPr>
+            <a:picLocks noChangeAspect="1"/>
+          </p:cNvPicPr>
+          <p:nvPr/>
+        </p:nvPicPr>
+        <p:blipFill>
+          <a:blip r:embed="rId3"/>
+          <a:stretch>
+            <a:fillRect/>
+          </a:stretch>
+        </p:blipFill>
+        <p:spPr>
+          <a:xfrm>
+            <a:off x="3125751" y="1379220"/>
+            <a:ext cx="2832043" cy="3161664"/>
+          </a:xfrm>
+          <a:prstGeom prst="rect">
+            <a:avLst/>
+          </a:prstGeom>
+        </p:spPr>
+      </p:pic>
+      <p:pic>
+        <p:nvPicPr>
+          <p:cNvPr id="13" name="Picture 12">
+            <a:extLst>
+              <a:ext uri="{FF2B5EF4-FFF2-40B4-BE49-F238E27FC236}">
+                <a16:creationId xmlns:a16="http://schemas.microsoft.com/office/drawing/2014/main" id="{AD3341C7-8316-3958-71D5-486B8CE74441}"/>
+              </a:ext>
+            </a:extLst>
+          </p:cNvPr>
+          <p:cNvPicPr>
+            <a:picLocks noChangeAspect="1"/>
+          </p:cNvPicPr>
+          <p:nvPr/>
+        </p:nvPicPr>
+        <p:blipFill>
+          <a:blip r:embed="rId4"/>
+          <a:stretch>
+            <a:fillRect/>
+          </a:stretch>
+        </p:blipFill>
+        <p:spPr>
+          <a:xfrm>
+            <a:off x="6147322" y="1379220"/>
+            <a:ext cx="2906162" cy="2990196"/>
+          </a:xfrm>
+          <a:prstGeom prst="rect">
+            <a:avLst/>
+          </a:prstGeom>
+        </p:spPr>
+      </p:pic>
+    </p:spTree>
+    <p:extLst>
+      <p:ext uri="{BB962C8B-B14F-4D97-AF65-F5344CB8AC3E}">
+        <p14:creationId xmlns:p14="http://schemas.microsoft.com/office/powerpoint/2010/main" val="2430876089"/>
+      </p:ext>
+    </p:extLst>
+  </p:cSld>
+  <p:clrMapOvr>
+    <a:masterClrMapping/>
+  </p:clrMapOvr>
+</p:sld>
+</file>
+
+<file path=ppt/slides/slide45.xml><?xml version="1.0" encoding="utf-8"?>
+<p:sld xmlns:a="http://schemas.openxmlformats.org/drawingml/2006/main" xmlns:r="http://schemas.openxmlformats.org/officeDocument/2006/relationships" xmlns:p="http://schemas.openxmlformats.org/presentationml/2006/main">
+  <p:cSld>
+    <p:spTree>
+      <p:nvGrpSpPr>
+        <p:cNvPr id="1" name=""/>
+        <p:cNvGrpSpPr/>
+        <p:nvPr/>
+      </p:nvGrpSpPr>
+      <p:grpSpPr>
+        <a:xfrm>
+          <a:off x="0" y="0"/>
+          <a:ext cx="0" cy="0"/>
+          <a:chOff x="0" y="0"/>
+          <a:chExt cx="0" cy="0"/>
+        </a:xfrm>
+      </p:grpSpPr>
+      <p:sp>
+        <p:nvSpPr>
+          <p:cNvPr id="2" name="Title 1">
+            <a:extLst>
+              <a:ext uri="{FF2B5EF4-FFF2-40B4-BE49-F238E27FC236}">
+                <a16:creationId xmlns:a16="http://schemas.microsoft.com/office/drawing/2014/main" id="{283F52C0-4790-BC0F-391F-819D46297596}"/>
+              </a:ext>
+            </a:extLst>
+          </p:cNvPr>
+          <p:cNvSpPr>
+            <a:spLocks noGrp="1"/>
+          </p:cNvSpPr>
+          <p:nvPr>
+            <p:ph type="title"/>
+          </p:nvPr>
+        </p:nvSpPr>
+        <p:spPr>
+          <a:xfrm>
+            <a:off x="335280" y="137399"/>
+            <a:ext cx="8724900" cy="441721"/>
+          </a:xfrm>
+        </p:spPr>
+        <p:txBody>
+          <a:bodyPr/>
+          <a:lstStyle/>
+          <a:p>
+            <a:r>
+              <a:rPr lang="en-US" sz="2000" dirty="0"/>
+              <a:t>Number of Teacher Leaves from FMLA were highest in Sports Park</a:t>
+            </a:r>
+          </a:p>
+        </p:txBody>
+      </p:sp>
+      <p:pic>
+        <p:nvPicPr>
+          <p:cNvPr id="5" name="Content Placeholder 4">
+            <a:extLst>
+              <a:ext uri="{FF2B5EF4-FFF2-40B4-BE49-F238E27FC236}">
+                <a16:creationId xmlns:a16="http://schemas.microsoft.com/office/drawing/2014/main" id="{7990679F-D2D5-F98B-1E11-15B856F4AD4D}"/>
+              </a:ext>
+            </a:extLst>
+          </p:cNvPr>
+          <p:cNvPicPr>
+            <a:picLocks noGrp="1" noChangeAspect="1"/>
+          </p:cNvPicPr>
+          <p:nvPr>
+            <p:ph idx="1"/>
+          </p:nvPr>
+        </p:nvPicPr>
+        <p:blipFill>
+          <a:blip r:embed="rId2"/>
+          <a:stretch>
+            <a:fillRect/>
+          </a:stretch>
+        </p:blipFill>
+        <p:spPr>
+          <a:xfrm>
+            <a:off x="567405" y="632460"/>
+            <a:ext cx="5794799" cy="4373641"/>
+          </a:xfrm>
+        </p:spPr>
+      </p:pic>
+      <p:sp>
+        <p:nvSpPr>
+          <p:cNvPr id="6" name="TextBox 5">
+            <a:extLst>
+              <a:ext uri="{FF2B5EF4-FFF2-40B4-BE49-F238E27FC236}">
+                <a16:creationId xmlns:a16="http://schemas.microsoft.com/office/drawing/2014/main" id="{A201CBCF-79F7-4473-8D6A-C021814C8768}"/>
+              </a:ext>
+            </a:extLst>
+          </p:cNvPr>
+          <p:cNvSpPr txBox="1"/>
+          <p:nvPr/>
+        </p:nvSpPr>
+        <p:spPr>
+          <a:xfrm>
+            <a:off x="6720840" y="2571750"/>
+            <a:ext cx="2225040" cy="1600438"/>
+          </a:xfrm>
+          <a:prstGeom prst="rect">
+            <a:avLst/>
+          </a:prstGeom>
+          <a:noFill/>
+        </p:spPr>
+        <p:txBody>
+          <a:bodyPr wrap="square" rtlCol="0">
+            <a:spAutoFit/>
+          </a:bodyPr>
+          <a:lstStyle/>
+          <a:p>
+            <a:r>
+              <a:rPr lang="en-US" sz="1400" dirty="0"/>
+              <a:t>Number of Teacher FMLA leaves were highest in Sports Park (46) followed by Tres Lagos (36) and Pflugerville (35), and lowest in Monterrey Park (3) and La Joya (3).</a:t>
+            </a:r>
+          </a:p>
+        </p:txBody>
+      </p:sp>
+    </p:spTree>
+    <p:extLst>
+      <p:ext uri="{BB962C8B-B14F-4D97-AF65-F5344CB8AC3E}">
+        <p14:creationId xmlns:p14="http://schemas.microsoft.com/office/powerpoint/2010/main" val="2081153933"/>
+      </p:ext>
+    </p:extLst>
+  </p:cSld>
+  <p:clrMapOvr>
+    <a:masterClrMapping/>
+  </p:clrMapOvr>
+</p:sld>
+</file>
+
+<file path=ppt/slides/slide46.xml><?xml version="1.0" encoding="utf-8"?>
+<p:sld xmlns:a="http://schemas.openxmlformats.org/drawingml/2006/main" xmlns:r="http://schemas.openxmlformats.org/officeDocument/2006/relationships" xmlns:p="http://schemas.openxmlformats.org/presentationml/2006/main">
+  <p:cSld>
+    <p:spTree>
+      <p:nvGrpSpPr>
+        <p:cNvPr id="1" name=""/>
+        <p:cNvGrpSpPr/>
+        <p:nvPr/>
+      </p:nvGrpSpPr>
+      <p:grpSpPr>
+        <a:xfrm>
+          <a:off x="0" y="0"/>
+          <a:ext cx="0" cy="0"/>
+          <a:chOff x="0" y="0"/>
+          <a:chExt cx="0" cy="0"/>
+        </a:xfrm>
+      </p:grpSpPr>
+      <p:sp>
+        <p:nvSpPr>
+          <p:cNvPr id="2" name="Title 1">
+            <a:extLst>
+              <a:ext uri="{FF2B5EF4-FFF2-40B4-BE49-F238E27FC236}">
+                <a16:creationId xmlns:a16="http://schemas.microsoft.com/office/drawing/2014/main" id="{A407967A-F0EC-4346-307A-3E17D0C4A4EB}"/>
+              </a:ext>
+            </a:extLst>
+          </p:cNvPr>
+          <p:cNvSpPr>
+            <a:spLocks noGrp="1"/>
+          </p:cNvSpPr>
+          <p:nvPr>
+            <p:ph type="title"/>
+          </p:nvPr>
+        </p:nvSpPr>
+        <p:spPr/>
+        <p:txBody>
+          <a:bodyPr/>
+          <a:lstStyle/>
+          <a:p>
+            <a:r>
+              <a:rPr lang="en-US" dirty="0"/>
+              <a:t>FMLA: </a:t>
+            </a:r>
+            <a:r>
+              <a:rPr lang="en-US" u="sng" dirty="0"/>
+              <a:t>Subject</a:t>
+            </a:r>
+          </a:p>
+        </p:txBody>
+      </p:sp>
+      <p:sp>
+        <p:nvSpPr>
+          <p:cNvPr id="3" name="Content Placeholder 2">
+            <a:extLst>
+              <a:ext uri="{FF2B5EF4-FFF2-40B4-BE49-F238E27FC236}">
+                <a16:creationId xmlns:a16="http://schemas.microsoft.com/office/drawing/2014/main" id="{9FAFC360-21DE-2CE8-8D8A-09A7655F010B}"/>
+              </a:ext>
+            </a:extLst>
+          </p:cNvPr>
+          <p:cNvSpPr>
+            <a:spLocks noGrp="1"/>
+          </p:cNvSpPr>
+          <p:nvPr>
+            <p:ph idx="1"/>
+          </p:nvPr>
+        </p:nvSpPr>
+        <p:spPr/>
+        <p:txBody>
+          <a:bodyPr/>
+          <a:lstStyle/>
+          <a:p>
+            <a:r>
+              <a:rPr lang="en-US" b="1" u="sng" dirty="0"/>
+              <a:t>Includes four subjects</a:t>
+            </a:r>
+            <a:r>
+              <a:rPr lang="en-US" dirty="0"/>
+              <a:t>:</a:t>
+            </a:r>
+          </a:p>
+          <a:p>
+            <a:pPr lvl="1">
+              <a:buFont typeface="Arial" panose="020B0604020202020204" pitchFamily="34" charset="0"/>
+              <a:buChar char="•"/>
+            </a:pPr>
+            <a:r>
+              <a:rPr lang="en-US" dirty="0"/>
+              <a:t>Math</a:t>
+            </a:r>
+          </a:p>
+          <a:p>
+            <a:pPr lvl="1">
+              <a:buFont typeface="Arial" panose="020B0604020202020204" pitchFamily="34" charset="0"/>
+              <a:buChar char="•"/>
+            </a:pPr>
+            <a:r>
+              <a:rPr lang="en-US" dirty="0"/>
+              <a:t>English Language Arts</a:t>
+            </a:r>
+          </a:p>
+          <a:p>
+            <a:pPr lvl="1">
+              <a:buFont typeface="Arial" panose="020B0604020202020204" pitchFamily="34" charset="0"/>
+              <a:buChar char="•"/>
+            </a:pPr>
+            <a:r>
+              <a:rPr lang="en-US" dirty="0"/>
+              <a:t>Science</a:t>
+            </a:r>
+          </a:p>
+          <a:p>
+            <a:pPr lvl="1">
+              <a:buFont typeface="Arial" panose="020B0604020202020204" pitchFamily="34" charset="0"/>
+              <a:buChar char="•"/>
+            </a:pPr>
+            <a:r>
+              <a:rPr lang="en-US" dirty="0"/>
+              <a:t>Social Studies</a:t>
+            </a:r>
+          </a:p>
+        </p:txBody>
+      </p:sp>
+    </p:spTree>
+    <p:extLst>
+      <p:ext uri="{BB962C8B-B14F-4D97-AF65-F5344CB8AC3E}">
+        <p14:creationId xmlns:p14="http://schemas.microsoft.com/office/powerpoint/2010/main" val="290337946"/>
+      </p:ext>
+    </p:extLst>
+  </p:cSld>
+  <p:clrMapOvr>
+    <a:masterClrMapping/>
+  </p:clrMapOvr>
+</p:sld>
+</file>
+
+<file path=ppt/slides/slide47.xml><?xml version="1.0" encoding="utf-8"?>
+<p:sld xmlns:a="http://schemas.openxmlformats.org/drawingml/2006/main" xmlns:r="http://schemas.openxmlformats.org/officeDocument/2006/relationships" xmlns:p="http://schemas.openxmlformats.org/presentationml/2006/main">
+  <p:cSld>
+    <p:spTree>
+      <p:nvGrpSpPr>
+        <p:cNvPr id="1" name=""/>
+        <p:cNvGrpSpPr/>
+        <p:nvPr/>
+      </p:nvGrpSpPr>
+      <p:grpSpPr>
+        <a:xfrm>
+          <a:off x="0" y="0"/>
+          <a:ext cx="0" cy="0"/>
+          <a:chOff x="0" y="0"/>
+          <a:chExt cx="0" cy="0"/>
+        </a:xfrm>
+      </p:grpSpPr>
+      <p:sp>
+        <p:nvSpPr>
+          <p:cNvPr id="2" name="Title 1">
+            <a:extLst>
+              <a:ext uri="{FF2B5EF4-FFF2-40B4-BE49-F238E27FC236}">
+                <a16:creationId xmlns:a16="http://schemas.microsoft.com/office/drawing/2014/main" id="{615AF228-4121-FA39-E5D1-09AD1907EEE8}"/>
+              </a:ext>
+            </a:extLst>
+          </p:cNvPr>
+          <p:cNvSpPr>
+            <a:spLocks noGrp="1"/>
+          </p:cNvSpPr>
+          <p:nvPr>
+            <p:ph type="title"/>
+          </p:nvPr>
+        </p:nvSpPr>
+        <p:spPr/>
+        <p:txBody>
+          <a:bodyPr/>
+          <a:lstStyle/>
+          <a:p>
+            <a:r>
+              <a:rPr lang="en-US" dirty="0"/>
+              <a:t>Summary Statistics for Teacher Leave (in Days) from FMLA by Subject</a:t>
+            </a:r>
+          </a:p>
+        </p:txBody>
+      </p:sp>
+      <p:pic>
+        <p:nvPicPr>
+          <p:cNvPr id="5" name="Content Placeholder 4">
+            <a:extLst>
+              <a:ext uri="{FF2B5EF4-FFF2-40B4-BE49-F238E27FC236}">
+                <a16:creationId xmlns:a16="http://schemas.microsoft.com/office/drawing/2014/main" id="{E7365EA0-ECB3-D665-53A9-576A2748C7C8}"/>
+              </a:ext>
+            </a:extLst>
+          </p:cNvPr>
+          <p:cNvPicPr>
+            <a:picLocks noGrp="1" noChangeAspect="1"/>
+          </p:cNvPicPr>
+          <p:nvPr>
+            <p:ph idx="1"/>
+          </p:nvPr>
+        </p:nvPicPr>
+        <p:blipFill>
+          <a:blip r:embed="rId2"/>
+          <a:stretch>
+            <a:fillRect/>
+          </a:stretch>
+        </p:blipFill>
+        <p:spPr>
+          <a:xfrm>
+            <a:off x="650320" y="1798320"/>
+            <a:ext cx="7843359" cy="1314530"/>
+          </a:xfrm>
+        </p:spPr>
+      </p:pic>
+      <p:sp>
+        <p:nvSpPr>
+          <p:cNvPr id="6" name="TextBox 5">
+            <a:extLst>
+              <a:ext uri="{FF2B5EF4-FFF2-40B4-BE49-F238E27FC236}">
+                <a16:creationId xmlns:a16="http://schemas.microsoft.com/office/drawing/2014/main" id="{7DF9D3F0-975A-BC31-1B5C-BF2E7717C637}"/>
+              </a:ext>
+            </a:extLst>
+          </p:cNvPr>
+          <p:cNvSpPr txBox="1"/>
+          <p:nvPr/>
+        </p:nvSpPr>
+        <p:spPr>
+          <a:xfrm>
+            <a:off x="650320" y="3665220"/>
+            <a:ext cx="7117080" cy="954107"/>
+          </a:xfrm>
+          <a:prstGeom prst="rect">
+            <a:avLst/>
+          </a:prstGeom>
+          <a:noFill/>
+        </p:spPr>
+        <p:txBody>
+          <a:bodyPr wrap="square" rtlCol="0">
+            <a:spAutoFit/>
+          </a:bodyPr>
+          <a:lstStyle/>
+          <a:p>
+            <a:r>
+              <a:rPr lang="en-US" sz="1400" dirty="0">
+                <a:solidFill>
+                  <a:srgbClr val="2007B9"/>
+                </a:solidFill>
+              </a:rPr>
+              <a:t>The highest median FMLA leave was tied between Math and Science at 86.0 and the lowest median was English Language Arts at 85 days. The largest mean FMLA was for Math (106.3 days) and the lowest was for Social Studies (93.9 days). The largest standard deviation for FMLA was for Math at 71.9 days, and the lowest was for Social Studies at 52.0 days.</a:t>
+            </a:r>
+          </a:p>
+        </p:txBody>
+      </p:sp>
+    </p:spTree>
+    <p:extLst>
+      <p:ext uri="{BB962C8B-B14F-4D97-AF65-F5344CB8AC3E}">
+        <p14:creationId xmlns:p14="http://schemas.microsoft.com/office/powerpoint/2010/main" val="1136914339"/>
+      </p:ext>
+    </p:extLst>
+  </p:cSld>
+  <p:clrMapOvr>
+    <a:masterClrMapping/>
+  </p:clrMapOvr>
+</p:sld>
+</file>
+
+<file path=ppt/slides/slide48.xml><?xml version="1.0" encoding="utf-8"?>
+<p:sld xmlns:a="http://schemas.openxmlformats.org/drawingml/2006/main" xmlns:r="http://schemas.openxmlformats.org/officeDocument/2006/relationships" xmlns:p="http://schemas.openxmlformats.org/presentationml/2006/main">
+  <p:cSld>
+    <p:spTree>
+      <p:nvGrpSpPr>
+        <p:cNvPr id="1" name=""/>
+        <p:cNvGrpSpPr/>
+        <p:nvPr/>
+      </p:nvGrpSpPr>
+      <p:grpSpPr>
+        <a:xfrm>
+          <a:off x="0" y="0"/>
+          <a:ext cx="0" cy="0"/>
+          <a:chOff x="0" y="0"/>
+          <a:chExt cx="0" cy="0"/>
+        </a:xfrm>
+      </p:grpSpPr>
+      <p:sp>
+        <p:nvSpPr>
+          <p:cNvPr id="2" name="Title 1">
+            <a:extLst>
+              <a:ext uri="{FF2B5EF4-FFF2-40B4-BE49-F238E27FC236}">
+                <a16:creationId xmlns:a16="http://schemas.microsoft.com/office/drawing/2014/main" id="{1716107B-D09E-2788-77BA-10A6BEF32980}"/>
+              </a:ext>
+            </a:extLst>
+          </p:cNvPr>
+          <p:cNvSpPr>
+            <a:spLocks noGrp="1"/>
+          </p:cNvSpPr>
+          <p:nvPr>
+            <p:ph type="title"/>
+          </p:nvPr>
+        </p:nvSpPr>
+        <p:spPr/>
+        <p:txBody>
+          <a:bodyPr/>
+          <a:lstStyle/>
+          <a:p>
+            <a:r>
+              <a:rPr lang="en-US" dirty="0"/>
+              <a:t>Math: Total Days of FMLA</a:t>
+            </a:r>
+          </a:p>
+        </p:txBody>
+      </p:sp>
+      <p:pic>
+        <p:nvPicPr>
+          <p:cNvPr id="5" name="Content Placeholder 4">
+            <a:extLst>
+              <a:ext uri="{FF2B5EF4-FFF2-40B4-BE49-F238E27FC236}">
+                <a16:creationId xmlns:a16="http://schemas.microsoft.com/office/drawing/2014/main" id="{7CE7F600-4C58-5F06-0E7D-0F2DC8727A15}"/>
+              </a:ext>
+            </a:extLst>
+          </p:cNvPr>
+          <p:cNvPicPr>
+            <a:picLocks noGrp="1" noChangeAspect="1"/>
+          </p:cNvPicPr>
+          <p:nvPr>
+            <p:ph idx="1"/>
+          </p:nvPr>
+        </p:nvPicPr>
+        <p:blipFill>
+          <a:blip r:embed="rId2"/>
+          <a:stretch>
+            <a:fillRect/>
+          </a:stretch>
+        </p:blipFill>
+        <p:spPr>
+          <a:xfrm>
+            <a:off x="1575345" y="1305890"/>
+            <a:ext cx="5993310" cy="3516936"/>
+          </a:xfrm>
+        </p:spPr>
+      </p:pic>
+    </p:spTree>
+    <p:extLst>
+      <p:ext uri="{BB962C8B-B14F-4D97-AF65-F5344CB8AC3E}">
+        <p14:creationId xmlns:p14="http://schemas.microsoft.com/office/powerpoint/2010/main" val="2871546903"/>
+      </p:ext>
+    </p:extLst>
+  </p:cSld>
+  <p:clrMapOvr>
+    <a:masterClrMapping/>
+  </p:clrMapOvr>
+</p:sld>
+</file>
+
+<file path=ppt/slides/slide49.xml><?xml version="1.0" encoding="utf-8"?>
+<p:sld xmlns:a="http://schemas.openxmlformats.org/drawingml/2006/main" xmlns:r="http://schemas.openxmlformats.org/officeDocument/2006/relationships" xmlns:p="http://schemas.openxmlformats.org/presentationml/2006/main">
+  <p:cSld>
+    <p:spTree>
+      <p:nvGrpSpPr>
+        <p:cNvPr id="1" name=""/>
+        <p:cNvGrpSpPr/>
+        <p:nvPr/>
+      </p:nvGrpSpPr>
+      <p:grpSpPr>
+        <a:xfrm>
+          <a:off x="0" y="0"/>
+          <a:ext cx="0" cy="0"/>
+          <a:chOff x="0" y="0"/>
+          <a:chExt cx="0" cy="0"/>
+        </a:xfrm>
+      </p:grpSpPr>
+      <p:sp>
+        <p:nvSpPr>
+          <p:cNvPr id="2" name="Title 1">
+            <a:extLst>
+              <a:ext uri="{FF2B5EF4-FFF2-40B4-BE49-F238E27FC236}">
+                <a16:creationId xmlns:a16="http://schemas.microsoft.com/office/drawing/2014/main" id="{E94856AA-C187-F638-C4CD-1A19FF2E0E48}"/>
+              </a:ext>
+            </a:extLst>
+          </p:cNvPr>
+          <p:cNvSpPr>
+            <a:spLocks noGrp="1"/>
+          </p:cNvSpPr>
+          <p:nvPr>
+            <p:ph type="title"/>
+          </p:nvPr>
+        </p:nvSpPr>
+        <p:spPr/>
+        <p:txBody>
+          <a:bodyPr/>
+          <a:lstStyle/>
+          <a:p>
+            <a:r>
+              <a:rPr lang="en-US" dirty="0"/>
+              <a:t>English Language Arts: Total Days of FMLA</a:t>
+            </a:r>
+          </a:p>
+        </p:txBody>
+      </p:sp>
+      <p:pic>
+        <p:nvPicPr>
+          <p:cNvPr id="5" name="Content Placeholder 4">
+            <a:extLst>
+              <a:ext uri="{FF2B5EF4-FFF2-40B4-BE49-F238E27FC236}">
+                <a16:creationId xmlns:a16="http://schemas.microsoft.com/office/drawing/2014/main" id="{E2BDF471-A152-5ED8-A170-CFE8709A4C5A}"/>
+              </a:ext>
+            </a:extLst>
+          </p:cNvPr>
+          <p:cNvPicPr>
+            <a:picLocks noGrp="1" noChangeAspect="1"/>
+          </p:cNvPicPr>
+          <p:nvPr>
+            <p:ph idx="1"/>
+          </p:nvPr>
+        </p:nvPicPr>
+        <p:blipFill>
+          <a:blip r:embed="rId2"/>
+          <a:stretch>
+            <a:fillRect/>
+          </a:stretch>
+        </p:blipFill>
+        <p:spPr>
+          <a:xfrm>
+            <a:off x="1487366" y="1329330"/>
+            <a:ext cx="5942134" cy="3493496"/>
+          </a:xfrm>
+        </p:spPr>
+      </p:pic>
+    </p:spTree>
+    <p:extLst>
+      <p:ext uri="{BB962C8B-B14F-4D97-AF65-F5344CB8AC3E}">
+        <p14:creationId xmlns:p14="http://schemas.microsoft.com/office/powerpoint/2010/main" val="354881332"/>
       </p:ext>
     </p:extLst>
   </p:cSld>
@@ -3820,7 +7061,7 @@
           <p:cNvPr id="2" name="Title 1">
             <a:extLst>
               <a:ext uri="{FF2B5EF4-FFF2-40B4-BE49-F238E27FC236}">
-                <a16:creationId xmlns:a16="http://schemas.microsoft.com/office/drawing/2014/main" id="{AA39770A-CF44-8137-9F19-BB39B8946D0F}"/>
+                <a16:creationId xmlns:a16="http://schemas.microsoft.com/office/drawing/2014/main" id="{17E2AB87-18B5-5CE8-1D1F-287DF97E88D1}"/>
               </a:ext>
             </a:extLst>
           </p:cNvPr>
@@ -3838,14 +7079,97 @@
           <a:p>
             <a:r>
               <a:rPr lang="en-US" dirty="0"/>
-              <a:t>Median, Mean, and SD by Region</a:t>
-            </a:r>
-            <a:br>
+              <a:t>Vacancy: </a:t>
+            </a:r>
+            <a:r>
+              <a:rPr lang="en-US" u="sng" dirty="0"/>
+              <a:t>Region</a:t>
+            </a:r>
+          </a:p>
+        </p:txBody>
+      </p:sp>
+      <p:sp>
+        <p:nvSpPr>
+          <p:cNvPr id="3" name="Content Placeholder 2">
+            <a:extLst>
+              <a:ext uri="{FF2B5EF4-FFF2-40B4-BE49-F238E27FC236}">
+                <a16:creationId xmlns:a16="http://schemas.microsoft.com/office/drawing/2014/main" id="{DBDBF5D9-4F53-6799-DA0A-FC890266F394}"/>
+              </a:ext>
+            </a:extLst>
+          </p:cNvPr>
+          <p:cNvSpPr>
+            <a:spLocks noGrp="1"/>
+          </p:cNvSpPr>
+          <p:nvPr>
+            <p:ph idx="1"/>
+          </p:nvPr>
+        </p:nvSpPr>
+        <p:spPr/>
+        <p:txBody>
+          <a:bodyPr/>
+          <a:lstStyle/>
+          <a:p>
+            <a:r>
               <a:rPr lang="en-US" dirty="0"/>
-            </a:br>
+              <a:t>All regions in Texas contained vacancies for teacher roles.</a:t>
+            </a:r>
+          </a:p>
+        </p:txBody>
+      </p:sp>
+    </p:spTree>
+    <p:extLst>
+      <p:ext uri="{BB962C8B-B14F-4D97-AF65-F5344CB8AC3E}">
+        <p14:creationId xmlns:p14="http://schemas.microsoft.com/office/powerpoint/2010/main" val="2148945411"/>
+      </p:ext>
+    </p:extLst>
+  </p:cSld>
+  <p:clrMapOvr>
+    <a:masterClrMapping/>
+  </p:clrMapOvr>
+</p:sld>
+</file>
+
+<file path=ppt/slides/slide50.xml><?xml version="1.0" encoding="utf-8"?>
+<p:sld xmlns:a="http://schemas.openxmlformats.org/drawingml/2006/main" xmlns:r="http://schemas.openxmlformats.org/officeDocument/2006/relationships" xmlns:p="http://schemas.openxmlformats.org/presentationml/2006/main">
+  <p:cSld>
+    <p:spTree>
+      <p:nvGrpSpPr>
+        <p:cNvPr id="1" name=""/>
+        <p:cNvGrpSpPr/>
+        <p:nvPr/>
+      </p:nvGrpSpPr>
+      <p:grpSpPr>
+        <a:xfrm>
+          <a:off x="0" y="0"/>
+          <a:ext cx="0" cy="0"/>
+          <a:chOff x="0" y="0"/>
+          <a:chExt cx="0" cy="0"/>
+        </a:xfrm>
+      </p:grpSpPr>
+      <p:sp>
+        <p:nvSpPr>
+          <p:cNvPr id="2" name="Title 1">
+            <a:extLst>
+              <a:ext uri="{FF2B5EF4-FFF2-40B4-BE49-F238E27FC236}">
+                <a16:creationId xmlns:a16="http://schemas.microsoft.com/office/drawing/2014/main" id="{4CE03180-0DB4-0A7D-AC41-782539C8A7A3}"/>
+              </a:ext>
+            </a:extLst>
+          </p:cNvPr>
+          <p:cNvSpPr>
+            <a:spLocks noGrp="1"/>
+          </p:cNvSpPr>
+          <p:nvPr>
+            <p:ph type="title"/>
+          </p:nvPr>
+        </p:nvSpPr>
+        <p:spPr/>
+        <p:txBody>
+          <a:bodyPr/>
+          <a:lstStyle/>
+          <a:p>
             <a:r>
               <a:rPr lang="en-US" dirty="0"/>
-              <a:t>for Vacancy Length (in Days)</a:t>
+              <a:t>Science: Total Days of FMLA</a:t>
             </a:r>
           </a:p>
         </p:txBody>
@@ -3855,7 +7179,7 @@
           <p:cNvPr id="5" name="Content Placeholder 4">
             <a:extLst>
               <a:ext uri="{FF2B5EF4-FFF2-40B4-BE49-F238E27FC236}">
-                <a16:creationId xmlns:a16="http://schemas.microsoft.com/office/drawing/2014/main" id="{D961A4A6-4566-C081-2807-04C9984F439E}"/>
+                <a16:creationId xmlns:a16="http://schemas.microsoft.com/office/drawing/2014/main" id="{E7783261-EB79-E1B8-DB45-FD4000639808}"/>
               </a:ext>
             </a:extLst>
           </p:cNvPr>
@@ -3874,15 +7198,731 @@
         </p:blipFill>
         <p:spPr>
           <a:xfrm>
-            <a:off x="494731" y="1758791"/>
-            <a:ext cx="8154538" cy="2276793"/>
+            <a:off x="1466731" y="1249680"/>
+            <a:ext cx="5871639" cy="3519806"/>
           </a:xfrm>
         </p:spPr>
       </p:pic>
     </p:spTree>
     <p:extLst>
       <p:ext uri="{BB962C8B-B14F-4D97-AF65-F5344CB8AC3E}">
-        <p14:creationId xmlns:p14="http://schemas.microsoft.com/office/powerpoint/2010/main" val="278336843"/>
+        <p14:creationId xmlns:p14="http://schemas.microsoft.com/office/powerpoint/2010/main" val="1044918234"/>
+      </p:ext>
+    </p:extLst>
+  </p:cSld>
+  <p:clrMapOvr>
+    <a:masterClrMapping/>
+  </p:clrMapOvr>
+</p:sld>
+</file>
+
+<file path=ppt/slides/slide51.xml><?xml version="1.0" encoding="utf-8"?>
+<p:sld xmlns:a="http://schemas.openxmlformats.org/drawingml/2006/main" xmlns:r="http://schemas.openxmlformats.org/officeDocument/2006/relationships" xmlns:p="http://schemas.openxmlformats.org/presentationml/2006/main">
+  <p:cSld>
+    <p:spTree>
+      <p:nvGrpSpPr>
+        <p:cNvPr id="1" name=""/>
+        <p:cNvGrpSpPr/>
+        <p:nvPr/>
+      </p:nvGrpSpPr>
+      <p:grpSpPr>
+        <a:xfrm>
+          <a:off x="0" y="0"/>
+          <a:ext cx="0" cy="0"/>
+          <a:chOff x="0" y="0"/>
+          <a:chExt cx="0" cy="0"/>
+        </a:xfrm>
+      </p:grpSpPr>
+      <p:sp>
+        <p:nvSpPr>
+          <p:cNvPr id="2" name="Title 1">
+            <a:extLst>
+              <a:ext uri="{FF2B5EF4-FFF2-40B4-BE49-F238E27FC236}">
+                <a16:creationId xmlns:a16="http://schemas.microsoft.com/office/drawing/2014/main" id="{6CD2BA1D-FC0B-59FD-BE75-A9943BCCD6E1}"/>
+              </a:ext>
+            </a:extLst>
+          </p:cNvPr>
+          <p:cNvSpPr>
+            <a:spLocks noGrp="1"/>
+          </p:cNvSpPr>
+          <p:nvPr>
+            <p:ph type="title"/>
+          </p:nvPr>
+        </p:nvSpPr>
+        <p:spPr/>
+        <p:txBody>
+          <a:bodyPr/>
+          <a:lstStyle/>
+          <a:p>
+            <a:r>
+              <a:rPr lang="en-US" dirty="0"/>
+              <a:t>Social Studies: Total Days of FMLA</a:t>
+            </a:r>
+          </a:p>
+        </p:txBody>
+      </p:sp>
+      <p:pic>
+        <p:nvPicPr>
+          <p:cNvPr id="5" name="Content Placeholder 4">
+            <a:extLst>
+              <a:ext uri="{FF2B5EF4-FFF2-40B4-BE49-F238E27FC236}">
+                <a16:creationId xmlns:a16="http://schemas.microsoft.com/office/drawing/2014/main" id="{54B7AB2B-DAA2-F4FA-0159-B0D587DEA1E6}"/>
+              </a:ext>
+            </a:extLst>
+          </p:cNvPr>
+          <p:cNvPicPr>
+            <a:picLocks noGrp="1" noChangeAspect="1"/>
+          </p:cNvPicPr>
+          <p:nvPr>
+            <p:ph idx="1"/>
+          </p:nvPr>
+        </p:nvPicPr>
+        <p:blipFill>
+          <a:blip r:embed="rId2"/>
+          <a:stretch>
+            <a:fillRect/>
+          </a:stretch>
+        </p:blipFill>
+        <p:spPr>
+          <a:xfrm>
+            <a:off x="1477318" y="1191482"/>
+            <a:ext cx="6058862" cy="3578004"/>
+          </a:xfrm>
+        </p:spPr>
+      </p:pic>
+    </p:spTree>
+    <p:extLst>
+      <p:ext uri="{BB962C8B-B14F-4D97-AF65-F5344CB8AC3E}">
+        <p14:creationId xmlns:p14="http://schemas.microsoft.com/office/powerpoint/2010/main" val="3486417284"/>
+      </p:ext>
+    </p:extLst>
+  </p:cSld>
+  <p:clrMapOvr>
+    <a:masterClrMapping/>
+  </p:clrMapOvr>
+</p:sld>
+</file>
+
+<file path=ppt/slides/slide52.xml><?xml version="1.0" encoding="utf-8"?>
+<p:sld xmlns:a="http://schemas.openxmlformats.org/drawingml/2006/main" xmlns:r="http://schemas.openxmlformats.org/officeDocument/2006/relationships" xmlns:p="http://schemas.openxmlformats.org/presentationml/2006/main">
+  <p:cSld>
+    <p:spTree>
+      <p:nvGrpSpPr>
+        <p:cNvPr id="1" name=""/>
+        <p:cNvGrpSpPr/>
+        <p:nvPr/>
+      </p:nvGrpSpPr>
+      <p:grpSpPr>
+        <a:xfrm>
+          <a:off x="0" y="0"/>
+          <a:ext cx="0" cy="0"/>
+          <a:chOff x="0" y="0"/>
+          <a:chExt cx="0" cy="0"/>
+        </a:xfrm>
+      </p:grpSpPr>
+      <p:sp>
+        <p:nvSpPr>
+          <p:cNvPr id="2" name="Title 1">
+            <a:extLst>
+              <a:ext uri="{FF2B5EF4-FFF2-40B4-BE49-F238E27FC236}">
+                <a16:creationId xmlns:a16="http://schemas.microsoft.com/office/drawing/2014/main" id="{5D0B6CA8-410C-24EA-39BD-7F06BF46AF24}"/>
+              </a:ext>
+            </a:extLst>
+          </p:cNvPr>
+          <p:cNvSpPr>
+            <a:spLocks noGrp="1"/>
+          </p:cNvSpPr>
+          <p:nvPr>
+            <p:ph type="title"/>
+          </p:nvPr>
+        </p:nvSpPr>
+        <p:spPr/>
+        <p:txBody>
+          <a:bodyPr/>
+          <a:lstStyle/>
+          <a:p>
+            <a:r>
+              <a:rPr lang="en-US" dirty="0"/>
+              <a:t>Number of Leaves Taken </a:t>
+            </a:r>
+            <a:br>
+              <a:rPr lang="en-US" dirty="0"/>
+            </a:br>
+            <a:r>
+              <a:rPr lang="en-US" dirty="0"/>
+              <a:t>for FMLA by Subject</a:t>
+            </a:r>
+          </a:p>
+        </p:txBody>
+      </p:sp>
+      <p:pic>
+        <p:nvPicPr>
+          <p:cNvPr id="5" name="Content Placeholder 4">
+            <a:extLst>
+              <a:ext uri="{FF2B5EF4-FFF2-40B4-BE49-F238E27FC236}">
+                <a16:creationId xmlns:a16="http://schemas.microsoft.com/office/drawing/2014/main" id="{6AE6EB76-9877-3F1C-CB02-D6DBBE3C82A9}"/>
+              </a:ext>
+            </a:extLst>
+          </p:cNvPr>
+          <p:cNvPicPr>
+            <a:picLocks noGrp="1" noChangeAspect="1"/>
+          </p:cNvPicPr>
+          <p:nvPr>
+            <p:ph idx="1"/>
+          </p:nvPr>
+        </p:nvPicPr>
+        <p:blipFill>
+          <a:blip r:embed="rId2"/>
+          <a:stretch>
+            <a:fillRect/>
+          </a:stretch>
+        </p:blipFill>
+        <p:spPr>
+          <a:xfrm>
+            <a:off x="1422549" y="1649135"/>
+            <a:ext cx="6184599" cy="1599010"/>
+          </a:xfrm>
+        </p:spPr>
+      </p:pic>
+      <p:sp>
+        <p:nvSpPr>
+          <p:cNvPr id="6" name="TextBox 5">
+            <a:extLst>
+              <a:ext uri="{FF2B5EF4-FFF2-40B4-BE49-F238E27FC236}">
+                <a16:creationId xmlns:a16="http://schemas.microsoft.com/office/drawing/2014/main" id="{6FE6C36E-7919-5F2E-71EA-6EEF94F424A3}"/>
+              </a:ext>
+            </a:extLst>
+          </p:cNvPr>
+          <p:cNvSpPr txBox="1"/>
+          <p:nvPr/>
+        </p:nvSpPr>
+        <p:spPr>
+          <a:xfrm>
+            <a:off x="1722120" y="3676769"/>
+            <a:ext cx="5166360" cy="954107"/>
+          </a:xfrm>
+          <a:prstGeom prst="rect">
+            <a:avLst/>
+          </a:prstGeom>
+          <a:noFill/>
+        </p:spPr>
+        <p:txBody>
+          <a:bodyPr wrap="square" rtlCol="0">
+            <a:spAutoFit/>
+          </a:bodyPr>
+          <a:lstStyle/>
+          <a:p>
+            <a:r>
+              <a:rPr lang="en-US" sz="1400" dirty="0">
+                <a:solidFill>
+                  <a:srgbClr val="2007B9"/>
+                </a:solidFill>
+              </a:rPr>
+              <a:t>English Language Arts had the highest count of teachers leaves from FMLA for any subject at 285 leaves. This was followed by Math at 216 leaves and Science at 198 leaves. Social Studies was the subject with the fewest count of teacher leaves from FMLA, with 160 leaves</a:t>
+            </a:r>
+            <a:r>
+              <a:rPr lang="en-US" sz="1400" dirty="0"/>
+              <a:t>.</a:t>
+            </a:r>
+          </a:p>
+        </p:txBody>
+      </p:sp>
+    </p:spTree>
+    <p:extLst>
+      <p:ext uri="{BB962C8B-B14F-4D97-AF65-F5344CB8AC3E}">
+        <p14:creationId xmlns:p14="http://schemas.microsoft.com/office/powerpoint/2010/main" val="1903250323"/>
+      </p:ext>
+    </p:extLst>
+  </p:cSld>
+  <p:clrMapOvr>
+    <a:masterClrMapping/>
+  </p:clrMapOvr>
+</p:sld>
+</file>
+
+<file path=ppt/slides/slide53.xml><?xml version="1.0" encoding="utf-8"?>
+<p:sld xmlns:a="http://schemas.openxmlformats.org/drawingml/2006/main" xmlns:r="http://schemas.openxmlformats.org/officeDocument/2006/relationships" xmlns:p="http://schemas.openxmlformats.org/presentationml/2006/main">
+  <p:cSld>
+    <p:spTree>
+      <p:nvGrpSpPr>
+        <p:cNvPr id="1" name=""/>
+        <p:cNvGrpSpPr/>
+        <p:nvPr/>
+      </p:nvGrpSpPr>
+      <p:grpSpPr>
+        <a:xfrm>
+          <a:off x="0" y="0"/>
+          <a:ext cx="0" cy="0"/>
+          <a:chOff x="0" y="0"/>
+          <a:chExt cx="0" cy="0"/>
+        </a:xfrm>
+      </p:grpSpPr>
+      <p:sp>
+        <p:nvSpPr>
+          <p:cNvPr id="2" name="Title 1">
+            <a:extLst>
+              <a:ext uri="{FF2B5EF4-FFF2-40B4-BE49-F238E27FC236}">
+                <a16:creationId xmlns:a16="http://schemas.microsoft.com/office/drawing/2014/main" id="{8BB05A6B-A67D-F3AA-432F-16E3977BD08C}"/>
+              </a:ext>
+            </a:extLst>
+          </p:cNvPr>
+          <p:cNvSpPr>
+            <a:spLocks noGrp="1"/>
+          </p:cNvSpPr>
+          <p:nvPr>
+            <p:ph type="title"/>
+          </p:nvPr>
+        </p:nvSpPr>
+        <p:spPr/>
+        <p:txBody>
+          <a:bodyPr/>
+          <a:lstStyle/>
+          <a:p>
+            <a:r>
+              <a:rPr lang="en-US" dirty="0"/>
+              <a:t>Number of Teacher Leaves from FMLA Varied by Subject</a:t>
+            </a:r>
+          </a:p>
+        </p:txBody>
+      </p:sp>
+      <p:pic>
+        <p:nvPicPr>
+          <p:cNvPr id="5" name="Content Placeholder 4">
+            <a:extLst>
+              <a:ext uri="{FF2B5EF4-FFF2-40B4-BE49-F238E27FC236}">
+                <a16:creationId xmlns:a16="http://schemas.microsoft.com/office/drawing/2014/main" id="{FB4CB6FD-695F-ED55-684A-220941901288}"/>
+              </a:ext>
+            </a:extLst>
+          </p:cNvPr>
+          <p:cNvPicPr>
+            <a:picLocks noGrp="1" noChangeAspect="1"/>
+          </p:cNvPicPr>
+          <p:nvPr>
+            <p:ph idx="1"/>
+          </p:nvPr>
+        </p:nvPicPr>
+        <p:blipFill>
+          <a:blip r:embed="rId2"/>
+          <a:stretch>
+            <a:fillRect/>
+          </a:stretch>
+        </p:blipFill>
+        <p:spPr>
+          <a:xfrm>
+            <a:off x="403860" y="1289938"/>
+            <a:ext cx="5883157" cy="3540508"/>
+          </a:xfrm>
+        </p:spPr>
+      </p:pic>
+      <p:sp>
+        <p:nvSpPr>
+          <p:cNvPr id="6" name="TextBox 5">
+            <a:extLst>
+              <a:ext uri="{FF2B5EF4-FFF2-40B4-BE49-F238E27FC236}">
+                <a16:creationId xmlns:a16="http://schemas.microsoft.com/office/drawing/2014/main" id="{B113BD69-5179-9253-4A82-A739D4B5D60F}"/>
+              </a:ext>
+            </a:extLst>
+          </p:cNvPr>
+          <p:cNvSpPr txBox="1"/>
+          <p:nvPr/>
+        </p:nvSpPr>
+        <p:spPr>
+          <a:xfrm>
+            <a:off x="6614160" y="2179320"/>
+            <a:ext cx="2072640" cy="2031325"/>
+          </a:xfrm>
+          <a:prstGeom prst="rect">
+            <a:avLst/>
+          </a:prstGeom>
+          <a:noFill/>
+        </p:spPr>
+        <p:txBody>
+          <a:bodyPr wrap="square" rtlCol="0">
+            <a:spAutoFit/>
+          </a:bodyPr>
+          <a:lstStyle/>
+          <a:p>
+            <a:r>
+              <a:rPr lang="en-US" sz="1400" dirty="0">
+                <a:solidFill>
+                  <a:srgbClr val="2007B9"/>
+                </a:solidFill>
+              </a:rPr>
+              <a:t>English Language Arts had the highest count of FMLA leaves by teachers at 285, followed by Math at 216 leaves. Next was Science with 198 leaves, and last was Social Studies with 60 teacher leaves from FMLA.</a:t>
+            </a:r>
+          </a:p>
+        </p:txBody>
+      </p:sp>
+    </p:spTree>
+    <p:extLst>
+      <p:ext uri="{BB962C8B-B14F-4D97-AF65-F5344CB8AC3E}">
+        <p14:creationId xmlns:p14="http://schemas.microsoft.com/office/powerpoint/2010/main" val="2824425630"/>
+      </p:ext>
+    </p:extLst>
+  </p:cSld>
+  <p:clrMapOvr>
+    <a:masterClrMapping/>
+  </p:clrMapOvr>
+</p:sld>
+</file>
+
+<file path=ppt/slides/slide54.xml><?xml version="1.0" encoding="utf-8"?>
+<p:sld xmlns:a="http://schemas.openxmlformats.org/drawingml/2006/main" xmlns:r="http://schemas.openxmlformats.org/officeDocument/2006/relationships" xmlns:p="http://schemas.openxmlformats.org/presentationml/2006/main">
+  <p:cSld>
+    <p:spTree>
+      <p:nvGrpSpPr>
+        <p:cNvPr id="1" name=""/>
+        <p:cNvGrpSpPr/>
+        <p:nvPr/>
+      </p:nvGrpSpPr>
+      <p:grpSpPr>
+        <a:xfrm>
+          <a:off x="0" y="0"/>
+          <a:ext cx="0" cy="0"/>
+          <a:chOff x="0" y="0"/>
+          <a:chExt cx="0" cy="0"/>
+        </a:xfrm>
+      </p:grpSpPr>
+      <p:sp>
+        <p:nvSpPr>
+          <p:cNvPr id="2" name="Title 1">
+            <a:extLst>
+              <a:ext uri="{FF2B5EF4-FFF2-40B4-BE49-F238E27FC236}">
+                <a16:creationId xmlns:a16="http://schemas.microsoft.com/office/drawing/2014/main" id="{372C24AE-AF40-AE72-E99C-95F2B0955CC7}"/>
+              </a:ext>
+            </a:extLst>
+          </p:cNvPr>
+          <p:cNvSpPr>
+            <a:spLocks noGrp="1"/>
+          </p:cNvSpPr>
+          <p:nvPr>
+            <p:ph type="title"/>
+          </p:nvPr>
+        </p:nvSpPr>
+        <p:spPr/>
+        <p:txBody>
+          <a:bodyPr/>
+          <a:lstStyle/>
+          <a:p>
+            <a:r>
+              <a:rPr lang="en-US" sz="2800" dirty="0"/>
+              <a:t>Summary Statistics for Number Teacher Leaves from FMLA, After Grouping by Subject </a:t>
+            </a:r>
+          </a:p>
+        </p:txBody>
+      </p:sp>
+      <p:pic>
+        <p:nvPicPr>
+          <p:cNvPr id="5" name="Content Placeholder 4">
+            <a:extLst>
+              <a:ext uri="{FF2B5EF4-FFF2-40B4-BE49-F238E27FC236}">
+                <a16:creationId xmlns:a16="http://schemas.microsoft.com/office/drawing/2014/main" id="{1695EA2A-00CC-B90C-9A29-129F265C7784}"/>
+              </a:ext>
+            </a:extLst>
+          </p:cNvPr>
+          <p:cNvPicPr>
+            <a:picLocks noGrp="1" noChangeAspect="1"/>
+          </p:cNvPicPr>
+          <p:nvPr>
+            <p:ph idx="1"/>
+          </p:nvPr>
+        </p:nvPicPr>
+        <p:blipFill>
+          <a:blip r:embed="rId2"/>
+          <a:stretch>
+            <a:fillRect/>
+          </a:stretch>
+        </p:blipFill>
+        <p:spPr>
+          <a:xfrm>
+            <a:off x="816294" y="2174249"/>
+            <a:ext cx="7870506" cy="795001"/>
+          </a:xfrm>
+        </p:spPr>
+      </p:pic>
+      <p:sp>
+        <p:nvSpPr>
+          <p:cNvPr id="6" name="TextBox 5">
+            <a:extLst>
+              <a:ext uri="{FF2B5EF4-FFF2-40B4-BE49-F238E27FC236}">
+                <a16:creationId xmlns:a16="http://schemas.microsoft.com/office/drawing/2014/main" id="{93BFEFBE-80E2-5D83-5F41-ADCA37EBDF9D}"/>
+              </a:ext>
+            </a:extLst>
+          </p:cNvPr>
+          <p:cNvSpPr txBox="1"/>
+          <p:nvPr/>
+        </p:nvSpPr>
+        <p:spPr>
+          <a:xfrm>
+            <a:off x="1794510" y="3603216"/>
+            <a:ext cx="5554980" cy="954107"/>
+          </a:xfrm>
+          <a:prstGeom prst="rect">
+            <a:avLst/>
+          </a:prstGeom>
+          <a:noFill/>
+        </p:spPr>
+        <p:txBody>
+          <a:bodyPr wrap="square" rtlCol="0">
+            <a:spAutoFit/>
+          </a:bodyPr>
+          <a:lstStyle/>
+          <a:p>
+            <a:r>
+              <a:rPr lang="en-US" sz="1400" dirty="0">
+                <a:solidFill>
+                  <a:srgbClr val="2007B9"/>
+                </a:solidFill>
+              </a:rPr>
+              <a:t>English Language Arts and Math were above both the mean and median when looking at teacher leaves from FMLA by subject. Science and Social Studies were the subjects that were both below the median and mean count after grouping by subject.</a:t>
+            </a:r>
+          </a:p>
+        </p:txBody>
+      </p:sp>
+    </p:spTree>
+    <p:extLst>
+      <p:ext uri="{BB962C8B-B14F-4D97-AF65-F5344CB8AC3E}">
+        <p14:creationId xmlns:p14="http://schemas.microsoft.com/office/powerpoint/2010/main" val="3788115464"/>
+      </p:ext>
+    </p:extLst>
+  </p:cSld>
+  <p:clrMapOvr>
+    <a:masterClrMapping/>
+  </p:clrMapOvr>
+</p:sld>
+</file>
+
+<file path=ppt/slides/slide55.xml><?xml version="1.0" encoding="utf-8"?>
+<p:sld xmlns:a="http://schemas.openxmlformats.org/drawingml/2006/main" xmlns:r="http://schemas.openxmlformats.org/officeDocument/2006/relationships" xmlns:p="http://schemas.openxmlformats.org/presentationml/2006/main">
+  <p:cSld>
+    <p:spTree>
+      <p:nvGrpSpPr>
+        <p:cNvPr id="1" name=""/>
+        <p:cNvGrpSpPr/>
+        <p:nvPr/>
+      </p:nvGrpSpPr>
+      <p:grpSpPr>
+        <a:xfrm>
+          <a:off x="0" y="0"/>
+          <a:ext cx="0" cy="0"/>
+          <a:chOff x="0" y="0"/>
+          <a:chExt cx="0" cy="0"/>
+        </a:xfrm>
+      </p:grpSpPr>
+      <p:sp>
+        <p:nvSpPr>
+          <p:cNvPr id="2" name="Title 1">
+            <a:extLst>
+              <a:ext uri="{FF2B5EF4-FFF2-40B4-BE49-F238E27FC236}">
+                <a16:creationId xmlns:a16="http://schemas.microsoft.com/office/drawing/2014/main" id="{BF18B49F-E802-C85F-2585-24851F4C4A80}"/>
+              </a:ext>
+            </a:extLst>
+          </p:cNvPr>
+          <p:cNvSpPr>
+            <a:spLocks noGrp="1"/>
+          </p:cNvSpPr>
+          <p:nvPr>
+            <p:ph type="title"/>
+          </p:nvPr>
+        </p:nvSpPr>
+        <p:spPr/>
+        <p:txBody>
+          <a:bodyPr/>
+          <a:lstStyle/>
+          <a:p>
+            <a:endParaRPr lang="en-US"/>
+          </a:p>
+        </p:txBody>
+      </p:sp>
+      <p:sp>
+        <p:nvSpPr>
+          <p:cNvPr id="3" name="Content Placeholder 2">
+            <a:extLst>
+              <a:ext uri="{FF2B5EF4-FFF2-40B4-BE49-F238E27FC236}">
+                <a16:creationId xmlns:a16="http://schemas.microsoft.com/office/drawing/2014/main" id="{AFAC237D-1EF5-6502-F69A-EBAD2F4266BD}"/>
+              </a:ext>
+            </a:extLst>
+          </p:cNvPr>
+          <p:cNvSpPr>
+            <a:spLocks noGrp="1"/>
+          </p:cNvSpPr>
+          <p:nvPr>
+            <p:ph idx="1"/>
+          </p:nvPr>
+        </p:nvSpPr>
+        <p:spPr/>
+        <p:txBody>
+          <a:bodyPr/>
+          <a:lstStyle/>
+          <a:p>
+            <a:endParaRPr lang="en-US"/>
+          </a:p>
+        </p:txBody>
+      </p:sp>
+    </p:spTree>
+    <p:extLst>
+      <p:ext uri="{BB962C8B-B14F-4D97-AF65-F5344CB8AC3E}">
+        <p14:creationId xmlns:p14="http://schemas.microsoft.com/office/powerpoint/2010/main" val="3648049151"/>
+      </p:ext>
+    </p:extLst>
+  </p:cSld>
+  <p:clrMapOvr>
+    <a:masterClrMapping/>
+  </p:clrMapOvr>
+</p:sld>
+</file>
+
+<file path=ppt/slides/slide56.xml><?xml version="1.0" encoding="utf-8"?>
+<p:sld xmlns:a="http://schemas.openxmlformats.org/drawingml/2006/main" xmlns:r="http://schemas.openxmlformats.org/officeDocument/2006/relationships" xmlns:p="http://schemas.openxmlformats.org/presentationml/2006/main">
+  <p:cSld>
+    <p:spTree>
+      <p:nvGrpSpPr>
+        <p:cNvPr id="1" name=""/>
+        <p:cNvGrpSpPr/>
+        <p:nvPr/>
+      </p:nvGrpSpPr>
+      <p:grpSpPr>
+        <a:xfrm>
+          <a:off x="0" y="0"/>
+          <a:ext cx="0" cy="0"/>
+          <a:chOff x="0" y="0"/>
+          <a:chExt cx="0" cy="0"/>
+        </a:xfrm>
+      </p:grpSpPr>
+      <p:sp>
+        <p:nvSpPr>
+          <p:cNvPr id="2" name="Title 1">
+            <a:extLst>
+              <a:ext uri="{FF2B5EF4-FFF2-40B4-BE49-F238E27FC236}">
+                <a16:creationId xmlns:a16="http://schemas.microsoft.com/office/drawing/2014/main" id="{C38B7FEB-CC8D-A44A-3BAA-CC3CD4F65660}"/>
+              </a:ext>
+            </a:extLst>
+          </p:cNvPr>
+          <p:cNvSpPr>
+            <a:spLocks noGrp="1"/>
+          </p:cNvSpPr>
+          <p:nvPr>
+            <p:ph type="title"/>
+          </p:nvPr>
+        </p:nvSpPr>
+        <p:spPr/>
+        <p:txBody>
+          <a:bodyPr/>
+          <a:lstStyle/>
+          <a:p>
+            <a:endParaRPr lang="en-US"/>
+          </a:p>
+        </p:txBody>
+      </p:sp>
+      <p:sp>
+        <p:nvSpPr>
+          <p:cNvPr id="3" name="Content Placeholder 2">
+            <a:extLst>
+              <a:ext uri="{FF2B5EF4-FFF2-40B4-BE49-F238E27FC236}">
+                <a16:creationId xmlns:a16="http://schemas.microsoft.com/office/drawing/2014/main" id="{961A1B12-AE71-865E-B312-4F01CB42219B}"/>
+              </a:ext>
+            </a:extLst>
+          </p:cNvPr>
+          <p:cNvSpPr>
+            <a:spLocks noGrp="1"/>
+          </p:cNvSpPr>
+          <p:nvPr>
+            <p:ph idx="1"/>
+          </p:nvPr>
+        </p:nvSpPr>
+        <p:spPr/>
+        <p:txBody>
+          <a:bodyPr/>
+          <a:lstStyle/>
+          <a:p>
+            <a:endParaRPr lang="en-US"/>
+          </a:p>
+        </p:txBody>
+      </p:sp>
+    </p:spTree>
+    <p:extLst>
+      <p:ext uri="{BB962C8B-B14F-4D97-AF65-F5344CB8AC3E}">
+        <p14:creationId xmlns:p14="http://schemas.microsoft.com/office/powerpoint/2010/main" val="1570971779"/>
+      </p:ext>
+    </p:extLst>
+  </p:cSld>
+  <p:clrMapOvr>
+    <a:masterClrMapping/>
+  </p:clrMapOvr>
+</p:sld>
+</file>
+
+<file path=ppt/slides/slide57.xml><?xml version="1.0" encoding="utf-8"?>
+<p:sld xmlns:a="http://schemas.openxmlformats.org/drawingml/2006/main" xmlns:r="http://schemas.openxmlformats.org/officeDocument/2006/relationships" xmlns:p="http://schemas.openxmlformats.org/presentationml/2006/main">
+  <p:cSld>
+    <p:spTree>
+      <p:nvGrpSpPr>
+        <p:cNvPr id="1" name=""/>
+        <p:cNvGrpSpPr/>
+        <p:nvPr/>
+      </p:nvGrpSpPr>
+      <p:grpSpPr>
+        <a:xfrm>
+          <a:off x="0" y="0"/>
+          <a:ext cx="0" cy="0"/>
+          <a:chOff x="0" y="0"/>
+          <a:chExt cx="0" cy="0"/>
+        </a:xfrm>
+      </p:grpSpPr>
+      <p:sp>
+        <p:nvSpPr>
+          <p:cNvPr id="2" name="Title 1">
+            <a:extLst>
+              <a:ext uri="{FF2B5EF4-FFF2-40B4-BE49-F238E27FC236}">
+                <a16:creationId xmlns:a16="http://schemas.microsoft.com/office/drawing/2014/main" id="{C4EB3F33-7CE5-AED7-6BE3-98746DA20BF9}"/>
+              </a:ext>
+            </a:extLst>
+          </p:cNvPr>
+          <p:cNvSpPr>
+            <a:spLocks noGrp="1"/>
+          </p:cNvSpPr>
+          <p:nvPr>
+            <p:ph type="title"/>
+          </p:nvPr>
+        </p:nvSpPr>
+        <p:spPr/>
+        <p:txBody>
+          <a:bodyPr/>
+          <a:lstStyle/>
+          <a:p>
+            <a:endParaRPr lang="en-US"/>
+          </a:p>
+        </p:txBody>
+      </p:sp>
+      <p:sp>
+        <p:nvSpPr>
+          <p:cNvPr id="3" name="Content Placeholder 2">
+            <a:extLst>
+              <a:ext uri="{FF2B5EF4-FFF2-40B4-BE49-F238E27FC236}">
+                <a16:creationId xmlns:a16="http://schemas.microsoft.com/office/drawing/2014/main" id="{1FEE7A8F-4A30-A8CB-DAAF-F1B443B43890}"/>
+              </a:ext>
+            </a:extLst>
+          </p:cNvPr>
+          <p:cNvSpPr>
+            <a:spLocks noGrp="1"/>
+          </p:cNvSpPr>
+          <p:nvPr>
+            <p:ph idx="1"/>
+          </p:nvPr>
+        </p:nvSpPr>
+        <p:spPr/>
+        <p:txBody>
+          <a:bodyPr/>
+          <a:lstStyle/>
+          <a:p>
+            <a:endParaRPr lang="en-US"/>
+          </a:p>
+        </p:txBody>
+      </p:sp>
+    </p:spTree>
+    <p:extLst>
+      <p:ext uri="{BB962C8B-B14F-4D97-AF65-F5344CB8AC3E}">
+        <p14:creationId xmlns:p14="http://schemas.microsoft.com/office/powerpoint/2010/main" val="1313753629"/>
       </p:ext>
     </p:extLst>
   </p:cSld>
@@ -3914,7 +7954,7 @@
           <p:cNvPr id="2" name="Title 1">
             <a:extLst>
               <a:ext uri="{FF2B5EF4-FFF2-40B4-BE49-F238E27FC236}">
-                <a16:creationId xmlns:a16="http://schemas.microsoft.com/office/drawing/2014/main" id="{15027D3D-BAAF-A99F-79AD-5FDFFC62846B}"/>
+                <a16:creationId xmlns:a16="http://schemas.microsoft.com/office/drawing/2014/main" id="{AA39770A-CF44-8137-9F19-BB39B8946D0F}"/>
               </a:ext>
             </a:extLst>
           </p:cNvPr>
@@ -3932,7 +7972,14 @@
           <a:p>
             <a:r>
               <a:rPr lang="en-US" dirty="0"/>
-              <a:t>Summary Statistics for Vacancies After Grouping by Region </a:t>
+              <a:t>Median, Mean, and SD by Region</a:t>
+            </a:r>
+            <a:br>
+              <a:rPr lang="en-US" dirty="0"/>
+            </a:br>
+            <a:r>
+              <a:rPr lang="en-US" dirty="0"/>
+              <a:t>for Vacancy Length (in Days)</a:t>
             </a:r>
           </a:p>
         </p:txBody>
@@ -3942,7 +7989,7 @@
           <p:cNvPr id="5" name="Content Placeholder 4">
             <a:extLst>
               <a:ext uri="{FF2B5EF4-FFF2-40B4-BE49-F238E27FC236}">
-                <a16:creationId xmlns:a16="http://schemas.microsoft.com/office/drawing/2014/main" id="{DDC95942-097D-5590-63EF-39DA7CE1B15D}"/>
+                <a16:creationId xmlns:a16="http://schemas.microsoft.com/office/drawing/2014/main" id="{D961A4A6-4566-C081-2807-04C9984F439E}"/>
               </a:ext>
             </a:extLst>
           </p:cNvPr>
@@ -3961,15 +8008,54 @@
         </p:blipFill>
         <p:spPr>
           <a:xfrm>
-            <a:off x="574744" y="1921921"/>
-            <a:ext cx="8112056" cy="1074920"/>
+            <a:off x="403291" y="1492091"/>
+            <a:ext cx="8154538" cy="2276793"/>
           </a:xfrm>
         </p:spPr>
       </p:pic>
+      <p:sp>
+        <p:nvSpPr>
+          <p:cNvPr id="3" name="TextBox 2">
+            <a:extLst>
+              <a:ext uri="{FF2B5EF4-FFF2-40B4-BE49-F238E27FC236}">
+                <a16:creationId xmlns:a16="http://schemas.microsoft.com/office/drawing/2014/main" id="{E3053088-52EF-41D1-984D-6F013AF26A8A}"/>
+              </a:ext>
+            </a:extLst>
+          </p:cNvPr>
+          <p:cNvSpPr txBox="1"/>
+          <p:nvPr/>
+        </p:nvSpPr>
+        <p:spPr>
+          <a:xfrm>
+            <a:off x="952500" y="3893820"/>
+            <a:ext cx="6926580" cy="954107"/>
+          </a:xfrm>
+          <a:prstGeom prst="rect">
+            <a:avLst/>
+          </a:prstGeom>
+          <a:noFill/>
+        </p:spPr>
+        <p:txBody>
+          <a:bodyPr wrap="square" rtlCol="0">
+            <a:spAutoFit/>
+          </a:bodyPr>
+          <a:lstStyle/>
+          <a:p>
+            <a:r>
+              <a:rPr lang="en-US" sz="1400" dirty="0">
+                <a:solidFill>
+                  <a:srgbClr val="2007B9"/>
+                </a:solidFill>
+              </a:rPr>
+              <a:t>Austin had the highest median for vacancy length and Upper Valley RGV had the lowest median. Tarrant County had the highest mean vacancy length, whereas Mid Valley RGV had the lowest mean. Tarrant County had the highest standard deviation and Mid Valley RGV had the lowest standard deviation for vacancy length in days.</a:t>
+            </a:r>
+          </a:p>
+        </p:txBody>
+      </p:sp>
     </p:spTree>
     <p:extLst>
       <p:ext uri="{BB962C8B-B14F-4D97-AF65-F5344CB8AC3E}">
-        <p14:creationId xmlns:p14="http://schemas.microsoft.com/office/powerpoint/2010/main" val="1401580884"/>
+        <p14:creationId xmlns:p14="http://schemas.microsoft.com/office/powerpoint/2010/main" val="278336843"/>
       </p:ext>
     </p:extLst>
   </p:cSld>
@@ -4001,7 +8087,7 @@
           <p:cNvPr id="2" name="Title 1">
             <a:extLst>
               <a:ext uri="{FF2B5EF4-FFF2-40B4-BE49-F238E27FC236}">
-                <a16:creationId xmlns:a16="http://schemas.microsoft.com/office/drawing/2014/main" id="{939E8D49-0186-4404-E0CD-4D9CF88836EA}"/>
+                <a16:creationId xmlns:a16="http://schemas.microsoft.com/office/drawing/2014/main" id="{15027D3D-BAAF-A99F-79AD-5FDFFC62846B}"/>
               </a:ext>
             </a:extLst>
           </p:cNvPr>
@@ -4019,7 +8105,7 @@
           <a:p>
             <a:r>
               <a:rPr lang="en-US" dirty="0"/>
-              <a:t>Austin Vacancy Lengths in Days</a:t>
+              <a:t>Summary Statistics for Vacancies After Grouping by Region </a:t>
             </a:r>
           </a:p>
         </p:txBody>
@@ -4029,7 +8115,7 @@
           <p:cNvPr id="5" name="Content Placeholder 4">
             <a:extLst>
               <a:ext uri="{FF2B5EF4-FFF2-40B4-BE49-F238E27FC236}">
-                <a16:creationId xmlns:a16="http://schemas.microsoft.com/office/drawing/2014/main" id="{90CE44CE-2471-63F3-F3A9-7B9C30F475A0}"/>
+                <a16:creationId xmlns:a16="http://schemas.microsoft.com/office/drawing/2014/main" id="{DDC95942-097D-5590-63EF-39DA7CE1B15D}"/>
               </a:ext>
             </a:extLst>
           </p:cNvPr>
@@ -4048,15 +8134,15 @@
         </p:blipFill>
         <p:spPr>
           <a:xfrm>
-            <a:off x="1778415" y="1200150"/>
-            <a:ext cx="5587169" cy="3394075"/>
+            <a:off x="574744" y="1921921"/>
+            <a:ext cx="8112056" cy="1074920"/>
           </a:xfrm>
         </p:spPr>
       </p:pic>
     </p:spTree>
     <p:extLst>
       <p:ext uri="{BB962C8B-B14F-4D97-AF65-F5344CB8AC3E}">
-        <p14:creationId xmlns:p14="http://schemas.microsoft.com/office/powerpoint/2010/main" val="2882914638"/>
+        <p14:creationId xmlns:p14="http://schemas.microsoft.com/office/powerpoint/2010/main" val="1401580884"/>
       </p:ext>
     </p:extLst>
   </p:cSld>
@@ -4088,7 +8174,7 @@
           <p:cNvPr id="2" name="Title 1">
             <a:extLst>
               <a:ext uri="{FF2B5EF4-FFF2-40B4-BE49-F238E27FC236}">
-                <a16:creationId xmlns:a16="http://schemas.microsoft.com/office/drawing/2014/main" id="{26896BA4-8BFF-AB45-84EA-418B75546F36}"/>
+                <a16:creationId xmlns:a16="http://schemas.microsoft.com/office/drawing/2014/main" id="{939E8D49-0186-4404-E0CD-4D9CF88836EA}"/>
               </a:ext>
             </a:extLst>
           </p:cNvPr>
@@ -4106,7 +8192,7 @@
           <a:p>
             <a:r>
               <a:rPr lang="en-US" dirty="0"/>
-              <a:t>El Paso Vacancy Lengths in Days</a:t>
+              <a:t>Austin Vacancy Lengths in Days</a:t>
             </a:r>
           </a:p>
         </p:txBody>
@@ -4116,7 +8202,7 @@
           <p:cNvPr id="5" name="Content Placeholder 4">
             <a:extLst>
               <a:ext uri="{FF2B5EF4-FFF2-40B4-BE49-F238E27FC236}">
-                <a16:creationId xmlns:a16="http://schemas.microsoft.com/office/drawing/2014/main" id="{9C77C0F8-9F4F-7BAB-639B-008509E2B066}"/>
+                <a16:creationId xmlns:a16="http://schemas.microsoft.com/office/drawing/2014/main" id="{90CE44CE-2471-63F3-F3A9-7B9C30F475A0}"/>
               </a:ext>
             </a:extLst>
           </p:cNvPr>
@@ -4135,15 +8221,15 @@
         </p:blipFill>
         <p:spPr>
           <a:xfrm>
-            <a:off x="1818035" y="1200150"/>
-            <a:ext cx="5507929" cy="3394075"/>
+            <a:off x="1778415" y="1200150"/>
+            <a:ext cx="5587169" cy="3394075"/>
           </a:xfrm>
         </p:spPr>
       </p:pic>
     </p:spTree>
     <p:extLst>
       <p:ext uri="{BB962C8B-B14F-4D97-AF65-F5344CB8AC3E}">
-        <p14:creationId xmlns:p14="http://schemas.microsoft.com/office/powerpoint/2010/main" val="3790466691"/>
+        <p14:creationId xmlns:p14="http://schemas.microsoft.com/office/powerpoint/2010/main" val="2882914638"/>
       </p:ext>
     </p:extLst>
   </p:cSld>
@@ -4175,7 +8261,7 @@
           <p:cNvPr id="2" name="Title 1">
             <a:extLst>
               <a:ext uri="{FF2B5EF4-FFF2-40B4-BE49-F238E27FC236}">
-                <a16:creationId xmlns:a16="http://schemas.microsoft.com/office/drawing/2014/main" id="{5878F9D7-8020-7245-4B9E-01D1B5CDD7AE}"/>
+                <a16:creationId xmlns:a16="http://schemas.microsoft.com/office/drawing/2014/main" id="{26896BA4-8BFF-AB45-84EA-418B75546F36}"/>
               </a:ext>
             </a:extLst>
           </p:cNvPr>
@@ -4186,29 +8272,24 @@
             <p:ph type="title"/>
           </p:nvPr>
         </p:nvSpPr>
-        <p:spPr>
-          <a:xfrm>
-            <a:off x="457200" y="205978"/>
-            <a:ext cx="8229600" cy="994171"/>
-          </a:xfrm>
-        </p:spPr>
+        <p:spPr/>
         <p:txBody>
           <a:bodyPr/>
           <a:lstStyle/>
           <a:p>
             <a:r>
               <a:rPr lang="en-US" dirty="0"/>
-              <a:t>Greater Houston Area Vacancy Lengths in Days</a:t>
+              <a:t>El Paso Vacancy Lengths in Days</a:t>
             </a:r>
           </a:p>
         </p:txBody>
       </p:sp>
       <p:pic>
         <p:nvPicPr>
-          <p:cNvPr id="9" name="Content Placeholder 8">
-            <a:extLst>
-              <a:ext uri="{FF2B5EF4-FFF2-40B4-BE49-F238E27FC236}">
-                <a16:creationId xmlns:a16="http://schemas.microsoft.com/office/drawing/2014/main" id="{D803710D-484C-D62A-3392-5E71A9A59F7F}"/>
+          <p:cNvPr id="5" name="Content Placeholder 4">
+            <a:extLst>
+              <a:ext uri="{FF2B5EF4-FFF2-40B4-BE49-F238E27FC236}">
+                <a16:creationId xmlns:a16="http://schemas.microsoft.com/office/drawing/2014/main" id="{9C77C0F8-9F4F-7BAB-639B-008509E2B066}"/>
               </a:ext>
             </a:extLst>
           </p:cNvPr>
@@ -4227,15 +8308,15 @@
         </p:blipFill>
         <p:spPr>
           <a:xfrm>
-            <a:off x="1464848" y="1372537"/>
-            <a:ext cx="5749607" cy="3394075"/>
+            <a:off x="1818035" y="1200150"/>
+            <a:ext cx="5507929" cy="3394075"/>
           </a:xfrm>
         </p:spPr>
       </p:pic>
     </p:spTree>
     <p:extLst>
       <p:ext uri="{BB962C8B-B14F-4D97-AF65-F5344CB8AC3E}">
-        <p14:creationId xmlns:p14="http://schemas.microsoft.com/office/powerpoint/2010/main" val="1289593336"/>
+        <p14:creationId xmlns:p14="http://schemas.microsoft.com/office/powerpoint/2010/main" val="3790466691"/>
       </p:ext>
     </p:extLst>
   </p:cSld>

--- a/graphs/Staffing_Part1_23-24_preliminary_report.pptx
+++ b/graphs/Staffing_Part1_23-24_preliminary_report.pptx
@@ -5,10 +5,10 @@
     <p:sldMasterId id="2147483653" r:id="rId4"/>
   </p:sldMasterIdLst>
   <p:notesMasterIdLst>
-    <p:notesMasterId r:id="rId62"/>
+    <p:notesMasterId r:id="rId72"/>
   </p:notesMasterIdLst>
   <p:handoutMasterIdLst>
-    <p:handoutMasterId r:id="rId63"/>
+    <p:handoutMasterId r:id="rId73"/>
   </p:handoutMasterIdLst>
   <p:sldIdLst>
     <p:sldId id="256" r:id="rId5"/>
@@ -32,58 +32,68 @@
     <p:sldId id="369" r:id="rId23"/>
     <p:sldId id="358" r:id="rId24"/>
     <p:sldId id="362" r:id="rId25"/>
-    <p:sldId id="366" r:id="rId26"/>
-    <p:sldId id="367" r:id="rId27"/>
-    <p:sldId id="372" r:id="rId28"/>
-    <p:sldId id="371" r:id="rId29"/>
-    <p:sldId id="382" r:id="rId30"/>
-    <p:sldId id="381" r:id="rId31"/>
-    <p:sldId id="388" r:id="rId32"/>
-    <p:sldId id="392" r:id="rId33"/>
-    <p:sldId id="400" r:id="rId34"/>
-    <p:sldId id="396" r:id="rId35"/>
-    <p:sldId id="397" r:id="rId36"/>
-    <p:sldId id="398" r:id="rId37"/>
-    <p:sldId id="399" r:id="rId38"/>
-    <p:sldId id="390" r:id="rId39"/>
-    <p:sldId id="393" r:id="rId40"/>
-    <p:sldId id="345" r:id="rId41"/>
-    <p:sldId id="375" r:id="rId42"/>
-    <p:sldId id="340" r:id="rId43"/>
-    <p:sldId id="348" r:id="rId44"/>
-    <p:sldId id="341" r:id="rId45"/>
-    <p:sldId id="365" r:id="rId46"/>
-    <p:sldId id="374" r:id="rId47"/>
-    <p:sldId id="376" r:id="rId48"/>
-    <p:sldId id="377" r:id="rId49"/>
-    <p:sldId id="378" r:id="rId50"/>
-    <p:sldId id="379" r:id="rId51"/>
-    <p:sldId id="380" r:id="rId52"/>
-    <p:sldId id="383" r:id="rId53"/>
-    <p:sldId id="384" r:id="rId54"/>
-    <p:sldId id="385" r:id="rId55"/>
-    <p:sldId id="386" r:id="rId56"/>
-    <p:sldId id="394" r:id="rId57"/>
-    <p:sldId id="387" r:id="rId58"/>
-    <p:sldId id="395" r:id="rId59"/>
-    <p:sldId id="401" r:id="rId60"/>
-    <p:sldId id="361" r:id="rId61"/>
+    <p:sldId id="372" r:id="rId26"/>
+    <p:sldId id="371" r:id="rId27"/>
+    <p:sldId id="382" r:id="rId28"/>
+    <p:sldId id="381" r:id="rId29"/>
+    <p:sldId id="388" r:id="rId30"/>
+    <p:sldId id="392" r:id="rId31"/>
+    <p:sldId id="400" r:id="rId32"/>
+    <p:sldId id="396" r:id="rId33"/>
+    <p:sldId id="397" r:id="rId34"/>
+    <p:sldId id="398" r:id="rId35"/>
+    <p:sldId id="399" r:id="rId36"/>
+    <p:sldId id="390" r:id="rId37"/>
+    <p:sldId id="393" r:id="rId38"/>
+    <p:sldId id="345" r:id="rId39"/>
+    <p:sldId id="375" r:id="rId40"/>
+    <p:sldId id="340" r:id="rId41"/>
+    <p:sldId id="402" r:id="rId42"/>
+    <p:sldId id="403" r:id="rId43"/>
+    <p:sldId id="405" r:id="rId44"/>
+    <p:sldId id="406" r:id="rId45"/>
+    <p:sldId id="409" r:id="rId46"/>
+    <p:sldId id="412" r:id="rId47"/>
+    <p:sldId id="410" r:id="rId48"/>
+    <p:sldId id="407" r:id="rId49"/>
+    <p:sldId id="408" r:id="rId50"/>
+    <p:sldId id="413" r:id="rId51"/>
+    <p:sldId id="348" r:id="rId52"/>
+    <p:sldId id="341" r:id="rId53"/>
+    <p:sldId id="365" r:id="rId54"/>
+    <p:sldId id="366" r:id="rId55"/>
+    <p:sldId id="367" r:id="rId56"/>
+    <p:sldId id="376" r:id="rId57"/>
+    <p:sldId id="374" r:id="rId58"/>
+    <p:sldId id="377" r:id="rId59"/>
+    <p:sldId id="378" r:id="rId60"/>
+    <p:sldId id="379" r:id="rId61"/>
+    <p:sldId id="380" r:id="rId62"/>
+    <p:sldId id="383" r:id="rId63"/>
+    <p:sldId id="384" r:id="rId64"/>
+    <p:sldId id="385" r:id="rId65"/>
+    <p:sldId id="386" r:id="rId66"/>
+    <p:sldId id="394" r:id="rId67"/>
+    <p:sldId id="387" r:id="rId68"/>
+    <p:sldId id="395" r:id="rId69"/>
+    <p:sldId id="401" r:id="rId70"/>
+    <p:sldId id="361" r:id="rId71"/>
   </p:sldIdLst>
   <p:sldSz cx="9144000" cy="5143500" type="screen16x9"/>
   <p:notesSz cx="6858000" cy="9144000"/>
   <p:embeddedFontLst>
     <p:embeddedFont>
       <p:font typeface="Proxima Nova" panose="02000506030000020004" pitchFamily="2" charset="0"/>
-      <p:regular r:id="rId64"/>
-      <p:bold r:id="rId65"/>
-      <p:italic r:id="rId66"/>
-      <p:boldItalic r:id="rId67"/>
+      <p:regular r:id="rId74"/>
+      <p:bold r:id="rId75"/>
+      <p:italic r:id="rId76"/>
+      <p:boldItalic r:id="rId77"/>
     </p:embeddedFont>
     <p:embeddedFont>
       <p:font typeface="Proxima Nova Extrabold" panose="02000506030000020004" pitchFamily="2" charset="0"/>
-      <p:bold r:id="rId68"/>
-      <p:italic r:id="rId69"/>
-      <p:boldItalic r:id="rId70"/>
+      <p:bold r:id="rId78"/>
+      <p:italic r:id="rId79"/>
+      <p:boldItalic r:id="rId80"/>
     </p:embeddedFont>
   </p:embeddedFontLst>
   <p:defaultTextStyle>
@@ -207,8 +217,6 @@
             <p14:sldId id="369"/>
             <p14:sldId id="358"/>
             <p14:sldId id="362"/>
-            <p14:sldId id="366"/>
-            <p14:sldId id="367"/>
             <p14:sldId id="372"/>
             <p14:sldId id="371"/>
             <p14:sldId id="382"/>
@@ -225,11 +233,23 @@
             <p14:sldId id="345"/>
             <p14:sldId id="375"/>
             <p14:sldId id="340"/>
+            <p14:sldId id="402"/>
+            <p14:sldId id="403"/>
+            <p14:sldId id="405"/>
+            <p14:sldId id="406"/>
+            <p14:sldId id="409"/>
+            <p14:sldId id="412"/>
+            <p14:sldId id="410"/>
+            <p14:sldId id="407"/>
+            <p14:sldId id="408"/>
+            <p14:sldId id="413"/>
             <p14:sldId id="348"/>
             <p14:sldId id="341"/>
             <p14:sldId id="365"/>
+            <p14:sldId id="366"/>
+            <p14:sldId id="367"/>
+            <p14:sldId id="376"/>
             <p14:sldId id="374"/>
-            <p14:sldId id="376"/>
             <p14:sldId id="377"/>
             <p14:sldId id="378"/>
             <p14:sldId id="379"/>
@@ -3472,7 +3492,7 @@
           <p:cNvPr id="2" name="Title 1">
             <a:extLst>
               <a:ext uri="{FF2B5EF4-FFF2-40B4-BE49-F238E27FC236}">
-                <a16:creationId xmlns:a16="http://schemas.microsoft.com/office/drawing/2014/main" id="{3F0DA002-1E78-DF3A-C6B6-4C57AE820B91}"/>
+                <a16:creationId xmlns:a16="http://schemas.microsoft.com/office/drawing/2014/main" id="{871C6B0C-DD4A-5277-EC14-D85F43798E65}"/>
               </a:ext>
             </a:extLst>
           </p:cNvPr>
@@ -3483,26 +3503,14 @@
             <p:ph type="title"/>
           </p:nvPr>
         </p:nvSpPr>
-        <p:spPr>
-          <a:xfrm>
-            <a:off x="457200" y="120650"/>
-            <a:ext cx="8229600" cy="857250"/>
-          </a:xfrm>
-        </p:spPr>
+        <p:spPr/>
         <p:txBody>
           <a:bodyPr/>
           <a:lstStyle/>
           <a:p>
             <a:r>
-              <a:rPr lang="en-US" sz="2400" dirty="0"/>
-              <a:t>Median, Mean, and SD by Campus</a:t>
-            </a:r>
-            <a:br>
-              <a:rPr lang="en-US" sz="2400" dirty="0"/>
-            </a:br>
-            <a:r>
-              <a:rPr lang="en-US" sz="2400" dirty="0"/>
-              <a:t>for Teacher Leave from FMLA (in Days) – Part 1</a:t>
+              <a:rPr lang="en-US" dirty="0"/>
+              <a:t>Summary Statistics for Vacancies After Grouping by Campus </a:t>
             </a:r>
           </a:p>
         </p:txBody>
@@ -3512,7 +3520,7 @@
           <p:cNvPr id="5" name="Content Placeholder 4">
             <a:extLst>
               <a:ext uri="{FF2B5EF4-FFF2-40B4-BE49-F238E27FC236}">
-                <a16:creationId xmlns:a16="http://schemas.microsoft.com/office/drawing/2014/main" id="{B564F7C4-2B5C-04AC-60A0-453766EF40D6}"/>
+                <a16:creationId xmlns:a16="http://schemas.microsoft.com/office/drawing/2014/main" id="{1CD498F5-A3F6-5C51-E17D-3D12B02C015B}"/>
               </a:ext>
             </a:extLst>
           </p:cNvPr>
@@ -3531,15 +3539,15 @@
         </p:blipFill>
         <p:spPr>
           <a:xfrm>
-            <a:off x="1734738" y="977900"/>
-            <a:ext cx="5420442" cy="3927773"/>
+            <a:off x="1062646" y="2075224"/>
+            <a:ext cx="6805251" cy="857250"/>
           </a:xfrm>
         </p:spPr>
       </p:pic>
     </p:spTree>
     <p:extLst>
       <p:ext uri="{BB962C8B-B14F-4D97-AF65-F5344CB8AC3E}">
-        <p14:creationId xmlns:p14="http://schemas.microsoft.com/office/powerpoint/2010/main" val="1162580884"/>
+        <p14:creationId xmlns:p14="http://schemas.microsoft.com/office/powerpoint/2010/main" val="76242600"/>
       </p:ext>
     </p:extLst>
   </p:cSld>
@@ -3571,7 +3579,7 @@
           <p:cNvPr id="2" name="Title 1">
             <a:extLst>
               <a:ext uri="{FF2B5EF4-FFF2-40B4-BE49-F238E27FC236}">
-                <a16:creationId xmlns:a16="http://schemas.microsoft.com/office/drawing/2014/main" id="{3F0DA002-1E78-DF3A-C6B6-4C57AE820B91}"/>
+                <a16:creationId xmlns:a16="http://schemas.microsoft.com/office/drawing/2014/main" id="{52679B77-58AA-91AE-04A1-298ACFE63D09}"/>
               </a:ext>
             </a:extLst>
           </p:cNvPr>
@@ -3584,7 +3592,7 @@
         </p:nvSpPr>
         <p:spPr>
           <a:xfrm>
-            <a:off x="457200" y="84059"/>
+            <a:off x="457199" y="122159"/>
             <a:ext cx="8229600" cy="857250"/>
           </a:xfrm>
         </p:spPr>
@@ -3593,25 +3601,25 @@
           <a:lstStyle/>
           <a:p>
             <a:r>
-              <a:rPr lang="en-US" sz="2400" dirty="0"/>
-              <a:t>Median, Mean, and SD by Campus</a:t>
+              <a:rPr lang="en-US" sz="3200" dirty="0"/>
+              <a:t>Number of Staffing Vacancies </a:t>
             </a:r>
             <a:br>
-              <a:rPr lang="en-US" sz="2400" dirty="0"/>
+              <a:rPr lang="en-US" sz="3200" dirty="0"/>
             </a:br>
             <a:r>
-              <a:rPr lang="en-US" sz="2400" dirty="0"/>
-              <a:t>for Teacher Leave from FMLA (in Days) – Part 2</a:t>
+              <a:rPr lang="en-US" sz="3200" dirty="0"/>
+              <a:t>Varied by Campus </a:t>
             </a:r>
           </a:p>
         </p:txBody>
       </p:sp>
       <p:pic>
         <p:nvPicPr>
-          <p:cNvPr id="6" name="Content Placeholder 5">
-            <a:extLst>
-              <a:ext uri="{FF2B5EF4-FFF2-40B4-BE49-F238E27FC236}">
-                <a16:creationId xmlns:a16="http://schemas.microsoft.com/office/drawing/2014/main" id="{23DB210D-01A1-25E3-86BE-8C14894F3223}"/>
+          <p:cNvPr id="7" name="Content Placeholder 4">
+            <a:extLst>
+              <a:ext uri="{FF2B5EF4-FFF2-40B4-BE49-F238E27FC236}">
+                <a16:creationId xmlns:a16="http://schemas.microsoft.com/office/drawing/2014/main" id="{918EB846-EE1C-9721-55B8-C3C391A6FA22}"/>
               </a:ext>
             </a:extLst>
           </p:cNvPr>
@@ -3630,15 +3638,75 @@
         </p:blipFill>
         <p:spPr>
           <a:xfrm>
-            <a:off x="1618356" y="1035104"/>
-            <a:ext cx="5475864" cy="3863922"/>
-          </a:xfrm>
+            <a:off x="110438" y="1169670"/>
+            <a:ext cx="2755710" cy="3446558"/>
+          </a:xfrm>
+        </p:spPr>
+      </p:pic>
+      <p:pic>
+        <p:nvPicPr>
+          <p:cNvPr id="9" name="Picture 8">
+            <a:extLst>
+              <a:ext uri="{FF2B5EF4-FFF2-40B4-BE49-F238E27FC236}">
+                <a16:creationId xmlns:a16="http://schemas.microsoft.com/office/drawing/2014/main" id="{F9A0FB2A-F2F0-7EB0-AEE9-C7AD18BC018F}"/>
+              </a:ext>
+            </a:extLst>
+          </p:cNvPr>
+          <p:cNvPicPr>
+            <a:picLocks noChangeAspect="1"/>
+          </p:cNvPicPr>
+          <p:nvPr/>
+        </p:nvPicPr>
+        <p:blipFill>
+          <a:blip r:embed="rId3"/>
+          <a:stretch>
+            <a:fillRect/>
+          </a:stretch>
+        </p:blipFill>
+        <p:spPr>
+          <a:xfrm>
+            <a:off x="3121140" y="1169670"/>
+            <a:ext cx="2771063" cy="3446558"/>
+          </a:xfrm>
+          <a:prstGeom prst="rect">
+            <a:avLst/>
+          </a:prstGeom>
+        </p:spPr>
+      </p:pic>
+      <p:pic>
+        <p:nvPicPr>
+          <p:cNvPr id="11" name="Picture 10">
+            <a:extLst>
+              <a:ext uri="{FF2B5EF4-FFF2-40B4-BE49-F238E27FC236}">
+                <a16:creationId xmlns:a16="http://schemas.microsoft.com/office/drawing/2014/main" id="{6EDCB488-BE41-58D9-663D-6832506DAE11}"/>
+              </a:ext>
+            </a:extLst>
+          </p:cNvPr>
+          <p:cNvPicPr>
+            <a:picLocks noChangeAspect="1"/>
+          </p:cNvPicPr>
+          <p:nvPr/>
+        </p:nvPicPr>
+        <p:blipFill>
+          <a:blip r:embed="rId4"/>
+          <a:stretch>
+            <a:fillRect/>
+          </a:stretch>
+        </p:blipFill>
+        <p:spPr>
+          <a:xfrm>
+            <a:off x="6147195" y="1169670"/>
+            <a:ext cx="2772564" cy="3446558"/>
+          </a:xfrm>
+          <a:prstGeom prst="rect">
+            <a:avLst/>
+          </a:prstGeom>
         </p:spPr>
       </p:pic>
     </p:spTree>
     <p:extLst>
       <p:ext uri="{BB962C8B-B14F-4D97-AF65-F5344CB8AC3E}">
-        <p14:creationId xmlns:p14="http://schemas.microsoft.com/office/powerpoint/2010/main" val="2856569222"/>
+        <p14:creationId xmlns:p14="http://schemas.microsoft.com/office/powerpoint/2010/main" val="3024046216"/>
       </p:ext>
     </p:extLst>
   </p:cSld>
@@ -3670,7 +3738,7 @@
           <p:cNvPr id="2" name="Title 1">
             <a:extLst>
               <a:ext uri="{FF2B5EF4-FFF2-40B4-BE49-F238E27FC236}">
-                <a16:creationId xmlns:a16="http://schemas.microsoft.com/office/drawing/2014/main" id="{871C6B0C-DD4A-5277-EC14-D85F43798E65}"/>
+                <a16:creationId xmlns:a16="http://schemas.microsoft.com/office/drawing/2014/main" id="{A407967A-F0EC-4346-307A-3E17D0C4A4EB}"/>
               </a:ext>
             </a:extLst>
           </p:cNvPr>
@@ -3688,44 +3756,90 @@
           <a:p>
             <a:r>
               <a:rPr lang="en-US" dirty="0"/>
-              <a:t>Summary Statistics for Vacancies After Grouping by Campus </a:t>
-            </a:r>
-          </a:p>
-        </p:txBody>
-      </p:sp>
-      <p:pic>
-        <p:nvPicPr>
-          <p:cNvPr id="5" name="Content Placeholder 4">
-            <a:extLst>
-              <a:ext uri="{FF2B5EF4-FFF2-40B4-BE49-F238E27FC236}">
-                <a16:creationId xmlns:a16="http://schemas.microsoft.com/office/drawing/2014/main" id="{1CD498F5-A3F6-5C51-E17D-3D12B02C015B}"/>
-              </a:ext>
-            </a:extLst>
-          </p:cNvPr>
-          <p:cNvPicPr>
-            <a:picLocks noGrp="1" noChangeAspect="1"/>
-          </p:cNvPicPr>
+              <a:t>Vacancy: </a:t>
+            </a:r>
+            <a:r>
+              <a:rPr lang="en-US" u="sng" dirty="0"/>
+              <a:t>Subject</a:t>
+            </a:r>
+          </a:p>
+        </p:txBody>
+      </p:sp>
+      <p:sp>
+        <p:nvSpPr>
+          <p:cNvPr id="3" name="Content Placeholder 2">
+            <a:extLst>
+              <a:ext uri="{FF2B5EF4-FFF2-40B4-BE49-F238E27FC236}">
+                <a16:creationId xmlns:a16="http://schemas.microsoft.com/office/drawing/2014/main" id="{9FAFC360-21DE-2CE8-8D8A-09A7655F010B}"/>
+              </a:ext>
+            </a:extLst>
+          </p:cNvPr>
+          <p:cNvSpPr>
+            <a:spLocks noGrp="1"/>
+          </p:cNvSpPr>
           <p:nvPr>
             <p:ph idx="1"/>
           </p:nvPr>
-        </p:nvPicPr>
-        <p:blipFill>
-          <a:blip r:embed="rId2"/>
-          <a:stretch>
-            <a:fillRect/>
-          </a:stretch>
-        </p:blipFill>
-        <p:spPr>
-          <a:xfrm>
-            <a:off x="1062646" y="2075224"/>
-            <a:ext cx="6805251" cy="857250"/>
-          </a:xfrm>
-        </p:spPr>
-      </p:pic>
+        </p:nvSpPr>
+        <p:spPr/>
+        <p:txBody>
+          <a:bodyPr>
+            <a:normAutofit/>
+          </a:bodyPr>
+          <a:lstStyle/>
+          <a:p>
+            <a:r>
+              <a:rPr lang="en-US" b="1" u="sng" dirty="0"/>
+              <a:t>Includes four subjects:</a:t>
+            </a:r>
+          </a:p>
+          <a:p>
+            <a:pPr lvl="1">
+              <a:buFont typeface="Arial" panose="020B0604020202020204" pitchFamily="34" charset="0"/>
+              <a:buChar char="•"/>
+            </a:pPr>
+            <a:r>
+              <a:rPr lang="en-US" dirty="0"/>
+              <a:t>Math</a:t>
+            </a:r>
+          </a:p>
+          <a:p>
+            <a:pPr lvl="1">
+              <a:buFont typeface="Arial" panose="020B0604020202020204" pitchFamily="34" charset="0"/>
+              <a:buChar char="•"/>
+            </a:pPr>
+            <a:r>
+              <a:rPr lang="en-US" dirty="0"/>
+              <a:t>English Language Arts</a:t>
+            </a:r>
+          </a:p>
+          <a:p>
+            <a:pPr lvl="1">
+              <a:buFont typeface="Arial" panose="020B0604020202020204" pitchFamily="34" charset="0"/>
+              <a:buChar char="•"/>
+            </a:pPr>
+            <a:r>
+              <a:rPr lang="en-US" dirty="0"/>
+              <a:t>Science</a:t>
+            </a:r>
+          </a:p>
+          <a:p>
+            <a:pPr lvl="1">
+              <a:buFont typeface="Arial" panose="020B0604020202020204" pitchFamily="34" charset="0"/>
+              <a:buChar char="•"/>
+            </a:pPr>
+            <a:r>
+              <a:rPr lang="en-US" dirty="0"/>
+              <a:t>Social Studies</a:t>
+            </a:r>
+            <a:endParaRPr lang="en-US" b="1" u="sng" dirty="0"/>
+          </a:p>
+        </p:txBody>
+      </p:sp>
     </p:spTree>
     <p:extLst>
       <p:ext uri="{BB962C8B-B14F-4D97-AF65-F5344CB8AC3E}">
-        <p14:creationId xmlns:p14="http://schemas.microsoft.com/office/powerpoint/2010/main" val="76242600"/>
+        <p14:creationId xmlns:p14="http://schemas.microsoft.com/office/powerpoint/2010/main" val="3522499391"/>
       </p:ext>
     </p:extLst>
   </p:cSld>
@@ -3757,7 +3871,7 @@
           <p:cNvPr id="2" name="Title 1">
             <a:extLst>
               <a:ext uri="{FF2B5EF4-FFF2-40B4-BE49-F238E27FC236}">
-                <a16:creationId xmlns:a16="http://schemas.microsoft.com/office/drawing/2014/main" id="{52679B77-58AA-91AE-04A1-298ACFE63D09}"/>
+                <a16:creationId xmlns:a16="http://schemas.microsoft.com/office/drawing/2014/main" id="{2F7DD7AD-76ED-80DA-5738-5290E4C9FCAD}"/>
               </a:ext>
             </a:extLst>
           </p:cNvPr>
@@ -3770,8 +3884,8 @@
         </p:nvSpPr>
         <p:spPr>
           <a:xfrm>
-            <a:off x="457199" y="122159"/>
-            <a:ext cx="8229600" cy="857250"/>
+            <a:off x="289560" y="205979"/>
+            <a:ext cx="8397240" cy="857250"/>
           </a:xfrm>
         </p:spPr>
         <p:txBody>
@@ -3779,25 +3893,18 @@
           <a:lstStyle/>
           <a:p>
             <a:r>
-              <a:rPr lang="en-US" sz="3200" dirty="0"/>
-              <a:t>Number of Staffing Vacancies </a:t>
-            </a:r>
-            <a:br>
-              <a:rPr lang="en-US" sz="3200" dirty="0"/>
-            </a:br>
-            <a:r>
-              <a:rPr lang="en-US" sz="3200" dirty="0"/>
-              <a:t>Varied by Campus </a:t>
+              <a:rPr lang="en-US" dirty="0"/>
+              <a:t>Summary Statistics for Vacancy Length in Days by Subject</a:t>
             </a:r>
           </a:p>
         </p:txBody>
       </p:sp>
       <p:pic>
         <p:nvPicPr>
-          <p:cNvPr id="7" name="Content Placeholder 4">
-            <a:extLst>
-              <a:ext uri="{FF2B5EF4-FFF2-40B4-BE49-F238E27FC236}">
-                <a16:creationId xmlns:a16="http://schemas.microsoft.com/office/drawing/2014/main" id="{918EB846-EE1C-9721-55B8-C3C391A6FA22}"/>
+          <p:cNvPr id="5" name="Content Placeholder 4">
+            <a:extLst>
+              <a:ext uri="{FF2B5EF4-FFF2-40B4-BE49-F238E27FC236}">
+                <a16:creationId xmlns:a16="http://schemas.microsoft.com/office/drawing/2014/main" id="{A7E613AA-95A0-E540-DAAE-1E6A18B3A67E}"/>
               </a:ext>
             </a:extLst>
           </p:cNvPr>
@@ -3816,75 +3923,54 @@
         </p:blipFill>
         <p:spPr>
           <a:xfrm>
-            <a:off x="110438" y="1169670"/>
-            <a:ext cx="2755710" cy="3446558"/>
+            <a:off x="746731" y="1737479"/>
+            <a:ext cx="7650538" cy="1226581"/>
           </a:xfrm>
         </p:spPr>
       </p:pic>
-      <p:pic>
-        <p:nvPicPr>
-          <p:cNvPr id="9" name="Picture 8">
-            <a:extLst>
-              <a:ext uri="{FF2B5EF4-FFF2-40B4-BE49-F238E27FC236}">
-                <a16:creationId xmlns:a16="http://schemas.microsoft.com/office/drawing/2014/main" id="{F9A0FB2A-F2F0-7EB0-AEE9-C7AD18BC018F}"/>
-              </a:ext>
-            </a:extLst>
-          </p:cNvPr>
-          <p:cNvPicPr>
-            <a:picLocks noChangeAspect="1"/>
-          </p:cNvPicPr>
+      <p:sp>
+        <p:nvSpPr>
+          <p:cNvPr id="6" name="TextBox 5">
+            <a:extLst>
+              <a:ext uri="{FF2B5EF4-FFF2-40B4-BE49-F238E27FC236}">
+                <a16:creationId xmlns:a16="http://schemas.microsoft.com/office/drawing/2014/main" id="{E910A2DA-4856-EB80-D49B-6CD61F31E2FF}"/>
+              </a:ext>
+            </a:extLst>
+          </p:cNvPr>
+          <p:cNvSpPr txBox="1"/>
           <p:nvPr/>
-        </p:nvPicPr>
-        <p:blipFill>
-          <a:blip r:embed="rId3"/>
-          <a:stretch>
-            <a:fillRect/>
-          </a:stretch>
-        </p:blipFill>
-        <p:spPr>
-          <a:xfrm>
-            <a:off x="3121140" y="1169670"/>
-            <a:ext cx="2771063" cy="3446558"/>
+        </p:nvSpPr>
+        <p:spPr>
+          <a:xfrm>
+            <a:off x="746731" y="3535560"/>
+            <a:ext cx="5913119" cy="1169551"/>
           </a:xfrm>
           <a:prstGeom prst="rect">
             <a:avLst/>
           </a:prstGeom>
-        </p:spPr>
-      </p:pic>
-      <p:pic>
-        <p:nvPicPr>
-          <p:cNvPr id="11" name="Picture 10">
-            <a:extLst>
-              <a:ext uri="{FF2B5EF4-FFF2-40B4-BE49-F238E27FC236}">
-                <a16:creationId xmlns:a16="http://schemas.microsoft.com/office/drawing/2014/main" id="{6EDCB488-BE41-58D9-663D-6832506DAE11}"/>
-              </a:ext>
-            </a:extLst>
-          </p:cNvPr>
-          <p:cNvPicPr>
-            <a:picLocks noChangeAspect="1"/>
-          </p:cNvPicPr>
-          <p:nvPr/>
-        </p:nvPicPr>
-        <p:blipFill>
-          <a:blip r:embed="rId4"/>
-          <a:stretch>
-            <a:fillRect/>
-          </a:stretch>
-        </p:blipFill>
-        <p:spPr>
-          <a:xfrm>
-            <a:off x="6147195" y="1169670"/>
-            <a:ext cx="2772564" cy="3446558"/>
-          </a:xfrm>
-          <a:prstGeom prst="rect">
-            <a:avLst/>
-          </a:prstGeom>
-        </p:spPr>
-      </p:pic>
+          <a:noFill/>
+        </p:spPr>
+        <p:txBody>
+          <a:bodyPr wrap="square" rtlCol="0">
+            <a:spAutoFit/>
+          </a:bodyPr>
+          <a:lstStyle/>
+          <a:p>
+            <a:r>
+              <a:rPr lang="en-US" sz="1400" dirty="0">
+                <a:solidFill>
+                  <a:srgbClr val="2007B9"/>
+                </a:solidFill>
+              </a:rPr>
+              <a:t>The highest median vacancy length was Math at 34 days, and the lowest median was Science at 32 days. The largest mean vacancy length was for English Language Arts (60.2 days) and the lowest was for Social Studies (47.5). The largest standard deviation for vacancy length was for English Language Arts (53.0), and the lowest was for Science (42.1 days).</a:t>
+            </a:r>
+          </a:p>
+        </p:txBody>
+      </p:sp>
     </p:spTree>
     <p:extLst>
       <p:ext uri="{BB962C8B-B14F-4D97-AF65-F5344CB8AC3E}">
-        <p14:creationId xmlns:p14="http://schemas.microsoft.com/office/powerpoint/2010/main" val="3024046216"/>
+        <p14:creationId xmlns:p14="http://schemas.microsoft.com/office/powerpoint/2010/main" val="2342478317"/>
       </p:ext>
     </p:extLst>
   </p:cSld>
@@ -3916,7 +4002,7 @@
           <p:cNvPr id="2" name="Title 1">
             <a:extLst>
               <a:ext uri="{FF2B5EF4-FFF2-40B4-BE49-F238E27FC236}">
-                <a16:creationId xmlns:a16="http://schemas.microsoft.com/office/drawing/2014/main" id="{A407967A-F0EC-4346-307A-3E17D0C4A4EB}"/>
+                <a16:creationId xmlns:a16="http://schemas.microsoft.com/office/drawing/2014/main" id="{36E7FD49-1846-B31A-DF1D-E805015F4FFC}"/>
               </a:ext>
             </a:extLst>
           </p:cNvPr>
@@ -3934,90 +4020,83 @@
           <a:p>
             <a:r>
               <a:rPr lang="en-US" dirty="0"/>
-              <a:t>Vacancy: </a:t>
-            </a:r>
-            <a:r>
-              <a:rPr lang="en-US" u="sng" dirty="0"/>
-              <a:t>Subject</a:t>
-            </a:r>
-          </a:p>
-        </p:txBody>
-      </p:sp>
-      <p:sp>
-        <p:nvSpPr>
-          <p:cNvPr id="3" name="Content Placeholder 2">
-            <a:extLst>
-              <a:ext uri="{FF2B5EF4-FFF2-40B4-BE49-F238E27FC236}">
-                <a16:creationId xmlns:a16="http://schemas.microsoft.com/office/drawing/2014/main" id="{9FAFC360-21DE-2CE8-8D8A-09A7655F010B}"/>
-              </a:ext>
-            </a:extLst>
-          </p:cNvPr>
-          <p:cNvSpPr>
-            <a:spLocks noGrp="1"/>
-          </p:cNvSpPr>
-          <p:nvPr>
-            <p:ph idx="1"/>
-          </p:nvPr>
-        </p:nvSpPr>
-        <p:spPr/>
-        <p:txBody>
-          <a:bodyPr>
-            <a:normAutofit/>
+              <a:t>Number of Staffing Vacancies Varied by Subject</a:t>
+            </a:r>
+          </a:p>
+        </p:txBody>
+      </p:sp>
+      <p:sp>
+        <p:nvSpPr>
+          <p:cNvPr id="6" name="TextBox 5">
+            <a:extLst>
+              <a:ext uri="{FF2B5EF4-FFF2-40B4-BE49-F238E27FC236}">
+                <a16:creationId xmlns:a16="http://schemas.microsoft.com/office/drawing/2014/main" id="{64D833D9-E13B-775D-A977-9C7C3BFC2EEC}"/>
+              </a:ext>
+            </a:extLst>
+          </p:cNvPr>
+          <p:cNvSpPr txBox="1"/>
+          <p:nvPr/>
+        </p:nvSpPr>
+        <p:spPr>
+          <a:xfrm>
+            <a:off x="2362200" y="3714511"/>
+            <a:ext cx="4781393" cy="738664"/>
+          </a:xfrm>
+          <a:prstGeom prst="rect">
+            <a:avLst/>
+          </a:prstGeom>
+          <a:noFill/>
+        </p:spPr>
+        <p:txBody>
+          <a:bodyPr wrap="square" rtlCol="0">
+            <a:spAutoFit/>
           </a:bodyPr>
           <a:lstStyle/>
           <a:p>
             <a:r>
-              <a:rPr lang="en-US" b="1" u="sng" dirty="0"/>
-              <a:t>Includes four subjects:</a:t>
-            </a:r>
-          </a:p>
-          <a:p>
-            <a:pPr lvl="1">
-              <a:buFont typeface="Arial" panose="020B0604020202020204" pitchFamily="34" charset="0"/>
-              <a:buChar char="•"/>
-            </a:pPr>
-            <a:r>
-              <a:rPr lang="en-US" dirty="0"/>
-              <a:t>Math</a:t>
-            </a:r>
-          </a:p>
-          <a:p>
-            <a:pPr lvl="1">
-              <a:buFont typeface="Arial" panose="020B0604020202020204" pitchFamily="34" charset="0"/>
-              <a:buChar char="•"/>
-            </a:pPr>
-            <a:r>
-              <a:rPr lang="en-US" dirty="0"/>
-              <a:t>English Language Arts</a:t>
-            </a:r>
-          </a:p>
-          <a:p>
-            <a:pPr lvl="1">
-              <a:buFont typeface="Arial" panose="020B0604020202020204" pitchFamily="34" charset="0"/>
-              <a:buChar char="•"/>
-            </a:pPr>
-            <a:r>
-              <a:rPr lang="en-US" dirty="0"/>
-              <a:t>Science</a:t>
-            </a:r>
-          </a:p>
-          <a:p>
-            <a:pPr lvl="1">
-              <a:buFont typeface="Arial" panose="020B0604020202020204" pitchFamily="34" charset="0"/>
-              <a:buChar char="•"/>
-            </a:pPr>
-            <a:r>
-              <a:rPr lang="en-US" dirty="0"/>
-              <a:t>Social Studies</a:t>
-            </a:r>
-            <a:endParaRPr lang="en-US" b="1" u="sng" dirty="0"/>
-          </a:p>
-        </p:txBody>
-      </p:sp>
+              <a:rPr lang="en-US" sz="1400" dirty="0">
+                <a:solidFill>
+                  <a:srgbClr val="2007B9"/>
+                </a:solidFill>
+              </a:rPr>
+              <a:t>English Language Arts had the highest number of staffing vacancies (288) and Science had the lowest number of vacancies at 93.</a:t>
+            </a:r>
+          </a:p>
+        </p:txBody>
+      </p:sp>
+      <p:pic>
+        <p:nvPicPr>
+          <p:cNvPr id="10" name="Content Placeholder 9">
+            <a:extLst>
+              <a:ext uri="{FF2B5EF4-FFF2-40B4-BE49-F238E27FC236}">
+                <a16:creationId xmlns:a16="http://schemas.microsoft.com/office/drawing/2014/main" id="{D4D4D755-E90D-D6E7-1592-FF871C7D704C}"/>
+              </a:ext>
+            </a:extLst>
+          </p:cNvPr>
+          <p:cNvPicPr>
+            <a:picLocks noGrp="1" noChangeAspect="1"/>
+          </p:cNvPicPr>
+          <p:nvPr>
+            <p:ph idx="1"/>
+          </p:nvPr>
+        </p:nvPicPr>
+        <p:blipFill>
+          <a:blip r:embed="rId2"/>
+          <a:stretch>
+            <a:fillRect/>
+          </a:stretch>
+        </p:blipFill>
+        <p:spPr>
+          <a:xfrm>
+            <a:off x="1329383" y="1668780"/>
+            <a:ext cx="6044163" cy="1616157"/>
+          </a:xfrm>
+        </p:spPr>
+      </p:pic>
     </p:spTree>
     <p:extLst>
       <p:ext uri="{BB962C8B-B14F-4D97-AF65-F5344CB8AC3E}">
-        <p14:creationId xmlns:p14="http://schemas.microsoft.com/office/powerpoint/2010/main" val="3522499391"/>
+        <p14:creationId xmlns:p14="http://schemas.microsoft.com/office/powerpoint/2010/main" val="1355635477"/>
       </p:ext>
     </p:extLst>
   </p:cSld>
@@ -4049,7 +4128,7 @@
           <p:cNvPr id="2" name="Title 1">
             <a:extLst>
               <a:ext uri="{FF2B5EF4-FFF2-40B4-BE49-F238E27FC236}">
-                <a16:creationId xmlns:a16="http://schemas.microsoft.com/office/drawing/2014/main" id="{2F7DD7AD-76ED-80DA-5738-5290E4C9FCAD}"/>
+                <a16:creationId xmlns:a16="http://schemas.microsoft.com/office/drawing/2014/main" id="{4A2ACE67-5290-E1A4-19C6-9F06225C0E9E}"/>
               </a:ext>
             </a:extLst>
           </p:cNvPr>
@@ -4060,19 +4139,14 @@
             <p:ph type="title"/>
           </p:nvPr>
         </p:nvSpPr>
-        <p:spPr>
-          <a:xfrm>
-            <a:off x="289560" y="205979"/>
-            <a:ext cx="8397240" cy="857250"/>
-          </a:xfrm>
-        </p:spPr>
+        <p:spPr/>
         <p:txBody>
           <a:bodyPr/>
           <a:lstStyle/>
           <a:p>
             <a:r>
               <a:rPr lang="en-US" dirty="0"/>
-              <a:t>Summary Statistics for Vacancy Length in Days by Subject</a:t>
+              <a:t>Summary Statistics for Number of Vacancies after Grouping by Subject</a:t>
             </a:r>
           </a:p>
         </p:txBody>
@@ -4082,7 +4156,7 @@
           <p:cNvPr id="5" name="Content Placeholder 4">
             <a:extLst>
               <a:ext uri="{FF2B5EF4-FFF2-40B4-BE49-F238E27FC236}">
-                <a16:creationId xmlns:a16="http://schemas.microsoft.com/office/drawing/2014/main" id="{A7E613AA-95A0-E540-DAAE-1E6A18B3A67E}"/>
+                <a16:creationId xmlns:a16="http://schemas.microsoft.com/office/drawing/2014/main" id="{CDEEE186-DF5D-E808-2333-FBD1F50149DE}"/>
               </a:ext>
             </a:extLst>
           </p:cNvPr>
@@ -4101,8 +4175,8 @@
         </p:blipFill>
         <p:spPr>
           <a:xfrm>
-            <a:off x="746731" y="1737479"/>
-            <a:ext cx="7650538" cy="1226581"/>
+            <a:off x="1069257" y="2340017"/>
+            <a:ext cx="7239347" cy="758867"/>
           </a:xfrm>
         </p:spPr>
       </p:pic>
@@ -4111,7 +4185,7 @@
           <p:cNvPr id="6" name="TextBox 5">
             <a:extLst>
               <a:ext uri="{FF2B5EF4-FFF2-40B4-BE49-F238E27FC236}">
-                <a16:creationId xmlns:a16="http://schemas.microsoft.com/office/drawing/2014/main" id="{E910A2DA-4856-EB80-D49B-6CD61F31E2FF}"/>
+                <a16:creationId xmlns:a16="http://schemas.microsoft.com/office/drawing/2014/main" id="{8CA326DD-859F-9DD0-30E8-F05833BBE6A6}"/>
               </a:ext>
             </a:extLst>
           </p:cNvPr>
@@ -4120,8 +4194,8 @@
         </p:nvSpPr>
         <p:spPr>
           <a:xfrm>
-            <a:off x="746731" y="3535560"/>
-            <a:ext cx="5913119" cy="1169551"/>
+            <a:off x="2735581" y="3878580"/>
+            <a:ext cx="4175760" cy="738664"/>
           </a:xfrm>
           <a:prstGeom prst="rect">
             <a:avLst/>
@@ -4135,12 +4209,8 @@
           <a:lstStyle/>
           <a:p>
             <a:r>
-              <a:rPr lang="en-US" sz="1400" dirty="0">
-                <a:solidFill>
-                  <a:srgbClr val="2007B9"/>
-                </a:solidFill>
-              </a:rPr>
-              <a:t>The highest median vacancy length was Math at 34 days, and the lowest median was Science at 32 days. The largest mean vacancy length was for English Language Arts (60.2 days) and the lowest was for Social Studies (47.5). The largest standard deviation for vacancy length was for English Language Arts (53.0), and the lowest was for Science (42.1 days).</a:t>
+              <a:rPr lang="en-US" sz="1400" dirty="0"/>
+              <a:t>Both English Language Arts and Math were above the median and mean numbers of staffing vacancies after grouping by subject.</a:t>
             </a:r>
           </a:p>
         </p:txBody>
@@ -4148,7 +4218,7 @@
     </p:spTree>
     <p:extLst>
       <p:ext uri="{BB962C8B-B14F-4D97-AF65-F5344CB8AC3E}">
-        <p14:creationId xmlns:p14="http://schemas.microsoft.com/office/powerpoint/2010/main" val="2342478317"/>
+        <p14:creationId xmlns:p14="http://schemas.microsoft.com/office/powerpoint/2010/main" val="870953000"/>
       </p:ext>
     </p:extLst>
   </p:cSld>
@@ -4180,7 +4250,7 @@
           <p:cNvPr id="2" name="Title 1">
             <a:extLst>
               <a:ext uri="{FF2B5EF4-FFF2-40B4-BE49-F238E27FC236}">
-                <a16:creationId xmlns:a16="http://schemas.microsoft.com/office/drawing/2014/main" id="{36E7FD49-1846-B31A-DF1D-E805015F4FFC}"/>
+                <a16:creationId xmlns:a16="http://schemas.microsoft.com/office/drawing/2014/main" id="{E3D4945D-16E9-ABA7-B846-2A0979EBB053}"/>
               </a:ext>
             </a:extLst>
           </p:cNvPr>
@@ -4198,83 +4268,72 @@
           <a:p>
             <a:r>
               <a:rPr lang="en-US" dirty="0"/>
-              <a:t>Number of Staffing Vacancies Varied by Subject</a:t>
-            </a:r>
-          </a:p>
-        </p:txBody>
-      </p:sp>
-      <p:sp>
-        <p:nvSpPr>
-          <p:cNvPr id="6" name="TextBox 5">
-            <a:extLst>
-              <a:ext uri="{FF2B5EF4-FFF2-40B4-BE49-F238E27FC236}">
-                <a16:creationId xmlns:a16="http://schemas.microsoft.com/office/drawing/2014/main" id="{64D833D9-E13B-775D-A977-9C7C3BFC2EEC}"/>
-              </a:ext>
-            </a:extLst>
-          </p:cNvPr>
-          <p:cNvSpPr txBox="1"/>
-          <p:nvPr/>
-        </p:nvSpPr>
-        <p:spPr>
-          <a:xfrm>
-            <a:off x="2362200" y="3714511"/>
-            <a:ext cx="4781393" cy="738664"/>
-          </a:xfrm>
-          <a:prstGeom prst="rect">
-            <a:avLst/>
-          </a:prstGeom>
-          <a:noFill/>
-        </p:spPr>
-        <p:txBody>
-          <a:bodyPr wrap="square" rtlCol="0">
-            <a:spAutoFit/>
+              <a:t>Reading Histograms</a:t>
+            </a:r>
+          </a:p>
+        </p:txBody>
+      </p:sp>
+      <p:sp>
+        <p:nvSpPr>
+          <p:cNvPr id="3" name="Content Placeholder 2">
+            <a:extLst>
+              <a:ext uri="{FF2B5EF4-FFF2-40B4-BE49-F238E27FC236}">
+                <a16:creationId xmlns:a16="http://schemas.microsoft.com/office/drawing/2014/main" id="{66E89BFF-99CC-2572-A1AA-CF95264D6DED}"/>
+              </a:ext>
+            </a:extLst>
+          </p:cNvPr>
+          <p:cNvSpPr>
+            <a:spLocks noGrp="1"/>
+          </p:cNvSpPr>
+          <p:nvPr>
+            <p:ph idx="1"/>
+          </p:nvPr>
+        </p:nvSpPr>
+        <p:spPr>
+          <a:xfrm>
+            <a:off x="457200" y="1063229"/>
+            <a:ext cx="8229600" cy="3531394"/>
+          </a:xfrm>
+        </p:spPr>
+        <p:txBody>
+          <a:bodyPr>
+            <a:normAutofit fontScale="92500" lnSpcReduction="10000"/>
           </a:bodyPr>
           <a:lstStyle/>
           <a:p>
             <a:r>
-              <a:rPr lang="en-US" sz="1400" dirty="0">
-                <a:solidFill>
-                  <a:srgbClr val="2007B9"/>
-                </a:solidFill>
-              </a:rPr>
-              <a:t>English Language Arts had the highest number of staffing vacancies (288) and Science had the lowest number of vacancies at 93.</a:t>
-            </a:r>
-          </a:p>
-        </p:txBody>
-      </p:sp>
-      <p:pic>
-        <p:nvPicPr>
-          <p:cNvPr id="10" name="Content Placeholder 9">
-            <a:extLst>
-              <a:ext uri="{FF2B5EF4-FFF2-40B4-BE49-F238E27FC236}">
-                <a16:creationId xmlns:a16="http://schemas.microsoft.com/office/drawing/2014/main" id="{D4D4D755-E90D-D6E7-1592-FF871C7D704C}"/>
-              </a:ext>
-            </a:extLst>
-          </p:cNvPr>
-          <p:cNvPicPr>
-            <a:picLocks noGrp="1" noChangeAspect="1"/>
-          </p:cNvPicPr>
-          <p:nvPr>
-            <p:ph idx="1"/>
-          </p:nvPr>
-        </p:nvPicPr>
-        <p:blipFill>
-          <a:blip r:embed="rId2"/>
-          <a:stretch>
-            <a:fillRect/>
-          </a:stretch>
-        </p:blipFill>
-        <p:spPr>
-          <a:xfrm>
-            <a:off x="1329383" y="1668780"/>
-            <a:ext cx="6044163" cy="1616157"/>
-          </a:xfrm>
-        </p:spPr>
-      </p:pic>
+              <a:rPr lang="en-US" dirty="0"/>
+              <a:t>Number of days Vacant (Vacancy length in days) is shown on the horizontal axis</a:t>
+            </a:r>
+          </a:p>
+          <a:p>
+            <a:pPr marL="0" indent="0">
+              <a:buNone/>
+            </a:pPr>
+            <a:endParaRPr lang="en-US" dirty="0"/>
+          </a:p>
+          <a:p>
+            <a:r>
+              <a:rPr lang="en-US" dirty="0"/>
+              <a:t>Number of vacancies (frequency) within a range of a particular length is on the vertical axis</a:t>
+            </a:r>
+          </a:p>
+          <a:p>
+            <a:pPr lvl="1">
+              <a:buFont typeface="Courier New" panose="02070309020205020404" pitchFamily="49" charset="0"/>
+              <a:buChar char="o"/>
+            </a:pPr>
+            <a:r>
+              <a:rPr lang="en-US" sz="2200" dirty="0"/>
+              <a:t>The number of vacancies that had the same length of time (the vacancies were open for a similar number of days).</a:t>
+            </a:r>
+          </a:p>
+        </p:txBody>
+      </p:sp>
     </p:spTree>
     <p:extLst>
       <p:ext uri="{BB962C8B-B14F-4D97-AF65-F5344CB8AC3E}">
-        <p14:creationId xmlns:p14="http://schemas.microsoft.com/office/powerpoint/2010/main" val="1355635477"/>
+        <p14:creationId xmlns:p14="http://schemas.microsoft.com/office/powerpoint/2010/main" val="3655245498"/>
       </p:ext>
     </p:extLst>
   </p:cSld>
@@ -4306,7 +4365,7 @@
           <p:cNvPr id="2" name="Title 1">
             <a:extLst>
               <a:ext uri="{FF2B5EF4-FFF2-40B4-BE49-F238E27FC236}">
-                <a16:creationId xmlns:a16="http://schemas.microsoft.com/office/drawing/2014/main" id="{4A2ACE67-5290-E1A4-19C6-9F06225C0E9E}"/>
+                <a16:creationId xmlns:a16="http://schemas.microsoft.com/office/drawing/2014/main" id="{2E9EFEB0-4670-2EBA-F747-7F519CF5C668}"/>
               </a:ext>
             </a:extLst>
           </p:cNvPr>
@@ -4324,7 +4383,7 @@
           <a:p>
             <a:r>
               <a:rPr lang="en-US" dirty="0"/>
-              <a:t>Summary Statistics for Number of Vacancies after Grouping by Subject</a:t>
+              <a:t>Math Vacancy Lengths in Days</a:t>
             </a:r>
           </a:p>
         </p:txBody>
@@ -4334,7 +4393,7 @@
           <p:cNvPr id="5" name="Content Placeholder 4">
             <a:extLst>
               <a:ext uri="{FF2B5EF4-FFF2-40B4-BE49-F238E27FC236}">
-                <a16:creationId xmlns:a16="http://schemas.microsoft.com/office/drawing/2014/main" id="{CDEEE186-DF5D-E808-2333-FBD1F50149DE}"/>
+                <a16:creationId xmlns:a16="http://schemas.microsoft.com/office/drawing/2014/main" id="{20A6DBB0-7290-B3D3-1803-8928D33C9364}"/>
               </a:ext>
             </a:extLst>
           </p:cNvPr>
@@ -4353,8 +4412,8 @@
         </p:blipFill>
         <p:spPr>
           <a:xfrm>
-            <a:off x="1069257" y="2340017"/>
-            <a:ext cx="7239347" cy="758867"/>
+            <a:off x="786893" y="1188720"/>
+            <a:ext cx="6001511" cy="3519805"/>
           </a:xfrm>
         </p:spPr>
       </p:pic>
@@ -4363,7 +4422,7 @@
           <p:cNvPr id="6" name="TextBox 5">
             <a:extLst>
               <a:ext uri="{FF2B5EF4-FFF2-40B4-BE49-F238E27FC236}">
-                <a16:creationId xmlns:a16="http://schemas.microsoft.com/office/drawing/2014/main" id="{8CA326DD-859F-9DD0-30E8-F05833BBE6A6}"/>
+                <a16:creationId xmlns:a16="http://schemas.microsoft.com/office/drawing/2014/main" id="{BDACAFC7-6268-8D82-A015-98D8A48B440E}"/>
               </a:ext>
             </a:extLst>
           </p:cNvPr>
@@ -4372,8 +4431,8 @@
         </p:nvSpPr>
         <p:spPr>
           <a:xfrm>
-            <a:off x="2735581" y="3878580"/>
-            <a:ext cx="4175760" cy="738664"/>
+            <a:off x="6888480" y="2571750"/>
+            <a:ext cx="1950719" cy="738664"/>
           </a:xfrm>
           <a:prstGeom prst="rect">
             <a:avLst/>
@@ -4387,8 +4446,12 @@
           <a:lstStyle/>
           <a:p>
             <a:r>
-              <a:rPr lang="en-US" sz="1400" dirty="0"/>
-              <a:t>Both English Language Arts and Math were above the median and mean numbers of staffing vacancies after grouping by subject.</a:t>
+              <a:rPr lang="en-US" sz="1400" dirty="0">
+                <a:solidFill>
+                  <a:srgbClr val="2007B9"/>
+                </a:solidFill>
+              </a:rPr>
+              <a:t>The highest frequencies of vacancies were less than 50 days.</a:t>
             </a:r>
           </a:p>
         </p:txBody>
@@ -4396,7 +4459,7 @@
     </p:spTree>
     <p:extLst>
       <p:ext uri="{BB962C8B-B14F-4D97-AF65-F5344CB8AC3E}">
-        <p14:creationId xmlns:p14="http://schemas.microsoft.com/office/powerpoint/2010/main" val="870953000"/>
+        <p14:creationId xmlns:p14="http://schemas.microsoft.com/office/powerpoint/2010/main" val="3127002968"/>
       </p:ext>
     </p:extLst>
   </p:cSld>
@@ -4680,7 +4743,7 @@
           <p:cNvPr id="2" name="Title 1">
             <a:extLst>
               <a:ext uri="{FF2B5EF4-FFF2-40B4-BE49-F238E27FC236}">
-                <a16:creationId xmlns:a16="http://schemas.microsoft.com/office/drawing/2014/main" id="{E3D4945D-16E9-ABA7-B846-2A0979EBB053}"/>
+                <a16:creationId xmlns:a16="http://schemas.microsoft.com/office/drawing/2014/main" id="{91237200-1517-4F1E-7F37-1AECF5EF49ED}"/>
               </a:ext>
             </a:extLst>
           </p:cNvPr>
@@ -4698,64 +4761,75 @@
           <a:p>
             <a:r>
               <a:rPr lang="en-US" dirty="0"/>
-              <a:t>Reading Histograms</a:t>
-            </a:r>
-          </a:p>
-        </p:txBody>
-      </p:sp>
-      <p:sp>
-        <p:nvSpPr>
-          <p:cNvPr id="3" name="Content Placeholder 2">
-            <a:extLst>
-              <a:ext uri="{FF2B5EF4-FFF2-40B4-BE49-F238E27FC236}">
-                <a16:creationId xmlns:a16="http://schemas.microsoft.com/office/drawing/2014/main" id="{66E89BFF-99CC-2572-A1AA-CF95264D6DED}"/>
-              </a:ext>
-            </a:extLst>
-          </p:cNvPr>
-          <p:cNvSpPr>
-            <a:spLocks noGrp="1"/>
-          </p:cNvSpPr>
+              <a:t>English Language Arts Vacancy Lengths in Days</a:t>
+            </a:r>
+          </a:p>
+        </p:txBody>
+      </p:sp>
+      <p:pic>
+        <p:nvPicPr>
+          <p:cNvPr id="5" name="Content Placeholder 4">
+            <a:extLst>
+              <a:ext uri="{FF2B5EF4-FFF2-40B4-BE49-F238E27FC236}">
+                <a16:creationId xmlns:a16="http://schemas.microsoft.com/office/drawing/2014/main" id="{9874124B-AD4F-214B-49E0-00951ADF01DD}"/>
+              </a:ext>
+            </a:extLst>
+          </p:cNvPr>
+          <p:cNvPicPr>
+            <a:picLocks noGrp="1" noChangeAspect="1"/>
+          </p:cNvPicPr>
           <p:nvPr>
             <p:ph idx="1"/>
           </p:nvPr>
-        </p:nvSpPr>
-        <p:spPr>
-          <a:xfrm>
-            <a:off x="457200" y="1063229"/>
-            <a:ext cx="8229600" cy="3531394"/>
-          </a:xfrm>
-        </p:spPr>
-        <p:txBody>
-          <a:bodyPr>
-            <a:normAutofit fontScale="92500" lnSpcReduction="10000"/>
+        </p:nvPicPr>
+        <p:blipFill>
+          <a:blip r:embed="rId2"/>
+          <a:stretch>
+            <a:fillRect/>
+          </a:stretch>
+        </p:blipFill>
+        <p:spPr>
+          <a:xfrm>
+            <a:off x="807561" y="1249680"/>
+            <a:ext cx="5943917" cy="3588781"/>
+          </a:xfrm>
+        </p:spPr>
+      </p:pic>
+      <p:sp>
+        <p:nvSpPr>
+          <p:cNvPr id="6" name="TextBox 5">
+            <a:extLst>
+              <a:ext uri="{FF2B5EF4-FFF2-40B4-BE49-F238E27FC236}">
+                <a16:creationId xmlns:a16="http://schemas.microsoft.com/office/drawing/2014/main" id="{E87DFEA0-8FAD-651A-3666-872536E47D49}"/>
+              </a:ext>
+            </a:extLst>
+          </p:cNvPr>
+          <p:cNvSpPr txBox="1"/>
+          <p:nvPr/>
+        </p:nvSpPr>
+        <p:spPr>
+          <a:xfrm>
+            <a:off x="7292340" y="2571750"/>
+            <a:ext cx="1470660" cy="954107"/>
+          </a:xfrm>
+          <a:prstGeom prst="rect">
+            <a:avLst/>
+          </a:prstGeom>
+          <a:noFill/>
+        </p:spPr>
+        <p:txBody>
+          <a:bodyPr wrap="square" rtlCol="0">
+            <a:spAutoFit/>
           </a:bodyPr>
           <a:lstStyle/>
           <a:p>
             <a:r>
-              <a:rPr lang="en-US" dirty="0"/>
-              <a:t>Number of days Vacant (Vacancy length in days) is shown on the horizontal axis</a:t>
-            </a:r>
-          </a:p>
-          <a:p>
-            <a:pPr marL="0" indent="0">
-              <a:buNone/>
-            </a:pPr>
-            <a:endParaRPr lang="en-US" dirty="0"/>
-          </a:p>
-          <a:p>
-            <a:r>
-              <a:rPr lang="en-US" dirty="0"/>
-              <a:t>Number of vacancies (frequency) within a range of a particular length is on the vertical axis</a:t>
-            </a:r>
-          </a:p>
-          <a:p>
-            <a:pPr lvl="1">
-              <a:buFont typeface="Courier New" panose="02070309020205020404" pitchFamily="49" charset="0"/>
-              <a:buChar char="o"/>
-            </a:pPr>
-            <a:r>
-              <a:rPr lang="en-US" sz="2200" dirty="0"/>
-              <a:t>The number of vacancies that had the same length of time (the vacancies were open for a similar number of days).</a:t>
+              <a:rPr lang="en-US" sz="1400" dirty="0">
+                <a:solidFill>
+                  <a:srgbClr val="2007B9"/>
+                </a:solidFill>
+              </a:rPr>
+              <a:t>The highest frequencies of vacancies were less than 50 days.</a:t>
             </a:r>
           </a:p>
         </p:txBody>
@@ -4763,7 +4837,7 @@
     </p:spTree>
     <p:extLst>
       <p:ext uri="{BB962C8B-B14F-4D97-AF65-F5344CB8AC3E}">
-        <p14:creationId xmlns:p14="http://schemas.microsoft.com/office/powerpoint/2010/main" val="3655245498"/>
+        <p14:creationId xmlns:p14="http://schemas.microsoft.com/office/powerpoint/2010/main" val="3880701273"/>
       </p:ext>
     </p:extLst>
   </p:cSld>
@@ -4795,7 +4869,7 @@
           <p:cNvPr id="2" name="Title 1">
             <a:extLst>
               <a:ext uri="{FF2B5EF4-FFF2-40B4-BE49-F238E27FC236}">
-                <a16:creationId xmlns:a16="http://schemas.microsoft.com/office/drawing/2014/main" id="{2E9EFEB0-4670-2EBA-F747-7F519CF5C668}"/>
+                <a16:creationId xmlns:a16="http://schemas.microsoft.com/office/drawing/2014/main" id="{AF181CAF-D565-AB92-7DF9-E99C94E2846A}"/>
               </a:ext>
             </a:extLst>
           </p:cNvPr>
@@ -4813,7 +4887,7 @@
           <a:p>
             <a:r>
               <a:rPr lang="en-US" dirty="0"/>
-              <a:t>Math Vacancy Lengths in Days</a:t>
+              <a:t>Science Vacancy Lengths in Days</a:t>
             </a:r>
           </a:p>
         </p:txBody>
@@ -4823,7 +4897,7 @@
           <p:cNvPr id="5" name="Content Placeholder 4">
             <a:extLst>
               <a:ext uri="{FF2B5EF4-FFF2-40B4-BE49-F238E27FC236}">
-                <a16:creationId xmlns:a16="http://schemas.microsoft.com/office/drawing/2014/main" id="{20A6DBB0-7290-B3D3-1803-8928D33C9364}"/>
+                <a16:creationId xmlns:a16="http://schemas.microsoft.com/office/drawing/2014/main" id="{27B9431A-A571-7337-EB12-EBD9047D91FB}"/>
               </a:ext>
             </a:extLst>
           </p:cNvPr>
@@ -4842,8 +4916,8 @@
         </p:blipFill>
         <p:spPr>
           <a:xfrm>
-            <a:off x="786893" y="1188720"/>
-            <a:ext cx="6001511" cy="3519805"/>
+            <a:off x="752546" y="1154670"/>
+            <a:ext cx="5916538" cy="3492896"/>
           </a:xfrm>
         </p:spPr>
       </p:pic>
@@ -4852,7 +4926,7 @@
           <p:cNvPr id="6" name="TextBox 5">
             <a:extLst>
               <a:ext uri="{FF2B5EF4-FFF2-40B4-BE49-F238E27FC236}">
-                <a16:creationId xmlns:a16="http://schemas.microsoft.com/office/drawing/2014/main" id="{BDACAFC7-6268-8D82-A015-98D8A48B440E}"/>
+                <a16:creationId xmlns:a16="http://schemas.microsoft.com/office/drawing/2014/main" id="{F81EA22A-EE3B-7A7E-0AD0-67DB626C9465}"/>
               </a:ext>
             </a:extLst>
           </p:cNvPr>
@@ -4861,8 +4935,8 @@
         </p:nvSpPr>
         <p:spPr>
           <a:xfrm>
-            <a:off x="6888480" y="2571750"/>
-            <a:ext cx="1950719" cy="738664"/>
+            <a:off x="6840926" y="2208620"/>
+            <a:ext cx="1845874" cy="1384995"/>
           </a:xfrm>
           <a:prstGeom prst="rect">
             <a:avLst/>
@@ -4881,7 +4955,7 @@
                   <a:srgbClr val="2007B9"/>
                 </a:solidFill>
               </a:rPr>
-              <a:t>The highest frequencies of vacancies were less than 50 days.</a:t>
+              <a:t>The highest frequency of vacancies was less than 50 days. The next highest frequency of vacancies was 50-100 days.</a:t>
             </a:r>
           </a:p>
         </p:txBody>
@@ -4889,7 +4963,7 @@
     </p:spTree>
     <p:extLst>
       <p:ext uri="{BB962C8B-B14F-4D97-AF65-F5344CB8AC3E}">
-        <p14:creationId xmlns:p14="http://schemas.microsoft.com/office/powerpoint/2010/main" val="3127002968"/>
+        <p14:creationId xmlns:p14="http://schemas.microsoft.com/office/powerpoint/2010/main" val="460292166"/>
       </p:ext>
     </p:extLst>
   </p:cSld>
@@ -4921,7 +4995,7 @@
           <p:cNvPr id="2" name="Title 1">
             <a:extLst>
               <a:ext uri="{FF2B5EF4-FFF2-40B4-BE49-F238E27FC236}">
-                <a16:creationId xmlns:a16="http://schemas.microsoft.com/office/drawing/2014/main" id="{91237200-1517-4F1E-7F37-1AECF5EF49ED}"/>
+                <a16:creationId xmlns:a16="http://schemas.microsoft.com/office/drawing/2014/main" id="{B5948B2E-6688-74E1-FE7C-08DD21549810}"/>
               </a:ext>
             </a:extLst>
           </p:cNvPr>
@@ -4939,7 +5013,14 @@
           <a:p>
             <a:r>
               <a:rPr lang="en-US" dirty="0"/>
-              <a:t>English Language Arts Vacancy Lengths in Days</a:t>
+              <a:t>Social Studies Vacancy </a:t>
+            </a:r>
+            <a:br>
+              <a:rPr lang="en-US" dirty="0"/>
+            </a:br>
+            <a:r>
+              <a:rPr lang="en-US" dirty="0"/>
+              <a:t>Lengths in Days</a:t>
             </a:r>
           </a:p>
         </p:txBody>
@@ -4949,7 +5030,7 @@
           <p:cNvPr id="5" name="Content Placeholder 4">
             <a:extLst>
               <a:ext uri="{FF2B5EF4-FFF2-40B4-BE49-F238E27FC236}">
-                <a16:creationId xmlns:a16="http://schemas.microsoft.com/office/drawing/2014/main" id="{9874124B-AD4F-214B-49E0-00951ADF01DD}"/>
+                <a16:creationId xmlns:a16="http://schemas.microsoft.com/office/drawing/2014/main" id="{01B35684-9C06-4490-81D3-3CE7BAAD3721}"/>
               </a:ext>
             </a:extLst>
           </p:cNvPr>
@@ -4968,8 +5049,8 @@
         </p:blipFill>
         <p:spPr>
           <a:xfrm>
-            <a:off x="807561" y="1249680"/>
-            <a:ext cx="5943917" cy="3588781"/>
+            <a:off x="677097" y="1341120"/>
+            <a:ext cx="5826267" cy="3458845"/>
           </a:xfrm>
         </p:spPr>
       </p:pic>
@@ -4978,7 +5059,7 @@
           <p:cNvPr id="6" name="TextBox 5">
             <a:extLst>
               <a:ext uri="{FF2B5EF4-FFF2-40B4-BE49-F238E27FC236}">
-                <a16:creationId xmlns:a16="http://schemas.microsoft.com/office/drawing/2014/main" id="{E87DFEA0-8FAD-651A-3666-872536E47D49}"/>
+                <a16:creationId xmlns:a16="http://schemas.microsoft.com/office/drawing/2014/main" id="{CF8DC9A4-8784-381C-C47F-6E64DED8F805}"/>
               </a:ext>
             </a:extLst>
           </p:cNvPr>
@@ -4987,8 +5068,8 @@
         </p:nvSpPr>
         <p:spPr>
           <a:xfrm>
-            <a:off x="7292340" y="2571750"/>
-            <a:ext cx="1470660" cy="954107"/>
+            <a:off x="6869874" y="2791608"/>
+            <a:ext cx="1816926" cy="1169551"/>
           </a:xfrm>
           <a:prstGeom prst="rect">
             <a:avLst/>
@@ -5007,7 +5088,7 @@
                   <a:srgbClr val="2007B9"/>
                 </a:solidFill>
               </a:rPr>
-              <a:t>The highest frequencies of vacancies were less than 50 days.</a:t>
+              <a:t>The two highest frequencies of vacancies had lengths that were less than 50 days.</a:t>
             </a:r>
           </a:p>
         </p:txBody>
@@ -5015,7 +5096,7 @@
     </p:spTree>
     <p:extLst>
       <p:ext uri="{BB962C8B-B14F-4D97-AF65-F5344CB8AC3E}">
-        <p14:creationId xmlns:p14="http://schemas.microsoft.com/office/powerpoint/2010/main" val="3880701273"/>
+        <p14:creationId xmlns:p14="http://schemas.microsoft.com/office/powerpoint/2010/main" val="3019242470"/>
       </p:ext>
     </p:extLst>
   </p:cSld>
@@ -5047,7 +5128,7 @@
           <p:cNvPr id="2" name="Title 1">
             <a:extLst>
               <a:ext uri="{FF2B5EF4-FFF2-40B4-BE49-F238E27FC236}">
-                <a16:creationId xmlns:a16="http://schemas.microsoft.com/office/drawing/2014/main" id="{AF181CAF-D565-AB92-7DF9-E99C94E2846A}"/>
+                <a16:creationId xmlns:a16="http://schemas.microsoft.com/office/drawing/2014/main" id="{3136F1D8-3D40-2147-0795-2ABC902D7176}"/>
               </a:ext>
             </a:extLst>
           </p:cNvPr>
@@ -5065,7 +5146,7 @@
           <a:p>
             <a:r>
               <a:rPr lang="en-US" dirty="0"/>
-              <a:t>Science Vacancy Lengths in Days</a:t>
+              <a:t>Number Staffing Vacancies were Highest in English Language Arts</a:t>
             </a:r>
           </a:p>
         </p:txBody>
@@ -5075,7 +5156,7 @@
           <p:cNvPr id="5" name="Content Placeholder 4">
             <a:extLst>
               <a:ext uri="{FF2B5EF4-FFF2-40B4-BE49-F238E27FC236}">
-                <a16:creationId xmlns:a16="http://schemas.microsoft.com/office/drawing/2014/main" id="{27B9431A-A571-7337-EB12-EBD9047D91FB}"/>
+                <a16:creationId xmlns:a16="http://schemas.microsoft.com/office/drawing/2014/main" id="{8F60AFF8-C5A4-7A33-9A36-19DFFF463ED1}"/>
               </a:ext>
             </a:extLst>
           </p:cNvPr>
@@ -5094,8 +5175,8 @@
         </p:blipFill>
         <p:spPr>
           <a:xfrm>
-            <a:off x="752546" y="1154670"/>
-            <a:ext cx="5916538" cy="3492896"/>
+            <a:off x="542440" y="1332090"/>
+            <a:ext cx="5865980" cy="3513595"/>
           </a:xfrm>
         </p:spPr>
       </p:pic>
@@ -5104,7 +5185,7 @@
           <p:cNvPr id="6" name="TextBox 5">
             <a:extLst>
               <a:ext uri="{FF2B5EF4-FFF2-40B4-BE49-F238E27FC236}">
-                <a16:creationId xmlns:a16="http://schemas.microsoft.com/office/drawing/2014/main" id="{F81EA22A-EE3B-7A7E-0AD0-67DB626C9465}"/>
+                <a16:creationId xmlns:a16="http://schemas.microsoft.com/office/drawing/2014/main" id="{7D78D8F0-31C3-4C4C-EA82-60C44C6B4F61}"/>
               </a:ext>
             </a:extLst>
           </p:cNvPr>
@@ -5113,8 +5194,8 @@
         </p:nvSpPr>
         <p:spPr>
           <a:xfrm>
-            <a:off x="6840926" y="2208620"/>
-            <a:ext cx="1845874" cy="1384995"/>
+            <a:off x="6766560" y="2073224"/>
+            <a:ext cx="2049780" cy="2031325"/>
           </a:xfrm>
           <a:prstGeom prst="rect">
             <a:avLst/>
@@ -5128,12 +5209,8 @@
           <a:lstStyle/>
           <a:p>
             <a:r>
-              <a:rPr lang="en-US" sz="1400" dirty="0">
-                <a:solidFill>
-                  <a:srgbClr val="2007B9"/>
-                </a:solidFill>
-              </a:rPr>
-              <a:t>The highest frequency of vacancies was less than 50 days. The next highest frequency of vacancies was 50-100 days.</a:t>
+              <a:rPr lang="en-US" sz="1400" dirty="0"/>
+              <a:t>Each subject across Texas had a different number of staffing vacancies. English Language arts had the most at 288, followed by Math at 187, then Social Studies with 142. Science had the lowest vacancies with 93. </a:t>
             </a:r>
           </a:p>
         </p:txBody>
@@ -5141,7 +5218,7 @@
     </p:spTree>
     <p:extLst>
       <p:ext uri="{BB962C8B-B14F-4D97-AF65-F5344CB8AC3E}">
-        <p14:creationId xmlns:p14="http://schemas.microsoft.com/office/powerpoint/2010/main" val="460292166"/>
+        <p14:creationId xmlns:p14="http://schemas.microsoft.com/office/powerpoint/2010/main" val="2693204481"/>
       </p:ext>
     </p:extLst>
   </p:cSld>
@@ -5173,7 +5250,7 @@
           <p:cNvPr id="2" name="Title 1">
             <a:extLst>
               <a:ext uri="{FF2B5EF4-FFF2-40B4-BE49-F238E27FC236}">
-                <a16:creationId xmlns:a16="http://schemas.microsoft.com/office/drawing/2014/main" id="{B5948B2E-6688-74E1-FE7C-08DD21549810}"/>
+                <a16:creationId xmlns:a16="http://schemas.microsoft.com/office/drawing/2014/main" id="{90C4692D-CA11-C3F1-9B56-EE432BCFD1BF}"/>
               </a:ext>
             </a:extLst>
           </p:cNvPr>
@@ -5189,92 +5266,39 @@
           <a:bodyPr/>
           <a:lstStyle/>
           <a:p>
-            <a:r>
-              <a:rPr lang="en-US" dirty="0"/>
-              <a:t>Social Studies Vacancy </a:t>
-            </a:r>
-            <a:br>
-              <a:rPr lang="en-US" dirty="0"/>
-            </a:br>
-            <a:r>
-              <a:rPr lang="en-US" dirty="0"/>
-              <a:t>Lengths in Days</a:t>
-            </a:r>
-          </a:p>
-        </p:txBody>
-      </p:sp>
-      <p:pic>
-        <p:nvPicPr>
-          <p:cNvPr id="5" name="Content Placeholder 4">
-            <a:extLst>
-              <a:ext uri="{FF2B5EF4-FFF2-40B4-BE49-F238E27FC236}">
-                <a16:creationId xmlns:a16="http://schemas.microsoft.com/office/drawing/2014/main" id="{01B35684-9C06-4490-81D3-3CE7BAAD3721}"/>
-              </a:ext>
-            </a:extLst>
-          </p:cNvPr>
-          <p:cNvPicPr>
-            <a:picLocks noGrp="1" noChangeAspect="1"/>
-          </p:cNvPicPr>
+            <a:endParaRPr lang="en-US"/>
+          </a:p>
+        </p:txBody>
+      </p:sp>
+      <p:sp>
+        <p:nvSpPr>
+          <p:cNvPr id="3" name="Content Placeholder 2">
+            <a:extLst>
+              <a:ext uri="{FF2B5EF4-FFF2-40B4-BE49-F238E27FC236}">
+                <a16:creationId xmlns:a16="http://schemas.microsoft.com/office/drawing/2014/main" id="{0D5D56DB-B18A-DD31-9D23-F7FD88C9A00C}"/>
+              </a:ext>
+            </a:extLst>
+          </p:cNvPr>
+          <p:cNvSpPr>
+            <a:spLocks noGrp="1"/>
+          </p:cNvSpPr>
           <p:nvPr>
             <p:ph idx="1"/>
           </p:nvPr>
-        </p:nvPicPr>
-        <p:blipFill>
-          <a:blip r:embed="rId2"/>
-          <a:stretch>
-            <a:fillRect/>
-          </a:stretch>
-        </p:blipFill>
-        <p:spPr>
-          <a:xfrm>
-            <a:off x="677097" y="1341120"/>
-            <a:ext cx="5826267" cy="3458845"/>
-          </a:xfrm>
-        </p:spPr>
-      </p:pic>
-      <p:sp>
-        <p:nvSpPr>
-          <p:cNvPr id="6" name="TextBox 5">
-            <a:extLst>
-              <a:ext uri="{FF2B5EF4-FFF2-40B4-BE49-F238E27FC236}">
-                <a16:creationId xmlns:a16="http://schemas.microsoft.com/office/drawing/2014/main" id="{CF8DC9A4-8784-381C-C47F-6E64DED8F805}"/>
-              </a:ext>
-            </a:extLst>
-          </p:cNvPr>
-          <p:cNvSpPr txBox="1"/>
-          <p:nvPr/>
-        </p:nvSpPr>
-        <p:spPr>
-          <a:xfrm>
-            <a:off x="6869874" y="2791608"/>
-            <a:ext cx="1816926" cy="1169551"/>
-          </a:xfrm>
-          <a:prstGeom prst="rect">
-            <a:avLst/>
-          </a:prstGeom>
-          <a:noFill/>
-        </p:spPr>
-        <p:txBody>
-          <a:bodyPr wrap="square" rtlCol="0">
-            <a:spAutoFit/>
-          </a:bodyPr>
+        </p:nvSpPr>
+        <p:spPr/>
+        <p:txBody>
+          <a:bodyPr/>
           <a:lstStyle/>
           <a:p>
-            <a:r>
-              <a:rPr lang="en-US" sz="1400" dirty="0">
-                <a:solidFill>
-                  <a:srgbClr val="2007B9"/>
-                </a:solidFill>
-              </a:rPr>
-              <a:t>The two highest frequencies of vacancies had lengths that were less than 50 days.</a:t>
-            </a:r>
+            <a:endParaRPr lang="en-US"/>
           </a:p>
         </p:txBody>
       </p:sp>
     </p:spTree>
     <p:extLst>
       <p:ext uri="{BB962C8B-B14F-4D97-AF65-F5344CB8AC3E}">
-        <p14:creationId xmlns:p14="http://schemas.microsoft.com/office/powerpoint/2010/main" val="3019242470"/>
+        <p14:creationId xmlns:p14="http://schemas.microsoft.com/office/powerpoint/2010/main" val="2178654052"/>
       </p:ext>
     </p:extLst>
   </p:cSld>
@@ -5306,7 +5330,7 @@
           <p:cNvPr id="2" name="Title 1">
             <a:extLst>
               <a:ext uri="{FF2B5EF4-FFF2-40B4-BE49-F238E27FC236}">
-                <a16:creationId xmlns:a16="http://schemas.microsoft.com/office/drawing/2014/main" id="{3136F1D8-3D40-2147-0795-2ABC902D7176}"/>
+                <a16:creationId xmlns:a16="http://schemas.microsoft.com/office/drawing/2014/main" id="{BBC38D5B-9622-410A-FB03-1458F8571920}"/>
               </a:ext>
             </a:extLst>
           </p:cNvPr>
@@ -5324,79 +5348,74 @@
           <a:p>
             <a:r>
               <a:rPr lang="en-US" dirty="0"/>
-              <a:t>Number Staffing Vacancies were Highest in English Language Arts</a:t>
-            </a:r>
-          </a:p>
-        </p:txBody>
-      </p:sp>
-      <p:pic>
-        <p:nvPicPr>
-          <p:cNvPr id="5" name="Content Placeholder 4">
-            <a:extLst>
-              <a:ext uri="{FF2B5EF4-FFF2-40B4-BE49-F238E27FC236}">
-                <a16:creationId xmlns:a16="http://schemas.microsoft.com/office/drawing/2014/main" id="{8F60AFF8-C5A4-7A33-9A36-19DFFF463ED1}"/>
-              </a:ext>
-            </a:extLst>
-          </p:cNvPr>
-          <p:cNvPicPr>
-            <a:picLocks noGrp="1" noChangeAspect="1"/>
-          </p:cNvPicPr>
+              <a:t>FMLA Data</a:t>
+            </a:r>
+          </a:p>
+        </p:txBody>
+      </p:sp>
+      <p:sp>
+        <p:nvSpPr>
+          <p:cNvPr id="3" name="Content Placeholder 2">
+            <a:extLst>
+              <a:ext uri="{FF2B5EF4-FFF2-40B4-BE49-F238E27FC236}">
+                <a16:creationId xmlns:a16="http://schemas.microsoft.com/office/drawing/2014/main" id="{58421222-1872-B5C4-1802-5D6A054D2304}"/>
+              </a:ext>
+            </a:extLst>
+          </p:cNvPr>
+          <p:cNvSpPr>
+            <a:spLocks noGrp="1"/>
+          </p:cNvSpPr>
           <p:nvPr>
             <p:ph idx="1"/>
           </p:nvPr>
-        </p:nvPicPr>
-        <p:blipFill>
-          <a:blip r:embed="rId2"/>
-          <a:stretch>
-            <a:fillRect/>
-          </a:stretch>
-        </p:blipFill>
-        <p:spPr>
-          <a:xfrm>
-            <a:off x="542440" y="1332090"/>
-            <a:ext cx="5865980" cy="3513595"/>
-          </a:xfrm>
-        </p:spPr>
-      </p:pic>
-      <p:sp>
-        <p:nvSpPr>
-          <p:cNvPr id="6" name="TextBox 5">
-            <a:extLst>
-              <a:ext uri="{FF2B5EF4-FFF2-40B4-BE49-F238E27FC236}">
-                <a16:creationId xmlns:a16="http://schemas.microsoft.com/office/drawing/2014/main" id="{7D78D8F0-31C3-4C4C-EA82-60C44C6B4F61}"/>
-              </a:ext>
-            </a:extLst>
-          </p:cNvPr>
-          <p:cNvSpPr txBox="1"/>
-          <p:nvPr/>
-        </p:nvSpPr>
-        <p:spPr>
-          <a:xfrm>
-            <a:off x="6766560" y="2073224"/>
-            <a:ext cx="2049780" cy="2031325"/>
-          </a:xfrm>
-          <a:prstGeom prst="rect">
-            <a:avLst/>
-          </a:prstGeom>
-          <a:noFill/>
-        </p:spPr>
-        <p:txBody>
-          <a:bodyPr wrap="square" rtlCol="0">
-            <a:spAutoFit/>
+        </p:nvSpPr>
+        <p:spPr>
+          <a:xfrm>
+            <a:off x="457200" y="1200151"/>
+            <a:ext cx="8229600" cy="3825332"/>
+          </a:xfrm>
+        </p:spPr>
+        <p:txBody>
+          <a:bodyPr>
+            <a:normAutofit fontScale="85000" lnSpcReduction="20000"/>
           </a:bodyPr>
           <a:lstStyle/>
           <a:p>
             <a:r>
-              <a:rPr lang="en-US" sz="1400" dirty="0"/>
-              <a:t>Each subject across Texas had a different number of staffing vacancies. English Language arts had the most at 288, followed by Math at 187, then Social Studies with 142. Science had the lowest vacancies with 93. </a:t>
-            </a:r>
+              <a:rPr lang="en-US" dirty="0"/>
+              <a:t>FMLA is Family Medical Leave and is time off for medical or family (such as having a child) absences </a:t>
+            </a:r>
+          </a:p>
+          <a:p>
+            <a:endParaRPr lang="en-US" dirty="0"/>
+          </a:p>
+          <a:p>
+            <a:r>
+              <a:rPr lang="en-US" dirty="0"/>
+              <a:t>FMLA leave length of time is counted in days, starting from the first day the employee is absent with leave to the return-to-work date.</a:t>
+            </a:r>
+          </a:p>
+          <a:p>
+            <a:endParaRPr lang="en-US" dirty="0"/>
+          </a:p>
+          <a:p>
+            <a:r>
+              <a:rPr lang="en-US" dirty="0"/>
+              <a:t>FMLA leave can vary in length of time (depending on how many days the employee applied for and was approved for).</a:t>
+            </a:r>
+          </a:p>
+          <a:p>
+            <a:pPr marL="457200" lvl="1" indent="0">
+              <a:buNone/>
+            </a:pPr>
+            <a:endParaRPr lang="en-US" dirty="0"/>
           </a:p>
         </p:txBody>
       </p:sp>
     </p:spTree>
     <p:extLst>
       <p:ext uri="{BB962C8B-B14F-4D97-AF65-F5344CB8AC3E}">
-        <p14:creationId xmlns:p14="http://schemas.microsoft.com/office/powerpoint/2010/main" val="2693204481"/>
+        <p14:creationId xmlns:p14="http://schemas.microsoft.com/office/powerpoint/2010/main" val="1758383388"/>
       </p:ext>
     </p:extLst>
   </p:cSld>
@@ -5428,7 +5447,7 @@
           <p:cNvPr id="2" name="Title 1">
             <a:extLst>
               <a:ext uri="{FF2B5EF4-FFF2-40B4-BE49-F238E27FC236}">
-                <a16:creationId xmlns:a16="http://schemas.microsoft.com/office/drawing/2014/main" id="{90C4692D-CA11-C3F1-9B56-EE432BCFD1BF}"/>
+                <a16:creationId xmlns:a16="http://schemas.microsoft.com/office/drawing/2014/main" id="{5EFE2270-F8D7-54E1-3D71-84F42B2E0A11}"/>
               </a:ext>
             </a:extLst>
           </p:cNvPr>
@@ -5444,7 +5463,14 @@
           <a:bodyPr/>
           <a:lstStyle/>
           <a:p>
-            <a:endParaRPr lang="en-US"/>
+            <a:r>
+              <a:rPr lang="en-US" dirty="0"/>
+              <a:t>FMLA: </a:t>
+            </a:r>
+            <a:r>
+              <a:rPr lang="en-US" u="sng" dirty="0"/>
+              <a:t>Region</a:t>
+            </a:r>
           </a:p>
         </p:txBody>
       </p:sp>
@@ -5453,7 +5479,7 @@
           <p:cNvPr id="3" name="Content Placeholder 2">
             <a:extLst>
               <a:ext uri="{FF2B5EF4-FFF2-40B4-BE49-F238E27FC236}">
-                <a16:creationId xmlns:a16="http://schemas.microsoft.com/office/drawing/2014/main" id="{0D5D56DB-B18A-DD31-9D23-F7FD88C9A00C}"/>
+                <a16:creationId xmlns:a16="http://schemas.microsoft.com/office/drawing/2014/main" id="{7B95A4F0-CF20-22C0-CF73-728979EF7A6C}"/>
               </a:ext>
             </a:extLst>
           </p:cNvPr>
@@ -5469,14 +5495,17 @@
           <a:bodyPr/>
           <a:lstStyle/>
           <a:p>
-            <a:endParaRPr lang="en-US"/>
+            <a:r>
+              <a:rPr lang="en-US" dirty="0"/>
+              <a:t>Regions in Texas who had teachers that took leave for FMLA </a:t>
+            </a:r>
           </a:p>
         </p:txBody>
       </p:sp>
     </p:spTree>
     <p:extLst>
       <p:ext uri="{BB962C8B-B14F-4D97-AF65-F5344CB8AC3E}">
-        <p14:creationId xmlns:p14="http://schemas.microsoft.com/office/powerpoint/2010/main" val="2178654052"/>
+        <p14:creationId xmlns:p14="http://schemas.microsoft.com/office/powerpoint/2010/main" val="2463031648"/>
       </p:ext>
     </p:extLst>
   </p:cSld>
@@ -5508,7 +5537,7 @@
           <p:cNvPr id="2" name="Title 1">
             <a:extLst>
               <a:ext uri="{FF2B5EF4-FFF2-40B4-BE49-F238E27FC236}">
-                <a16:creationId xmlns:a16="http://schemas.microsoft.com/office/drawing/2014/main" id="{BBC38D5B-9622-410A-FB03-1458F8571920}"/>
+                <a16:creationId xmlns:a16="http://schemas.microsoft.com/office/drawing/2014/main" id="{FBC7836D-EAD1-4B46-FE83-4E9445DE1CEA}"/>
               </a:ext>
             </a:extLst>
           </p:cNvPr>
@@ -5526,74 +5555,51 @@
           <a:p>
             <a:r>
               <a:rPr lang="en-US" dirty="0"/>
-              <a:t>FMLA Data</a:t>
-            </a:r>
-          </a:p>
-        </p:txBody>
-      </p:sp>
-      <p:sp>
-        <p:nvSpPr>
-          <p:cNvPr id="3" name="Content Placeholder 2">
-            <a:extLst>
-              <a:ext uri="{FF2B5EF4-FFF2-40B4-BE49-F238E27FC236}">
-                <a16:creationId xmlns:a16="http://schemas.microsoft.com/office/drawing/2014/main" id="{58421222-1872-B5C4-1802-5D6A054D2304}"/>
-              </a:ext>
-            </a:extLst>
-          </p:cNvPr>
-          <p:cNvSpPr>
-            <a:spLocks noGrp="1"/>
-          </p:cNvSpPr>
+              <a:t>Median, Mean, and SD by Region</a:t>
+            </a:r>
+            <a:br>
+              <a:rPr lang="en-US" dirty="0"/>
+            </a:br>
+            <a:r>
+              <a:rPr lang="en-US" dirty="0"/>
+              <a:t>for FMLA Length (in Days)</a:t>
+            </a:r>
+          </a:p>
+        </p:txBody>
+      </p:sp>
+      <p:pic>
+        <p:nvPicPr>
+          <p:cNvPr id="5" name="Content Placeholder 4">
+            <a:extLst>
+              <a:ext uri="{FF2B5EF4-FFF2-40B4-BE49-F238E27FC236}">
+                <a16:creationId xmlns:a16="http://schemas.microsoft.com/office/drawing/2014/main" id="{5D5B50C7-5C1C-1804-FA21-51435ECE0719}"/>
+              </a:ext>
+            </a:extLst>
+          </p:cNvPr>
+          <p:cNvPicPr>
+            <a:picLocks noGrp="1" noChangeAspect="1"/>
+          </p:cNvPicPr>
           <p:nvPr>
             <p:ph idx="1"/>
           </p:nvPr>
-        </p:nvSpPr>
-        <p:spPr>
-          <a:xfrm>
-            <a:off x="457200" y="1200151"/>
-            <a:ext cx="8229600" cy="3825332"/>
-          </a:xfrm>
-        </p:spPr>
-        <p:txBody>
-          <a:bodyPr>
-            <a:normAutofit fontScale="85000" lnSpcReduction="20000"/>
-          </a:bodyPr>
-          <a:lstStyle/>
-          <a:p>
-            <a:r>
-              <a:rPr lang="en-US" dirty="0"/>
-              <a:t>FMLA is Family Medical Leave and is time off for medical or family (such as having a child) absences </a:t>
-            </a:r>
-          </a:p>
-          <a:p>
-            <a:endParaRPr lang="en-US" dirty="0"/>
-          </a:p>
-          <a:p>
-            <a:r>
-              <a:rPr lang="en-US" dirty="0"/>
-              <a:t>FMLA leave length of time is counted in days, starting from the first day the employee is absent with leave to the return-to-work date.</a:t>
-            </a:r>
-          </a:p>
-          <a:p>
-            <a:endParaRPr lang="en-US" dirty="0"/>
-          </a:p>
-          <a:p>
-            <a:r>
-              <a:rPr lang="en-US" dirty="0"/>
-              <a:t>FMLA leave can vary in length of time (depending on how many days the employee applied for and was approved for).</a:t>
-            </a:r>
-          </a:p>
-          <a:p>
-            <a:pPr marL="457200" lvl="1" indent="0">
-              <a:buNone/>
-            </a:pPr>
-            <a:endParaRPr lang="en-US" dirty="0"/>
-          </a:p>
-        </p:txBody>
-      </p:sp>
+        </p:nvPicPr>
+        <p:blipFill>
+          <a:blip r:embed="rId2"/>
+          <a:stretch>
+            <a:fillRect/>
+          </a:stretch>
+        </p:blipFill>
+        <p:spPr>
+          <a:xfrm>
+            <a:off x="847205" y="1682580"/>
+            <a:ext cx="7449590" cy="2429214"/>
+          </a:xfrm>
+        </p:spPr>
+      </p:pic>
     </p:spTree>
     <p:extLst>
       <p:ext uri="{BB962C8B-B14F-4D97-AF65-F5344CB8AC3E}">
-        <p14:creationId xmlns:p14="http://schemas.microsoft.com/office/powerpoint/2010/main" val="1758383388"/>
+        <p14:creationId xmlns:p14="http://schemas.microsoft.com/office/powerpoint/2010/main" val="2368985111"/>
       </p:ext>
     </p:extLst>
   </p:cSld>
@@ -5625,7 +5631,7 @@
           <p:cNvPr id="2" name="Title 1">
             <a:extLst>
               <a:ext uri="{FF2B5EF4-FFF2-40B4-BE49-F238E27FC236}">
-                <a16:creationId xmlns:a16="http://schemas.microsoft.com/office/drawing/2014/main" id="{5EFE2270-F8D7-54E1-3D71-84F42B2E0A11}"/>
+                <a16:creationId xmlns:a16="http://schemas.microsoft.com/office/drawing/2014/main" id="{96559AFD-806A-CA77-4B16-553DD7C8E49C}"/>
               </a:ext>
             </a:extLst>
           </p:cNvPr>
@@ -5643,47 +5649,51 @@
           <a:p>
             <a:r>
               <a:rPr lang="en-US" dirty="0"/>
-              <a:t>FMLA: </a:t>
-            </a:r>
-            <a:r>
-              <a:rPr lang="en-US" u="sng" dirty="0"/>
-              <a:t>Region</a:t>
-            </a:r>
-          </a:p>
-        </p:txBody>
-      </p:sp>
-      <p:sp>
-        <p:nvSpPr>
-          <p:cNvPr id="3" name="Content Placeholder 2">
-            <a:extLst>
-              <a:ext uri="{FF2B5EF4-FFF2-40B4-BE49-F238E27FC236}">
-                <a16:creationId xmlns:a16="http://schemas.microsoft.com/office/drawing/2014/main" id="{7B95A4F0-CF20-22C0-CF73-728979EF7A6C}"/>
-              </a:ext>
-            </a:extLst>
-          </p:cNvPr>
-          <p:cNvSpPr>
-            <a:spLocks noGrp="1"/>
-          </p:cNvSpPr>
+              <a:t>Histogram of FMLA Lengths </a:t>
+            </a:r>
+            <a:br>
+              <a:rPr lang="en-US" dirty="0"/>
+            </a:br>
+            <a:r>
+              <a:rPr lang="en-US" dirty="0"/>
+              <a:t>(in Days) for Austin</a:t>
+            </a:r>
+          </a:p>
+        </p:txBody>
+      </p:sp>
+      <p:pic>
+        <p:nvPicPr>
+          <p:cNvPr id="5" name="Content Placeholder 4">
+            <a:extLst>
+              <a:ext uri="{FF2B5EF4-FFF2-40B4-BE49-F238E27FC236}">
+                <a16:creationId xmlns:a16="http://schemas.microsoft.com/office/drawing/2014/main" id="{FE5454C0-0F25-2167-578A-E89B0ED8CC76}"/>
+              </a:ext>
+            </a:extLst>
+          </p:cNvPr>
+          <p:cNvPicPr>
+            <a:picLocks noGrp="1" noChangeAspect="1"/>
+          </p:cNvPicPr>
           <p:nvPr>
             <p:ph idx="1"/>
           </p:nvPr>
-        </p:nvSpPr>
-        <p:spPr/>
-        <p:txBody>
-          <a:bodyPr/>
-          <a:lstStyle/>
-          <a:p>
-            <a:r>
-              <a:rPr lang="en-US" dirty="0"/>
-              <a:t>Regions in Texas who had teachers that took leave for FMLA </a:t>
-            </a:r>
-          </a:p>
-        </p:txBody>
-      </p:sp>
+        </p:nvPicPr>
+        <p:blipFill>
+          <a:blip r:embed="rId2"/>
+          <a:stretch>
+            <a:fillRect/>
+          </a:stretch>
+        </p:blipFill>
+        <p:spPr>
+          <a:xfrm>
+            <a:off x="708502" y="1275844"/>
+            <a:ext cx="5829457" cy="3546982"/>
+          </a:xfrm>
+        </p:spPr>
+      </p:pic>
     </p:spTree>
     <p:extLst>
       <p:ext uri="{BB962C8B-B14F-4D97-AF65-F5344CB8AC3E}">
-        <p14:creationId xmlns:p14="http://schemas.microsoft.com/office/powerpoint/2010/main" val="2463031648"/>
+        <p14:creationId xmlns:p14="http://schemas.microsoft.com/office/powerpoint/2010/main" val="3004370011"/>
       </p:ext>
     </p:extLst>
   </p:cSld>
@@ -5715,7 +5725,7 @@
           <p:cNvPr id="2" name="Title 1">
             <a:extLst>
               <a:ext uri="{FF2B5EF4-FFF2-40B4-BE49-F238E27FC236}">
-                <a16:creationId xmlns:a16="http://schemas.microsoft.com/office/drawing/2014/main" id="{FBC7836D-EAD1-4B46-FE83-4E9445DE1CEA}"/>
+                <a16:creationId xmlns:a16="http://schemas.microsoft.com/office/drawing/2014/main" id="{4030FCB4-441D-4609-4CAB-7629A6E449A9}"/>
               </a:ext>
             </a:extLst>
           </p:cNvPr>
@@ -5733,14 +5743,14 @@
           <a:p>
             <a:r>
               <a:rPr lang="en-US" dirty="0"/>
-              <a:t>Median, Mean, and SD by Region</a:t>
+              <a:t>Frequency of FMLA Lengths </a:t>
             </a:r>
             <a:br>
               <a:rPr lang="en-US" dirty="0"/>
             </a:br>
             <a:r>
               <a:rPr lang="en-US" dirty="0"/>
-              <a:t>for FMLA Length (in Days)</a:t>
+              <a:t>(in Days) for El Paso</a:t>
             </a:r>
           </a:p>
         </p:txBody>
@@ -5750,7 +5760,7 @@
           <p:cNvPr id="5" name="Content Placeholder 4">
             <a:extLst>
               <a:ext uri="{FF2B5EF4-FFF2-40B4-BE49-F238E27FC236}">
-                <a16:creationId xmlns:a16="http://schemas.microsoft.com/office/drawing/2014/main" id="{5D5B50C7-5C1C-1804-FA21-51435ECE0719}"/>
+                <a16:creationId xmlns:a16="http://schemas.microsoft.com/office/drawing/2014/main" id="{F94863D8-AFD5-EFC4-BFAB-F8CBBDCE8669}"/>
               </a:ext>
             </a:extLst>
           </p:cNvPr>
@@ -5769,15 +5779,15 @@
         </p:blipFill>
         <p:spPr>
           <a:xfrm>
-            <a:off x="847205" y="1682580"/>
-            <a:ext cx="7449590" cy="2429214"/>
+            <a:off x="457200" y="1325880"/>
+            <a:ext cx="5764741" cy="3458845"/>
           </a:xfrm>
         </p:spPr>
       </p:pic>
     </p:spTree>
     <p:extLst>
       <p:ext uri="{BB962C8B-B14F-4D97-AF65-F5344CB8AC3E}">
-        <p14:creationId xmlns:p14="http://schemas.microsoft.com/office/powerpoint/2010/main" val="2368985111"/>
+        <p14:creationId xmlns:p14="http://schemas.microsoft.com/office/powerpoint/2010/main" val="1270131991"/>
       </p:ext>
     </p:extLst>
   </p:cSld>
@@ -5923,7 +5933,7 @@
           <p:cNvPr id="2" name="Title 1">
             <a:extLst>
               <a:ext uri="{FF2B5EF4-FFF2-40B4-BE49-F238E27FC236}">
-                <a16:creationId xmlns:a16="http://schemas.microsoft.com/office/drawing/2014/main" id="{52679B77-58AA-91AE-04A1-298ACFE63D09}"/>
+                <a16:creationId xmlns:a16="http://schemas.microsoft.com/office/drawing/2014/main" id="{095C7A9E-C8C8-567E-7742-31D8199118B0}"/>
               </a:ext>
             </a:extLst>
           </p:cNvPr>
@@ -5941,52 +5951,17 @@
           <a:p>
             <a:r>
               <a:rPr lang="en-US" dirty="0"/>
-              <a:t>Number of Teacher Leaves from FMLA Varied by Region </a:t>
-            </a:r>
-          </a:p>
-        </p:txBody>
-      </p:sp>
-      <p:sp>
-        <p:nvSpPr>
-          <p:cNvPr id="6" name="TextBox 5">
-            <a:extLst>
-              <a:ext uri="{FF2B5EF4-FFF2-40B4-BE49-F238E27FC236}">
-                <a16:creationId xmlns:a16="http://schemas.microsoft.com/office/drawing/2014/main" id="{F0BAE911-98B4-C2EC-0389-C3D73AA76924}"/>
-              </a:ext>
-            </a:extLst>
-          </p:cNvPr>
-          <p:cNvSpPr txBox="1"/>
-          <p:nvPr/>
-        </p:nvSpPr>
-        <p:spPr>
-          <a:xfrm>
-            <a:off x="6088419" y="2252547"/>
-            <a:ext cx="2386361" cy="954107"/>
-          </a:xfrm>
-          <a:prstGeom prst="rect">
-            <a:avLst/>
-          </a:prstGeom>
-          <a:noFill/>
-        </p:spPr>
-        <p:txBody>
-          <a:bodyPr wrap="square" rtlCol="0">
-            <a:spAutoFit/>
-          </a:bodyPr>
-          <a:lstStyle/>
-          <a:p>
-            <a:r>
-              <a:rPr lang="en-US" sz="1400" dirty="0"/>
-              <a:t>Lower Valley RGV had the highest count of teacher leaves from FMLA, and Permian Basin had the lowest.</a:t>
+              <a:t>Frequency of FMLA Lengths (in Days) for Greater Houston Area</a:t>
             </a:r>
           </a:p>
         </p:txBody>
       </p:sp>
       <p:pic>
         <p:nvPicPr>
-          <p:cNvPr id="7" name="Content Placeholder 6">
-            <a:extLst>
-              <a:ext uri="{FF2B5EF4-FFF2-40B4-BE49-F238E27FC236}">
-                <a16:creationId xmlns:a16="http://schemas.microsoft.com/office/drawing/2014/main" id="{898DE5A7-369B-C320-DB1A-62406171A20C}"/>
+          <p:cNvPr id="5" name="Content Placeholder 4">
+            <a:extLst>
+              <a:ext uri="{FF2B5EF4-FFF2-40B4-BE49-F238E27FC236}">
+                <a16:creationId xmlns:a16="http://schemas.microsoft.com/office/drawing/2014/main" id="{20A44C69-7AC5-4274-EB7C-952A2C8ABEBE}"/>
               </a:ext>
             </a:extLst>
           </p:cNvPr>
@@ -6005,15 +5980,15 @@
         </p:blipFill>
         <p:spPr>
           <a:xfrm>
-            <a:off x="669220" y="1590907"/>
-            <a:ext cx="5135844" cy="2751345"/>
+            <a:off x="662769" y="1390650"/>
+            <a:ext cx="5959182" cy="3394075"/>
           </a:xfrm>
         </p:spPr>
       </p:pic>
     </p:spTree>
     <p:extLst>
       <p:ext uri="{BB962C8B-B14F-4D97-AF65-F5344CB8AC3E}">
-        <p14:creationId xmlns:p14="http://schemas.microsoft.com/office/powerpoint/2010/main" val="980250847"/>
+        <p14:creationId xmlns:p14="http://schemas.microsoft.com/office/powerpoint/2010/main" val="2121109326"/>
       </p:ext>
     </p:extLst>
   </p:cSld>
@@ -6045,7 +6020,7 @@
           <p:cNvPr id="2" name="Title 1">
             <a:extLst>
               <a:ext uri="{FF2B5EF4-FFF2-40B4-BE49-F238E27FC236}">
-                <a16:creationId xmlns:a16="http://schemas.microsoft.com/office/drawing/2014/main" id="{28D5521C-48D0-B610-862A-4789FBA92E74}"/>
+                <a16:creationId xmlns:a16="http://schemas.microsoft.com/office/drawing/2014/main" id="{812D3B64-1E42-BAE8-B951-9F98565EA1D3}"/>
               </a:ext>
             </a:extLst>
           </p:cNvPr>
@@ -6056,33 +6031,24 @@
             <p:ph type="title"/>
           </p:nvPr>
         </p:nvSpPr>
-        <p:spPr>
-          <a:xfrm>
-            <a:off x="329783" y="205979"/>
-            <a:ext cx="8476937" cy="857250"/>
-          </a:xfrm>
-        </p:spPr>
+        <p:spPr/>
         <p:txBody>
           <a:bodyPr/>
           <a:lstStyle/>
           <a:p>
             <a:r>
-              <a:rPr lang="en-US" sz="2800" dirty="0"/>
-              <a:t>Number of Teacher Leaves from FMLA were Highest in Lower Valley RGV, Followed by Austin</a:t>
-            </a:r>
-            <a:r>
               <a:rPr lang="en-US" dirty="0"/>
-              <a:t>.</a:t>
+              <a:t>Frequency of FMLA Lengths (in Days) for Lower Valley RGV</a:t>
             </a:r>
           </a:p>
         </p:txBody>
       </p:sp>
       <p:pic>
         <p:nvPicPr>
-          <p:cNvPr id="11" name="Content Placeholder 10">
-            <a:extLst>
-              <a:ext uri="{FF2B5EF4-FFF2-40B4-BE49-F238E27FC236}">
-                <a16:creationId xmlns:a16="http://schemas.microsoft.com/office/drawing/2014/main" id="{FE95FB40-14C7-63AC-F82A-7178326B0A45}"/>
+          <p:cNvPr id="5" name="Content Placeholder 4">
+            <a:extLst>
+              <a:ext uri="{FF2B5EF4-FFF2-40B4-BE49-F238E27FC236}">
+                <a16:creationId xmlns:a16="http://schemas.microsoft.com/office/drawing/2014/main" id="{A00A1062-EE04-F214-E243-0FB9E03B23D3}"/>
               </a:ext>
             </a:extLst>
           </p:cNvPr>
@@ -6101,50 +6067,15 @@
         </p:blipFill>
         <p:spPr>
           <a:xfrm>
-            <a:off x="508598" y="1251804"/>
-            <a:ext cx="6048144" cy="3627359"/>
+            <a:off x="549523" y="1354394"/>
+            <a:ext cx="5851277" cy="3430331"/>
           </a:xfrm>
         </p:spPr>
       </p:pic>
-      <p:sp>
-        <p:nvSpPr>
-          <p:cNvPr id="12" name="TextBox 11">
-            <a:extLst>
-              <a:ext uri="{FF2B5EF4-FFF2-40B4-BE49-F238E27FC236}">
-                <a16:creationId xmlns:a16="http://schemas.microsoft.com/office/drawing/2014/main" id="{9A1BBCC1-A79A-F3D5-94C5-EB87B4059619}"/>
-              </a:ext>
-            </a:extLst>
-          </p:cNvPr>
-          <p:cNvSpPr txBox="1"/>
-          <p:nvPr/>
-        </p:nvSpPr>
-        <p:spPr>
-          <a:xfrm>
-            <a:off x="6772181" y="2571750"/>
-            <a:ext cx="2034539" cy="1600438"/>
-          </a:xfrm>
-          <a:prstGeom prst="rect">
-            <a:avLst/>
-          </a:prstGeom>
-          <a:noFill/>
-        </p:spPr>
-        <p:txBody>
-          <a:bodyPr wrap="square" rtlCol="0">
-            <a:spAutoFit/>
-          </a:bodyPr>
-          <a:lstStyle/>
-          <a:p>
-            <a:r>
-              <a:rPr lang="en-US" sz="1400" dirty="0"/>
-              <a:t>The highest number of Teacher leaves from FMLA was in the Lower Valley RGV (140) and Austin (127), and the lowest was in Permian Basin (9).</a:t>
-            </a:r>
-          </a:p>
-        </p:txBody>
-      </p:sp>
     </p:spTree>
     <p:extLst>
       <p:ext uri="{BB962C8B-B14F-4D97-AF65-F5344CB8AC3E}">
-        <p14:creationId xmlns:p14="http://schemas.microsoft.com/office/powerpoint/2010/main" val="1183491755"/>
+        <p14:creationId xmlns:p14="http://schemas.microsoft.com/office/powerpoint/2010/main" val="3272780143"/>
       </p:ext>
     </p:extLst>
   </p:cSld>
@@ -6176,7 +6107,7 @@
           <p:cNvPr id="2" name="Title 1">
             <a:extLst>
               <a:ext uri="{FF2B5EF4-FFF2-40B4-BE49-F238E27FC236}">
-                <a16:creationId xmlns:a16="http://schemas.microsoft.com/office/drawing/2014/main" id="{8F7C4C28-06A3-6115-AFD8-9AC5C9248E11}"/>
+                <a16:creationId xmlns:a16="http://schemas.microsoft.com/office/drawing/2014/main" id="{81A8257A-7B9A-BBED-6456-BF8C0C07B209}"/>
               </a:ext>
             </a:extLst>
           </p:cNvPr>
@@ -6194,47 +6125,44 @@
           <a:p>
             <a:r>
               <a:rPr lang="en-US" dirty="0"/>
-              <a:t>FMLA: </a:t>
-            </a:r>
-            <a:r>
-              <a:rPr lang="en-US" u="sng" dirty="0"/>
-              <a:t>Campus</a:t>
-            </a:r>
-          </a:p>
-        </p:txBody>
-      </p:sp>
-      <p:sp>
-        <p:nvSpPr>
-          <p:cNvPr id="3" name="Content Placeholder 2">
-            <a:extLst>
-              <a:ext uri="{FF2B5EF4-FFF2-40B4-BE49-F238E27FC236}">
-                <a16:creationId xmlns:a16="http://schemas.microsoft.com/office/drawing/2014/main" id="{34A0BAC7-649A-6F82-63B4-78AF5AC055C6}"/>
-              </a:ext>
-            </a:extLst>
-          </p:cNvPr>
-          <p:cNvSpPr>
-            <a:spLocks noGrp="1"/>
-          </p:cNvSpPr>
+              <a:t>Frequency of FMLA Lengths (in Days) for Mid Valley RGV</a:t>
+            </a:r>
+          </a:p>
+        </p:txBody>
+      </p:sp>
+      <p:pic>
+        <p:nvPicPr>
+          <p:cNvPr id="5" name="Content Placeholder 4">
+            <a:extLst>
+              <a:ext uri="{FF2B5EF4-FFF2-40B4-BE49-F238E27FC236}">
+                <a16:creationId xmlns:a16="http://schemas.microsoft.com/office/drawing/2014/main" id="{E58FC37E-9BD9-927E-8D88-6848D9E88CDA}"/>
+              </a:ext>
+            </a:extLst>
+          </p:cNvPr>
+          <p:cNvPicPr>
+            <a:picLocks noGrp="1" noChangeAspect="1"/>
+          </p:cNvPicPr>
           <p:nvPr>
             <p:ph idx="1"/>
           </p:nvPr>
-        </p:nvSpPr>
-        <p:spPr/>
-        <p:txBody>
-          <a:bodyPr/>
-          <a:lstStyle/>
-          <a:p>
-            <a:r>
-              <a:rPr lang="en-US" dirty="0"/>
-              <a:t>Campuses in Texas who had teachers that took leave for FMLA </a:t>
-            </a:r>
-          </a:p>
-        </p:txBody>
-      </p:sp>
+        </p:nvPicPr>
+        <p:blipFill>
+          <a:blip r:embed="rId2"/>
+          <a:stretch>
+            <a:fillRect/>
+          </a:stretch>
+        </p:blipFill>
+        <p:spPr>
+          <a:xfrm>
+            <a:off x="1695600" y="1200150"/>
+            <a:ext cx="5752800" cy="3394075"/>
+          </a:xfrm>
+        </p:spPr>
+      </p:pic>
     </p:spTree>
     <p:extLst>
       <p:ext uri="{BB962C8B-B14F-4D97-AF65-F5344CB8AC3E}">
-        <p14:creationId xmlns:p14="http://schemas.microsoft.com/office/powerpoint/2010/main" val="756694295"/>
+        <p14:creationId xmlns:p14="http://schemas.microsoft.com/office/powerpoint/2010/main" val="482197124"/>
       </p:ext>
     </p:extLst>
   </p:cSld>
@@ -6266,7 +6194,7 @@
           <p:cNvPr id="2" name="Title 1">
             <a:extLst>
               <a:ext uri="{FF2B5EF4-FFF2-40B4-BE49-F238E27FC236}">
-                <a16:creationId xmlns:a16="http://schemas.microsoft.com/office/drawing/2014/main" id="{6A638824-3F6C-B8D5-BD1B-268725B07718}"/>
+                <a16:creationId xmlns:a16="http://schemas.microsoft.com/office/drawing/2014/main" id="{D7FC4A51-25D2-3417-E3AF-21BC501732F2}"/>
               </a:ext>
             </a:extLst>
           </p:cNvPr>
@@ -6283,18 +6211,18 @@
           <a:lstStyle/>
           <a:p>
             <a:r>
-              <a:rPr lang="en-US" sz="2800" dirty="0"/>
-              <a:t>Summary Statistics for Teacher Leave from FMLA After Grouping by Campus </a:t>
+              <a:rPr lang="en-US" dirty="0"/>
+              <a:t>Frequency of FMLA Lengths (in Days) for Upper Valley RGV</a:t>
             </a:r>
           </a:p>
         </p:txBody>
       </p:sp>
       <p:pic>
         <p:nvPicPr>
-          <p:cNvPr id="7" name="Content Placeholder 6">
-            <a:extLst>
-              <a:ext uri="{FF2B5EF4-FFF2-40B4-BE49-F238E27FC236}">
-                <a16:creationId xmlns:a16="http://schemas.microsoft.com/office/drawing/2014/main" id="{FBBAE37E-3972-45CF-3A5D-1F101884472D}"/>
+          <p:cNvPr id="5" name="Content Placeholder 4">
+            <a:extLst>
+              <a:ext uri="{FF2B5EF4-FFF2-40B4-BE49-F238E27FC236}">
+                <a16:creationId xmlns:a16="http://schemas.microsoft.com/office/drawing/2014/main" id="{2369BEFD-B7C9-A7C5-5C33-631E2C225AEB}"/>
               </a:ext>
             </a:extLst>
           </p:cNvPr>
@@ -6313,15 +6241,15 @@
         </p:blipFill>
         <p:spPr>
           <a:xfrm>
-            <a:off x="1348766" y="2188031"/>
-            <a:ext cx="6446468" cy="767437"/>
+            <a:off x="553851" y="1333500"/>
+            <a:ext cx="5865135" cy="3443605"/>
           </a:xfrm>
         </p:spPr>
       </p:pic>
     </p:spTree>
     <p:extLst>
       <p:ext uri="{BB962C8B-B14F-4D97-AF65-F5344CB8AC3E}">
-        <p14:creationId xmlns:p14="http://schemas.microsoft.com/office/powerpoint/2010/main" val="527098689"/>
+        <p14:creationId xmlns:p14="http://schemas.microsoft.com/office/powerpoint/2010/main" val="1749205972"/>
       </p:ext>
     </p:extLst>
   </p:cSld>
@@ -6353,7 +6281,7 @@
           <p:cNvPr id="2" name="Title 1">
             <a:extLst>
               <a:ext uri="{FF2B5EF4-FFF2-40B4-BE49-F238E27FC236}">
-                <a16:creationId xmlns:a16="http://schemas.microsoft.com/office/drawing/2014/main" id="{07CE3E82-C41F-47E4-9922-CC3F8CD8CE06}"/>
+                <a16:creationId xmlns:a16="http://schemas.microsoft.com/office/drawing/2014/main" id="{4BF6AEBC-D59D-60EC-7D12-0BE54E2278F3}"/>
               </a:ext>
             </a:extLst>
           </p:cNvPr>
@@ -6371,17 +6299,17 @@
           <a:p>
             <a:r>
               <a:rPr lang="en-US" dirty="0"/>
-              <a:t>Number of Teacher Leaves from FMLA Varied by Campus</a:t>
+              <a:t>Histogram of FMLA Lengths (in Days) for Permian Basin</a:t>
             </a:r>
           </a:p>
         </p:txBody>
       </p:sp>
       <p:pic>
         <p:nvPicPr>
-          <p:cNvPr id="9" name="Content Placeholder 8">
-            <a:extLst>
-              <a:ext uri="{FF2B5EF4-FFF2-40B4-BE49-F238E27FC236}">
-                <a16:creationId xmlns:a16="http://schemas.microsoft.com/office/drawing/2014/main" id="{6D945BE9-539E-7B8A-A3EA-926DEDB8BFD4}"/>
+          <p:cNvPr id="5" name="Content Placeholder 4">
+            <a:extLst>
+              <a:ext uri="{FF2B5EF4-FFF2-40B4-BE49-F238E27FC236}">
+                <a16:creationId xmlns:a16="http://schemas.microsoft.com/office/drawing/2014/main" id="{36CB618B-D6D3-3613-0908-AD0B03877BC6}"/>
               </a:ext>
             </a:extLst>
           </p:cNvPr>
@@ -6400,75 +6328,15 @@
         </p:blipFill>
         <p:spPr>
           <a:xfrm>
-            <a:off x="166390" y="1379220"/>
-            <a:ext cx="2769833" cy="3161664"/>
-          </a:xfrm>
-        </p:spPr>
-      </p:pic>
-      <p:pic>
-        <p:nvPicPr>
-          <p:cNvPr id="11" name="Picture 10">
-            <a:extLst>
-              <a:ext uri="{FF2B5EF4-FFF2-40B4-BE49-F238E27FC236}">
-                <a16:creationId xmlns:a16="http://schemas.microsoft.com/office/drawing/2014/main" id="{B6C6E180-2EAA-4B0B-63AE-1EC2D78BD702}"/>
-              </a:ext>
-            </a:extLst>
-          </p:cNvPr>
-          <p:cNvPicPr>
-            <a:picLocks noChangeAspect="1"/>
-          </p:cNvPicPr>
-          <p:nvPr/>
-        </p:nvPicPr>
-        <p:blipFill>
-          <a:blip r:embed="rId3"/>
-          <a:stretch>
-            <a:fillRect/>
-          </a:stretch>
-        </p:blipFill>
-        <p:spPr>
-          <a:xfrm>
-            <a:off x="3125751" y="1379220"/>
-            <a:ext cx="2832043" cy="3161664"/>
-          </a:xfrm>
-          <a:prstGeom prst="rect">
-            <a:avLst/>
-          </a:prstGeom>
-        </p:spPr>
-      </p:pic>
-      <p:pic>
-        <p:nvPicPr>
-          <p:cNvPr id="13" name="Picture 12">
-            <a:extLst>
-              <a:ext uri="{FF2B5EF4-FFF2-40B4-BE49-F238E27FC236}">
-                <a16:creationId xmlns:a16="http://schemas.microsoft.com/office/drawing/2014/main" id="{AD3341C7-8316-3958-71D5-486B8CE74441}"/>
-              </a:ext>
-            </a:extLst>
-          </p:cNvPr>
-          <p:cNvPicPr>
-            <a:picLocks noChangeAspect="1"/>
-          </p:cNvPicPr>
-          <p:nvPr/>
-        </p:nvPicPr>
-        <p:blipFill>
-          <a:blip r:embed="rId4"/>
-          <a:stretch>
-            <a:fillRect/>
-          </a:stretch>
-        </p:blipFill>
-        <p:spPr>
-          <a:xfrm>
-            <a:off x="6147322" y="1379220"/>
-            <a:ext cx="2906162" cy="2990196"/>
-          </a:xfrm>
-          <a:prstGeom prst="rect">
-            <a:avLst/>
-          </a:prstGeom>
+            <a:off x="645025" y="1291830"/>
+            <a:ext cx="5951116" cy="3530996"/>
+          </a:xfrm>
         </p:spPr>
       </p:pic>
     </p:spTree>
     <p:extLst>
       <p:ext uri="{BB962C8B-B14F-4D97-AF65-F5344CB8AC3E}">
-        <p14:creationId xmlns:p14="http://schemas.microsoft.com/office/powerpoint/2010/main" val="2430876089"/>
+        <p14:creationId xmlns:p14="http://schemas.microsoft.com/office/powerpoint/2010/main" val="545715445"/>
       </p:ext>
     </p:extLst>
   </p:cSld>
@@ -6500,7 +6368,7 @@
           <p:cNvPr id="2" name="Title 1">
             <a:extLst>
               <a:ext uri="{FF2B5EF4-FFF2-40B4-BE49-F238E27FC236}">
-                <a16:creationId xmlns:a16="http://schemas.microsoft.com/office/drawing/2014/main" id="{283F52C0-4790-BC0F-391F-819D46297596}"/>
+                <a16:creationId xmlns:a16="http://schemas.microsoft.com/office/drawing/2014/main" id="{70FC0A62-7588-CD61-C819-20EC292557D3}"/>
               </a:ext>
             </a:extLst>
           </p:cNvPr>
@@ -6511,19 +6379,14 @@
             <p:ph type="title"/>
           </p:nvPr>
         </p:nvSpPr>
-        <p:spPr>
-          <a:xfrm>
-            <a:off x="335280" y="137399"/>
-            <a:ext cx="8724900" cy="441721"/>
-          </a:xfrm>
-        </p:spPr>
+        <p:spPr/>
         <p:txBody>
           <a:bodyPr/>
           <a:lstStyle/>
           <a:p>
             <a:r>
-              <a:rPr lang="en-US" sz="2000" dirty="0"/>
-              <a:t>Number of Teacher Leaves from FMLA were highest in Sports Park</a:t>
+              <a:rPr lang="en-US" dirty="0"/>
+              <a:t>Histogram of FMLA Lengths (in Days) for East San Antonio</a:t>
             </a:r>
           </a:p>
         </p:txBody>
@@ -6533,7 +6396,7 @@
           <p:cNvPr id="5" name="Content Placeholder 4">
             <a:extLst>
               <a:ext uri="{FF2B5EF4-FFF2-40B4-BE49-F238E27FC236}">
-                <a16:creationId xmlns:a16="http://schemas.microsoft.com/office/drawing/2014/main" id="{7990679F-D2D5-F98B-1E11-15B856F4AD4D}"/>
+                <a16:creationId xmlns:a16="http://schemas.microsoft.com/office/drawing/2014/main" id="{601C28C3-96B4-9F00-90B9-60F9C598677B}"/>
               </a:ext>
             </a:extLst>
           </p:cNvPr>
@@ -6552,50 +6415,15 @@
         </p:blipFill>
         <p:spPr>
           <a:xfrm>
-            <a:off x="567405" y="632460"/>
-            <a:ext cx="5794799" cy="4373641"/>
+            <a:off x="748794" y="1286958"/>
+            <a:ext cx="5872986" cy="3444427"/>
           </a:xfrm>
         </p:spPr>
       </p:pic>
-      <p:sp>
-        <p:nvSpPr>
-          <p:cNvPr id="6" name="TextBox 5">
-            <a:extLst>
-              <a:ext uri="{FF2B5EF4-FFF2-40B4-BE49-F238E27FC236}">
-                <a16:creationId xmlns:a16="http://schemas.microsoft.com/office/drawing/2014/main" id="{A201CBCF-79F7-4473-8D6A-C021814C8768}"/>
-              </a:ext>
-            </a:extLst>
-          </p:cNvPr>
-          <p:cNvSpPr txBox="1"/>
-          <p:nvPr/>
-        </p:nvSpPr>
-        <p:spPr>
-          <a:xfrm>
-            <a:off x="6720840" y="2571750"/>
-            <a:ext cx="2225040" cy="1600438"/>
-          </a:xfrm>
-          <a:prstGeom prst="rect">
-            <a:avLst/>
-          </a:prstGeom>
-          <a:noFill/>
-        </p:spPr>
-        <p:txBody>
-          <a:bodyPr wrap="square" rtlCol="0">
-            <a:spAutoFit/>
-          </a:bodyPr>
-          <a:lstStyle/>
-          <a:p>
-            <a:r>
-              <a:rPr lang="en-US" sz="1400" dirty="0"/>
-              <a:t>Number of Teacher FMLA leaves were highest in Sports Park (46) followed by Tres Lagos (36) and Pflugerville (35), and lowest in Monterrey Park (3) and La Joya (3).</a:t>
-            </a:r>
-          </a:p>
-        </p:txBody>
-      </p:sp>
     </p:spTree>
     <p:extLst>
       <p:ext uri="{BB962C8B-B14F-4D97-AF65-F5344CB8AC3E}">
-        <p14:creationId xmlns:p14="http://schemas.microsoft.com/office/powerpoint/2010/main" val="2081153933"/>
+        <p14:creationId xmlns:p14="http://schemas.microsoft.com/office/powerpoint/2010/main" val="2467978160"/>
       </p:ext>
     </p:extLst>
   </p:cSld>
@@ -6627,7 +6455,7 @@
           <p:cNvPr id="2" name="Title 1">
             <a:extLst>
               <a:ext uri="{FF2B5EF4-FFF2-40B4-BE49-F238E27FC236}">
-                <a16:creationId xmlns:a16="http://schemas.microsoft.com/office/drawing/2014/main" id="{A407967A-F0EC-4346-307A-3E17D0C4A4EB}"/>
+                <a16:creationId xmlns:a16="http://schemas.microsoft.com/office/drawing/2014/main" id="{E68654C1-4FF0-59AA-74EC-7983947CCC0A}"/>
               </a:ext>
             </a:extLst>
           </p:cNvPr>
@@ -6645,91 +6473,44 @@
           <a:p>
             <a:r>
               <a:rPr lang="en-US" dirty="0"/>
-              <a:t>FMLA: </a:t>
-            </a:r>
-            <a:r>
-              <a:rPr lang="en-US" u="sng" dirty="0"/>
-              <a:t>Subject</a:t>
-            </a:r>
-          </a:p>
-        </p:txBody>
-      </p:sp>
-      <p:sp>
-        <p:nvSpPr>
-          <p:cNvPr id="3" name="Content Placeholder 2">
-            <a:extLst>
-              <a:ext uri="{FF2B5EF4-FFF2-40B4-BE49-F238E27FC236}">
-                <a16:creationId xmlns:a16="http://schemas.microsoft.com/office/drawing/2014/main" id="{9FAFC360-21DE-2CE8-8D8A-09A7655F010B}"/>
-              </a:ext>
-            </a:extLst>
-          </p:cNvPr>
-          <p:cNvSpPr>
-            <a:spLocks noGrp="1"/>
-          </p:cNvSpPr>
+              <a:t>Frequency of FMLA Lengths (in Days) for West San Antonio</a:t>
+            </a:r>
+          </a:p>
+        </p:txBody>
+      </p:sp>
+      <p:pic>
+        <p:nvPicPr>
+          <p:cNvPr id="5" name="Content Placeholder 4">
+            <a:extLst>
+              <a:ext uri="{FF2B5EF4-FFF2-40B4-BE49-F238E27FC236}">
+                <a16:creationId xmlns:a16="http://schemas.microsoft.com/office/drawing/2014/main" id="{04E9E548-D737-36A4-2841-4886952FB8D7}"/>
+              </a:ext>
+            </a:extLst>
+          </p:cNvPr>
+          <p:cNvPicPr>
+            <a:picLocks noGrp="1" noChangeAspect="1"/>
+          </p:cNvPicPr>
           <p:nvPr>
             <p:ph idx="1"/>
           </p:nvPr>
-        </p:nvSpPr>
-        <p:spPr/>
-        <p:txBody>
-          <a:bodyPr/>
-          <a:lstStyle/>
-          <a:p>
-            <a:r>
-              <a:rPr lang="en-US" b="1" u="sng" dirty="0"/>
-              <a:t>Includes four subjects</a:t>
-            </a:r>
-            <a:r>
-              <a:rPr lang="en-US" dirty="0"/>
-              <a:t>:</a:t>
-            </a:r>
-          </a:p>
-          <a:p>
-            <a:pPr lvl="1">
-              <a:buFont typeface="Arial" panose="020B0604020202020204" pitchFamily="34" charset="0"/>
-              <a:buChar char="•"/>
-            </a:pPr>
-            <a:r>
-              <a:rPr lang="en-US" dirty="0"/>
-              <a:t>Math</a:t>
-            </a:r>
-          </a:p>
-          <a:p>
-            <a:pPr lvl="1">
-              <a:buFont typeface="Arial" panose="020B0604020202020204" pitchFamily="34" charset="0"/>
-              <a:buChar char="•"/>
-            </a:pPr>
-            <a:r>
-              <a:rPr lang="en-US" dirty="0"/>
-              <a:t>English Language Arts</a:t>
-            </a:r>
-          </a:p>
-          <a:p>
-            <a:pPr lvl="1">
-              <a:buFont typeface="Arial" panose="020B0604020202020204" pitchFamily="34" charset="0"/>
-              <a:buChar char="•"/>
-            </a:pPr>
-            <a:r>
-              <a:rPr lang="en-US" dirty="0"/>
-              <a:t>Science</a:t>
-            </a:r>
-          </a:p>
-          <a:p>
-            <a:pPr lvl="1">
-              <a:buFont typeface="Arial" panose="020B0604020202020204" pitchFamily="34" charset="0"/>
-              <a:buChar char="•"/>
-            </a:pPr>
-            <a:r>
-              <a:rPr lang="en-US" dirty="0"/>
-              <a:t>Social Studies</a:t>
-            </a:r>
-          </a:p>
-        </p:txBody>
-      </p:sp>
+        </p:nvPicPr>
+        <p:blipFill>
+          <a:blip r:embed="rId2"/>
+          <a:stretch>
+            <a:fillRect/>
+          </a:stretch>
+        </p:blipFill>
+        <p:spPr>
+          <a:xfrm>
+            <a:off x="808872" y="1260934"/>
+            <a:ext cx="5873867" cy="3508552"/>
+          </a:xfrm>
+        </p:spPr>
+      </p:pic>
     </p:spTree>
     <p:extLst>
       <p:ext uri="{BB962C8B-B14F-4D97-AF65-F5344CB8AC3E}">
-        <p14:creationId xmlns:p14="http://schemas.microsoft.com/office/powerpoint/2010/main" val="290337946"/>
+        <p14:creationId xmlns:p14="http://schemas.microsoft.com/office/powerpoint/2010/main" val="1699884651"/>
       </p:ext>
     </p:extLst>
   </p:cSld>
@@ -6761,7 +6542,7 @@
           <p:cNvPr id="2" name="Title 1">
             <a:extLst>
               <a:ext uri="{FF2B5EF4-FFF2-40B4-BE49-F238E27FC236}">
-                <a16:creationId xmlns:a16="http://schemas.microsoft.com/office/drawing/2014/main" id="{615AF228-4121-FA39-E5D1-09AD1907EEE8}"/>
+                <a16:creationId xmlns:a16="http://schemas.microsoft.com/office/drawing/2014/main" id="{90686A51-A164-34F5-8589-13CCE0AA3DD6}"/>
               </a:ext>
             </a:extLst>
           </p:cNvPr>
@@ -6779,7 +6560,7 @@
           <a:p>
             <a:r>
               <a:rPr lang="en-US" dirty="0"/>
-              <a:t>Summary Statistics for Teacher Leave (in Days) from FMLA by Subject</a:t>
+              <a:t>Frequency of FMLA Lengths (in Days) for Tarrant County</a:t>
             </a:r>
           </a:p>
         </p:txBody>
@@ -6789,7 +6570,7 @@
           <p:cNvPr id="5" name="Content Placeholder 4">
             <a:extLst>
               <a:ext uri="{FF2B5EF4-FFF2-40B4-BE49-F238E27FC236}">
-                <a16:creationId xmlns:a16="http://schemas.microsoft.com/office/drawing/2014/main" id="{E7365EA0-ECB3-D665-53A9-576A2748C7C8}"/>
+                <a16:creationId xmlns:a16="http://schemas.microsoft.com/office/drawing/2014/main" id="{502EBCCC-7A83-2191-C7D5-EB97B3F03B58}"/>
               </a:ext>
             </a:extLst>
           </p:cNvPr>
@@ -6808,54 +6589,15 @@
         </p:blipFill>
         <p:spPr>
           <a:xfrm>
-            <a:off x="650320" y="1798320"/>
-            <a:ext cx="7843359" cy="1314530"/>
+            <a:off x="878047" y="1246110"/>
+            <a:ext cx="6100462" cy="3530996"/>
           </a:xfrm>
         </p:spPr>
       </p:pic>
-      <p:sp>
-        <p:nvSpPr>
-          <p:cNvPr id="6" name="TextBox 5">
-            <a:extLst>
-              <a:ext uri="{FF2B5EF4-FFF2-40B4-BE49-F238E27FC236}">
-                <a16:creationId xmlns:a16="http://schemas.microsoft.com/office/drawing/2014/main" id="{7DF9D3F0-975A-BC31-1B5C-BF2E7717C637}"/>
-              </a:ext>
-            </a:extLst>
-          </p:cNvPr>
-          <p:cNvSpPr txBox="1"/>
-          <p:nvPr/>
-        </p:nvSpPr>
-        <p:spPr>
-          <a:xfrm>
-            <a:off x="650320" y="3665220"/>
-            <a:ext cx="7117080" cy="954107"/>
-          </a:xfrm>
-          <a:prstGeom prst="rect">
-            <a:avLst/>
-          </a:prstGeom>
-          <a:noFill/>
-        </p:spPr>
-        <p:txBody>
-          <a:bodyPr wrap="square" rtlCol="0">
-            <a:spAutoFit/>
-          </a:bodyPr>
-          <a:lstStyle/>
-          <a:p>
-            <a:r>
-              <a:rPr lang="en-US" sz="1400" dirty="0">
-                <a:solidFill>
-                  <a:srgbClr val="2007B9"/>
-                </a:solidFill>
-              </a:rPr>
-              <a:t>The highest median FMLA leave was tied between Math and Science at 86.0 and the lowest median was English Language Arts at 85 days. The largest mean FMLA was for Math (106.3 days) and the lowest was for Social Studies (93.9 days). The largest standard deviation for FMLA was for Math at 71.9 days, and the lowest was for Social Studies at 52.0 days.</a:t>
-            </a:r>
-          </a:p>
-        </p:txBody>
-      </p:sp>
     </p:spTree>
     <p:extLst>
       <p:ext uri="{BB962C8B-B14F-4D97-AF65-F5344CB8AC3E}">
-        <p14:creationId xmlns:p14="http://schemas.microsoft.com/office/powerpoint/2010/main" val="1136914339"/>
+        <p14:creationId xmlns:p14="http://schemas.microsoft.com/office/powerpoint/2010/main" val="907051557"/>
       </p:ext>
     </p:extLst>
   </p:cSld>
@@ -6887,7 +6629,7 @@
           <p:cNvPr id="2" name="Title 1">
             <a:extLst>
               <a:ext uri="{FF2B5EF4-FFF2-40B4-BE49-F238E27FC236}">
-                <a16:creationId xmlns:a16="http://schemas.microsoft.com/office/drawing/2014/main" id="{1716107B-D09E-2788-77BA-10A6BEF32980}"/>
+                <a16:creationId xmlns:a16="http://schemas.microsoft.com/office/drawing/2014/main" id="{52679B77-58AA-91AE-04A1-298ACFE63D09}"/>
               </a:ext>
             </a:extLst>
           </p:cNvPr>
@@ -6905,17 +6647,52 @@
           <a:p>
             <a:r>
               <a:rPr lang="en-US" dirty="0"/>
-              <a:t>Math: Total Days of FMLA</a:t>
+              <a:t>Number of Teacher Leaves from FMLA Varied by Region </a:t>
+            </a:r>
+          </a:p>
+        </p:txBody>
+      </p:sp>
+      <p:sp>
+        <p:nvSpPr>
+          <p:cNvPr id="6" name="TextBox 5">
+            <a:extLst>
+              <a:ext uri="{FF2B5EF4-FFF2-40B4-BE49-F238E27FC236}">
+                <a16:creationId xmlns:a16="http://schemas.microsoft.com/office/drawing/2014/main" id="{F0BAE911-98B4-C2EC-0389-C3D73AA76924}"/>
+              </a:ext>
+            </a:extLst>
+          </p:cNvPr>
+          <p:cNvSpPr txBox="1"/>
+          <p:nvPr/>
+        </p:nvSpPr>
+        <p:spPr>
+          <a:xfrm>
+            <a:off x="6088419" y="2252547"/>
+            <a:ext cx="2386361" cy="954107"/>
+          </a:xfrm>
+          <a:prstGeom prst="rect">
+            <a:avLst/>
+          </a:prstGeom>
+          <a:noFill/>
+        </p:spPr>
+        <p:txBody>
+          <a:bodyPr wrap="square" rtlCol="0">
+            <a:spAutoFit/>
+          </a:bodyPr>
+          <a:lstStyle/>
+          <a:p>
+            <a:r>
+              <a:rPr lang="en-US" sz="1400" dirty="0"/>
+              <a:t>Lower Valley RGV had the highest count of teacher leaves from FMLA, and Permian Basin had the lowest.</a:t>
             </a:r>
           </a:p>
         </p:txBody>
       </p:sp>
       <p:pic>
         <p:nvPicPr>
-          <p:cNvPr id="5" name="Content Placeholder 4">
-            <a:extLst>
-              <a:ext uri="{FF2B5EF4-FFF2-40B4-BE49-F238E27FC236}">
-                <a16:creationId xmlns:a16="http://schemas.microsoft.com/office/drawing/2014/main" id="{7CE7F600-4C58-5F06-0E7D-0F2DC8727A15}"/>
+          <p:cNvPr id="7" name="Content Placeholder 6">
+            <a:extLst>
+              <a:ext uri="{FF2B5EF4-FFF2-40B4-BE49-F238E27FC236}">
+                <a16:creationId xmlns:a16="http://schemas.microsoft.com/office/drawing/2014/main" id="{898DE5A7-369B-C320-DB1A-62406171A20C}"/>
               </a:ext>
             </a:extLst>
           </p:cNvPr>
@@ -6934,15 +6711,15 @@
         </p:blipFill>
         <p:spPr>
           <a:xfrm>
-            <a:off x="1575345" y="1305890"/>
-            <a:ext cx="5993310" cy="3516936"/>
+            <a:off x="669220" y="1590907"/>
+            <a:ext cx="5135844" cy="2751345"/>
           </a:xfrm>
         </p:spPr>
       </p:pic>
     </p:spTree>
     <p:extLst>
       <p:ext uri="{BB962C8B-B14F-4D97-AF65-F5344CB8AC3E}">
-        <p14:creationId xmlns:p14="http://schemas.microsoft.com/office/powerpoint/2010/main" val="2871546903"/>
+        <p14:creationId xmlns:p14="http://schemas.microsoft.com/office/powerpoint/2010/main" val="980250847"/>
       </p:ext>
     </p:extLst>
   </p:cSld>
@@ -6974,7 +6751,7 @@
           <p:cNvPr id="2" name="Title 1">
             <a:extLst>
               <a:ext uri="{FF2B5EF4-FFF2-40B4-BE49-F238E27FC236}">
-                <a16:creationId xmlns:a16="http://schemas.microsoft.com/office/drawing/2014/main" id="{E94856AA-C187-F638-C4CD-1A19FF2E0E48}"/>
+                <a16:creationId xmlns:a16="http://schemas.microsoft.com/office/drawing/2014/main" id="{28D5521C-48D0-B610-862A-4789FBA92E74}"/>
               </a:ext>
             </a:extLst>
           </p:cNvPr>
@@ -6985,24 +6762,33 @@
             <p:ph type="title"/>
           </p:nvPr>
         </p:nvSpPr>
-        <p:spPr/>
+        <p:spPr>
+          <a:xfrm>
+            <a:off x="329783" y="205979"/>
+            <a:ext cx="8476937" cy="857250"/>
+          </a:xfrm>
+        </p:spPr>
         <p:txBody>
           <a:bodyPr/>
           <a:lstStyle/>
           <a:p>
             <a:r>
+              <a:rPr lang="en-US" sz="2800" dirty="0"/>
+              <a:t>Number of Teacher Leaves from FMLA were Highest in Lower Valley RGV, Followed by Austin</a:t>
+            </a:r>
+            <a:r>
               <a:rPr lang="en-US" dirty="0"/>
-              <a:t>English Language Arts: Total Days of FMLA</a:t>
+              <a:t>.</a:t>
             </a:r>
           </a:p>
         </p:txBody>
       </p:sp>
       <p:pic>
         <p:nvPicPr>
-          <p:cNvPr id="5" name="Content Placeholder 4">
-            <a:extLst>
-              <a:ext uri="{FF2B5EF4-FFF2-40B4-BE49-F238E27FC236}">
-                <a16:creationId xmlns:a16="http://schemas.microsoft.com/office/drawing/2014/main" id="{E2BDF471-A152-5ED8-A170-CFE8709A4C5A}"/>
+          <p:cNvPr id="11" name="Content Placeholder 10">
+            <a:extLst>
+              <a:ext uri="{FF2B5EF4-FFF2-40B4-BE49-F238E27FC236}">
+                <a16:creationId xmlns:a16="http://schemas.microsoft.com/office/drawing/2014/main" id="{FE95FB40-14C7-63AC-F82A-7178326B0A45}"/>
               </a:ext>
             </a:extLst>
           </p:cNvPr>
@@ -7021,15 +6807,50 @@
         </p:blipFill>
         <p:spPr>
           <a:xfrm>
-            <a:off x="1487366" y="1329330"/>
-            <a:ext cx="5942134" cy="3493496"/>
+            <a:off x="508598" y="1251804"/>
+            <a:ext cx="6048144" cy="3627359"/>
           </a:xfrm>
         </p:spPr>
       </p:pic>
+      <p:sp>
+        <p:nvSpPr>
+          <p:cNvPr id="12" name="TextBox 11">
+            <a:extLst>
+              <a:ext uri="{FF2B5EF4-FFF2-40B4-BE49-F238E27FC236}">
+                <a16:creationId xmlns:a16="http://schemas.microsoft.com/office/drawing/2014/main" id="{9A1BBCC1-A79A-F3D5-94C5-EB87B4059619}"/>
+              </a:ext>
+            </a:extLst>
+          </p:cNvPr>
+          <p:cNvSpPr txBox="1"/>
+          <p:nvPr/>
+        </p:nvSpPr>
+        <p:spPr>
+          <a:xfrm>
+            <a:off x="6772181" y="2571750"/>
+            <a:ext cx="2034539" cy="1600438"/>
+          </a:xfrm>
+          <a:prstGeom prst="rect">
+            <a:avLst/>
+          </a:prstGeom>
+          <a:noFill/>
+        </p:spPr>
+        <p:txBody>
+          <a:bodyPr wrap="square" rtlCol="0">
+            <a:spAutoFit/>
+          </a:bodyPr>
+          <a:lstStyle/>
+          <a:p>
+            <a:r>
+              <a:rPr lang="en-US" sz="1400" dirty="0"/>
+              <a:t>The highest number of Teacher leaves from FMLA was in the Lower Valley RGV (140) and Austin (127), and the lowest was in Permian Basin (9).</a:t>
+            </a:r>
+          </a:p>
+        </p:txBody>
+      </p:sp>
     </p:spTree>
     <p:extLst>
       <p:ext uri="{BB962C8B-B14F-4D97-AF65-F5344CB8AC3E}">
-        <p14:creationId xmlns:p14="http://schemas.microsoft.com/office/powerpoint/2010/main" val="354881332"/>
+        <p14:creationId xmlns:p14="http://schemas.microsoft.com/office/powerpoint/2010/main" val="1183491755"/>
       </p:ext>
     </p:extLst>
   </p:cSld>
@@ -7151,7 +6972,7 @@
           <p:cNvPr id="2" name="Title 1">
             <a:extLst>
               <a:ext uri="{FF2B5EF4-FFF2-40B4-BE49-F238E27FC236}">
-                <a16:creationId xmlns:a16="http://schemas.microsoft.com/office/drawing/2014/main" id="{4CE03180-0DB4-0A7D-AC41-782539C8A7A3}"/>
+                <a16:creationId xmlns:a16="http://schemas.microsoft.com/office/drawing/2014/main" id="{8F7C4C28-06A3-6115-AFD8-9AC5C9248E11}"/>
               </a:ext>
             </a:extLst>
           </p:cNvPr>
@@ -7169,44 +6990,47 @@
           <a:p>
             <a:r>
               <a:rPr lang="en-US" dirty="0"/>
-              <a:t>Science: Total Days of FMLA</a:t>
-            </a:r>
-          </a:p>
-        </p:txBody>
-      </p:sp>
-      <p:pic>
-        <p:nvPicPr>
-          <p:cNvPr id="5" name="Content Placeholder 4">
-            <a:extLst>
-              <a:ext uri="{FF2B5EF4-FFF2-40B4-BE49-F238E27FC236}">
-                <a16:creationId xmlns:a16="http://schemas.microsoft.com/office/drawing/2014/main" id="{E7783261-EB79-E1B8-DB45-FD4000639808}"/>
-              </a:ext>
-            </a:extLst>
-          </p:cNvPr>
-          <p:cNvPicPr>
-            <a:picLocks noGrp="1" noChangeAspect="1"/>
-          </p:cNvPicPr>
+              <a:t>FMLA: </a:t>
+            </a:r>
+            <a:r>
+              <a:rPr lang="en-US" u="sng" dirty="0"/>
+              <a:t>Campus</a:t>
+            </a:r>
+          </a:p>
+        </p:txBody>
+      </p:sp>
+      <p:sp>
+        <p:nvSpPr>
+          <p:cNvPr id="3" name="Content Placeholder 2">
+            <a:extLst>
+              <a:ext uri="{FF2B5EF4-FFF2-40B4-BE49-F238E27FC236}">
+                <a16:creationId xmlns:a16="http://schemas.microsoft.com/office/drawing/2014/main" id="{34A0BAC7-649A-6F82-63B4-78AF5AC055C6}"/>
+              </a:ext>
+            </a:extLst>
+          </p:cNvPr>
+          <p:cNvSpPr>
+            <a:spLocks noGrp="1"/>
+          </p:cNvSpPr>
           <p:nvPr>
             <p:ph idx="1"/>
           </p:nvPr>
-        </p:nvPicPr>
-        <p:blipFill>
-          <a:blip r:embed="rId2"/>
-          <a:stretch>
-            <a:fillRect/>
-          </a:stretch>
-        </p:blipFill>
-        <p:spPr>
-          <a:xfrm>
-            <a:off x="1466731" y="1249680"/>
-            <a:ext cx="5871639" cy="3519806"/>
-          </a:xfrm>
-        </p:spPr>
-      </p:pic>
+        </p:nvSpPr>
+        <p:spPr/>
+        <p:txBody>
+          <a:bodyPr/>
+          <a:lstStyle/>
+          <a:p>
+            <a:r>
+              <a:rPr lang="en-US" dirty="0"/>
+              <a:t>Campuses in Texas who had teachers that took leave for FMLA </a:t>
+            </a:r>
+          </a:p>
+        </p:txBody>
+      </p:sp>
     </p:spTree>
     <p:extLst>
       <p:ext uri="{BB962C8B-B14F-4D97-AF65-F5344CB8AC3E}">
-        <p14:creationId xmlns:p14="http://schemas.microsoft.com/office/powerpoint/2010/main" val="1044918234"/>
+        <p14:creationId xmlns:p14="http://schemas.microsoft.com/office/powerpoint/2010/main" val="756694295"/>
       </p:ext>
     </p:extLst>
   </p:cSld>
@@ -7238,7 +7062,7 @@
           <p:cNvPr id="2" name="Title 1">
             <a:extLst>
               <a:ext uri="{FF2B5EF4-FFF2-40B4-BE49-F238E27FC236}">
-                <a16:creationId xmlns:a16="http://schemas.microsoft.com/office/drawing/2014/main" id="{6CD2BA1D-FC0B-59FD-BE75-A9943BCCD6E1}"/>
+                <a16:creationId xmlns:a16="http://schemas.microsoft.com/office/drawing/2014/main" id="{3F0DA002-1E78-DF3A-C6B6-4C57AE820B91}"/>
               </a:ext>
             </a:extLst>
           </p:cNvPr>
@@ -7249,14 +7073,26 @@
             <p:ph type="title"/>
           </p:nvPr>
         </p:nvSpPr>
-        <p:spPr/>
+        <p:spPr>
+          <a:xfrm>
+            <a:off x="457200" y="120650"/>
+            <a:ext cx="8229600" cy="857250"/>
+          </a:xfrm>
+        </p:spPr>
         <p:txBody>
           <a:bodyPr/>
           <a:lstStyle/>
           <a:p>
             <a:r>
-              <a:rPr lang="en-US" dirty="0"/>
-              <a:t>Social Studies: Total Days of FMLA</a:t>
+              <a:rPr lang="en-US" sz="2400" dirty="0"/>
+              <a:t>Median, Mean, and SD by Campus</a:t>
+            </a:r>
+            <a:br>
+              <a:rPr lang="en-US" sz="2400" dirty="0"/>
+            </a:br>
+            <a:r>
+              <a:rPr lang="en-US" sz="2400" dirty="0"/>
+              <a:t>for Teacher Leave from FMLA (in Days) – Part 1</a:t>
             </a:r>
           </a:p>
         </p:txBody>
@@ -7266,7 +7102,7 @@
           <p:cNvPr id="5" name="Content Placeholder 4">
             <a:extLst>
               <a:ext uri="{FF2B5EF4-FFF2-40B4-BE49-F238E27FC236}">
-                <a16:creationId xmlns:a16="http://schemas.microsoft.com/office/drawing/2014/main" id="{54B7AB2B-DAA2-F4FA-0159-B0D587DEA1E6}"/>
+                <a16:creationId xmlns:a16="http://schemas.microsoft.com/office/drawing/2014/main" id="{B564F7C4-2B5C-04AC-60A0-453766EF40D6}"/>
               </a:ext>
             </a:extLst>
           </p:cNvPr>
@@ -7285,15 +7121,15 @@
         </p:blipFill>
         <p:spPr>
           <a:xfrm>
-            <a:off x="1477318" y="1191482"/>
-            <a:ext cx="6058862" cy="3578004"/>
+            <a:off x="1734738" y="977900"/>
+            <a:ext cx="5420442" cy="3927773"/>
           </a:xfrm>
         </p:spPr>
       </p:pic>
     </p:spTree>
     <p:extLst>
       <p:ext uri="{BB962C8B-B14F-4D97-AF65-F5344CB8AC3E}">
-        <p14:creationId xmlns:p14="http://schemas.microsoft.com/office/powerpoint/2010/main" val="3486417284"/>
+        <p14:creationId xmlns:p14="http://schemas.microsoft.com/office/powerpoint/2010/main" val="1162580884"/>
       </p:ext>
     </p:extLst>
   </p:cSld>
@@ -7325,7 +7161,7 @@
           <p:cNvPr id="2" name="Title 1">
             <a:extLst>
               <a:ext uri="{FF2B5EF4-FFF2-40B4-BE49-F238E27FC236}">
-                <a16:creationId xmlns:a16="http://schemas.microsoft.com/office/drawing/2014/main" id="{5D0B6CA8-410C-24EA-39BD-7F06BF46AF24}"/>
+                <a16:creationId xmlns:a16="http://schemas.microsoft.com/office/drawing/2014/main" id="{3F0DA002-1E78-DF3A-C6B6-4C57AE820B91}"/>
               </a:ext>
             </a:extLst>
           </p:cNvPr>
@@ -7336,31 +7172,36 @@
             <p:ph type="title"/>
           </p:nvPr>
         </p:nvSpPr>
-        <p:spPr/>
+        <p:spPr>
+          <a:xfrm>
+            <a:off x="457200" y="84059"/>
+            <a:ext cx="8229600" cy="857250"/>
+          </a:xfrm>
+        </p:spPr>
         <p:txBody>
           <a:bodyPr/>
           <a:lstStyle/>
           <a:p>
             <a:r>
-              <a:rPr lang="en-US" dirty="0"/>
-              <a:t>Number of Leaves Taken </a:t>
+              <a:rPr lang="en-US" sz="2400" dirty="0"/>
+              <a:t>Median, Mean, and SD by Campus</a:t>
             </a:r>
             <a:br>
-              <a:rPr lang="en-US" dirty="0"/>
+              <a:rPr lang="en-US" sz="2400" dirty="0"/>
             </a:br>
             <a:r>
-              <a:rPr lang="en-US" dirty="0"/>
-              <a:t>for FMLA by Subject</a:t>
+              <a:rPr lang="en-US" sz="2400" dirty="0"/>
+              <a:t>for Teacher Leave from FMLA (in Days) – Part 2</a:t>
             </a:r>
           </a:p>
         </p:txBody>
       </p:sp>
       <p:pic>
         <p:nvPicPr>
-          <p:cNvPr id="5" name="Content Placeholder 4">
-            <a:extLst>
-              <a:ext uri="{FF2B5EF4-FFF2-40B4-BE49-F238E27FC236}">
-                <a16:creationId xmlns:a16="http://schemas.microsoft.com/office/drawing/2014/main" id="{6AE6EB76-9877-3F1C-CB02-D6DBBE3C82A9}"/>
+          <p:cNvPr id="6" name="Content Placeholder 5">
+            <a:extLst>
+              <a:ext uri="{FF2B5EF4-FFF2-40B4-BE49-F238E27FC236}">
+                <a16:creationId xmlns:a16="http://schemas.microsoft.com/office/drawing/2014/main" id="{23DB210D-01A1-25E3-86BE-8C14894F3223}"/>
               </a:ext>
             </a:extLst>
           </p:cNvPr>
@@ -7379,58 +7220,15 @@
         </p:blipFill>
         <p:spPr>
           <a:xfrm>
-            <a:off x="1422549" y="1649135"/>
-            <a:ext cx="6184599" cy="1599010"/>
+            <a:off x="1618356" y="1035104"/>
+            <a:ext cx="5475864" cy="3863922"/>
           </a:xfrm>
         </p:spPr>
       </p:pic>
-      <p:sp>
-        <p:nvSpPr>
-          <p:cNvPr id="6" name="TextBox 5">
-            <a:extLst>
-              <a:ext uri="{FF2B5EF4-FFF2-40B4-BE49-F238E27FC236}">
-                <a16:creationId xmlns:a16="http://schemas.microsoft.com/office/drawing/2014/main" id="{6FE6C36E-7919-5F2E-71EA-6EEF94F424A3}"/>
-              </a:ext>
-            </a:extLst>
-          </p:cNvPr>
-          <p:cNvSpPr txBox="1"/>
-          <p:nvPr/>
-        </p:nvSpPr>
-        <p:spPr>
-          <a:xfrm>
-            <a:off x="1722120" y="3676769"/>
-            <a:ext cx="5166360" cy="954107"/>
-          </a:xfrm>
-          <a:prstGeom prst="rect">
-            <a:avLst/>
-          </a:prstGeom>
-          <a:noFill/>
-        </p:spPr>
-        <p:txBody>
-          <a:bodyPr wrap="square" rtlCol="0">
-            <a:spAutoFit/>
-          </a:bodyPr>
-          <a:lstStyle/>
-          <a:p>
-            <a:r>
-              <a:rPr lang="en-US" sz="1400" dirty="0">
-                <a:solidFill>
-                  <a:srgbClr val="2007B9"/>
-                </a:solidFill>
-              </a:rPr>
-              <a:t>English Language Arts had the highest count of teachers leaves from FMLA for any subject at 285 leaves. This was followed by Math at 216 leaves and Science at 198 leaves. Social Studies was the subject with the fewest count of teacher leaves from FMLA, with 160 leaves</a:t>
-            </a:r>
-            <a:r>
-              <a:rPr lang="en-US" sz="1400" dirty="0"/>
-              <a:t>.</a:t>
-            </a:r>
-          </a:p>
-        </p:txBody>
-      </p:sp>
     </p:spTree>
     <p:extLst>
       <p:ext uri="{BB962C8B-B14F-4D97-AF65-F5344CB8AC3E}">
-        <p14:creationId xmlns:p14="http://schemas.microsoft.com/office/powerpoint/2010/main" val="1903250323"/>
+        <p14:creationId xmlns:p14="http://schemas.microsoft.com/office/powerpoint/2010/main" val="2856569222"/>
       </p:ext>
     </p:extLst>
   </p:cSld>
@@ -7462,7 +7260,7 @@
           <p:cNvPr id="2" name="Title 1">
             <a:extLst>
               <a:ext uri="{FF2B5EF4-FFF2-40B4-BE49-F238E27FC236}">
-                <a16:creationId xmlns:a16="http://schemas.microsoft.com/office/drawing/2014/main" id="{8BB05A6B-A67D-F3AA-432F-16E3977BD08C}"/>
+                <a16:creationId xmlns:a16="http://schemas.microsoft.com/office/drawing/2014/main" id="{07CE3E82-C41F-47E4-9922-CC3F8CD8CE06}"/>
               </a:ext>
             </a:extLst>
           </p:cNvPr>
@@ -7480,17 +7278,17 @@
           <a:p>
             <a:r>
               <a:rPr lang="en-US" dirty="0"/>
-              <a:t>Number of Teacher Leaves from FMLA Varied by Subject</a:t>
+              <a:t>Number of Teacher Leaves from FMLA Varied by Campus</a:t>
             </a:r>
           </a:p>
         </p:txBody>
       </p:sp>
       <p:pic>
         <p:nvPicPr>
-          <p:cNvPr id="5" name="Content Placeholder 4">
-            <a:extLst>
-              <a:ext uri="{FF2B5EF4-FFF2-40B4-BE49-F238E27FC236}">
-                <a16:creationId xmlns:a16="http://schemas.microsoft.com/office/drawing/2014/main" id="{FB4CB6FD-695F-ED55-684A-220941901288}"/>
+          <p:cNvPr id="9" name="Content Placeholder 8">
+            <a:extLst>
+              <a:ext uri="{FF2B5EF4-FFF2-40B4-BE49-F238E27FC236}">
+                <a16:creationId xmlns:a16="http://schemas.microsoft.com/office/drawing/2014/main" id="{6D945BE9-539E-7B8A-A3EA-926DEDB8BFD4}"/>
               </a:ext>
             </a:extLst>
           </p:cNvPr>
@@ -7509,54 +7307,75 @@
         </p:blipFill>
         <p:spPr>
           <a:xfrm>
-            <a:off x="403860" y="1289938"/>
-            <a:ext cx="5883157" cy="3540508"/>
+            <a:off x="166390" y="1379220"/>
+            <a:ext cx="2769833" cy="3161664"/>
           </a:xfrm>
         </p:spPr>
       </p:pic>
-      <p:sp>
-        <p:nvSpPr>
-          <p:cNvPr id="6" name="TextBox 5">
-            <a:extLst>
-              <a:ext uri="{FF2B5EF4-FFF2-40B4-BE49-F238E27FC236}">
-                <a16:creationId xmlns:a16="http://schemas.microsoft.com/office/drawing/2014/main" id="{B113BD69-5179-9253-4A82-A739D4B5D60F}"/>
-              </a:ext>
-            </a:extLst>
-          </p:cNvPr>
-          <p:cNvSpPr txBox="1"/>
+      <p:pic>
+        <p:nvPicPr>
+          <p:cNvPr id="11" name="Picture 10">
+            <a:extLst>
+              <a:ext uri="{FF2B5EF4-FFF2-40B4-BE49-F238E27FC236}">
+                <a16:creationId xmlns:a16="http://schemas.microsoft.com/office/drawing/2014/main" id="{B6C6E180-2EAA-4B0B-63AE-1EC2D78BD702}"/>
+              </a:ext>
+            </a:extLst>
+          </p:cNvPr>
+          <p:cNvPicPr>
+            <a:picLocks noChangeAspect="1"/>
+          </p:cNvPicPr>
           <p:nvPr/>
-        </p:nvSpPr>
-        <p:spPr>
-          <a:xfrm>
-            <a:off x="6614160" y="2179320"/>
-            <a:ext cx="2072640" cy="2031325"/>
+        </p:nvPicPr>
+        <p:blipFill>
+          <a:blip r:embed="rId3"/>
+          <a:stretch>
+            <a:fillRect/>
+          </a:stretch>
+        </p:blipFill>
+        <p:spPr>
+          <a:xfrm>
+            <a:off x="3125751" y="1379220"/>
+            <a:ext cx="2832043" cy="3161664"/>
           </a:xfrm>
           <a:prstGeom prst="rect">
             <a:avLst/>
           </a:prstGeom>
-          <a:noFill/>
-        </p:spPr>
-        <p:txBody>
-          <a:bodyPr wrap="square" rtlCol="0">
-            <a:spAutoFit/>
-          </a:bodyPr>
-          <a:lstStyle/>
-          <a:p>
-            <a:r>
-              <a:rPr lang="en-US" sz="1400" dirty="0">
-                <a:solidFill>
-                  <a:srgbClr val="2007B9"/>
-                </a:solidFill>
-              </a:rPr>
-              <a:t>English Language Arts had the highest count of FMLA leaves by teachers at 285, followed by Math at 216 leaves. Next was Science with 198 leaves, and last was Social Studies with 60 teacher leaves from FMLA.</a:t>
-            </a:r>
-          </a:p>
-        </p:txBody>
-      </p:sp>
+        </p:spPr>
+      </p:pic>
+      <p:pic>
+        <p:nvPicPr>
+          <p:cNvPr id="13" name="Picture 12">
+            <a:extLst>
+              <a:ext uri="{FF2B5EF4-FFF2-40B4-BE49-F238E27FC236}">
+                <a16:creationId xmlns:a16="http://schemas.microsoft.com/office/drawing/2014/main" id="{AD3341C7-8316-3958-71D5-486B8CE74441}"/>
+              </a:ext>
+            </a:extLst>
+          </p:cNvPr>
+          <p:cNvPicPr>
+            <a:picLocks noChangeAspect="1"/>
+          </p:cNvPicPr>
+          <p:nvPr/>
+        </p:nvPicPr>
+        <p:blipFill>
+          <a:blip r:embed="rId4"/>
+          <a:stretch>
+            <a:fillRect/>
+          </a:stretch>
+        </p:blipFill>
+        <p:spPr>
+          <a:xfrm>
+            <a:off x="6147322" y="1379220"/>
+            <a:ext cx="2906162" cy="2990196"/>
+          </a:xfrm>
+          <a:prstGeom prst="rect">
+            <a:avLst/>
+          </a:prstGeom>
+        </p:spPr>
+      </p:pic>
     </p:spTree>
     <p:extLst>
       <p:ext uri="{BB962C8B-B14F-4D97-AF65-F5344CB8AC3E}">
-        <p14:creationId xmlns:p14="http://schemas.microsoft.com/office/powerpoint/2010/main" val="2824425630"/>
+        <p14:creationId xmlns:p14="http://schemas.microsoft.com/office/powerpoint/2010/main" val="2430876089"/>
       </p:ext>
     </p:extLst>
   </p:cSld>
@@ -7588,7 +7407,7 @@
           <p:cNvPr id="2" name="Title 1">
             <a:extLst>
               <a:ext uri="{FF2B5EF4-FFF2-40B4-BE49-F238E27FC236}">
-                <a16:creationId xmlns:a16="http://schemas.microsoft.com/office/drawing/2014/main" id="{372C24AE-AF40-AE72-E99C-95F2B0955CC7}"/>
+                <a16:creationId xmlns:a16="http://schemas.microsoft.com/office/drawing/2014/main" id="{6A638824-3F6C-B8D5-BD1B-268725B07718}"/>
               </a:ext>
             </a:extLst>
           </p:cNvPr>
@@ -7606,17 +7425,17 @@
           <a:p>
             <a:r>
               <a:rPr lang="en-US" sz="2800" dirty="0"/>
-              <a:t>Summary Statistics for Number Teacher Leaves from FMLA, After Grouping by Subject </a:t>
+              <a:t>Summary Statistics for Number of Teacher Leaves from FMLA After Grouping by Campus </a:t>
             </a:r>
           </a:p>
         </p:txBody>
       </p:sp>
       <p:pic>
         <p:nvPicPr>
-          <p:cNvPr id="5" name="Content Placeholder 4">
-            <a:extLst>
-              <a:ext uri="{FF2B5EF4-FFF2-40B4-BE49-F238E27FC236}">
-                <a16:creationId xmlns:a16="http://schemas.microsoft.com/office/drawing/2014/main" id="{1695EA2A-00CC-B90C-9A29-129F265C7784}"/>
+          <p:cNvPr id="7" name="Content Placeholder 6">
+            <a:extLst>
+              <a:ext uri="{FF2B5EF4-FFF2-40B4-BE49-F238E27FC236}">
+                <a16:creationId xmlns:a16="http://schemas.microsoft.com/office/drawing/2014/main" id="{FBBAE37E-3972-45CF-3A5D-1F101884472D}"/>
               </a:ext>
             </a:extLst>
           </p:cNvPr>
@@ -7635,54 +7454,15 @@
         </p:blipFill>
         <p:spPr>
           <a:xfrm>
-            <a:off x="816294" y="2174249"/>
-            <a:ext cx="7870506" cy="795001"/>
+            <a:off x="1348766" y="2188031"/>
+            <a:ext cx="6446468" cy="767437"/>
           </a:xfrm>
         </p:spPr>
       </p:pic>
-      <p:sp>
-        <p:nvSpPr>
-          <p:cNvPr id="6" name="TextBox 5">
-            <a:extLst>
-              <a:ext uri="{FF2B5EF4-FFF2-40B4-BE49-F238E27FC236}">
-                <a16:creationId xmlns:a16="http://schemas.microsoft.com/office/drawing/2014/main" id="{93BFEFBE-80E2-5D83-5F41-ADCA37EBDF9D}"/>
-              </a:ext>
-            </a:extLst>
-          </p:cNvPr>
-          <p:cNvSpPr txBox="1"/>
-          <p:nvPr/>
-        </p:nvSpPr>
-        <p:spPr>
-          <a:xfrm>
-            <a:off x="1794510" y="3603216"/>
-            <a:ext cx="5554980" cy="954107"/>
-          </a:xfrm>
-          <a:prstGeom prst="rect">
-            <a:avLst/>
-          </a:prstGeom>
-          <a:noFill/>
-        </p:spPr>
-        <p:txBody>
-          <a:bodyPr wrap="square" rtlCol="0">
-            <a:spAutoFit/>
-          </a:bodyPr>
-          <a:lstStyle/>
-          <a:p>
-            <a:r>
-              <a:rPr lang="en-US" sz="1400" dirty="0">
-                <a:solidFill>
-                  <a:srgbClr val="2007B9"/>
-                </a:solidFill>
-              </a:rPr>
-              <a:t>English Language Arts and Math were above both the mean and median when looking at teacher leaves from FMLA by subject. Science and Social Studies were the subjects that were both below the median and mean count after grouping by subject.</a:t>
-            </a:r>
-          </a:p>
-        </p:txBody>
-      </p:sp>
     </p:spTree>
     <p:extLst>
       <p:ext uri="{BB962C8B-B14F-4D97-AF65-F5344CB8AC3E}">
-        <p14:creationId xmlns:p14="http://schemas.microsoft.com/office/powerpoint/2010/main" val="3788115464"/>
+        <p14:creationId xmlns:p14="http://schemas.microsoft.com/office/powerpoint/2010/main" val="527098689"/>
       </p:ext>
     </p:extLst>
   </p:cSld>
@@ -7714,7 +7494,7 @@
           <p:cNvPr id="2" name="Title 1">
             <a:extLst>
               <a:ext uri="{FF2B5EF4-FFF2-40B4-BE49-F238E27FC236}">
-                <a16:creationId xmlns:a16="http://schemas.microsoft.com/office/drawing/2014/main" id="{BF18B49F-E802-C85F-2585-24851F4C4A80}"/>
+                <a16:creationId xmlns:a16="http://schemas.microsoft.com/office/drawing/2014/main" id="{283F52C0-4790-BC0F-391F-819D46297596}"/>
               </a:ext>
             </a:extLst>
           </p:cNvPr>
@@ -7725,44 +7505,91 @@
             <p:ph type="title"/>
           </p:nvPr>
         </p:nvSpPr>
-        <p:spPr/>
+        <p:spPr>
+          <a:xfrm>
+            <a:off x="335280" y="137399"/>
+            <a:ext cx="8724900" cy="441721"/>
+          </a:xfrm>
+        </p:spPr>
         <p:txBody>
           <a:bodyPr/>
           <a:lstStyle/>
           <a:p>
-            <a:endParaRPr lang="en-US"/>
-          </a:p>
-        </p:txBody>
-      </p:sp>
-      <p:sp>
-        <p:nvSpPr>
-          <p:cNvPr id="3" name="Content Placeholder 2">
-            <a:extLst>
-              <a:ext uri="{FF2B5EF4-FFF2-40B4-BE49-F238E27FC236}">
-                <a16:creationId xmlns:a16="http://schemas.microsoft.com/office/drawing/2014/main" id="{AFAC237D-1EF5-6502-F69A-EBAD2F4266BD}"/>
-              </a:ext>
-            </a:extLst>
-          </p:cNvPr>
-          <p:cNvSpPr>
-            <a:spLocks noGrp="1"/>
-          </p:cNvSpPr>
+            <a:r>
+              <a:rPr lang="en-US" sz="2000" dirty="0"/>
+              <a:t>Number of Teacher Leaves from FMLA were highest in Sports Park</a:t>
+            </a:r>
+          </a:p>
+        </p:txBody>
+      </p:sp>
+      <p:pic>
+        <p:nvPicPr>
+          <p:cNvPr id="5" name="Content Placeholder 4">
+            <a:extLst>
+              <a:ext uri="{FF2B5EF4-FFF2-40B4-BE49-F238E27FC236}">
+                <a16:creationId xmlns:a16="http://schemas.microsoft.com/office/drawing/2014/main" id="{7990679F-D2D5-F98B-1E11-15B856F4AD4D}"/>
+              </a:ext>
+            </a:extLst>
+          </p:cNvPr>
+          <p:cNvPicPr>
+            <a:picLocks noGrp="1" noChangeAspect="1"/>
+          </p:cNvPicPr>
           <p:nvPr>
             <p:ph idx="1"/>
           </p:nvPr>
-        </p:nvSpPr>
-        <p:spPr/>
-        <p:txBody>
-          <a:bodyPr/>
+        </p:nvPicPr>
+        <p:blipFill>
+          <a:blip r:embed="rId2"/>
+          <a:stretch>
+            <a:fillRect/>
+          </a:stretch>
+        </p:blipFill>
+        <p:spPr>
+          <a:xfrm>
+            <a:off x="567405" y="632460"/>
+            <a:ext cx="5794799" cy="4373641"/>
+          </a:xfrm>
+        </p:spPr>
+      </p:pic>
+      <p:sp>
+        <p:nvSpPr>
+          <p:cNvPr id="6" name="TextBox 5">
+            <a:extLst>
+              <a:ext uri="{FF2B5EF4-FFF2-40B4-BE49-F238E27FC236}">
+                <a16:creationId xmlns:a16="http://schemas.microsoft.com/office/drawing/2014/main" id="{A201CBCF-79F7-4473-8D6A-C021814C8768}"/>
+              </a:ext>
+            </a:extLst>
+          </p:cNvPr>
+          <p:cNvSpPr txBox="1"/>
+          <p:nvPr/>
+        </p:nvSpPr>
+        <p:spPr>
+          <a:xfrm>
+            <a:off x="6720840" y="2571750"/>
+            <a:ext cx="2225040" cy="1600438"/>
+          </a:xfrm>
+          <a:prstGeom prst="rect">
+            <a:avLst/>
+          </a:prstGeom>
+          <a:noFill/>
+        </p:spPr>
+        <p:txBody>
+          <a:bodyPr wrap="square" rtlCol="0">
+            <a:spAutoFit/>
+          </a:bodyPr>
           <a:lstStyle/>
           <a:p>
-            <a:endParaRPr lang="en-US"/>
+            <a:r>
+              <a:rPr lang="en-US" sz="1400" dirty="0"/>
+              <a:t>Number of Teacher FMLA leaves were highest in Sports Park (46) followed by Tres Lagos (36) and Pflugerville (35), and lowest in Monterrey Park (3) and La Joya (3).</a:t>
+            </a:r>
           </a:p>
         </p:txBody>
       </p:sp>
     </p:spTree>
     <p:extLst>
       <p:ext uri="{BB962C8B-B14F-4D97-AF65-F5344CB8AC3E}">
-        <p14:creationId xmlns:p14="http://schemas.microsoft.com/office/powerpoint/2010/main" val="3648049151"/>
+        <p14:creationId xmlns:p14="http://schemas.microsoft.com/office/powerpoint/2010/main" val="2081153933"/>
       </p:ext>
     </p:extLst>
   </p:cSld>
@@ -7794,7 +7621,7 @@
           <p:cNvPr id="2" name="Title 1">
             <a:extLst>
               <a:ext uri="{FF2B5EF4-FFF2-40B4-BE49-F238E27FC236}">
-                <a16:creationId xmlns:a16="http://schemas.microsoft.com/office/drawing/2014/main" id="{C38B7FEB-CC8D-A44A-3BAA-CC3CD4F65660}"/>
+                <a16:creationId xmlns:a16="http://schemas.microsoft.com/office/drawing/2014/main" id="{A407967A-F0EC-4346-307A-3E17D0C4A4EB}"/>
               </a:ext>
             </a:extLst>
           </p:cNvPr>
@@ -7810,7 +7637,14 @@
           <a:bodyPr/>
           <a:lstStyle/>
           <a:p>
-            <a:endParaRPr lang="en-US"/>
+            <a:r>
+              <a:rPr lang="en-US" dirty="0"/>
+              <a:t>FMLA: </a:t>
+            </a:r>
+            <a:r>
+              <a:rPr lang="en-US" u="sng" dirty="0"/>
+              <a:t>Subject</a:t>
+            </a:r>
           </a:p>
         </p:txBody>
       </p:sp>
@@ -7819,7 +7653,7 @@
           <p:cNvPr id="3" name="Content Placeholder 2">
             <a:extLst>
               <a:ext uri="{FF2B5EF4-FFF2-40B4-BE49-F238E27FC236}">
-                <a16:creationId xmlns:a16="http://schemas.microsoft.com/office/drawing/2014/main" id="{961A1B12-AE71-865E-B312-4F01CB42219B}"/>
+                <a16:creationId xmlns:a16="http://schemas.microsoft.com/office/drawing/2014/main" id="{9FAFC360-21DE-2CE8-8D8A-09A7655F010B}"/>
               </a:ext>
             </a:extLst>
           </p:cNvPr>
@@ -7835,14 +7669,61 @@
           <a:bodyPr/>
           <a:lstStyle/>
           <a:p>
-            <a:endParaRPr lang="en-US"/>
+            <a:r>
+              <a:rPr lang="en-US" b="1" u="sng" dirty="0"/>
+              <a:t>Includes four subjects</a:t>
+            </a:r>
+            <a:r>
+              <a:rPr lang="en-US" dirty="0"/>
+              <a:t>:</a:t>
+            </a:r>
+          </a:p>
+          <a:p>
+            <a:pPr lvl="1">
+              <a:buFont typeface="Arial" panose="020B0604020202020204" pitchFamily="34" charset="0"/>
+              <a:buChar char="•"/>
+            </a:pPr>
+            <a:r>
+              <a:rPr lang="en-US" dirty="0"/>
+              <a:t>Math</a:t>
+            </a:r>
+          </a:p>
+          <a:p>
+            <a:pPr lvl="1">
+              <a:buFont typeface="Arial" panose="020B0604020202020204" pitchFamily="34" charset="0"/>
+              <a:buChar char="•"/>
+            </a:pPr>
+            <a:r>
+              <a:rPr lang="en-US" dirty="0"/>
+              <a:t>English Language Arts</a:t>
+            </a:r>
+          </a:p>
+          <a:p>
+            <a:pPr lvl="1">
+              <a:buFont typeface="Arial" panose="020B0604020202020204" pitchFamily="34" charset="0"/>
+              <a:buChar char="•"/>
+            </a:pPr>
+            <a:r>
+              <a:rPr lang="en-US" dirty="0"/>
+              <a:t>Science</a:t>
+            </a:r>
+          </a:p>
+          <a:p>
+            <a:pPr lvl="1">
+              <a:buFont typeface="Arial" panose="020B0604020202020204" pitchFamily="34" charset="0"/>
+              <a:buChar char="•"/>
+            </a:pPr>
+            <a:r>
+              <a:rPr lang="en-US" dirty="0"/>
+              <a:t>Social Studies</a:t>
+            </a:r>
           </a:p>
         </p:txBody>
       </p:sp>
     </p:spTree>
     <p:extLst>
       <p:ext uri="{BB962C8B-B14F-4D97-AF65-F5344CB8AC3E}">
-        <p14:creationId xmlns:p14="http://schemas.microsoft.com/office/powerpoint/2010/main" val="1570971779"/>
+        <p14:creationId xmlns:p14="http://schemas.microsoft.com/office/powerpoint/2010/main" val="290337946"/>
       </p:ext>
     </p:extLst>
   </p:cSld>
@@ -7874,7 +7755,7 @@
           <p:cNvPr id="2" name="Title 1">
             <a:extLst>
               <a:ext uri="{FF2B5EF4-FFF2-40B4-BE49-F238E27FC236}">
-                <a16:creationId xmlns:a16="http://schemas.microsoft.com/office/drawing/2014/main" id="{C4EB3F33-7CE5-AED7-6BE3-98746DA20BF9}"/>
+                <a16:creationId xmlns:a16="http://schemas.microsoft.com/office/drawing/2014/main" id="{615AF228-4121-FA39-E5D1-09AD1907EEE8}"/>
               </a:ext>
             </a:extLst>
           </p:cNvPr>
@@ -7890,39 +7771,259 @@
           <a:bodyPr/>
           <a:lstStyle/>
           <a:p>
-            <a:endParaRPr lang="en-US"/>
-          </a:p>
-        </p:txBody>
-      </p:sp>
-      <p:sp>
-        <p:nvSpPr>
-          <p:cNvPr id="3" name="Content Placeholder 2">
-            <a:extLst>
-              <a:ext uri="{FF2B5EF4-FFF2-40B4-BE49-F238E27FC236}">
-                <a16:creationId xmlns:a16="http://schemas.microsoft.com/office/drawing/2014/main" id="{1FEE7A8F-4A30-A8CB-DAAF-F1B443B43890}"/>
-              </a:ext>
-            </a:extLst>
-          </p:cNvPr>
-          <p:cNvSpPr>
-            <a:spLocks noGrp="1"/>
-          </p:cNvSpPr>
+            <a:r>
+              <a:rPr lang="en-US" dirty="0"/>
+              <a:t>Summary Statistics for Teacher Leave (in Days) from FMLA by Subject</a:t>
+            </a:r>
+          </a:p>
+        </p:txBody>
+      </p:sp>
+      <p:pic>
+        <p:nvPicPr>
+          <p:cNvPr id="5" name="Content Placeholder 4">
+            <a:extLst>
+              <a:ext uri="{FF2B5EF4-FFF2-40B4-BE49-F238E27FC236}">
+                <a16:creationId xmlns:a16="http://schemas.microsoft.com/office/drawing/2014/main" id="{E7365EA0-ECB3-D665-53A9-576A2748C7C8}"/>
+              </a:ext>
+            </a:extLst>
+          </p:cNvPr>
+          <p:cNvPicPr>
+            <a:picLocks noGrp="1" noChangeAspect="1"/>
+          </p:cNvPicPr>
           <p:nvPr>
             <p:ph idx="1"/>
           </p:nvPr>
-        </p:nvSpPr>
-        <p:spPr/>
-        <p:txBody>
-          <a:bodyPr/>
+        </p:nvPicPr>
+        <p:blipFill>
+          <a:blip r:embed="rId2"/>
+          <a:stretch>
+            <a:fillRect/>
+          </a:stretch>
+        </p:blipFill>
+        <p:spPr>
+          <a:xfrm>
+            <a:off x="650320" y="1798320"/>
+            <a:ext cx="7843359" cy="1314530"/>
+          </a:xfrm>
+        </p:spPr>
+      </p:pic>
+      <p:sp>
+        <p:nvSpPr>
+          <p:cNvPr id="6" name="TextBox 5">
+            <a:extLst>
+              <a:ext uri="{FF2B5EF4-FFF2-40B4-BE49-F238E27FC236}">
+                <a16:creationId xmlns:a16="http://schemas.microsoft.com/office/drawing/2014/main" id="{7DF9D3F0-975A-BC31-1B5C-BF2E7717C637}"/>
+              </a:ext>
+            </a:extLst>
+          </p:cNvPr>
+          <p:cNvSpPr txBox="1"/>
+          <p:nvPr/>
+        </p:nvSpPr>
+        <p:spPr>
+          <a:xfrm>
+            <a:off x="650320" y="3665220"/>
+            <a:ext cx="7117080" cy="954107"/>
+          </a:xfrm>
+          <a:prstGeom prst="rect">
+            <a:avLst/>
+          </a:prstGeom>
+          <a:noFill/>
+        </p:spPr>
+        <p:txBody>
+          <a:bodyPr wrap="square" rtlCol="0">
+            <a:spAutoFit/>
+          </a:bodyPr>
           <a:lstStyle/>
           <a:p>
-            <a:endParaRPr lang="en-US"/>
+            <a:r>
+              <a:rPr lang="en-US" sz="1400" dirty="0">
+                <a:solidFill>
+                  <a:srgbClr val="2007B9"/>
+                </a:solidFill>
+              </a:rPr>
+              <a:t>The highest median FMLA leave was tied between Math and Science at 86.0 and the lowest median was English Language Arts at 85 days. The largest mean FMLA was for Math (106.3 days) and the lowest was for Social Studies (93.9 days). The largest standard deviation for FMLA was for Math at 71.9 days, and the lowest was for Social Studies at 52.0 days.</a:t>
+            </a:r>
           </a:p>
         </p:txBody>
       </p:sp>
     </p:spTree>
     <p:extLst>
       <p:ext uri="{BB962C8B-B14F-4D97-AF65-F5344CB8AC3E}">
-        <p14:creationId xmlns:p14="http://schemas.microsoft.com/office/powerpoint/2010/main" val="1313753629"/>
+        <p14:creationId xmlns:p14="http://schemas.microsoft.com/office/powerpoint/2010/main" val="1136914339"/>
+      </p:ext>
+    </p:extLst>
+  </p:cSld>
+  <p:clrMapOvr>
+    <a:masterClrMapping/>
+  </p:clrMapOvr>
+</p:sld>
+</file>
+
+<file path=ppt/slides/slide58.xml><?xml version="1.0" encoding="utf-8"?>
+<p:sld xmlns:a="http://schemas.openxmlformats.org/drawingml/2006/main" xmlns:r="http://schemas.openxmlformats.org/officeDocument/2006/relationships" xmlns:p="http://schemas.openxmlformats.org/presentationml/2006/main">
+  <p:cSld>
+    <p:spTree>
+      <p:nvGrpSpPr>
+        <p:cNvPr id="1" name=""/>
+        <p:cNvGrpSpPr/>
+        <p:nvPr/>
+      </p:nvGrpSpPr>
+      <p:grpSpPr>
+        <a:xfrm>
+          <a:off x="0" y="0"/>
+          <a:ext cx="0" cy="0"/>
+          <a:chOff x="0" y="0"/>
+          <a:chExt cx="0" cy="0"/>
+        </a:xfrm>
+      </p:grpSpPr>
+      <p:sp>
+        <p:nvSpPr>
+          <p:cNvPr id="2" name="Title 1">
+            <a:extLst>
+              <a:ext uri="{FF2B5EF4-FFF2-40B4-BE49-F238E27FC236}">
+                <a16:creationId xmlns:a16="http://schemas.microsoft.com/office/drawing/2014/main" id="{1716107B-D09E-2788-77BA-10A6BEF32980}"/>
+              </a:ext>
+            </a:extLst>
+          </p:cNvPr>
+          <p:cNvSpPr>
+            <a:spLocks noGrp="1"/>
+          </p:cNvSpPr>
+          <p:nvPr>
+            <p:ph type="title"/>
+          </p:nvPr>
+        </p:nvSpPr>
+        <p:spPr/>
+        <p:txBody>
+          <a:bodyPr/>
+          <a:lstStyle/>
+          <a:p>
+            <a:r>
+              <a:rPr lang="en-US" dirty="0"/>
+              <a:t>Math: Total Days of FMLA</a:t>
+            </a:r>
+          </a:p>
+        </p:txBody>
+      </p:sp>
+      <p:pic>
+        <p:nvPicPr>
+          <p:cNvPr id="5" name="Content Placeholder 4">
+            <a:extLst>
+              <a:ext uri="{FF2B5EF4-FFF2-40B4-BE49-F238E27FC236}">
+                <a16:creationId xmlns:a16="http://schemas.microsoft.com/office/drawing/2014/main" id="{7CE7F600-4C58-5F06-0E7D-0F2DC8727A15}"/>
+              </a:ext>
+            </a:extLst>
+          </p:cNvPr>
+          <p:cNvPicPr>
+            <a:picLocks noGrp="1" noChangeAspect="1"/>
+          </p:cNvPicPr>
+          <p:nvPr>
+            <p:ph idx="1"/>
+          </p:nvPr>
+        </p:nvPicPr>
+        <p:blipFill>
+          <a:blip r:embed="rId2"/>
+          <a:stretch>
+            <a:fillRect/>
+          </a:stretch>
+        </p:blipFill>
+        <p:spPr>
+          <a:xfrm>
+            <a:off x="1575345" y="1305890"/>
+            <a:ext cx="5993310" cy="3516936"/>
+          </a:xfrm>
+        </p:spPr>
+      </p:pic>
+    </p:spTree>
+    <p:extLst>
+      <p:ext uri="{BB962C8B-B14F-4D97-AF65-F5344CB8AC3E}">
+        <p14:creationId xmlns:p14="http://schemas.microsoft.com/office/powerpoint/2010/main" val="2871546903"/>
+      </p:ext>
+    </p:extLst>
+  </p:cSld>
+  <p:clrMapOvr>
+    <a:masterClrMapping/>
+  </p:clrMapOvr>
+</p:sld>
+</file>
+
+<file path=ppt/slides/slide59.xml><?xml version="1.0" encoding="utf-8"?>
+<p:sld xmlns:a="http://schemas.openxmlformats.org/drawingml/2006/main" xmlns:r="http://schemas.openxmlformats.org/officeDocument/2006/relationships" xmlns:p="http://schemas.openxmlformats.org/presentationml/2006/main">
+  <p:cSld>
+    <p:spTree>
+      <p:nvGrpSpPr>
+        <p:cNvPr id="1" name=""/>
+        <p:cNvGrpSpPr/>
+        <p:nvPr/>
+      </p:nvGrpSpPr>
+      <p:grpSpPr>
+        <a:xfrm>
+          <a:off x="0" y="0"/>
+          <a:ext cx="0" cy="0"/>
+          <a:chOff x="0" y="0"/>
+          <a:chExt cx="0" cy="0"/>
+        </a:xfrm>
+      </p:grpSpPr>
+      <p:sp>
+        <p:nvSpPr>
+          <p:cNvPr id="2" name="Title 1">
+            <a:extLst>
+              <a:ext uri="{FF2B5EF4-FFF2-40B4-BE49-F238E27FC236}">
+                <a16:creationId xmlns:a16="http://schemas.microsoft.com/office/drawing/2014/main" id="{E94856AA-C187-F638-C4CD-1A19FF2E0E48}"/>
+              </a:ext>
+            </a:extLst>
+          </p:cNvPr>
+          <p:cNvSpPr>
+            <a:spLocks noGrp="1"/>
+          </p:cNvSpPr>
+          <p:nvPr>
+            <p:ph type="title"/>
+          </p:nvPr>
+        </p:nvSpPr>
+        <p:spPr/>
+        <p:txBody>
+          <a:bodyPr/>
+          <a:lstStyle/>
+          <a:p>
+            <a:r>
+              <a:rPr lang="en-US" dirty="0"/>
+              <a:t>English Language Arts: Total Days of FMLA</a:t>
+            </a:r>
+          </a:p>
+        </p:txBody>
+      </p:sp>
+      <p:pic>
+        <p:nvPicPr>
+          <p:cNvPr id="5" name="Content Placeholder 4">
+            <a:extLst>
+              <a:ext uri="{FF2B5EF4-FFF2-40B4-BE49-F238E27FC236}">
+                <a16:creationId xmlns:a16="http://schemas.microsoft.com/office/drawing/2014/main" id="{E2BDF471-A152-5ED8-A170-CFE8709A4C5A}"/>
+              </a:ext>
+            </a:extLst>
+          </p:cNvPr>
+          <p:cNvPicPr>
+            <a:picLocks noGrp="1" noChangeAspect="1"/>
+          </p:cNvPicPr>
+          <p:nvPr>
+            <p:ph idx="1"/>
+          </p:nvPr>
+        </p:nvPicPr>
+        <p:blipFill>
+          <a:blip r:embed="rId2"/>
+          <a:stretch>
+            <a:fillRect/>
+          </a:stretch>
+        </p:blipFill>
+        <p:spPr>
+          <a:xfrm>
+            <a:off x="1487366" y="1329330"/>
+            <a:ext cx="5942134" cy="3493496"/>
+          </a:xfrm>
+        </p:spPr>
+      </p:pic>
+    </p:spTree>
+    <p:extLst>
+      <p:ext uri="{BB962C8B-B14F-4D97-AF65-F5344CB8AC3E}">
+        <p14:creationId xmlns:p14="http://schemas.microsoft.com/office/powerpoint/2010/main" val="354881332"/>
       </p:ext>
     </p:extLst>
   </p:cSld>
@@ -8065,6 +8166,809 @@
 </p:sld>
 </file>
 
+<file path=ppt/slides/slide60.xml><?xml version="1.0" encoding="utf-8"?>
+<p:sld xmlns:a="http://schemas.openxmlformats.org/drawingml/2006/main" xmlns:r="http://schemas.openxmlformats.org/officeDocument/2006/relationships" xmlns:p="http://schemas.openxmlformats.org/presentationml/2006/main">
+  <p:cSld>
+    <p:spTree>
+      <p:nvGrpSpPr>
+        <p:cNvPr id="1" name=""/>
+        <p:cNvGrpSpPr/>
+        <p:nvPr/>
+      </p:nvGrpSpPr>
+      <p:grpSpPr>
+        <a:xfrm>
+          <a:off x="0" y="0"/>
+          <a:ext cx="0" cy="0"/>
+          <a:chOff x="0" y="0"/>
+          <a:chExt cx="0" cy="0"/>
+        </a:xfrm>
+      </p:grpSpPr>
+      <p:sp>
+        <p:nvSpPr>
+          <p:cNvPr id="2" name="Title 1">
+            <a:extLst>
+              <a:ext uri="{FF2B5EF4-FFF2-40B4-BE49-F238E27FC236}">
+                <a16:creationId xmlns:a16="http://schemas.microsoft.com/office/drawing/2014/main" id="{4CE03180-0DB4-0A7D-AC41-782539C8A7A3}"/>
+              </a:ext>
+            </a:extLst>
+          </p:cNvPr>
+          <p:cNvSpPr>
+            <a:spLocks noGrp="1"/>
+          </p:cNvSpPr>
+          <p:nvPr>
+            <p:ph type="title"/>
+          </p:nvPr>
+        </p:nvSpPr>
+        <p:spPr/>
+        <p:txBody>
+          <a:bodyPr/>
+          <a:lstStyle/>
+          <a:p>
+            <a:r>
+              <a:rPr lang="en-US" dirty="0"/>
+              <a:t>Science: Total Days of FMLA</a:t>
+            </a:r>
+          </a:p>
+        </p:txBody>
+      </p:sp>
+      <p:pic>
+        <p:nvPicPr>
+          <p:cNvPr id="5" name="Content Placeholder 4">
+            <a:extLst>
+              <a:ext uri="{FF2B5EF4-FFF2-40B4-BE49-F238E27FC236}">
+                <a16:creationId xmlns:a16="http://schemas.microsoft.com/office/drawing/2014/main" id="{E7783261-EB79-E1B8-DB45-FD4000639808}"/>
+              </a:ext>
+            </a:extLst>
+          </p:cNvPr>
+          <p:cNvPicPr>
+            <a:picLocks noGrp="1" noChangeAspect="1"/>
+          </p:cNvPicPr>
+          <p:nvPr>
+            <p:ph idx="1"/>
+          </p:nvPr>
+        </p:nvPicPr>
+        <p:blipFill>
+          <a:blip r:embed="rId2"/>
+          <a:stretch>
+            <a:fillRect/>
+          </a:stretch>
+        </p:blipFill>
+        <p:spPr>
+          <a:xfrm>
+            <a:off x="1466731" y="1249680"/>
+            <a:ext cx="5871639" cy="3519806"/>
+          </a:xfrm>
+        </p:spPr>
+      </p:pic>
+    </p:spTree>
+    <p:extLst>
+      <p:ext uri="{BB962C8B-B14F-4D97-AF65-F5344CB8AC3E}">
+        <p14:creationId xmlns:p14="http://schemas.microsoft.com/office/powerpoint/2010/main" val="1044918234"/>
+      </p:ext>
+    </p:extLst>
+  </p:cSld>
+  <p:clrMapOvr>
+    <a:masterClrMapping/>
+  </p:clrMapOvr>
+</p:sld>
+</file>
+
+<file path=ppt/slides/slide61.xml><?xml version="1.0" encoding="utf-8"?>
+<p:sld xmlns:a="http://schemas.openxmlformats.org/drawingml/2006/main" xmlns:r="http://schemas.openxmlformats.org/officeDocument/2006/relationships" xmlns:p="http://schemas.openxmlformats.org/presentationml/2006/main">
+  <p:cSld>
+    <p:spTree>
+      <p:nvGrpSpPr>
+        <p:cNvPr id="1" name=""/>
+        <p:cNvGrpSpPr/>
+        <p:nvPr/>
+      </p:nvGrpSpPr>
+      <p:grpSpPr>
+        <a:xfrm>
+          <a:off x="0" y="0"/>
+          <a:ext cx="0" cy="0"/>
+          <a:chOff x="0" y="0"/>
+          <a:chExt cx="0" cy="0"/>
+        </a:xfrm>
+      </p:grpSpPr>
+      <p:sp>
+        <p:nvSpPr>
+          <p:cNvPr id="2" name="Title 1">
+            <a:extLst>
+              <a:ext uri="{FF2B5EF4-FFF2-40B4-BE49-F238E27FC236}">
+                <a16:creationId xmlns:a16="http://schemas.microsoft.com/office/drawing/2014/main" id="{6CD2BA1D-FC0B-59FD-BE75-A9943BCCD6E1}"/>
+              </a:ext>
+            </a:extLst>
+          </p:cNvPr>
+          <p:cNvSpPr>
+            <a:spLocks noGrp="1"/>
+          </p:cNvSpPr>
+          <p:nvPr>
+            <p:ph type="title"/>
+          </p:nvPr>
+        </p:nvSpPr>
+        <p:spPr/>
+        <p:txBody>
+          <a:bodyPr/>
+          <a:lstStyle/>
+          <a:p>
+            <a:r>
+              <a:rPr lang="en-US" dirty="0"/>
+              <a:t>Social Studies: Total Days of FMLA</a:t>
+            </a:r>
+          </a:p>
+        </p:txBody>
+      </p:sp>
+      <p:pic>
+        <p:nvPicPr>
+          <p:cNvPr id="5" name="Content Placeholder 4">
+            <a:extLst>
+              <a:ext uri="{FF2B5EF4-FFF2-40B4-BE49-F238E27FC236}">
+                <a16:creationId xmlns:a16="http://schemas.microsoft.com/office/drawing/2014/main" id="{54B7AB2B-DAA2-F4FA-0159-B0D587DEA1E6}"/>
+              </a:ext>
+            </a:extLst>
+          </p:cNvPr>
+          <p:cNvPicPr>
+            <a:picLocks noGrp="1" noChangeAspect="1"/>
+          </p:cNvPicPr>
+          <p:nvPr>
+            <p:ph idx="1"/>
+          </p:nvPr>
+        </p:nvPicPr>
+        <p:blipFill>
+          <a:blip r:embed="rId2"/>
+          <a:stretch>
+            <a:fillRect/>
+          </a:stretch>
+        </p:blipFill>
+        <p:spPr>
+          <a:xfrm>
+            <a:off x="1477318" y="1191482"/>
+            <a:ext cx="6058862" cy="3578004"/>
+          </a:xfrm>
+        </p:spPr>
+      </p:pic>
+    </p:spTree>
+    <p:extLst>
+      <p:ext uri="{BB962C8B-B14F-4D97-AF65-F5344CB8AC3E}">
+        <p14:creationId xmlns:p14="http://schemas.microsoft.com/office/powerpoint/2010/main" val="3486417284"/>
+      </p:ext>
+    </p:extLst>
+  </p:cSld>
+  <p:clrMapOvr>
+    <a:masterClrMapping/>
+  </p:clrMapOvr>
+</p:sld>
+</file>
+
+<file path=ppt/slides/slide62.xml><?xml version="1.0" encoding="utf-8"?>
+<p:sld xmlns:a="http://schemas.openxmlformats.org/drawingml/2006/main" xmlns:r="http://schemas.openxmlformats.org/officeDocument/2006/relationships" xmlns:p="http://schemas.openxmlformats.org/presentationml/2006/main">
+  <p:cSld>
+    <p:spTree>
+      <p:nvGrpSpPr>
+        <p:cNvPr id="1" name=""/>
+        <p:cNvGrpSpPr/>
+        <p:nvPr/>
+      </p:nvGrpSpPr>
+      <p:grpSpPr>
+        <a:xfrm>
+          <a:off x="0" y="0"/>
+          <a:ext cx="0" cy="0"/>
+          <a:chOff x="0" y="0"/>
+          <a:chExt cx="0" cy="0"/>
+        </a:xfrm>
+      </p:grpSpPr>
+      <p:sp>
+        <p:nvSpPr>
+          <p:cNvPr id="2" name="Title 1">
+            <a:extLst>
+              <a:ext uri="{FF2B5EF4-FFF2-40B4-BE49-F238E27FC236}">
+                <a16:creationId xmlns:a16="http://schemas.microsoft.com/office/drawing/2014/main" id="{5D0B6CA8-410C-24EA-39BD-7F06BF46AF24}"/>
+              </a:ext>
+            </a:extLst>
+          </p:cNvPr>
+          <p:cNvSpPr>
+            <a:spLocks noGrp="1"/>
+          </p:cNvSpPr>
+          <p:nvPr>
+            <p:ph type="title"/>
+          </p:nvPr>
+        </p:nvSpPr>
+        <p:spPr/>
+        <p:txBody>
+          <a:bodyPr/>
+          <a:lstStyle/>
+          <a:p>
+            <a:r>
+              <a:rPr lang="en-US" dirty="0"/>
+              <a:t>Number of Leaves Taken </a:t>
+            </a:r>
+            <a:br>
+              <a:rPr lang="en-US" dirty="0"/>
+            </a:br>
+            <a:r>
+              <a:rPr lang="en-US" dirty="0"/>
+              <a:t>for FMLA by Subject</a:t>
+            </a:r>
+          </a:p>
+        </p:txBody>
+      </p:sp>
+      <p:pic>
+        <p:nvPicPr>
+          <p:cNvPr id="5" name="Content Placeholder 4">
+            <a:extLst>
+              <a:ext uri="{FF2B5EF4-FFF2-40B4-BE49-F238E27FC236}">
+                <a16:creationId xmlns:a16="http://schemas.microsoft.com/office/drawing/2014/main" id="{6AE6EB76-9877-3F1C-CB02-D6DBBE3C82A9}"/>
+              </a:ext>
+            </a:extLst>
+          </p:cNvPr>
+          <p:cNvPicPr>
+            <a:picLocks noGrp="1" noChangeAspect="1"/>
+          </p:cNvPicPr>
+          <p:nvPr>
+            <p:ph idx="1"/>
+          </p:nvPr>
+        </p:nvPicPr>
+        <p:blipFill>
+          <a:blip r:embed="rId2"/>
+          <a:stretch>
+            <a:fillRect/>
+          </a:stretch>
+        </p:blipFill>
+        <p:spPr>
+          <a:xfrm>
+            <a:off x="1422549" y="1649135"/>
+            <a:ext cx="6184599" cy="1599010"/>
+          </a:xfrm>
+        </p:spPr>
+      </p:pic>
+      <p:sp>
+        <p:nvSpPr>
+          <p:cNvPr id="6" name="TextBox 5">
+            <a:extLst>
+              <a:ext uri="{FF2B5EF4-FFF2-40B4-BE49-F238E27FC236}">
+                <a16:creationId xmlns:a16="http://schemas.microsoft.com/office/drawing/2014/main" id="{6FE6C36E-7919-5F2E-71EA-6EEF94F424A3}"/>
+              </a:ext>
+            </a:extLst>
+          </p:cNvPr>
+          <p:cNvSpPr txBox="1"/>
+          <p:nvPr/>
+        </p:nvSpPr>
+        <p:spPr>
+          <a:xfrm>
+            <a:off x="1722120" y="3676769"/>
+            <a:ext cx="5166360" cy="954107"/>
+          </a:xfrm>
+          <a:prstGeom prst="rect">
+            <a:avLst/>
+          </a:prstGeom>
+          <a:noFill/>
+        </p:spPr>
+        <p:txBody>
+          <a:bodyPr wrap="square" rtlCol="0">
+            <a:spAutoFit/>
+          </a:bodyPr>
+          <a:lstStyle/>
+          <a:p>
+            <a:r>
+              <a:rPr lang="en-US" sz="1400" dirty="0">
+                <a:solidFill>
+                  <a:srgbClr val="2007B9"/>
+                </a:solidFill>
+              </a:rPr>
+              <a:t>English Language Arts had the highest count of teachers leaves from FMLA for any subject at 285 leaves. This was followed by Math at 216 leaves and Science at 198 leaves. Social Studies was the subject with the fewest count of teacher leaves from FMLA, with 160 leaves</a:t>
+            </a:r>
+            <a:r>
+              <a:rPr lang="en-US" sz="1400" dirty="0"/>
+              <a:t>.</a:t>
+            </a:r>
+          </a:p>
+        </p:txBody>
+      </p:sp>
+    </p:spTree>
+    <p:extLst>
+      <p:ext uri="{BB962C8B-B14F-4D97-AF65-F5344CB8AC3E}">
+        <p14:creationId xmlns:p14="http://schemas.microsoft.com/office/powerpoint/2010/main" val="1903250323"/>
+      </p:ext>
+    </p:extLst>
+  </p:cSld>
+  <p:clrMapOvr>
+    <a:masterClrMapping/>
+  </p:clrMapOvr>
+</p:sld>
+</file>
+
+<file path=ppt/slides/slide63.xml><?xml version="1.0" encoding="utf-8"?>
+<p:sld xmlns:a="http://schemas.openxmlformats.org/drawingml/2006/main" xmlns:r="http://schemas.openxmlformats.org/officeDocument/2006/relationships" xmlns:p="http://schemas.openxmlformats.org/presentationml/2006/main">
+  <p:cSld>
+    <p:spTree>
+      <p:nvGrpSpPr>
+        <p:cNvPr id="1" name=""/>
+        <p:cNvGrpSpPr/>
+        <p:nvPr/>
+      </p:nvGrpSpPr>
+      <p:grpSpPr>
+        <a:xfrm>
+          <a:off x="0" y="0"/>
+          <a:ext cx="0" cy="0"/>
+          <a:chOff x="0" y="0"/>
+          <a:chExt cx="0" cy="0"/>
+        </a:xfrm>
+      </p:grpSpPr>
+      <p:sp>
+        <p:nvSpPr>
+          <p:cNvPr id="2" name="Title 1">
+            <a:extLst>
+              <a:ext uri="{FF2B5EF4-FFF2-40B4-BE49-F238E27FC236}">
+                <a16:creationId xmlns:a16="http://schemas.microsoft.com/office/drawing/2014/main" id="{8BB05A6B-A67D-F3AA-432F-16E3977BD08C}"/>
+              </a:ext>
+            </a:extLst>
+          </p:cNvPr>
+          <p:cNvSpPr>
+            <a:spLocks noGrp="1"/>
+          </p:cNvSpPr>
+          <p:nvPr>
+            <p:ph type="title"/>
+          </p:nvPr>
+        </p:nvSpPr>
+        <p:spPr/>
+        <p:txBody>
+          <a:bodyPr/>
+          <a:lstStyle/>
+          <a:p>
+            <a:r>
+              <a:rPr lang="en-US" dirty="0"/>
+              <a:t>Number of Teacher Leaves from FMLA Varied by Subject</a:t>
+            </a:r>
+          </a:p>
+        </p:txBody>
+      </p:sp>
+      <p:pic>
+        <p:nvPicPr>
+          <p:cNvPr id="5" name="Content Placeholder 4">
+            <a:extLst>
+              <a:ext uri="{FF2B5EF4-FFF2-40B4-BE49-F238E27FC236}">
+                <a16:creationId xmlns:a16="http://schemas.microsoft.com/office/drawing/2014/main" id="{FB4CB6FD-695F-ED55-684A-220941901288}"/>
+              </a:ext>
+            </a:extLst>
+          </p:cNvPr>
+          <p:cNvPicPr>
+            <a:picLocks noGrp="1" noChangeAspect="1"/>
+          </p:cNvPicPr>
+          <p:nvPr>
+            <p:ph idx="1"/>
+          </p:nvPr>
+        </p:nvPicPr>
+        <p:blipFill>
+          <a:blip r:embed="rId2"/>
+          <a:stretch>
+            <a:fillRect/>
+          </a:stretch>
+        </p:blipFill>
+        <p:spPr>
+          <a:xfrm>
+            <a:off x="403860" y="1289938"/>
+            <a:ext cx="5883157" cy="3540508"/>
+          </a:xfrm>
+        </p:spPr>
+      </p:pic>
+      <p:sp>
+        <p:nvSpPr>
+          <p:cNvPr id="6" name="TextBox 5">
+            <a:extLst>
+              <a:ext uri="{FF2B5EF4-FFF2-40B4-BE49-F238E27FC236}">
+                <a16:creationId xmlns:a16="http://schemas.microsoft.com/office/drawing/2014/main" id="{B113BD69-5179-9253-4A82-A739D4B5D60F}"/>
+              </a:ext>
+            </a:extLst>
+          </p:cNvPr>
+          <p:cNvSpPr txBox="1"/>
+          <p:nvPr/>
+        </p:nvSpPr>
+        <p:spPr>
+          <a:xfrm>
+            <a:off x="6614160" y="2179320"/>
+            <a:ext cx="2072640" cy="2031325"/>
+          </a:xfrm>
+          <a:prstGeom prst="rect">
+            <a:avLst/>
+          </a:prstGeom>
+          <a:noFill/>
+        </p:spPr>
+        <p:txBody>
+          <a:bodyPr wrap="square" rtlCol="0">
+            <a:spAutoFit/>
+          </a:bodyPr>
+          <a:lstStyle/>
+          <a:p>
+            <a:r>
+              <a:rPr lang="en-US" sz="1400" dirty="0">
+                <a:solidFill>
+                  <a:srgbClr val="2007B9"/>
+                </a:solidFill>
+              </a:rPr>
+              <a:t>English Language Arts had the highest count of FMLA leaves by teachers at 285, followed by Math at 216 leaves. Next was Science with 198 leaves, and last was Social Studies with 60 teacher leaves from FMLA.</a:t>
+            </a:r>
+          </a:p>
+        </p:txBody>
+      </p:sp>
+    </p:spTree>
+    <p:extLst>
+      <p:ext uri="{BB962C8B-B14F-4D97-AF65-F5344CB8AC3E}">
+        <p14:creationId xmlns:p14="http://schemas.microsoft.com/office/powerpoint/2010/main" val="2824425630"/>
+      </p:ext>
+    </p:extLst>
+  </p:cSld>
+  <p:clrMapOvr>
+    <a:masterClrMapping/>
+  </p:clrMapOvr>
+</p:sld>
+</file>
+
+<file path=ppt/slides/slide64.xml><?xml version="1.0" encoding="utf-8"?>
+<p:sld xmlns:a="http://schemas.openxmlformats.org/drawingml/2006/main" xmlns:r="http://schemas.openxmlformats.org/officeDocument/2006/relationships" xmlns:p="http://schemas.openxmlformats.org/presentationml/2006/main">
+  <p:cSld>
+    <p:spTree>
+      <p:nvGrpSpPr>
+        <p:cNvPr id="1" name=""/>
+        <p:cNvGrpSpPr/>
+        <p:nvPr/>
+      </p:nvGrpSpPr>
+      <p:grpSpPr>
+        <a:xfrm>
+          <a:off x="0" y="0"/>
+          <a:ext cx="0" cy="0"/>
+          <a:chOff x="0" y="0"/>
+          <a:chExt cx="0" cy="0"/>
+        </a:xfrm>
+      </p:grpSpPr>
+      <p:sp>
+        <p:nvSpPr>
+          <p:cNvPr id="2" name="Title 1">
+            <a:extLst>
+              <a:ext uri="{FF2B5EF4-FFF2-40B4-BE49-F238E27FC236}">
+                <a16:creationId xmlns:a16="http://schemas.microsoft.com/office/drawing/2014/main" id="{372C24AE-AF40-AE72-E99C-95F2B0955CC7}"/>
+              </a:ext>
+            </a:extLst>
+          </p:cNvPr>
+          <p:cNvSpPr>
+            <a:spLocks noGrp="1"/>
+          </p:cNvSpPr>
+          <p:nvPr>
+            <p:ph type="title"/>
+          </p:nvPr>
+        </p:nvSpPr>
+        <p:spPr/>
+        <p:txBody>
+          <a:bodyPr/>
+          <a:lstStyle/>
+          <a:p>
+            <a:r>
+              <a:rPr lang="en-US" sz="2800" dirty="0"/>
+              <a:t>Summary Statistics for Number Teacher Leaves from FMLA, After Grouping by Subject </a:t>
+            </a:r>
+          </a:p>
+        </p:txBody>
+      </p:sp>
+      <p:pic>
+        <p:nvPicPr>
+          <p:cNvPr id="5" name="Content Placeholder 4">
+            <a:extLst>
+              <a:ext uri="{FF2B5EF4-FFF2-40B4-BE49-F238E27FC236}">
+                <a16:creationId xmlns:a16="http://schemas.microsoft.com/office/drawing/2014/main" id="{1695EA2A-00CC-B90C-9A29-129F265C7784}"/>
+              </a:ext>
+            </a:extLst>
+          </p:cNvPr>
+          <p:cNvPicPr>
+            <a:picLocks noGrp="1" noChangeAspect="1"/>
+          </p:cNvPicPr>
+          <p:nvPr>
+            <p:ph idx="1"/>
+          </p:nvPr>
+        </p:nvPicPr>
+        <p:blipFill>
+          <a:blip r:embed="rId2"/>
+          <a:stretch>
+            <a:fillRect/>
+          </a:stretch>
+        </p:blipFill>
+        <p:spPr>
+          <a:xfrm>
+            <a:off x="816294" y="2174249"/>
+            <a:ext cx="7870506" cy="795001"/>
+          </a:xfrm>
+        </p:spPr>
+      </p:pic>
+      <p:sp>
+        <p:nvSpPr>
+          <p:cNvPr id="6" name="TextBox 5">
+            <a:extLst>
+              <a:ext uri="{FF2B5EF4-FFF2-40B4-BE49-F238E27FC236}">
+                <a16:creationId xmlns:a16="http://schemas.microsoft.com/office/drawing/2014/main" id="{93BFEFBE-80E2-5D83-5F41-ADCA37EBDF9D}"/>
+              </a:ext>
+            </a:extLst>
+          </p:cNvPr>
+          <p:cNvSpPr txBox="1"/>
+          <p:nvPr/>
+        </p:nvSpPr>
+        <p:spPr>
+          <a:xfrm>
+            <a:off x="1794510" y="3603216"/>
+            <a:ext cx="5554980" cy="954107"/>
+          </a:xfrm>
+          <a:prstGeom prst="rect">
+            <a:avLst/>
+          </a:prstGeom>
+          <a:noFill/>
+        </p:spPr>
+        <p:txBody>
+          <a:bodyPr wrap="square" rtlCol="0">
+            <a:spAutoFit/>
+          </a:bodyPr>
+          <a:lstStyle/>
+          <a:p>
+            <a:r>
+              <a:rPr lang="en-US" sz="1400" dirty="0">
+                <a:solidFill>
+                  <a:srgbClr val="2007B9"/>
+                </a:solidFill>
+              </a:rPr>
+              <a:t>English Language Arts and Math were above both the mean and median when looking at teacher leaves from FMLA by subject. Science and Social Studies were the subjects that were both below the median and mean count after grouping by subject.</a:t>
+            </a:r>
+          </a:p>
+        </p:txBody>
+      </p:sp>
+    </p:spTree>
+    <p:extLst>
+      <p:ext uri="{BB962C8B-B14F-4D97-AF65-F5344CB8AC3E}">
+        <p14:creationId xmlns:p14="http://schemas.microsoft.com/office/powerpoint/2010/main" val="3788115464"/>
+      </p:ext>
+    </p:extLst>
+  </p:cSld>
+  <p:clrMapOvr>
+    <a:masterClrMapping/>
+  </p:clrMapOvr>
+</p:sld>
+</file>
+
+<file path=ppt/slides/slide65.xml><?xml version="1.0" encoding="utf-8"?>
+<p:sld xmlns:a="http://schemas.openxmlformats.org/drawingml/2006/main" xmlns:r="http://schemas.openxmlformats.org/officeDocument/2006/relationships" xmlns:p="http://schemas.openxmlformats.org/presentationml/2006/main">
+  <p:cSld>
+    <p:spTree>
+      <p:nvGrpSpPr>
+        <p:cNvPr id="1" name=""/>
+        <p:cNvGrpSpPr/>
+        <p:nvPr/>
+      </p:nvGrpSpPr>
+      <p:grpSpPr>
+        <a:xfrm>
+          <a:off x="0" y="0"/>
+          <a:ext cx="0" cy="0"/>
+          <a:chOff x="0" y="0"/>
+          <a:chExt cx="0" cy="0"/>
+        </a:xfrm>
+      </p:grpSpPr>
+      <p:sp>
+        <p:nvSpPr>
+          <p:cNvPr id="2" name="Title 1">
+            <a:extLst>
+              <a:ext uri="{FF2B5EF4-FFF2-40B4-BE49-F238E27FC236}">
+                <a16:creationId xmlns:a16="http://schemas.microsoft.com/office/drawing/2014/main" id="{BF18B49F-E802-C85F-2585-24851F4C4A80}"/>
+              </a:ext>
+            </a:extLst>
+          </p:cNvPr>
+          <p:cNvSpPr>
+            <a:spLocks noGrp="1"/>
+          </p:cNvSpPr>
+          <p:nvPr>
+            <p:ph type="title"/>
+          </p:nvPr>
+        </p:nvSpPr>
+        <p:spPr/>
+        <p:txBody>
+          <a:bodyPr/>
+          <a:lstStyle/>
+          <a:p>
+            <a:endParaRPr lang="en-US"/>
+          </a:p>
+        </p:txBody>
+      </p:sp>
+      <p:sp>
+        <p:nvSpPr>
+          <p:cNvPr id="3" name="Content Placeholder 2">
+            <a:extLst>
+              <a:ext uri="{FF2B5EF4-FFF2-40B4-BE49-F238E27FC236}">
+                <a16:creationId xmlns:a16="http://schemas.microsoft.com/office/drawing/2014/main" id="{AFAC237D-1EF5-6502-F69A-EBAD2F4266BD}"/>
+              </a:ext>
+            </a:extLst>
+          </p:cNvPr>
+          <p:cNvSpPr>
+            <a:spLocks noGrp="1"/>
+          </p:cNvSpPr>
+          <p:nvPr>
+            <p:ph idx="1"/>
+          </p:nvPr>
+        </p:nvSpPr>
+        <p:spPr/>
+        <p:txBody>
+          <a:bodyPr/>
+          <a:lstStyle/>
+          <a:p>
+            <a:endParaRPr lang="en-US"/>
+          </a:p>
+        </p:txBody>
+      </p:sp>
+    </p:spTree>
+    <p:extLst>
+      <p:ext uri="{BB962C8B-B14F-4D97-AF65-F5344CB8AC3E}">
+        <p14:creationId xmlns:p14="http://schemas.microsoft.com/office/powerpoint/2010/main" val="3648049151"/>
+      </p:ext>
+    </p:extLst>
+  </p:cSld>
+  <p:clrMapOvr>
+    <a:masterClrMapping/>
+  </p:clrMapOvr>
+</p:sld>
+</file>
+
+<file path=ppt/slides/slide66.xml><?xml version="1.0" encoding="utf-8"?>
+<p:sld xmlns:a="http://schemas.openxmlformats.org/drawingml/2006/main" xmlns:r="http://schemas.openxmlformats.org/officeDocument/2006/relationships" xmlns:p="http://schemas.openxmlformats.org/presentationml/2006/main">
+  <p:cSld>
+    <p:spTree>
+      <p:nvGrpSpPr>
+        <p:cNvPr id="1" name=""/>
+        <p:cNvGrpSpPr/>
+        <p:nvPr/>
+      </p:nvGrpSpPr>
+      <p:grpSpPr>
+        <a:xfrm>
+          <a:off x="0" y="0"/>
+          <a:ext cx="0" cy="0"/>
+          <a:chOff x="0" y="0"/>
+          <a:chExt cx="0" cy="0"/>
+        </a:xfrm>
+      </p:grpSpPr>
+      <p:sp>
+        <p:nvSpPr>
+          <p:cNvPr id="2" name="Title 1">
+            <a:extLst>
+              <a:ext uri="{FF2B5EF4-FFF2-40B4-BE49-F238E27FC236}">
+                <a16:creationId xmlns:a16="http://schemas.microsoft.com/office/drawing/2014/main" id="{C38B7FEB-CC8D-A44A-3BAA-CC3CD4F65660}"/>
+              </a:ext>
+            </a:extLst>
+          </p:cNvPr>
+          <p:cNvSpPr>
+            <a:spLocks noGrp="1"/>
+          </p:cNvSpPr>
+          <p:nvPr>
+            <p:ph type="title"/>
+          </p:nvPr>
+        </p:nvSpPr>
+        <p:spPr/>
+        <p:txBody>
+          <a:bodyPr/>
+          <a:lstStyle/>
+          <a:p>
+            <a:endParaRPr lang="en-US"/>
+          </a:p>
+        </p:txBody>
+      </p:sp>
+      <p:sp>
+        <p:nvSpPr>
+          <p:cNvPr id="3" name="Content Placeholder 2">
+            <a:extLst>
+              <a:ext uri="{FF2B5EF4-FFF2-40B4-BE49-F238E27FC236}">
+                <a16:creationId xmlns:a16="http://schemas.microsoft.com/office/drawing/2014/main" id="{961A1B12-AE71-865E-B312-4F01CB42219B}"/>
+              </a:ext>
+            </a:extLst>
+          </p:cNvPr>
+          <p:cNvSpPr>
+            <a:spLocks noGrp="1"/>
+          </p:cNvSpPr>
+          <p:nvPr>
+            <p:ph idx="1"/>
+          </p:nvPr>
+        </p:nvSpPr>
+        <p:spPr/>
+        <p:txBody>
+          <a:bodyPr/>
+          <a:lstStyle/>
+          <a:p>
+            <a:endParaRPr lang="en-US"/>
+          </a:p>
+        </p:txBody>
+      </p:sp>
+    </p:spTree>
+    <p:extLst>
+      <p:ext uri="{BB962C8B-B14F-4D97-AF65-F5344CB8AC3E}">
+        <p14:creationId xmlns:p14="http://schemas.microsoft.com/office/powerpoint/2010/main" val="1570971779"/>
+      </p:ext>
+    </p:extLst>
+  </p:cSld>
+  <p:clrMapOvr>
+    <a:masterClrMapping/>
+  </p:clrMapOvr>
+</p:sld>
+</file>
+
+<file path=ppt/slides/slide67.xml><?xml version="1.0" encoding="utf-8"?>
+<p:sld xmlns:a="http://schemas.openxmlformats.org/drawingml/2006/main" xmlns:r="http://schemas.openxmlformats.org/officeDocument/2006/relationships" xmlns:p="http://schemas.openxmlformats.org/presentationml/2006/main">
+  <p:cSld>
+    <p:spTree>
+      <p:nvGrpSpPr>
+        <p:cNvPr id="1" name=""/>
+        <p:cNvGrpSpPr/>
+        <p:nvPr/>
+      </p:nvGrpSpPr>
+      <p:grpSpPr>
+        <a:xfrm>
+          <a:off x="0" y="0"/>
+          <a:ext cx="0" cy="0"/>
+          <a:chOff x="0" y="0"/>
+          <a:chExt cx="0" cy="0"/>
+        </a:xfrm>
+      </p:grpSpPr>
+      <p:sp>
+        <p:nvSpPr>
+          <p:cNvPr id="2" name="Title 1">
+            <a:extLst>
+              <a:ext uri="{FF2B5EF4-FFF2-40B4-BE49-F238E27FC236}">
+                <a16:creationId xmlns:a16="http://schemas.microsoft.com/office/drawing/2014/main" id="{C4EB3F33-7CE5-AED7-6BE3-98746DA20BF9}"/>
+              </a:ext>
+            </a:extLst>
+          </p:cNvPr>
+          <p:cNvSpPr>
+            <a:spLocks noGrp="1"/>
+          </p:cNvSpPr>
+          <p:nvPr>
+            <p:ph type="title"/>
+          </p:nvPr>
+        </p:nvSpPr>
+        <p:spPr/>
+        <p:txBody>
+          <a:bodyPr/>
+          <a:lstStyle/>
+          <a:p>
+            <a:endParaRPr lang="en-US"/>
+          </a:p>
+        </p:txBody>
+      </p:sp>
+      <p:sp>
+        <p:nvSpPr>
+          <p:cNvPr id="3" name="Content Placeholder 2">
+            <a:extLst>
+              <a:ext uri="{FF2B5EF4-FFF2-40B4-BE49-F238E27FC236}">
+                <a16:creationId xmlns:a16="http://schemas.microsoft.com/office/drawing/2014/main" id="{1FEE7A8F-4A30-A8CB-DAAF-F1B443B43890}"/>
+              </a:ext>
+            </a:extLst>
+          </p:cNvPr>
+          <p:cNvSpPr>
+            <a:spLocks noGrp="1"/>
+          </p:cNvSpPr>
+          <p:nvPr>
+            <p:ph idx="1"/>
+          </p:nvPr>
+        </p:nvSpPr>
+        <p:spPr/>
+        <p:txBody>
+          <a:bodyPr/>
+          <a:lstStyle/>
+          <a:p>
+            <a:endParaRPr lang="en-US"/>
+          </a:p>
+        </p:txBody>
+      </p:sp>
+    </p:spTree>
+    <p:extLst>
+      <p:ext uri="{BB962C8B-B14F-4D97-AF65-F5344CB8AC3E}">
+        <p14:creationId xmlns:p14="http://schemas.microsoft.com/office/powerpoint/2010/main" val="1313753629"/>
+      </p:ext>
+    </p:extLst>
+  </p:cSld>
+  <p:clrMapOvr>
+    <a:masterClrMapping/>
+  </p:clrMapOvr>
+</p:sld>
+</file>
+
 <file path=ppt/slides/slide7.xml><?xml version="1.0" encoding="utf-8"?>
 <p:sld xmlns:a="http://schemas.openxmlformats.org/drawingml/2006/main" xmlns:r="http://schemas.openxmlformats.org/officeDocument/2006/relationships" xmlns:p="http://schemas.openxmlformats.org/presentationml/2006/main">
   <p:cSld>
@@ -8105,7 +9009,14 @@
           <a:p>
             <a:r>
               <a:rPr lang="en-US" dirty="0"/>
-              <a:t>Summary Statistics for Vacancies After Grouping by Region </a:t>
+              <a:t>Summary Statistics for Vacancy </a:t>
+            </a:r>
+            <a:br>
+              <a:rPr lang="en-US" dirty="0"/>
+            </a:br>
+            <a:r>
+              <a:rPr lang="en-US" dirty="0"/>
+              <a:t>Lengths After Grouping by Region </a:t>
             </a:r>
           </a:p>
         </p:txBody>

--- a/graphs/Staffing_Part1_23-24_preliminary_report.pptx
+++ b/graphs/Staffing_Part1_23-24_preliminary_report.pptx
@@ -5,10 +5,10 @@
     <p:sldMasterId id="2147483653" r:id="rId4"/>
   </p:sldMasterIdLst>
   <p:notesMasterIdLst>
-    <p:notesMasterId r:id="rId72"/>
+    <p:notesMasterId r:id="rId77"/>
   </p:notesMasterIdLst>
   <p:handoutMasterIdLst>
-    <p:handoutMasterId r:id="rId73"/>
+    <p:handoutMasterId r:id="rId78"/>
   </p:handoutMasterIdLst>
   <p:sldIdLst>
     <p:sldId id="256" r:id="rId5"/>
@@ -44,56 +44,61 @@
     <p:sldId id="398" r:id="rId35"/>
     <p:sldId id="399" r:id="rId36"/>
     <p:sldId id="390" r:id="rId37"/>
-    <p:sldId id="393" r:id="rId38"/>
-    <p:sldId id="345" r:id="rId39"/>
-    <p:sldId id="375" r:id="rId40"/>
-    <p:sldId id="340" r:id="rId41"/>
-    <p:sldId id="402" r:id="rId42"/>
-    <p:sldId id="403" r:id="rId43"/>
-    <p:sldId id="405" r:id="rId44"/>
-    <p:sldId id="406" r:id="rId45"/>
-    <p:sldId id="409" r:id="rId46"/>
-    <p:sldId id="412" r:id="rId47"/>
-    <p:sldId id="410" r:id="rId48"/>
-    <p:sldId id="407" r:id="rId49"/>
-    <p:sldId id="408" r:id="rId50"/>
-    <p:sldId id="413" r:id="rId51"/>
-    <p:sldId id="348" r:id="rId52"/>
-    <p:sldId id="341" r:id="rId53"/>
-    <p:sldId id="365" r:id="rId54"/>
-    <p:sldId id="366" r:id="rId55"/>
-    <p:sldId id="367" r:id="rId56"/>
-    <p:sldId id="376" r:id="rId57"/>
-    <p:sldId id="374" r:id="rId58"/>
-    <p:sldId id="377" r:id="rId59"/>
-    <p:sldId id="378" r:id="rId60"/>
-    <p:sldId id="379" r:id="rId61"/>
-    <p:sldId id="380" r:id="rId62"/>
-    <p:sldId id="383" r:id="rId63"/>
-    <p:sldId id="384" r:id="rId64"/>
-    <p:sldId id="385" r:id="rId65"/>
-    <p:sldId id="386" r:id="rId66"/>
-    <p:sldId id="394" r:id="rId67"/>
-    <p:sldId id="387" r:id="rId68"/>
-    <p:sldId id="395" r:id="rId69"/>
-    <p:sldId id="401" r:id="rId70"/>
-    <p:sldId id="361" r:id="rId71"/>
+    <p:sldId id="416" r:id="rId38"/>
+    <p:sldId id="419" r:id="rId39"/>
+    <p:sldId id="417" r:id="rId40"/>
+    <p:sldId id="418" r:id="rId41"/>
+    <p:sldId id="345" r:id="rId42"/>
+    <p:sldId id="375" r:id="rId43"/>
+    <p:sldId id="340" r:id="rId44"/>
+    <p:sldId id="402" r:id="rId45"/>
+    <p:sldId id="403" r:id="rId46"/>
+    <p:sldId id="405" r:id="rId47"/>
+    <p:sldId id="406" r:id="rId48"/>
+    <p:sldId id="409" r:id="rId49"/>
+    <p:sldId id="412" r:id="rId50"/>
+    <p:sldId id="410" r:id="rId51"/>
+    <p:sldId id="407" r:id="rId52"/>
+    <p:sldId id="408" r:id="rId53"/>
+    <p:sldId id="413" r:id="rId54"/>
+    <p:sldId id="348" r:id="rId55"/>
+    <p:sldId id="341" r:id="rId56"/>
+    <p:sldId id="414" r:id="rId57"/>
+    <p:sldId id="415" r:id="rId58"/>
+    <p:sldId id="365" r:id="rId59"/>
+    <p:sldId id="366" r:id="rId60"/>
+    <p:sldId id="367" r:id="rId61"/>
+    <p:sldId id="376" r:id="rId62"/>
+    <p:sldId id="374" r:id="rId63"/>
+    <p:sldId id="377" r:id="rId64"/>
+    <p:sldId id="378" r:id="rId65"/>
+    <p:sldId id="379" r:id="rId66"/>
+    <p:sldId id="380" r:id="rId67"/>
+    <p:sldId id="383" r:id="rId68"/>
+    <p:sldId id="384" r:id="rId69"/>
+    <p:sldId id="385" r:id="rId70"/>
+    <p:sldId id="386" r:id="rId71"/>
+    <p:sldId id="394" r:id="rId72"/>
+    <p:sldId id="387" r:id="rId73"/>
+    <p:sldId id="395" r:id="rId74"/>
+    <p:sldId id="401" r:id="rId75"/>
+    <p:sldId id="361" r:id="rId76"/>
   </p:sldIdLst>
   <p:sldSz cx="9144000" cy="5143500" type="screen16x9"/>
   <p:notesSz cx="6858000" cy="9144000"/>
   <p:embeddedFontLst>
     <p:embeddedFont>
       <p:font typeface="Proxima Nova" panose="02000506030000020004" pitchFamily="2" charset="0"/>
-      <p:regular r:id="rId74"/>
-      <p:bold r:id="rId75"/>
-      <p:italic r:id="rId76"/>
-      <p:boldItalic r:id="rId77"/>
+      <p:regular r:id="rId79"/>
+      <p:bold r:id="rId80"/>
+      <p:italic r:id="rId81"/>
+      <p:boldItalic r:id="rId82"/>
     </p:embeddedFont>
     <p:embeddedFont>
       <p:font typeface="Proxima Nova Extrabold" panose="02000506030000020004" pitchFamily="2" charset="0"/>
-      <p:bold r:id="rId78"/>
-      <p:italic r:id="rId79"/>
-      <p:boldItalic r:id="rId80"/>
+      <p:bold r:id="rId83"/>
+      <p:italic r:id="rId84"/>
+      <p:boldItalic r:id="rId85"/>
     </p:embeddedFont>
   </p:embeddedFontLst>
   <p:defaultTextStyle>
@@ -229,7 +234,10 @@
             <p14:sldId id="398"/>
             <p14:sldId id="399"/>
             <p14:sldId id="390"/>
-            <p14:sldId id="393"/>
+            <p14:sldId id="416"/>
+            <p14:sldId id="419"/>
+            <p14:sldId id="417"/>
+            <p14:sldId id="418"/>
             <p14:sldId id="345"/>
             <p14:sldId id="375"/>
             <p14:sldId id="340"/>
@@ -245,6 +253,8 @@
             <p14:sldId id="413"/>
             <p14:sldId id="348"/>
             <p14:sldId id="341"/>
+            <p14:sldId id="414"/>
+            <p14:sldId id="415"/>
             <p14:sldId id="365"/>
             <p14:sldId id="366"/>
             <p14:sldId id="367"/>
@@ -2243,11 +2253,50 @@
         </p:blipFill>
         <p:spPr>
           <a:xfrm>
-            <a:off x="1464848" y="1372537"/>
+            <a:off x="801908" y="1364917"/>
             <a:ext cx="5749607" cy="3394075"/>
           </a:xfrm>
         </p:spPr>
       </p:pic>
+      <p:sp>
+        <p:nvSpPr>
+          <p:cNvPr id="10" name="TextBox 9">
+            <a:extLst>
+              <a:ext uri="{FF2B5EF4-FFF2-40B4-BE49-F238E27FC236}">
+                <a16:creationId xmlns:a16="http://schemas.microsoft.com/office/drawing/2014/main" id="{80956973-7F0F-6383-5B04-E91D58AAF190}"/>
+              </a:ext>
+            </a:extLst>
+          </p:cNvPr>
+          <p:cNvSpPr txBox="1"/>
+          <p:nvPr/>
+        </p:nvSpPr>
+        <p:spPr>
+          <a:xfrm>
+            <a:off x="6722648" y="2857500"/>
+            <a:ext cx="1964152" cy="954107"/>
+          </a:xfrm>
+          <a:prstGeom prst="rect">
+            <a:avLst/>
+          </a:prstGeom>
+          <a:noFill/>
+        </p:spPr>
+        <p:txBody>
+          <a:bodyPr wrap="square" rtlCol="0">
+            <a:spAutoFit/>
+          </a:bodyPr>
+          <a:lstStyle/>
+          <a:p>
+            <a:r>
+              <a:rPr lang="en-US" sz="1400" dirty="0">
+                <a:solidFill>
+                  <a:srgbClr val="2007B9"/>
+                </a:solidFill>
+              </a:rPr>
+              <a:t>The highest frequency of vacancies was less than 50 days for Greater Houston Area.</a:t>
+            </a:r>
+          </a:p>
+        </p:txBody>
+      </p:sp>
     </p:spTree>
     <p:extLst>
       <p:ext uri="{BB962C8B-B14F-4D97-AF65-F5344CB8AC3E}">
@@ -2342,11 +2391,50 @@
         </p:blipFill>
         <p:spPr>
           <a:xfrm>
-            <a:off x="1464508" y="1395022"/>
+            <a:off x="725368" y="1410262"/>
             <a:ext cx="5765278" cy="3394075"/>
           </a:xfrm>
         </p:spPr>
       </p:pic>
+      <p:sp>
+        <p:nvSpPr>
+          <p:cNvPr id="6" name="TextBox 5">
+            <a:extLst>
+              <a:ext uri="{FF2B5EF4-FFF2-40B4-BE49-F238E27FC236}">
+                <a16:creationId xmlns:a16="http://schemas.microsoft.com/office/drawing/2014/main" id="{DC69C4D2-6697-80EB-F087-F8BE4B8BEC1E}"/>
+              </a:ext>
+            </a:extLst>
+          </p:cNvPr>
+          <p:cNvSpPr txBox="1"/>
+          <p:nvPr/>
+        </p:nvSpPr>
+        <p:spPr>
+          <a:xfrm>
+            <a:off x="6758814" y="2722965"/>
+            <a:ext cx="1927986" cy="954107"/>
+          </a:xfrm>
+          <a:prstGeom prst="rect">
+            <a:avLst/>
+          </a:prstGeom>
+          <a:noFill/>
+        </p:spPr>
+        <p:txBody>
+          <a:bodyPr wrap="square" rtlCol="0">
+            <a:spAutoFit/>
+          </a:bodyPr>
+          <a:lstStyle/>
+          <a:p>
+            <a:r>
+              <a:rPr lang="en-US" sz="1400" dirty="0">
+                <a:solidFill>
+                  <a:srgbClr val="2007B9"/>
+                </a:solidFill>
+              </a:rPr>
+              <a:t>The highest frequency of vacancies was less than 50 days for Lower Valley RGV.</a:t>
+            </a:r>
+          </a:p>
+        </p:txBody>
+      </p:sp>
     </p:spTree>
     <p:extLst>
       <p:ext uri="{BB962C8B-B14F-4D97-AF65-F5344CB8AC3E}">
@@ -2639,11 +2727,50 @@
         </p:blipFill>
         <p:spPr>
           <a:xfrm>
-            <a:off x="1527635" y="1395022"/>
+            <a:off x="411480" y="1379782"/>
             <a:ext cx="5624035" cy="3394075"/>
           </a:xfrm>
         </p:spPr>
       </p:pic>
+      <p:sp>
+        <p:nvSpPr>
+          <p:cNvPr id="6" name="TextBox 5">
+            <a:extLst>
+              <a:ext uri="{FF2B5EF4-FFF2-40B4-BE49-F238E27FC236}">
+                <a16:creationId xmlns:a16="http://schemas.microsoft.com/office/drawing/2014/main" id="{6DCCC775-4163-64E0-9A1A-CBB8F0859AE4}"/>
+              </a:ext>
+            </a:extLst>
+          </p:cNvPr>
+          <p:cNvSpPr txBox="1"/>
+          <p:nvPr/>
+        </p:nvSpPr>
+        <p:spPr>
+          <a:xfrm>
+            <a:off x="6736080" y="2678430"/>
+            <a:ext cx="1950720" cy="1600438"/>
+          </a:xfrm>
+          <a:prstGeom prst="rect">
+            <a:avLst/>
+          </a:prstGeom>
+          <a:noFill/>
+        </p:spPr>
+        <p:txBody>
+          <a:bodyPr wrap="square" rtlCol="0">
+            <a:spAutoFit/>
+          </a:bodyPr>
+          <a:lstStyle/>
+          <a:p>
+            <a:r>
+              <a:rPr lang="en-US" sz="1400" dirty="0">
+                <a:solidFill>
+                  <a:srgbClr val="2007B9"/>
+                </a:solidFill>
+              </a:rPr>
+              <a:t>The two highest frequencies of vacancies were less than 50 days for Permian Basin, and the next highest frequency was over 100 days.</a:t>
+            </a:r>
+          </a:p>
+        </p:txBody>
+      </p:sp>
     </p:spTree>
     <p:extLst>
       <p:ext uri="{BB962C8B-B14F-4D97-AF65-F5344CB8AC3E}">
@@ -3038,11 +3165,50 @@
         </p:blipFill>
         <p:spPr>
           <a:xfrm>
-            <a:off x="1397532" y="1207856"/>
+            <a:off x="635532" y="1184996"/>
             <a:ext cx="5902677" cy="3656193"/>
           </a:xfrm>
         </p:spPr>
       </p:pic>
+      <p:sp>
+        <p:nvSpPr>
+          <p:cNvPr id="8" name="TextBox 7">
+            <a:extLst>
+              <a:ext uri="{FF2B5EF4-FFF2-40B4-BE49-F238E27FC236}">
+                <a16:creationId xmlns:a16="http://schemas.microsoft.com/office/drawing/2014/main" id="{1527C083-6BE1-BABE-768F-5740B9F11567}"/>
+              </a:ext>
+            </a:extLst>
+          </p:cNvPr>
+          <p:cNvSpPr txBox="1"/>
+          <p:nvPr/>
+        </p:nvSpPr>
+        <p:spPr>
+          <a:xfrm>
+            <a:off x="6955819" y="2095500"/>
+            <a:ext cx="1997681" cy="2246769"/>
+          </a:xfrm>
+          <a:prstGeom prst="rect">
+            <a:avLst/>
+          </a:prstGeom>
+          <a:noFill/>
+        </p:spPr>
+        <p:txBody>
+          <a:bodyPr wrap="square" rtlCol="0">
+            <a:spAutoFit/>
+          </a:bodyPr>
+          <a:lstStyle/>
+          <a:p>
+            <a:r>
+              <a:rPr lang="en-US" sz="1400" dirty="0">
+                <a:solidFill>
+                  <a:srgbClr val="2007B9"/>
+                </a:solidFill>
+              </a:rPr>
+              <a:t>While San Antonio had the highest number of vacancies, Permian Basin and Mid Valley RGV had the two lowest numbers of vacancies. El Paso, Upper Valley RGV, and Tarrant County had similar numbers of vacancies.</a:t>
+            </a:r>
+          </a:p>
+        </p:txBody>
+      </p:sp>
     </p:spTree>
     <p:extLst>
       <p:ext uri="{BB962C8B-B14F-4D97-AF65-F5344CB8AC3E}">
@@ -5250,7 +5416,7 @@
           <p:cNvPr id="2" name="Title 1">
             <a:extLst>
               <a:ext uri="{FF2B5EF4-FFF2-40B4-BE49-F238E27FC236}">
-                <a16:creationId xmlns:a16="http://schemas.microsoft.com/office/drawing/2014/main" id="{90C4692D-CA11-C3F1-9B56-EE432BCFD1BF}"/>
+                <a16:creationId xmlns:a16="http://schemas.microsoft.com/office/drawing/2014/main" id="{E232AD99-099B-37FE-EBD3-B511E1CF07FA}"/>
               </a:ext>
             </a:extLst>
           </p:cNvPr>
@@ -5266,39 +5432,46 @@
           <a:bodyPr/>
           <a:lstStyle/>
           <a:p>
-            <a:endParaRPr lang="en-US"/>
-          </a:p>
-        </p:txBody>
-      </p:sp>
-      <p:sp>
-        <p:nvSpPr>
-          <p:cNvPr id="3" name="Content Placeholder 2">
-            <a:extLst>
-              <a:ext uri="{FF2B5EF4-FFF2-40B4-BE49-F238E27FC236}">
-                <a16:creationId xmlns:a16="http://schemas.microsoft.com/office/drawing/2014/main" id="{0D5D56DB-B18A-DD31-9D23-F7FD88C9A00C}"/>
-              </a:ext>
-            </a:extLst>
-          </p:cNvPr>
-          <p:cNvSpPr>
-            <a:spLocks noGrp="1"/>
-          </p:cNvSpPr>
+            <a:r>
+              <a:rPr lang="en-US" dirty="0"/>
+              <a:t>Number of Vacancies per Month by Subject (July 2023 – June 2024)</a:t>
+            </a:r>
+          </a:p>
+        </p:txBody>
+      </p:sp>
+      <p:pic>
+        <p:nvPicPr>
+          <p:cNvPr id="5" name="Content Placeholder 4">
+            <a:extLst>
+              <a:ext uri="{FF2B5EF4-FFF2-40B4-BE49-F238E27FC236}">
+                <a16:creationId xmlns:a16="http://schemas.microsoft.com/office/drawing/2014/main" id="{B4FD7884-D67B-F0A3-C73D-54C3AF91E800}"/>
+              </a:ext>
+            </a:extLst>
+          </p:cNvPr>
+          <p:cNvPicPr>
+            <a:picLocks noGrp="1" noChangeAspect="1"/>
+          </p:cNvPicPr>
           <p:nvPr>
             <p:ph idx="1"/>
           </p:nvPr>
-        </p:nvSpPr>
-        <p:spPr/>
-        <p:txBody>
-          <a:bodyPr/>
-          <a:lstStyle/>
-          <a:p>
-            <a:endParaRPr lang="en-US"/>
-          </a:p>
-        </p:txBody>
-      </p:sp>
+        </p:nvPicPr>
+        <p:blipFill>
+          <a:blip r:embed="rId2"/>
+          <a:stretch>
+            <a:fillRect/>
+          </a:stretch>
+        </p:blipFill>
+        <p:spPr>
+          <a:xfrm>
+            <a:off x="275849" y="1977544"/>
+            <a:ext cx="8730991" cy="1188411"/>
+          </a:xfrm>
+        </p:spPr>
+      </p:pic>
     </p:spTree>
     <p:extLst>
       <p:ext uri="{BB962C8B-B14F-4D97-AF65-F5344CB8AC3E}">
-        <p14:creationId xmlns:p14="http://schemas.microsoft.com/office/powerpoint/2010/main" val="2178654052"/>
+        <p14:creationId xmlns:p14="http://schemas.microsoft.com/office/powerpoint/2010/main" val="3437992864"/>
       </p:ext>
     </p:extLst>
   </p:cSld>
@@ -5330,7 +5503,7 @@
           <p:cNvPr id="2" name="Title 1">
             <a:extLst>
               <a:ext uri="{FF2B5EF4-FFF2-40B4-BE49-F238E27FC236}">
-                <a16:creationId xmlns:a16="http://schemas.microsoft.com/office/drawing/2014/main" id="{BBC38D5B-9622-410A-FB03-1458F8571920}"/>
+                <a16:creationId xmlns:a16="http://schemas.microsoft.com/office/drawing/2014/main" id="{B180AE95-4BD6-F0E6-0D71-6D4127F8A1FE}"/>
               </a:ext>
             </a:extLst>
           </p:cNvPr>
@@ -5348,74 +5521,52 @@
           <a:p>
             <a:r>
               <a:rPr lang="en-US" dirty="0"/>
-              <a:t>FMLA Data</a:t>
-            </a:r>
-          </a:p>
-        </p:txBody>
-      </p:sp>
-      <p:sp>
-        <p:nvSpPr>
-          <p:cNvPr id="3" name="Content Placeholder 2">
-            <a:extLst>
-              <a:ext uri="{FF2B5EF4-FFF2-40B4-BE49-F238E27FC236}">
-                <a16:creationId xmlns:a16="http://schemas.microsoft.com/office/drawing/2014/main" id="{58421222-1872-B5C4-1802-5D6A054D2304}"/>
-              </a:ext>
-            </a:extLst>
-          </p:cNvPr>
-          <p:cNvSpPr>
-            <a:spLocks noGrp="1"/>
-          </p:cNvSpPr>
+              <a:t>Number of Vacancies Per Month </a:t>
+            </a:r>
+            <a:r>
+              <a:rPr lang="en-US"/>
+              <a:t>by Similar </a:t>
+            </a:r>
+            <a:r>
+              <a:rPr lang="en-US" dirty="0"/>
+              <a:t>Shapes per Subject</a:t>
+            </a:r>
+          </a:p>
+        </p:txBody>
+      </p:sp>
+      <p:pic>
+        <p:nvPicPr>
+          <p:cNvPr id="5" name="Content Placeholder 4">
+            <a:extLst>
+              <a:ext uri="{FF2B5EF4-FFF2-40B4-BE49-F238E27FC236}">
+                <a16:creationId xmlns:a16="http://schemas.microsoft.com/office/drawing/2014/main" id="{DEF97328-E769-CF44-1534-879D36D537DC}"/>
+              </a:ext>
+            </a:extLst>
+          </p:cNvPr>
+          <p:cNvPicPr>
+            <a:picLocks noGrp="1" noChangeAspect="1"/>
+          </p:cNvPicPr>
           <p:nvPr>
             <p:ph idx="1"/>
           </p:nvPr>
-        </p:nvSpPr>
-        <p:spPr>
-          <a:xfrm>
-            <a:off x="457200" y="1200151"/>
-            <a:ext cx="8229600" cy="3825332"/>
-          </a:xfrm>
-        </p:spPr>
-        <p:txBody>
-          <a:bodyPr>
-            <a:normAutofit fontScale="85000" lnSpcReduction="20000"/>
-          </a:bodyPr>
-          <a:lstStyle/>
-          <a:p>
-            <a:r>
-              <a:rPr lang="en-US" dirty="0"/>
-              <a:t>FMLA is Family Medical Leave and is time off for medical or family (such as having a child) absences </a:t>
-            </a:r>
-          </a:p>
-          <a:p>
-            <a:endParaRPr lang="en-US" dirty="0"/>
-          </a:p>
-          <a:p>
-            <a:r>
-              <a:rPr lang="en-US" dirty="0"/>
-              <a:t>FMLA leave length of time is counted in days, starting from the first day the employee is absent with leave to the return-to-work date.</a:t>
-            </a:r>
-          </a:p>
-          <a:p>
-            <a:endParaRPr lang="en-US" dirty="0"/>
-          </a:p>
-          <a:p>
-            <a:r>
-              <a:rPr lang="en-US" dirty="0"/>
-              <a:t>FMLA leave can vary in length of time (depending on how many days the employee applied for and was approved for).</a:t>
-            </a:r>
-          </a:p>
-          <a:p>
-            <a:pPr marL="457200" lvl="1" indent="0">
-              <a:buNone/>
-            </a:pPr>
-            <a:endParaRPr lang="en-US" dirty="0"/>
-          </a:p>
-        </p:txBody>
-      </p:sp>
+        </p:nvPicPr>
+        <p:blipFill>
+          <a:blip r:embed="rId2"/>
+          <a:stretch>
+            <a:fillRect/>
+          </a:stretch>
+        </p:blipFill>
+        <p:spPr>
+          <a:xfrm>
+            <a:off x="989366" y="1200150"/>
+            <a:ext cx="7165268" cy="3394075"/>
+          </a:xfrm>
+        </p:spPr>
+      </p:pic>
     </p:spTree>
     <p:extLst>
       <p:ext uri="{BB962C8B-B14F-4D97-AF65-F5344CB8AC3E}">
-        <p14:creationId xmlns:p14="http://schemas.microsoft.com/office/powerpoint/2010/main" val="1758383388"/>
+        <p14:creationId xmlns:p14="http://schemas.microsoft.com/office/powerpoint/2010/main" val="2112285"/>
       </p:ext>
     </p:extLst>
   </p:cSld>
@@ -5447,7 +5598,7 @@
           <p:cNvPr id="2" name="Title 1">
             <a:extLst>
               <a:ext uri="{FF2B5EF4-FFF2-40B4-BE49-F238E27FC236}">
-                <a16:creationId xmlns:a16="http://schemas.microsoft.com/office/drawing/2014/main" id="{5EFE2270-F8D7-54E1-3D71-84F42B2E0A11}"/>
+                <a16:creationId xmlns:a16="http://schemas.microsoft.com/office/drawing/2014/main" id="{CCDE7D93-F146-F560-8181-282F38F0B8AE}"/>
               </a:ext>
             </a:extLst>
           </p:cNvPr>
@@ -5465,47 +5616,104 @@
           <a:p>
             <a:r>
               <a:rPr lang="en-US" dirty="0"/>
-              <a:t>FMLA: </a:t>
-            </a:r>
-            <a:r>
-              <a:rPr lang="en-US" u="sng" dirty="0"/>
-              <a:t>Region</a:t>
-            </a:r>
-          </a:p>
-        </p:txBody>
-      </p:sp>
-      <p:sp>
-        <p:nvSpPr>
-          <p:cNvPr id="3" name="Content Placeholder 2">
-            <a:extLst>
-              <a:ext uri="{FF2B5EF4-FFF2-40B4-BE49-F238E27FC236}">
-                <a16:creationId xmlns:a16="http://schemas.microsoft.com/office/drawing/2014/main" id="{7B95A4F0-CF20-22C0-CF73-728979EF7A6C}"/>
-              </a:ext>
-            </a:extLst>
-          </p:cNvPr>
-          <p:cNvSpPr>
-            <a:spLocks noGrp="1"/>
-          </p:cNvSpPr>
+              <a:t>Number of Vacancies per Week by Subject (July 2023 – June 2024)</a:t>
+            </a:r>
+          </a:p>
+        </p:txBody>
+      </p:sp>
+      <p:pic>
+        <p:nvPicPr>
+          <p:cNvPr id="5" name="Content Placeholder 4">
+            <a:extLst>
+              <a:ext uri="{FF2B5EF4-FFF2-40B4-BE49-F238E27FC236}">
+                <a16:creationId xmlns:a16="http://schemas.microsoft.com/office/drawing/2014/main" id="{C34B7FF3-6A99-20EB-7D1D-8D91D441E912}"/>
+              </a:ext>
+            </a:extLst>
+          </p:cNvPr>
+          <p:cNvPicPr>
+            <a:picLocks noGrp="1" noChangeAspect="1"/>
+          </p:cNvPicPr>
           <p:nvPr>
             <p:ph idx="1"/>
           </p:nvPr>
-        </p:nvSpPr>
-        <p:spPr/>
-        <p:txBody>
-          <a:bodyPr/>
-          <a:lstStyle/>
-          <a:p>
-            <a:r>
-              <a:rPr lang="en-US" dirty="0"/>
-              <a:t>Regions in Texas who had teachers that took leave for FMLA </a:t>
-            </a:r>
-          </a:p>
-        </p:txBody>
-      </p:sp>
+        </p:nvPicPr>
+        <p:blipFill>
+          <a:blip r:embed="rId2"/>
+          <a:stretch>
+            <a:fillRect/>
+          </a:stretch>
+        </p:blipFill>
+        <p:spPr>
+          <a:xfrm>
+            <a:off x="224727" y="1953915"/>
+            <a:ext cx="8694545" cy="617835"/>
+          </a:xfrm>
+        </p:spPr>
+      </p:pic>
+      <p:pic>
+        <p:nvPicPr>
+          <p:cNvPr id="7" name="Picture 6">
+            <a:extLst>
+              <a:ext uri="{FF2B5EF4-FFF2-40B4-BE49-F238E27FC236}">
+                <a16:creationId xmlns:a16="http://schemas.microsoft.com/office/drawing/2014/main" id="{41F121BE-1AEB-FBD3-78CF-BC8909A6F530}"/>
+              </a:ext>
+            </a:extLst>
+          </p:cNvPr>
+          <p:cNvPicPr>
+            <a:picLocks noChangeAspect="1"/>
+          </p:cNvPicPr>
+          <p:nvPr/>
+        </p:nvPicPr>
+        <p:blipFill>
+          <a:blip r:embed="rId3"/>
+          <a:stretch>
+            <a:fillRect/>
+          </a:stretch>
+        </p:blipFill>
+        <p:spPr>
+          <a:xfrm>
+            <a:off x="1295400" y="2664584"/>
+            <a:ext cx="6260043" cy="617835"/>
+          </a:xfrm>
+          <a:prstGeom prst="rect">
+            <a:avLst/>
+          </a:prstGeom>
+        </p:spPr>
+      </p:pic>
+      <p:pic>
+        <p:nvPicPr>
+          <p:cNvPr id="11" name="Picture 10">
+            <a:extLst>
+              <a:ext uri="{FF2B5EF4-FFF2-40B4-BE49-F238E27FC236}">
+                <a16:creationId xmlns:a16="http://schemas.microsoft.com/office/drawing/2014/main" id="{8DA6EF3C-112E-B842-22BE-28314FC9F1A8}"/>
+              </a:ext>
+            </a:extLst>
+          </p:cNvPr>
+          <p:cNvPicPr>
+            <a:picLocks noChangeAspect="1"/>
+          </p:cNvPicPr>
+          <p:nvPr/>
+        </p:nvPicPr>
+        <p:blipFill>
+          <a:blip r:embed="rId4"/>
+          <a:stretch>
+            <a:fillRect/>
+          </a:stretch>
+        </p:blipFill>
+        <p:spPr>
+          <a:xfrm>
+            <a:off x="224727" y="2658965"/>
+            <a:ext cx="905873" cy="623454"/>
+          </a:xfrm>
+          <a:prstGeom prst="rect">
+            <a:avLst/>
+          </a:prstGeom>
+        </p:spPr>
+      </p:pic>
     </p:spTree>
     <p:extLst>
       <p:ext uri="{BB962C8B-B14F-4D97-AF65-F5344CB8AC3E}">
-        <p14:creationId xmlns:p14="http://schemas.microsoft.com/office/powerpoint/2010/main" val="2463031648"/>
+        <p14:creationId xmlns:p14="http://schemas.microsoft.com/office/powerpoint/2010/main" val="4199013176"/>
       </p:ext>
     </p:extLst>
   </p:cSld>
@@ -5537,7 +5745,7 @@
           <p:cNvPr id="2" name="Title 1">
             <a:extLst>
               <a:ext uri="{FF2B5EF4-FFF2-40B4-BE49-F238E27FC236}">
-                <a16:creationId xmlns:a16="http://schemas.microsoft.com/office/drawing/2014/main" id="{FBC7836D-EAD1-4B46-FE83-4E9445DE1CEA}"/>
+                <a16:creationId xmlns:a16="http://schemas.microsoft.com/office/drawing/2014/main" id="{D42E9379-9610-ED75-3ACF-3A0D8859D42B}"/>
               </a:ext>
             </a:extLst>
           </p:cNvPr>
@@ -5553,53 +5761,39 @@
           <a:bodyPr/>
           <a:lstStyle/>
           <a:p>
-            <a:r>
-              <a:rPr lang="en-US" dirty="0"/>
-              <a:t>Median, Mean, and SD by Region</a:t>
-            </a:r>
-            <a:br>
-              <a:rPr lang="en-US" dirty="0"/>
-            </a:br>
-            <a:r>
-              <a:rPr lang="en-US" dirty="0"/>
-              <a:t>for FMLA Length (in Days)</a:t>
-            </a:r>
-          </a:p>
-        </p:txBody>
-      </p:sp>
-      <p:pic>
-        <p:nvPicPr>
-          <p:cNvPr id="5" name="Content Placeholder 4">
-            <a:extLst>
-              <a:ext uri="{FF2B5EF4-FFF2-40B4-BE49-F238E27FC236}">
-                <a16:creationId xmlns:a16="http://schemas.microsoft.com/office/drawing/2014/main" id="{5D5B50C7-5C1C-1804-FA21-51435ECE0719}"/>
-              </a:ext>
-            </a:extLst>
-          </p:cNvPr>
-          <p:cNvPicPr>
-            <a:picLocks noGrp="1" noChangeAspect="1"/>
-          </p:cNvPicPr>
+            <a:endParaRPr lang="en-US"/>
+          </a:p>
+        </p:txBody>
+      </p:sp>
+      <p:sp>
+        <p:nvSpPr>
+          <p:cNvPr id="3" name="Content Placeholder 2">
+            <a:extLst>
+              <a:ext uri="{FF2B5EF4-FFF2-40B4-BE49-F238E27FC236}">
+                <a16:creationId xmlns:a16="http://schemas.microsoft.com/office/drawing/2014/main" id="{893E3787-B6A0-0AED-1E7B-9BFEB33C63F2}"/>
+              </a:ext>
+            </a:extLst>
+          </p:cNvPr>
+          <p:cNvSpPr>
+            <a:spLocks noGrp="1"/>
+          </p:cNvSpPr>
           <p:nvPr>
             <p:ph idx="1"/>
           </p:nvPr>
-        </p:nvPicPr>
-        <p:blipFill>
-          <a:blip r:embed="rId2"/>
-          <a:stretch>
-            <a:fillRect/>
-          </a:stretch>
-        </p:blipFill>
-        <p:spPr>
-          <a:xfrm>
-            <a:off x="847205" y="1682580"/>
-            <a:ext cx="7449590" cy="2429214"/>
-          </a:xfrm>
-        </p:spPr>
-      </p:pic>
+        </p:nvSpPr>
+        <p:spPr/>
+        <p:txBody>
+          <a:bodyPr/>
+          <a:lstStyle/>
+          <a:p>
+            <a:endParaRPr lang="en-US"/>
+          </a:p>
+        </p:txBody>
+      </p:sp>
     </p:spTree>
     <p:extLst>
       <p:ext uri="{BB962C8B-B14F-4D97-AF65-F5344CB8AC3E}">
-        <p14:creationId xmlns:p14="http://schemas.microsoft.com/office/powerpoint/2010/main" val="2368985111"/>
+        <p14:creationId xmlns:p14="http://schemas.microsoft.com/office/powerpoint/2010/main" val="3347189701"/>
       </p:ext>
     </p:extLst>
   </p:cSld>
@@ -5631,7 +5825,7 @@
           <p:cNvPr id="2" name="Title 1">
             <a:extLst>
               <a:ext uri="{FF2B5EF4-FFF2-40B4-BE49-F238E27FC236}">
-                <a16:creationId xmlns:a16="http://schemas.microsoft.com/office/drawing/2014/main" id="{96559AFD-806A-CA77-4B16-553DD7C8E49C}"/>
+                <a16:creationId xmlns:a16="http://schemas.microsoft.com/office/drawing/2014/main" id="{BBC38D5B-9622-410A-FB03-1458F8571920}"/>
               </a:ext>
             </a:extLst>
           </p:cNvPr>
@@ -5649,51 +5843,74 @@
           <a:p>
             <a:r>
               <a:rPr lang="en-US" dirty="0"/>
-              <a:t>Histogram of FMLA Lengths </a:t>
-            </a:r>
-            <a:br>
+              <a:t>FMLA Data</a:t>
+            </a:r>
+          </a:p>
+        </p:txBody>
+      </p:sp>
+      <p:sp>
+        <p:nvSpPr>
+          <p:cNvPr id="3" name="Content Placeholder 2">
+            <a:extLst>
+              <a:ext uri="{FF2B5EF4-FFF2-40B4-BE49-F238E27FC236}">
+                <a16:creationId xmlns:a16="http://schemas.microsoft.com/office/drawing/2014/main" id="{58421222-1872-B5C4-1802-5D6A054D2304}"/>
+              </a:ext>
+            </a:extLst>
+          </p:cNvPr>
+          <p:cNvSpPr>
+            <a:spLocks noGrp="1"/>
+          </p:cNvSpPr>
+          <p:nvPr>
+            <p:ph idx="1"/>
+          </p:nvPr>
+        </p:nvSpPr>
+        <p:spPr>
+          <a:xfrm>
+            <a:off x="457200" y="1200151"/>
+            <a:ext cx="8229600" cy="3825332"/>
+          </a:xfrm>
+        </p:spPr>
+        <p:txBody>
+          <a:bodyPr>
+            <a:normAutofit fontScale="85000" lnSpcReduction="20000"/>
+          </a:bodyPr>
+          <a:lstStyle/>
+          <a:p>
+            <a:r>
               <a:rPr lang="en-US" dirty="0"/>
-            </a:br>
+              <a:t>FMLA is Family Medical Leave and is time off for medical or family (such as having a child) absences </a:t>
+            </a:r>
+          </a:p>
+          <a:p>
+            <a:endParaRPr lang="en-US" dirty="0"/>
+          </a:p>
+          <a:p>
             <a:r>
               <a:rPr lang="en-US" dirty="0"/>
-              <a:t>(in Days) for Austin</a:t>
-            </a:r>
-          </a:p>
-        </p:txBody>
-      </p:sp>
-      <p:pic>
-        <p:nvPicPr>
-          <p:cNvPr id="5" name="Content Placeholder 4">
-            <a:extLst>
-              <a:ext uri="{FF2B5EF4-FFF2-40B4-BE49-F238E27FC236}">
-                <a16:creationId xmlns:a16="http://schemas.microsoft.com/office/drawing/2014/main" id="{FE5454C0-0F25-2167-578A-E89B0ED8CC76}"/>
-              </a:ext>
-            </a:extLst>
-          </p:cNvPr>
-          <p:cNvPicPr>
-            <a:picLocks noGrp="1" noChangeAspect="1"/>
-          </p:cNvPicPr>
-          <p:nvPr>
-            <p:ph idx="1"/>
-          </p:nvPr>
-        </p:nvPicPr>
-        <p:blipFill>
-          <a:blip r:embed="rId2"/>
-          <a:stretch>
-            <a:fillRect/>
-          </a:stretch>
-        </p:blipFill>
-        <p:spPr>
-          <a:xfrm>
-            <a:off x="708502" y="1275844"/>
-            <a:ext cx="5829457" cy="3546982"/>
-          </a:xfrm>
-        </p:spPr>
-      </p:pic>
+              <a:t>FMLA leave length of time is counted in days, starting from the first day the employee is absent with leave to the return-to-work date.</a:t>
+            </a:r>
+          </a:p>
+          <a:p>
+            <a:endParaRPr lang="en-US" dirty="0"/>
+          </a:p>
+          <a:p>
+            <a:r>
+              <a:rPr lang="en-US" dirty="0"/>
+              <a:t>FMLA leave can vary in length of time (depending on how many days the employee applied for and was approved for).</a:t>
+            </a:r>
+          </a:p>
+          <a:p>
+            <a:pPr marL="457200" lvl="1" indent="0">
+              <a:buNone/>
+            </a:pPr>
+            <a:endParaRPr lang="en-US" dirty="0"/>
+          </a:p>
+        </p:txBody>
+      </p:sp>
     </p:spTree>
     <p:extLst>
       <p:ext uri="{BB962C8B-B14F-4D97-AF65-F5344CB8AC3E}">
-        <p14:creationId xmlns:p14="http://schemas.microsoft.com/office/powerpoint/2010/main" val="3004370011"/>
+        <p14:creationId xmlns:p14="http://schemas.microsoft.com/office/powerpoint/2010/main" val="1758383388"/>
       </p:ext>
     </p:extLst>
   </p:cSld>
@@ -5725,7 +5942,7 @@
           <p:cNvPr id="2" name="Title 1">
             <a:extLst>
               <a:ext uri="{FF2B5EF4-FFF2-40B4-BE49-F238E27FC236}">
-                <a16:creationId xmlns:a16="http://schemas.microsoft.com/office/drawing/2014/main" id="{4030FCB4-441D-4609-4CAB-7629A6E449A9}"/>
+                <a16:creationId xmlns:a16="http://schemas.microsoft.com/office/drawing/2014/main" id="{5EFE2270-F8D7-54E1-3D71-84F42B2E0A11}"/>
               </a:ext>
             </a:extLst>
           </p:cNvPr>
@@ -5743,51 +5960,47 @@
           <a:p>
             <a:r>
               <a:rPr lang="en-US" dirty="0"/>
-              <a:t>Frequency of FMLA Lengths </a:t>
-            </a:r>
-            <a:br>
+              <a:t>FMLA: </a:t>
+            </a:r>
+            <a:r>
+              <a:rPr lang="en-US" u="sng" dirty="0"/>
+              <a:t>Region</a:t>
+            </a:r>
+          </a:p>
+        </p:txBody>
+      </p:sp>
+      <p:sp>
+        <p:nvSpPr>
+          <p:cNvPr id="3" name="Content Placeholder 2">
+            <a:extLst>
+              <a:ext uri="{FF2B5EF4-FFF2-40B4-BE49-F238E27FC236}">
+                <a16:creationId xmlns:a16="http://schemas.microsoft.com/office/drawing/2014/main" id="{7B95A4F0-CF20-22C0-CF73-728979EF7A6C}"/>
+              </a:ext>
+            </a:extLst>
+          </p:cNvPr>
+          <p:cNvSpPr>
+            <a:spLocks noGrp="1"/>
+          </p:cNvSpPr>
+          <p:nvPr>
+            <p:ph idx="1"/>
+          </p:nvPr>
+        </p:nvSpPr>
+        <p:spPr/>
+        <p:txBody>
+          <a:bodyPr/>
+          <a:lstStyle/>
+          <a:p>
+            <a:r>
               <a:rPr lang="en-US" dirty="0"/>
-            </a:br>
-            <a:r>
-              <a:rPr lang="en-US" dirty="0"/>
-              <a:t>(in Days) for El Paso</a:t>
-            </a:r>
-          </a:p>
-        </p:txBody>
-      </p:sp>
-      <p:pic>
-        <p:nvPicPr>
-          <p:cNvPr id="5" name="Content Placeholder 4">
-            <a:extLst>
-              <a:ext uri="{FF2B5EF4-FFF2-40B4-BE49-F238E27FC236}">
-                <a16:creationId xmlns:a16="http://schemas.microsoft.com/office/drawing/2014/main" id="{F94863D8-AFD5-EFC4-BFAB-F8CBBDCE8669}"/>
-              </a:ext>
-            </a:extLst>
-          </p:cNvPr>
-          <p:cNvPicPr>
-            <a:picLocks noGrp="1" noChangeAspect="1"/>
-          </p:cNvPicPr>
-          <p:nvPr>
-            <p:ph idx="1"/>
-          </p:nvPr>
-        </p:nvPicPr>
-        <p:blipFill>
-          <a:blip r:embed="rId2"/>
-          <a:stretch>
-            <a:fillRect/>
-          </a:stretch>
-        </p:blipFill>
-        <p:spPr>
-          <a:xfrm>
-            <a:off x="457200" y="1325880"/>
-            <a:ext cx="5764741" cy="3458845"/>
-          </a:xfrm>
-        </p:spPr>
-      </p:pic>
+              <a:t>Regions in Texas who had teachers that took leave for FMLA </a:t>
+            </a:r>
+          </a:p>
+        </p:txBody>
+      </p:sp>
     </p:spTree>
     <p:extLst>
       <p:ext uri="{BB962C8B-B14F-4D97-AF65-F5344CB8AC3E}">
-        <p14:creationId xmlns:p14="http://schemas.microsoft.com/office/powerpoint/2010/main" val="1270131991"/>
+        <p14:creationId xmlns:p14="http://schemas.microsoft.com/office/powerpoint/2010/main" val="2463031648"/>
       </p:ext>
     </p:extLst>
   </p:cSld>
@@ -5933,7 +6146,7 @@
           <p:cNvPr id="2" name="Title 1">
             <a:extLst>
               <a:ext uri="{FF2B5EF4-FFF2-40B4-BE49-F238E27FC236}">
-                <a16:creationId xmlns:a16="http://schemas.microsoft.com/office/drawing/2014/main" id="{095C7A9E-C8C8-567E-7742-31D8199118B0}"/>
+                <a16:creationId xmlns:a16="http://schemas.microsoft.com/office/drawing/2014/main" id="{FBC7836D-EAD1-4B46-FE83-4E9445DE1CEA}"/>
               </a:ext>
             </a:extLst>
           </p:cNvPr>
@@ -5951,7 +6164,14 @@
           <a:p>
             <a:r>
               <a:rPr lang="en-US" dirty="0"/>
-              <a:t>Frequency of FMLA Lengths (in Days) for Greater Houston Area</a:t>
+              <a:t>Median, Mean, and SD by Region</a:t>
+            </a:r>
+            <a:br>
+              <a:rPr lang="en-US" dirty="0"/>
+            </a:br>
+            <a:r>
+              <a:rPr lang="en-US" dirty="0"/>
+              <a:t>for FMLA Length (in Days)</a:t>
             </a:r>
           </a:p>
         </p:txBody>
@@ -5961,7 +6181,7 @@
           <p:cNvPr id="5" name="Content Placeholder 4">
             <a:extLst>
               <a:ext uri="{FF2B5EF4-FFF2-40B4-BE49-F238E27FC236}">
-                <a16:creationId xmlns:a16="http://schemas.microsoft.com/office/drawing/2014/main" id="{20A44C69-7AC5-4274-EB7C-952A2C8ABEBE}"/>
+                <a16:creationId xmlns:a16="http://schemas.microsoft.com/office/drawing/2014/main" id="{5D5B50C7-5C1C-1804-FA21-51435ECE0719}"/>
               </a:ext>
             </a:extLst>
           </p:cNvPr>
@@ -5980,15 +6200,15 @@
         </p:blipFill>
         <p:spPr>
           <a:xfrm>
-            <a:off x="662769" y="1390650"/>
-            <a:ext cx="5959182" cy="3394075"/>
+            <a:off x="847205" y="1682580"/>
+            <a:ext cx="7449590" cy="2429214"/>
           </a:xfrm>
         </p:spPr>
       </p:pic>
     </p:spTree>
     <p:extLst>
       <p:ext uri="{BB962C8B-B14F-4D97-AF65-F5344CB8AC3E}">
-        <p14:creationId xmlns:p14="http://schemas.microsoft.com/office/powerpoint/2010/main" val="2121109326"/>
+        <p14:creationId xmlns:p14="http://schemas.microsoft.com/office/powerpoint/2010/main" val="2368985111"/>
       </p:ext>
     </p:extLst>
   </p:cSld>
@@ -6020,7 +6240,7 @@
           <p:cNvPr id="2" name="Title 1">
             <a:extLst>
               <a:ext uri="{FF2B5EF4-FFF2-40B4-BE49-F238E27FC236}">
-                <a16:creationId xmlns:a16="http://schemas.microsoft.com/office/drawing/2014/main" id="{812D3B64-1E42-BAE8-B951-9F98565EA1D3}"/>
+                <a16:creationId xmlns:a16="http://schemas.microsoft.com/office/drawing/2014/main" id="{96559AFD-806A-CA77-4B16-553DD7C8E49C}"/>
               </a:ext>
             </a:extLst>
           </p:cNvPr>
@@ -6038,7 +6258,14 @@
           <a:p>
             <a:r>
               <a:rPr lang="en-US" dirty="0"/>
-              <a:t>Frequency of FMLA Lengths (in Days) for Lower Valley RGV</a:t>
+              <a:t>Histogram of FMLA Lengths </a:t>
+            </a:r>
+            <a:br>
+              <a:rPr lang="en-US" dirty="0"/>
+            </a:br>
+            <a:r>
+              <a:rPr lang="en-US" dirty="0"/>
+              <a:t>(in Days) for Austin</a:t>
             </a:r>
           </a:p>
         </p:txBody>
@@ -6048,7 +6275,7 @@
           <p:cNvPr id="5" name="Content Placeholder 4">
             <a:extLst>
               <a:ext uri="{FF2B5EF4-FFF2-40B4-BE49-F238E27FC236}">
-                <a16:creationId xmlns:a16="http://schemas.microsoft.com/office/drawing/2014/main" id="{A00A1062-EE04-F214-E243-0FB9E03B23D3}"/>
+                <a16:creationId xmlns:a16="http://schemas.microsoft.com/office/drawing/2014/main" id="{FE5454C0-0F25-2167-578A-E89B0ED8CC76}"/>
               </a:ext>
             </a:extLst>
           </p:cNvPr>
@@ -6067,15 +6294,15 @@
         </p:blipFill>
         <p:spPr>
           <a:xfrm>
-            <a:off x="549523" y="1354394"/>
-            <a:ext cx="5851277" cy="3430331"/>
+            <a:off x="708502" y="1275844"/>
+            <a:ext cx="5829457" cy="3546982"/>
           </a:xfrm>
         </p:spPr>
       </p:pic>
     </p:spTree>
     <p:extLst>
       <p:ext uri="{BB962C8B-B14F-4D97-AF65-F5344CB8AC3E}">
-        <p14:creationId xmlns:p14="http://schemas.microsoft.com/office/powerpoint/2010/main" val="3272780143"/>
+        <p14:creationId xmlns:p14="http://schemas.microsoft.com/office/powerpoint/2010/main" val="3004370011"/>
       </p:ext>
     </p:extLst>
   </p:cSld>
@@ -6107,7 +6334,7 @@
           <p:cNvPr id="2" name="Title 1">
             <a:extLst>
               <a:ext uri="{FF2B5EF4-FFF2-40B4-BE49-F238E27FC236}">
-                <a16:creationId xmlns:a16="http://schemas.microsoft.com/office/drawing/2014/main" id="{81A8257A-7B9A-BBED-6456-BF8C0C07B209}"/>
+                <a16:creationId xmlns:a16="http://schemas.microsoft.com/office/drawing/2014/main" id="{4030FCB4-441D-4609-4CAB-7629A6E449A9}"/>
               </a:ext>
             </a:extLst>
           </p:cNvPr>
@@ -6125,7 +6352,14 @@
           <a:p>
             <a:r>
               <a:rPr lang="en-US" dirty="0"/>
-              <a:t>Frequency of FMLA Lengths (in Days) for Mid Valley RGV</a:t>
+              <a:t>Frequency of FMLA Lengths </a:t>
+            </a:r>
+            <a:br>
+              <a:rPr lang="en-US" dirty="0"/>
+            </a:br>
+            <a:r>
+              <a:rPr lang="en-US" dirty="0"/>
+              <a:t>(in Days) for El Paso</a:t>
             </a:r>
           </a:p>
         </p:txBody>
@@ -6135,7 +6369,7 @@
           <p:cNvPr id="5" name="Content Placeholder 4">
             <a:extLst>
               <a:ext uri="{FF2B5EF4-FFF2-40B4-BE49-F238E27FC236}">
-                <a16:creationId xmlns:a16="http://schemas.microsoft.com/office/drawing/2014/main" id="{E58FC37E-9BD9-927E-8D88-6848D9E88CDA}"/>
+                <a16:creationId xmlns:a16="http://schemas.microsoft.com/office/drawing/2014/main" id="{F94863D8-AFD5-EFC4-BFAB-F8CBBDCE8669}"/>
               </a:ext>
             </a:extLst>
           </p:cNvPr>
@@ -6154,15 +6388,54 @@
         </p:blipFill>
         <p:spPr>
           <a:xfrm>
-            <a:off x="1695600" y="1200150"/>
-            <a:ext cx="5752800" cy="3394075"/>
+            <a:off x="457200" y="1325880"/>
+            <a:ext cx="5764741" cy="3458845"/>
           </a:xfrm>
         </p:spPr>
       </p:pic>
+      <p:sp>
+        <p:nvSpPr>
+          <p:cNvPr id="6" name="TextBox 5">
+            <a:extLst>
+              <a:ext uri="{FF2B5EF4-FFF2-40B4-BE49-F238E27FC236}">
+                <a16:creationId xmlns:a16="http://schemas.microsoft.com/office/drawing/2014/main" id="{CBFEDEB8-9DAE-7280-71B6-A607D9864A41}"/>
+              </a:ext>
+            </a:extLst>
+          </p:cNvPr>
+          <p:cNvSpPr txBox="1"/>
+          <p:nvPr/>
+        </p:nvSpPr>
+        <p:spPr>
+          <a:xfrm>
+            <a:off x="6477000" y="2659380"/>
+            <a:ext cx="2415540" cy="954107"/>
+          </a:xfrm>
+          <a:prstGeom prst="rect">
+            <a:avLst/>
+          </a:prstGeom>
+          <a:noFill/>
+        </p:spPr>
+        <p:txBody>
+          <a:bodyPr wrap="square" rtlCol="0">
+            <a:spAutoFit/>
+          </a:bodyPr>
+          <a:lstStyle/>
+          <a:p>
+            <a:r>
+              <a:rPr lang="en-US" sz="1400" dirty="0">
+                <a:solidFill>
+                  <a:srgbClr val="2007B9"/>
+                </a:solidFill>
+              </a:rPr>
+              <a:t>The highest frequency of length of FMLA for teachers was between 150 and 200 days in El Paso.</a:t>
+            </a:r>
+          </a:p>
+        </p:txBody>
+      </p:sp>
     </p:spTree>
     <p:extLst>
       <p:ext uri="{BB962C8B-B14F-4D97-AF65-F5344CB8AC3E}">
-        <p14:creationId xmlns:p14="http://schemas.microsoft.com/office/powerpoint/2010/main" val="482197124"/>
+        <p14:creationId xmlns:p14="http://schemas.microsoft.com/office/powerpoint/2010/main" val="1270131991"/>
       </p:ext>
     </p:extLst>
   </p:cSld>
@@ -6194,7 +6467,7 @@
           <p:cNvPr id="2" name="Title 1">
             <a:extLst>
               <a:ext uri="{FF2B5EF4-FFF2-40B4-BE49-F238E27FC236}">
-                <a16:creationId xmlns:a16="http://schemas.microsoft.com/office/drawing/2014/main" id="{D7FC4A51-25D2-3417-E3AF-21BC501732F2}"/>
+                <a16:creationId xmlns:a16="http://schemas.microsoft.com/office/drawing/2014/main" id="{095C7A9E-C8C8-567E-7742-31D8199118B0}"/>
               </a:ext>
             </a:extLst>
           </p:cNvPr>
@@ -6212,7 +6485,7 @@
           <a:p>
             <a:r>
               <a:rPr lang="en-US" dirty="0"/>
-              <a:t>Frequency of FMLA Lengths (in Days) for Upper Valley RGV</a:t>
+              <a:t>Frequency of FMLA Lengths (in Days) for Greater Houston Area</a:t>
             </a:r>
           </a:p>
         </p:txBody>
@@ -6222,7 +6495,7 @@
           <p:cNvPr id="5" name="Content Placeholder 4">
             <a:extLst>
               <a:ext uri="{FF2B5EF4-FFF2-40B4-BE49-F238E27FC236}">
-                <a16:creationId xmlns:a16="http://schemas.microsoft.com/office/drawing/2014/main" id="{2369BEFD-B7C9-A7C5-5C33-631E2C225AEB}"/>
+                <a16:creationId xmlns:a16="http://schemas.microsoft.com/office/drawing/2014/main" id="{20A44C69-7AC5-4274-EB7C-952A2C8ABEBE}"/>
               </a:ext>
             </a:extLst>
           </p:cNvPr>
@@ -6241,15 +6514,15 @@
         </p:blipFill>
         <p:spPr>
           <a:xfrm>
-            <a:off x="553851" y="1333500"/>
-            <a:ext cx="5865135" cy="3443605"/>
+            <a:off x="662769" y="1390650"/>
+            <a:ext cx="5959182" cy="3394075"/>
           </a:xfrm>
         </p:spPr>
       </p:pic>
     </p:spTree>
     <p:extLst>
       <p:ext uri="{BB962C8B-B14F-4D97-AF65-F5344CB8AC3E}">
-        <p14:creationId xmlns:p14="http://schemas.microsoft.com/office/powerpoint/2010/main" val="1749205972"/>
+        <p14:creationId xmlns:p14="http://schemas.microsoft.com/office/powerpoint/2010/main" val="2121109326"/>
       </p:ext>
     </p:extLst>
   </p:cSld>
@@ -6281,7 +6554,7 @@
           <p:cNvPr id="2" name="Title 1">
             <a:extLst>
               <a:ext uri="{FF2B5EF4-FFF2-40B4-BE49-F238E27FC236}">
-                <a16:creationId xmlns:a16="http://schemas.microsoft.com/office/drawing/2014/main" id="{4BF6AEBC-D59D-60EC-7D12-0BE54E2278F3}"/>
+                <a16:creationId xmlns:a16="http://schemas.microsoft.com/office/drawing/2014/main" id="{812D3B64-1E42-BAE8-B951-9F98565EA1D3}"/>
               </a:ext>
             </a:extLst>
           </p:cNvPr>
@@ -6299,7 +6572,7 @@
           <a:p>
             <a:r>
               <a:rPr lang="en-US" dirty="0"/>
-              <a:t>Histogram of FMLA Lengths (in Days) for Permian Basin</a:t>
+              <a:t>Frequency of FMLA Lengths (in Days) for Lower Valley RGV</a:t>
             </a:r>
           </a:p>
         </p:txBody>
@@ -6309,7 +6582,7 @@
           <p:cNvPr id="5" name="Content Placeholder 4">
             <a:extLst>
               <a:ext uri="{FF2B5EF4-FFF2-40B4-BE49-F238E27FC236}">
-                <a16:creationId xmlns:a16="http://schemas.microsoft.com/office/drawing/2014/main" id="{36CB618B-D6D3-3613-0908-AD0B03877BC6}"/>
+                <a16:creationId xmlns:a16="http://schemas.microsoft.com/office/drawing/2014/main" id="{A00A1062-EE04-F214-E243-0FB9E03B23D3}"/>
               </a:ext>
             </a:extLst>
           </p:cNvPr>
@@ -6328,15 +6601,54 @@
         </p:blipFill>
         <p:spPr>
           <a:xfrm>
-            <a:off x="645025" y="1291830"/>
-            <a:ext cx="5951116" cy="3530996"/>
+            <a:off x="549523" y="1354394"/>
+            <a:ext cx="5851277" cy="3430331"/>
           </a:xfrm>
         </p:spPr>
       </p:pic>
+      <p:sp>
+        <p:nvSpPr>
+          <p:cNvPr id="6" name="TextBox 5">
+            <a:extLst>
+              <a:ext uri="{FF2B5EF4-FFF2-40B4-BE49-F238E27FC236}">
+                <a16:creationId xmlns:a16="http://schemas.microsoft.com/office/drawing/2014/main" id="{C1C0CCC1-E81C-B062-7A92-38A4A0452DC5}"/>
+              </a:ext>
+            </a:extLst>
+          </p:cNvPr>
+          <p:cNvSpPr txBox="1"/>
+          <p:nvPr/>
+        </p:nvSpPr>
+        <p:spPr>
+          <a:xfrm>
+            <a:off x="6576060" y="2727960"/>
+            <a:ext cx="2394366" cy="1384995"/>
+          </a:xfrm>
+          <a:prstGeom prst="rect">
+            <a:avLst/>
+          </a:prstGeom>
+          <a:noFill/>
+        </p:spPr>
+        <p:txBody>
+          <a:bodyPr wrap="square" rtlCol="0">
+            <a:spAutoFit/>
+          </a:bodyPr>
+          <a:lstStyle/>
+          <a:p>
+            <a:r>
+              <a:rPr lang="en-US" sz="1400" dirty="0">
+                <a:solidFill>
+                  <a:srgbClr val="2007B9"/>
+                </a:solidFill>
+              </a:rPr>
+              <a:t>The highest frequency of length of FMLA for teachers was between 50 and 100 days in Lower Valley RGV, with the next highest frequency between 100 to 150 days.</a:t>
+            </a:r>
+          </a:p>
+        </p:txBody>
+      </p:sp>
     </p:spTree>
     <p:extLst>
       <p:ext uri="{BB962C8B-B14F-4D97-AF65-F5344CB8AC3E}">
-        <p14:creationId xmlns:p14="http://schemas.microsoft.com/office/powerpoint/2010/main" val="545715445"/>
+        <p14:creationId xmlns:p14="http://schemas.microsoft.com/office/powerpoint/2010/main" val="3272780143"/>
       </p:ext>
     </p:extLst>
   </p:cSld>
@@ -6368,7 +6680,7 @@
           <p:cNvPr id="2" name="Title 1">
             <a:extLst>
               <a:ext uri="{FF2B5EF4-FFF2-40B4-BE49-F238E27FC236}">
-                <a16:creationId xmlns:a16="http://schemas.microsoft.com/office/drawing/2014/main" id="{70FC0A62-7588-CD61-C819-20EC292557D3}"/>
+                <a16:creationId xmlns:a16="http://schemas.microsoft.com/office/drawing/2014/main" id="{81A8257A-7B9A-BBED-6456-BF8C0C07B209}"/>
               </a:ext>
             </a:extLst>
           </p:cNvPr>
@@ -6386,7 +6698,7 @@
           <a:p>
             <a:r>
               <a:rPr lang="en-US" dirty="0"/>
-              <a:t>Histogram of FMLA Lengths (in Days) for East San Antonio</a:t>
+              <a:t>Frequency of FMLA Lengths (in Days) for Mid Valley RGV</a:t>
             </a:r>
           </a:p>
         </p:txBody>
@@ -6396,7 +6708,7 @@
           <p:cNvPr id="5" name="Content Placeholder 4">
             <a:extLst>
               <a:ext uri="{FF2B5EF4-FFF2-40B4-BE49-F238E27FC236}">
-                <a16:creationId xmlns:a16="http://schemas.microsoft.com/office/drawing/2014/main" id="{601C28C3-96B4-9F00-90B9-60F9C598677B}"/>
+                <a16:creationId xmlns:a16="http://schemas.microsoft.com/office/drawing/2014/main" id="{E58FC37E-9BD9-927E-8D88-6848D9E88CDA}"/>
               </a:ext>
             </a:extLst>
           </p:cNvPr>
@@ -6415,15 +6727,15 @@
         </p:blipFill>
         <p:spPr>
           <a:xfrm>
-            <a:off x="748794" y="1286958"/>
-            <a:ext cx="5872986" cy="3444427"/>
+            <a:off x="1695600" y="1200150"/>
+            <a:ext cx="5752800" cy="3394075"/>
           </a:xfrm>
         </p:spPr>
       </p:pic>
     </p:spTree>
     <p:extLst>
       <p:ext uri="{BB962C8B-B14F-4D97-AF65-F5344CB8AC3E}">
-        <p14:creationId xmlns:p14="http://schemas.microsoft.com/office/powerpoint/2010/main" val="2467978160"/>
+        <p14:creationId xmlns:p14="http://schemas.microsoft.com/office/powerpoint/2010/main" val="482197124"/>
       </p:ext>
     </p:extLst>
   </p:cSld>
@@ -6455,7 +6767,7 @@
           <p:cNvPr id="2" name="Title 1">
             <a:extLst>
               <a:ext uri="{FF2B5EF4-FFF2-40B4-BE49-F238E27FC236}">
-                <a16:creationId xmlns:a16="http://schemas.microsoft.com/office/drawing/2014/main" id="{E68654C1-4FF0-59AA-74EC-7983947CCC0A}"/>
+                <a16:creationId xmlns:a16="http://schemas.microsoft.com/office/drawing/2014/main" id="{D7FC4A51-25D2-3417-E3AF-21BC501732F2}"/>
               </a:ext>
             </a:extLst>
           </p:cNvPr>
@@ -6473,7 +6785,7 @@
           <a:p>
             <a:r>
               <a:rPr lang="en-US" dirty="0"/>
-              <a:t>Frequency of FMLA Lengths (in Days) for West San Antonio</a:t>
+              <a:t>Frequency of FMLA Lengths (in Days) for Upper Valley RGV</a:t>
             </a:r>
           </a:p>
         </p:txBody>
@@ -6483,7 +6795,7 @@
           <p:cNvPr id="5" name="Content Placeholder 4">
             <a:extLst>
               <a:ext uri="{FF2B5EF4-FFF2-40B4-BE49-F238E27FC236}">
-                <a16:creationId xmlns:a16="http://schemas.microsoft.com/office/drawing/2014/main" id="{04E9E548-D737-36A4-2841-4886952FB8D7}"/>
+                <a16:creationId xmlns:a16="http://schemas.microsoft.com/office/drawing/2014/main" id="{2369BEFD-B7C9-A7C5-5C33-631E2C225AEB}"/>
               </a:ext>
             </a:extLst>
           </p:cNvPr>
@@ -6502,15 +6814,15 @@
         </p:blipFill>
         <p:spPr>
           <a:xfrm>
-            <a:off x="808872" y="1260934"/>
-            <a:ext cx="5873867" cy="3508552"/>
+            <a:off x="553851" y="1333500"/>
+            <a:ext cx="5865135" cy="3443605"/>
           </a:xfrm>
         </p:spPr>
       </p:pic>
     </p:spTree>
     <p:extLst>
       <p:ext uri="{BB962C8B-B14F-4D97-AF65-F5344CB8AC3E}">
-        <p14:creationId xmlns:p14="http://schemas.microsoft.com/office/powerpoint/2010/main" val="1699884651"/>
+        <p14:creationId xmlns:p14="http://schemas.microsoft.com/office/powerpoint/2010/main" val="1749205972"/>
       </p:ext>
     </p:extLst>
   </p:cSld>
@@ -6542,7 +6854,7 @@
           <p:cNvPr id="2" name="Title 1">
             <a:extLst>
               <a:ext uri="{FF2B5EF4-FFF2-40B4-BE49-F238E27FC236}">
-                <a16:creationId xmlns:a16="http://schemas.microsoft.com/office/drawing/2014/main" id="{90686A51-A164-34F5-8589-13CCE0AA3DD6}"/>
+                <a16:creationId xmlns:a16="http://schemas.microsoft.com/office/drawing/2014/main" id="{4BF6AEBC-D59D-60EC-7D12-0BE54E2278F3}"/>
               </a:ext>
             </a:extLst>
           </p:cNvPr>
@@ -6560,7 +6872,7 @@
           <a:p>
             <a:r>
               <a:rPr lang="en-US" dirty="0"/>
-              <a:t>Frequency of FMLA Lengths (in Days) for Tarrant County</a:t>
+              <a:t>Histogram of FMLA Lengths (in Days) for Permian Basin</a:t>
             </a:r>
           </a:p>
         </p:txBody>
@@ -6570,7 +6882,7 @@
           <p:cNvPr id="5" name="Content Placeholder 4">
             <a:extLst>
               <a:ext uri="{FF2B5EF4-FFF2-40B4-BE49-F238E27FC236}">
-                <a16:creationId xmlns:a16="http://schemas.microsoft.com/office/drawing/2014/main" id="{502EBCCC-7A83-2191-C7D5-EB97B3F03B58}"/>
+                <a16:creationId xmlns:a16="http://schemas.microsoft.com/office/drawing/2014/main" id="{36CB618B-D6D3-3613-0908-AD0B03877BC6}"/>
               </a:ext>
             </a:extLst>
           </p:cNvPr>
@@ -6589,15 +6901,15 @@
         </p:blipFill>
         <p:spPr>
           <a:xfrm>
-            <a:off x="878047" y="1246110"/>
-            <a:ext cx="6100462" cy="3530996"/>
+            <a:off x="645025" y="1291830"/>
+            <a:ext cx="5951116" cy="3530996"/>
           </a:xfrm>
         </p:spPr>
       </p:pic>
     </p:spTree>
     <p:extLst>
       <p:ext uri="{BB962C8B-B14F-4D97-AF65-F5344CB8AC3E}">
-        <p14:creationId xmlns:p14="http://schemas.microsoft.com/office/powerpoint/2010/main" val="907051557"/>
+        <p14:creationId xmlns:p14="http://schemas.microsoft.com/office/powerpoint/2010/main" val="545715445"/>
       </p:ext>
     </p:extLst>
   </p:cSld>
@@ -6629,7 +6941,7 @@
           <p:cNvPr id="2" name="Title 1">
             <a:extLst>
               <a:ext uri="{FF2B5EF4-FFF2-40B4-BE49-F238E27FC236}">
-                <a16:creationId xmlns:a16="http://schemas.microsoft.com/office/drawing/2014/main" id="{52679B77-58AA-91AE-04A1-298ACFE63D09}"/>
+                <a16:creationId xmlns:a16="http://schemas.microsoft.com/office/drawing/2014/main" id="{70FC0A62-7588-CD61-C819-20EC292557D3}"/>
               </a:ext>
             </a:extLst>
           </p:cNvPr>
@@ -6647,52 +6959,17 @@
           <a:p>
             <a:r>
               <a:rPr lang="en-US" dirty="0"/>
-              <a:t>Number of Teacher Leaves from FMLA Varied by Region </a:t>
-            </a:r>
-          </a:p>
-        </p:txBody>
-      </p:sp>
-      <p:sp>
-        <p:nvSpPr>
-          <p:cNvPr id="6" name="TextBox 5">
-            <a:extLst>
-              <a:ext uri="{FF2B5EF4-FFF2-40B4-BE49-F238E27FC236}">
-                <a16:creationId xmlns:a16="http://schemas.microsoft.com/office/drawing/2014/main" id="{F0BAE911-98B4-C2EC-0389-C3D73AA76924}"/>
-              </a:ext>
-            </a:extLst>
-          </p:cNvPr>
-          <p:cNvSpPr txBox="1"/>
-          <p:nvPr/>
-        </p:nvSpPr>
-        <p:spPr>
-          <a:xfrm>
-            <a:off x="6088419" y="2252547"/>
-            <a:ext cx="2386361" cy="954107"/>
-          </a:xfrm>
-          <a:prstGeom prst="rect">
-            <a:avLst/>
-          </a:prstGeom>
-          <a:noFill/>
-        </p:spPr>
-        <p:txBody>
-          <a:bodyPr wrap="square" rtlCol="0">
-            <a:spAutoFit/>
-          </a:bodyPr>
-          <a:lstStyle/>
-          <a:p>
-            <a:r>
-              <a:rPr lang="en-US" sz="1400" dirty="0"/>
-              <a:t>Lower Valley RGV had the highest count of teacher leaves from FMLA, and Permian Basin had the lowest.</a:t>
+              <a:t>Histogram of FMLA Lengths (in Days) for East San Antonio</a:t>
             </a:r>
           </a:p>
         </p:txBody>
       </p:sp>
       <p:pic>
         <p:nvPicPr>
-          <p:cNvPr id="7" name="Content Placeholder 6">
-            <a:extLst>
-              <a:ext uri="{FF2B5EF4-FFF2-40B4-BE49-F238E27FC236}">
-                <a16:creationId xmlns:a16="http://schemas.microsoft.com/office/drawing/2014/main" id="{898DE5A7-369B-C320-DB1A-62406171A20C}"/>
+          <p:cNvPr id="5" name="Content Placeholder 4">
+            <a:extLst>
+              <a:ext uri="{FF2B5EF4-FFF2-40B4-BE49-F238E27FC236}">
+                <a16:creationId xmlns:a16="http://schemas.microsoft.com/office/drawing/2014/main" id="{601C28C3-96B4-9F00-90B9-60F9C598677B}"/>
               </a:ext>
             </a:extLst>
           </p:cNvPr>
@@ -6711,15 +6988,15 @@
         </p:blipFill>
         <p:spPr>
           <a:xfrm>
-            <a:off x="669220" y="1590907"/>
-            <a:ext cx="5135844" cy="2751345"/>
+            <a:off x="748794" y="1286958"/>
+            <a:ext cx="5872986" cy="3444427"/>
           </a:xfrm>
         </p:spPr>
       </p:pic>
     </p:spTree>
     <p:extLst>
       <p:ext uri="{BB962C8B-B14F-4D97-AF65-F5344CB8AC3E}">
-        <p14:creationId xmlns:p14="http://schemas.microsoft.com/office/powerpoint/2010/main" val="980250847"/>
+        <p14:creationId xmlns:p14="http://schemas.microsoft.com/office/powerpoint/2010/main" val="2467978160"/>
       </p:ext>
     </p:extLst>
   </p:cSld>
@@ -6751,7 +7028,7 @@
           <p:cNvPr id="2" name="Title 1">
             <a:extLst>
               <a:ext uri="{FF2B5EF4-FFF2-40B4-BE49-F238E27FC236}">
-                <a16:creationId xmlns:a16="http://schemas.microsoft.com/office/drawing/2014/main" id="{28D5521C-48D0-B610-862A-4789FBA92E74}"/>
+                <a16:creationId xmlns:a16="http://schemas.microsoft.com/office/drawing/2014/main" id="{E68654C1-4FF0-59AA-74EC-7983947CCC0A}"/>
               </a:ext>
             </a:extLst>
           </p:cNvPr>
@@ -6762,33 +7039,24 @@
             <p:ph type="title"/>
           </p:nvPr>
         </p:nvSpPr>
-        <p:spPr>
-          <a:xfrm>
-            <a:off x="329783" y="205979"/>
-            <a:ext cx="8476937" cy="857250"/>
-          </a:xfrm>
-        </p:spPr>
+        <p:spPr/>
         <p:txBody>
           <a:bodyPr/>
           <a:lstStyle/>
           <a:p>
             <a:r>
-              <a:rPr lang="en-US" sz="2800" dirty="0"/>
-              <a:t>Number of Teacher Leaves from FMLA were Highest in Lower Valley RGV, Followed by Austin</a:t>
-            </a:r>
-            <a:r>
               <a:rPr lang="en-US" dirty="0"/>
-              <a:t>.</a:t>
+              <a:t>Frequency of FMLA Lengths (in Days) for West San Antonio</a:t>
             </a:r>
           </a:p>
         </p:txBody>
       </p:sp>
       <p:pic>
         <p:nvPicPr>
-          <p:cNvPr id="11" name="Content Placeholder 10">
-            <a:extLst>
-              <a:ext uri="{FF2B5EF4-FFF2-40B4-BE49-F238E27FC236}">
-                <a16:creationId xmlns:a16="http://schemas.microsoft.com/office/drawing/2014/main" id="{FE95FB40-14C7-63AC-F82A-7178326B0A45}"/>
+          <p:cNvPr id="5" name="Content Placeholder 4">
+            <a:extLst>
+              <a:ext uri="{FF2B5EF4-FFF2-40B4-BE49-F238E27FC236}">
+                <a16:creationId xmlns:a16="http://schemas.microsoft.com/office/drawing/2014/main" id="{04E9E548-D737-36A4-2841-4886952FB8D7}"/>
               </a:ext>
             </a:extLst>
           </p:cNvPr>
@@ -6807,50 +7075,15 @@
         </p:blipFill>
         <p:spPr>
           <a:xfrm>
-            <a:off x="508598" y="1251804"/>
-            <a:ext cx="6048144" cy="3627359"/>
+            <a:off x="808872" y="1260934"/>
+            <a:ext cx="5873867" cy="3508552"/>
           </a:xfrm>
         </p:spPr>
       </p:pic>
-      <p:sp>
-        <p:nvSpPr>
-          <p:cNvPr id="12" name="TextBox 11">
-            <a:extLst>
-              <a:ext uri="{FF2B5EF4-FFF2-40B4-BE49-F238E27FC236}">
-                <a16:creationId xmlns:a16="http://schemas.microsoft.com/office/drawing/2014/main" id="{9A1BBCC1-A79A-F3D5-94C5-EB87B4059619}"/>
-              </a:ext>
-            </a:extLst>
-          </p:cNvPr>
-          <p:cNvSpPr txBox="1"/>
-          <p:nvPr/>
-        </p:nvSpPr>
-        <p:spPr>
-          <a:xfrm>
-            <a:off x="6772181" y="2571750"/>
-            <a:ext cx="2034539" cy="1600438"/>
-          </a:xfrm>
-          <a:prstGeom prst="rect">
-            <a:avLst/>
-          </a:prstGeom>
-          <a:noFill/>
-        </p:spPr>
-        <p:txBody>
-          <a:bodyPr wrap="square" rtlCol="0">
-            <a:spAutoFit/>
-          </a:bodyPr>
-          <a:lstStyle/>
-          <a:p>
-            <a:r>
-              <a:rPr lang="en-US" sz="1400" dirty="0"/>
-              <a:t>The highest number of Teacher leaves from FMLA was in the Lower Valley RGV (140) and Austin (127), and the lowest was in Permian Basin (9).</a:t>
-            </a:r>
-          </a:p>
-        </p:txBody>
-      </p:sp>
     </p:spTree>
     <p:extLst>
       <p:ext uri="{BB962C8B-B14F-4D97-AF65-F5344CB8AC3E}">
-        <p14:creationId xmlns:p14="http://schemas.microsoft.com/office/powerpoint/2010/main" val="1183491755"/>
+        <p14:creationId xmlns:p14="http://schemas.microsoft.com/office/powerpoint/2010/main" val="1699884651"/>
       </p:ext>
     </p:extLst>
   </p:cSld>
@@ -6972,7 +7205,7 @@
           <p:cNvPr id="2" name="Title 1">
             <a:extLst>
               <a:ext uri="{FF2B5EF4-FFF2-40B4-BE49-F238E27FC236}">
-                <a16:creationId xmlns:a16="http://schemas.microsoft.com/office/drawing/2014/main" id="{8F7C4C28-06A3-6115-AFD8-9AC5C9248E11}"/>
+                <a16:creationId xmlns:a16="http://schemas.microsoft.com/office/drawing/2014/main" id="{90686A51-A164-34F5-8589-13CCE0AA3DD6}"/>
               </a:ext>
             </a:extLst>
           </p:cNvPr>
@@ -6990,47 +7223,44 @@
           <a:p>
             <a:r>
               <a:rPr lang="en-US" dirty="0"/>
-              <a:t>FMLA: </a:t>
-            </a:r>
-            <a:r>
-              <a:rPr lang="en-US" u="sng" dirty="0"/>
-              <a:t>Campus</a:t>
-            </a:r>
-          </a:p>
-        </p:txBody>
-      </p:sp>
-      <p:sp>
-        <p:nvSpPr>
-          <p:cNvPr id="3" name="Content Placeholder 2">
-            <a:extLst>
-              <a:ext uri="{FF2B5EF4-FFF2-40B4-BE49-F238E27FC236}">
-                <a16:creationId xmlns:a16="http://schemas.microsoft.com/office/drawing/2014/main" id="{34A0BAC7-649A-6F82-63B4-78AF5AC055C6}"/>
-              </a:ext>
-            </a:extLst>
-          </p:cNvPr>
-          <p:cNvSpPr>
-            <a:spLocks noGrp="1"/>
-          </p:cNvSpPr>
+              <a:t>Frequency of FMLA Lengths (in Days) for Tarrant County</a:t>
+            </a:r>
+          </a:p>
+        </p:txBody>
+      </p:sp>
+      <p:pic>
+        <p:nvPicPr>
+          <p:cNvPr id="5" name="Content Placeholder 4">
+            <a:extLst>
+              <a:ext uri="{FF2B5EF4-FFF2-40B4-BE49-F238E27FC236}">
+                <a16:creationId xmlns:a16="http://schemas.microsoft.com/office/drawing/2014/main" id="{502EBCCC-7A83-2191-C7D5-EB97B3F03B58}"/>
+              </a:ext>
+            </a:extLst>
+          </p:cNvPr>
+          <p:cNvPicPr>
+            <a:picLocks noGrp="1" noChangeAspect="1"/>
+          </p:cNvPicPr>
           <p:nvPr>
             <p:ph idx="1"/>
           </p:nvPr>
-        </p:nvSpPr>
-        <p:spPr/>
-        <p:txBody>
-          <a:bodyPr/>
-          <a:lstStyle/>
-          <a:p>
-            <a:r>
-              <a:rPr lang="en-US" dirty="0"/>
-              <a:t>Campuses in Texas who had teachers that took leave for FMLA </a:t>
-            </a:r>
-          </a:p>
-        </p:txBody>
-      </p:sp>
+        </p:nvPicPr>
+        <p:blipFill>
+          <a:blip r:embed="rId2"/>
+          <a:stretch>
+            <a:fillRect/>
+          </a:stretch>
+        </p:blipFill>
+        <p:spPr>
+          <a:xfrm>
+            <a:off x="878047" y="1246110"/>
+            <a:ext cx="6100462" cy="3530996"/>
+          </a:xfrm>
+        </p:spPr>
+      </p:pic>
     </p:spTree>
     <p:extLst>
       <p:ext uri="{BB962C8B-B14F-4D97-AF65-F5344CB8AC3E}">
-        <p14:creationId xmlns:p14="http://schemas.microsoft.com/office/powerpoint/2010/main" val="756694295"/>
+        <p14:creationId xmlns:p14="http://schemas.microsoft.com/office/powerpoint/2010/main" val="907051557"/>
       </p:ext>
     </p:extLst>
   </p:cSld>
@@ -7062,7 +7292,7 @@
           <p:cNvPr id="2" name="Title 1">
             <a:extLst>
               <a:ext uri="{FF2B5EF4-FFF2-40B4-BE49-F238E27FC236}">
-                <a16:creationId xmlns:a16="http://schemas.microsoft.com/office/drawing/2014/main" id="{3F0DA002-1E78-DF3A-C6B6-4C57AE820B91}"/>
+                <a16:creationId xmlns:a16="http://schemas.microsoft.com/office/drawing/2014/main" id="{52679B77-58AA-91AE-04A1-298ACFE63D09}"/>
               </a:ext>
             </a:extLst>
           </p:cNvPr>
@@ -7073,36 +7303,59 @@
             <p:ph type="title"/>
           </p:nvPr>
         </p:nvSpPr>
-        <p:spPr>
-          <a:xfrm>
-            <a:off x="457200" y="120650"/>
-            <a:ext cx="8229600" cy="857250"/>
-          </a:xfrm>
-        </p:spPr>
+        <p:spPr/>
         <p:txBody>
           <a:bodyPr/>
           <a:lstStyle/>
           <a:p>
             <a:r>
-              <a:rPr lang="en-US" sz="2400" dirty="0"/>
-              <a:t>Median, Mean, and SD by Campus</a:t>
-            </a:r>
-            <a:br>
-              <a:rPr lang="en-US" sz="2400" dirty="0"/>
-            </a:br>
-            <a:r>
-              <a:rPr lang="en-US" sz="2400" dirty="0"/>
-              <a:t>for Teacher Leave from FMLA (in Days) – Part 1</a:t>
+              <a:rPr lang="en-US" dirty="0"/>
+              <a:t>Number of Teacher Leaves from FMLA Varied by Region </a:t>
+            </a:r>
+          </a:p>
+        </p:txBody>
+      </p:sp>
+      <p:sp>
+        <p:nvSpPr>
+          <p:cNvPr id="6" name="TextBox 5">
+            <a:extLst>
+              <a:ext uri="{FF2B5EF4-FFF2-40B4-BE49-F238E27FC236}">
+                <a16:creationId xmlns:a16="http://schemas.microsoft.com/office/drawing/2014/main" id="{F0BAE911-98B4-C2EC-0389-C3D73AA76924}"/>
+              </a:ext>
+            </a:extLst>
+          </p:cNvPr>
+          <p:cNvSpPr txBox="1"/>
+          <p:nvPr/>
+        </p:nvSpPr>
+        <p:spPr>
+          <a:xfrm>
+            <a:off x="6088419" y="2252547"/>
+            <a:ext cx="2386361" cy="954107"/>
+          </a:xfrm>
+          <a:prstGeom prst="rect">
+            <a:avLst/>
+          </a:prstGeom>
+          <a:noFill/>
+        </p:spPr>
+        <p:txBody>
+          <a:bodyPr wrap="square" rtlCol="0">
+            <a:spAutoFit/>
+          </a:bodyPr>
+          <a:lstStyle/>
+          <a:p>
+            <a:r>
+              <a:rPr lang="en-US" sz="1400" dirty="0"/>
+              <a:t>Lower Valley RGV had the highest count of teacher leaves from FMLA, and Permian Basin had the lowest.</a:t>
             </a:r>
           </a:p>
         </p:txBody>
       </p:sp>
       <p:pic>
         <p:nvPicPr>
-          <p:cNvPr id="5" name="Content Placeholder 4">
-            <a:extLst>
-              <a:ext uri="{FF2B5EF4-FFF2-40B4-BE49-F238E27FC236}">
-                <a16:creationId xmlns:a16="http://schemas.microsoft.com/office/drawing/2014/main" id="{B564F7C4-2B5C-04AC-60A0-453766EF40D6}"/>
+          <p:cNvPr id="7" name="Content Placeholder 6">
+            <a:extLst>
+              <a:ext uri="{FF2B5EF4-FFF2-40B4-BE49-F238E27FC236}">
+                <a16:creationId xmlns:a16="http://schemas.microsoft.com/office/drawing/2014/main" id="{898DE5A7-369B-C320-DB1A-62406171A20C}"/>
               </a:ext>
             </a:extLst>
           </p:cNvPr>
@@ -7121,15 +7374,15 @@
         </p:blipFill>
         <p:spPr>
           <a:xfrm>
-            <a:off x="1734738" y="977900"/>
-            <a:ext cx="5420442" cy="3927773"/>
+            <a:off x="669220" y="1590907"/>
+            <a:ext cx="5135844" cy="2751345"/>
           </a:xfrm>
         </p:spPr>
       </p:pic>
     </p:spTree>
     <p:extLst>
       <p:ext uri="{BB962C8B-B14F-4D97-AF65-F5344CB8AC3E}">
-        <p14:creationId xmlns:p14="http://schemas.microsoft.com/office/powerpoint/2010/main" val="1162580884"/>
+        <p14:creationId xmlns:p14="http://schemas.microsoft.com/office/powerpoint/2010/main" val="980250847"/>
       </p:ext>
     </p:extLst>
   </p:cSld>
@@ -7161,7 +7414,7 @@
           <p:cNvPr id="2" name="Title 1">
             <a:extLst>
               <a:ext uri="{FF2B5EF4-FFF2-40B4-BE49-F238E27FC236}">
-                <a16:creationId xmlns:a16="http://schemas.microsoft.com/office/drawing/2014/main" id="{3F0DA002-1E78-DF3A-C6B6-4C57AE820B91}"/>
+                <a16:creationId xmlns:a16="http://schemas.microsoft.com/office/drawing/2014/main" id="{28D5521C-48D0-B610-862A-4789FBA92E74}"/>
               </a:ext>
             </a:extLst>
           </p:cNvPr>
@@ -7174,8 +7427,8 @@
         </p:nvSpPr>
         <p:spPr>
           <a:xfrm>
-            <a:off x="457200" y="84059"/>
-            <a:ext cx="8229600" cy="857250"/>
+            <a:off x="329783" y="205979"/>
+            <a:ext cx="8476937" cy="857250"/>
           </a:xfrm>
         </p:spPr>
         <p:txBody>
@@ -7183,25 +7436,22 @@
           <a:lstStyle/>
           <a:p>
             <a:r>
-              <a:rPr lang="en-US" sz="2400" dirty="0"/>
-              <a:t>Median, Mean, and SD by Campus</a:t>
-            </a:r>
-            <a:br>
-              <a:rPr lang="en-US" sz="2400" dirty="0"/>
-            </a:br>
-            <a:r>
-              <a:rPr lang="en-US" sz="2400" dirty="0"/>
-              <a:t>for Teacher Leave from FMLA (in Days) – Part 2</a:t>
+              <a:rPr lang="en-US" sz="2800" dirty="0"/>
+              <a:t>Number of Teacher Leaves from FMLA were Highest in Lower Valley RGV, Followed by Austin</a:t>
+            </a:r>
+            <a:r>
+              <a:rPr lang="en-US" dirty="0"/>
+              <a:t>.</a:t>
             </a:r>
           </a:p>
         </p:txBody>
       </p:sp>
       <p:pic>
         <p:nvPicPr>
-          <p:cNvPr id="6" name="Content Placeholder 5">
-            <a:extLst>
-              <a:ext uri="{FF2B5EF4-FFF2-40B4-BE49-F238E27FC236}">
-                <a16:creationId xmlns:a16="http://schemas.microsoft.com/office/drawing/2014/main" id="{23DB210D-01A1-25E3-86BE-8C14894F3223}"/>
+          <p:cNvPr id="11" name="Content Placeholder 10">
+            <a:extLst>
+              <a:ext uri="{FF2B5EF4-FFF2-40B4-BE49-F238E27FC236}">
+                <a16:creationId xmlns:a16="http://schemas.microsoft.com/office/drawing/2014/main" id="{FE95FB40-14C7-63AC-F82A-7178326B0A45}"/>
               </a:ext>
             </a:extLst>
           </p:cNvPr>
@@ -7220,15 +7470,50 @@
         </p:blipFill>
         <p:spPr>
           <a:xfrm>
-            <a:off x="1618356" y="1035104"/>
-            <a:ext cx="5475864" cy="3863922"/>
+            <a:off x="508598" y="1251804"/>
+            <a:ext cx="6048144" cy="3627359"/>
           </a:xfrm>
         </p:spPr>
       </p:pic>
+      <p:sp>
+        <p:nvSpPr>
+          <p:cNvPr id="12" name="TextBox 11">
+            <a:extLst>
+              <a:ext uri="{FF2B5EF4-FFF2-40B4-BE49-F238E27FC236}">
+                <a16:creationId xmlns:a16="http://schemas.microsoft.com/office/drawing/2014/main" id="{9A1BBCC1-A79A-F3D5-94C5-EB87B4059619}"/>
+              </a:ext>
+            </a:extLst>
+          </p:cNvPr>
+          <p:cNvSpPr txBox="1"/>
+          <p:nvPr/>
+        </p:nvSpPr>
+        <p:spPr>
+          <a:xfrm>
+            <a:off x="6772181" y="2571750"/>
+            <a:ext cx="2034539" cy="1600438"/>
+          </a:xfrm>
+          <a:prstGeom prst="rect">
+            <a:avLst/>
+          </a:prstGeom>
+          <a:noFill/>
+        </p:spPr>
+        <p:txBody>
+          <a:bodyPr wrap="square" rtlCol="0">
+            <a:spAutoFit/>
+          </a:bodyPr>
+          <a:lstStyle/>
+          <a:p>
+            <a:r>
+              <a:rPr lang="en-US" sz="1400" dirty="0"/>
+              <a:t>The highest number of Teacher leaves from FMLA was in the Lower Valley RGV (140) and Austin (127), and the lowest was in Permian Basin (9).</a:t>
+            </a:r>
+          </a:p>
+        </p:txBody>
+      </p:sp>
     </p:spTree>
     <p:extLst>
       <p:ext uri="{BB962C8B-B14F-4D97-AF65-F5344CB8AC3E}">
-        <p14:creationId xmlns:p14="http://schemas.microsoft.com/office/powerpoint/2010/main" val="2856569222"/>
+        <p14:creationId xmlns:p14="http://schemas.microsoft.com/office/powerpoint/2010/main" val="1183491755"/>
       </p:ext>
     </p:extLst>
   </p:cSld>
@@ -7260,7 +7545,7 @@
           <p:cNvPr id="2" name="Title 1">
             <a:extLst>
               <a:ext uri="{FF2B5EF4-FFF2-40B4-BE49-F238E27FC236}">
-                <a16:creationId xmlns:a16="http://schemas.microsoft.com/office/drawing/2014/main" id="{07CE3E82-C41F-47E4-9922-CC3F8CD8CE06}"/>
+                <a16:creationId xmlns:a16="http://schemas.microsoft.com/office/drawing/2014/main" id="{423CC56B-5042-36D7-3891-79963CB0C174}"/>
               </a:ext>
             </a:extLst>
           </p:cNvPr>
@@ -7277,18 +7562,18 @@
           <a:lstStyle/>
           <a:p>
             <a:r>
-              <a:rPr lang="en-US" dirty="0"/>
-              <a:t>Number of Teacher Leaves from FMLA Varied by Campus</a:t>
+              <a:rPr lang="en-US" sz="3200" dirty="0"/>
+              <a:t>Number of Vacancies Per Semester by Region (Fall 2023 &amp; Spring 2024) </a:t>
             </a:r>
           </a:p>
         </p:txBody>
       </p:sp>
       <p:pic>
         <p:nvPicPr>
-          <p:cNvPr id="9" name="Content Placeholder 8">
-            <a:extLst>
-              <a:ext uri="{FF2B5EF4-FFF2-40B4-BE49-F238E27FC236}">
-                <a16:creationId xmlns:a16="http://schemas.microsoft.com/office/drawing/2014/main" id="{6D945BE9-539E-7B8A-A3EA-926DEDB8BFD4}"/>
+          <p:cNvPr id="5" name="Content Placeholder 4">
+            <a:extLst>
+              <a:ext uri="{FF2B5EF4-FFF2-40B4-BE49-F238E27FC236}">
+                <a16:creationId xmlns:a16="http://schemas.microsoft.com/office/drawing/2014/main" id="{88314EB9-0064-DC78-23FB-632BE65D9A4D}"/>
               </a:ext>
             </a:extLst>
           </p:cNvPr>
@@ -7307,75 +7592,54 @@
         </p:blipFill>
         <p:spPr>
           <a:xfrm>
-            <a:off x="166390" y="1379220"/>
-            <a:ext cx="2769833" cy="3161664"/>
+            <a:off x="866511" y="1584960"/>
+            <a:ext cx="7410978" cy="2462996"/>
           </a:xfrm>
         </p:spPr>
       </p:pic>
-      <p:pic>
-        <p:nvPicPr>
-          <p:cNvPr id="11" name="Picture 10">
-            <a:extLst>
-              <a:ext uri="{FF2B5EF4-FFF2-40B4-BE49-F238E27FC236}">
-                <a16:creationId xmlns:a16="http://schemas.microsoft.com/office/drawing/2014/main" id="{B6C6E180-2EAA-4B0B-63AE-1EC2D78BD702}"/>
-              </a:ext>
-            </a:extLst>
-          </p:cNvPr>
-          <p:cNvPicPr>
-            <a:picLocks noChangeAspect="1"/>
-          </p:cNvPicPr>
+      <p:sp>
+        <p:nvSpPr>
+          <p:cNvPr id="6" name="TextBox 5">
+            <a:extLst>
+              <a:ext uri="{FF2B5EF4-FFF2-40B4-BE49-F238E27FC236}">
+                <a16:creationId xmlns:a16="http://schemas.microsoft.com/office/drawing/2014/main" id="{4293A182-3501-1C95-D505-78A8B89E9414}"/>
+              </a:ext>
+            </a:extLst>
+          </p:cNvPr>
+          <p:cNvSpPr txBox="1"/>
           <p:nvPr/>
-        </p:nvPicPr>
-        <p:blipFill>
-          <a:blip r:embed="rId3"/>
-          <a:stretch>
-            <a:fillRect/>
-          </a:stretch>
-        </p:blipFill>
-        <p:spPr>
-          <a:xfrm>
-            <a:off x="3125751" y="1379220"/>
-            <a:ext cx="2832043" cy="3161664"/>
+        </p:nvSpPr>
+        <p:spPr>
+          <a:xfrm>
+            <a:off x="1104900" y="4308077"/>
+            <a:ext cx="5692140" cy="523220"/>
           </a:xfrm>
           <a:prstGeom prst="rect">
             <a:avLst/>
           </a:prstGeom>
-        </p:spPr>
-      </p:pic>
-      <p:pic>
-        <p:nvPicPr>
-          <p:cNvPr id="13" name="Picture 12">
-            <a:extLst>
-              <a:ext uri="{FF2B5EF4-FFF2-40B4-BE49-F238E27FC236}">
-                <a16:creationId xmlns:a16="http://schemas.microsoft.com/office/drawing/2014/main" id="{AD3341C7-8316-3958-71D5-486B8CE74441}"/>
-              </a:ext>
-            </a:extLst>
-          </p:cNvPr>
-          <p:cNvPicPr>
-            <a:picLocks noChangeAspect="1"/>
-          </p:cNvPicPr>
-          <p:nvPr/>
-        </p:nvPicPr>
-        <p:blipFill>
-          <a:blip r:embed="rId4"/>
-          <a:stretch>
-            <a:fillRect/>
-          </a:stretch>
-        </p:blipFill>
-        <p:spPr>
-          <a:xfrm>
-            <a:off x="6147322" y="1379220"/>
-            <a:ext cx="2906162" cy="2990196"/>
-          </a:xfrm>
-          <a:prstGeom prst="rect">
-            <a:avLst/>
-          </a:prstGeom>
-        </p:spPr>
-      </p:pic>
+          <a:noFill/>
+        </p:spPr>
+        <p:txBody>
+          <a:bodyPr wrap="square" rtlCol="0">
+            <a:spAutoFit/>
+          </a:bodyPr>
+          <a:lstStyle/>
+          <a:p>
+            <a:r>
+              <a:rPr lang="en-US" sz="1400" dirty="0">
+                <a:solidFill>
+                  <a:srgbClr val="2007B9"/>
+                </a:solidFill>
+              </a:rPr>
+              <a:t>The highest number of vacancies was in San Antonio in the Fall Semester for SY 23-24. The lowest number was 10 vacancies in Upper Valley RGV.</a:t>
+            </a:r>
+          </a:p>
+        </p:txBody>
+      </p:sp>
     </p:spTree>
     <p:extLst>
       <p:ext uri="{BB962C8B-B14F-4D97-AF65-F5344CB8AC3E}">
-        <p14:creationId xmlns:p14="http://schemas.microsoft.com/office/powerpoint/2010/main" val="2430876089"/>
+        <p14:creationId xmlns:p14="http://schemas.microsoft.com/office/powerpoint/2010/main" val="2480589296"/>
       </p:ext>
     </p:extLst>
   </p:cSld>
@@ -7407,7 +7671,7 @@
           <p:cNvPr id="2" name="Title 1">
             <a:extLst>
               <a:ext uri="{FF2B5EF4-FFF2-40B4-BE49-F238E27FC236}">
-                <a16:creationId xmlns:a16="http://schemas.microsoft.com/office/drawing/2014/main" id="{6A638824-3F6C-B8D5-BD1B-268725B07718}"/>
+                <a16:creationId xmlns:a16="http://schemas.microsoft.com/office/drawing/2014/main" id="{D1A5303A-0DDE-693E-BD75-1FDA94A0288F}"/>
               </a:ext>
             </a:extLst>
           </p:cNvPr>
@@ -7424,18 +7688,25 @@
           <a:lstStyle/>
           <a:p>
             <a:r>
-              <a:rPr lang="en-US" sz="2800" dirty="0"/>
-              <a:t>Summary Statistics for Number of Teacher Leaves from FMLA After Grouping by Campus </a:t>
+              <a:rPr lang="en-US" sz="3200" dirty="0"/>
+              <a:t>Number of Vacancies Per Month </a:t>
+            </a:r>
+            <a:br>
+              <a:rPr lang="en-US" sz="3200" dirty="0"/>
+            </a:br>
+            <a:r>
+              <a:rPr lang="en-US" sz="3200" dirty="0"/>
+              <a:t>by Region (From July 2023 to June 2024)</a:t>
             </a:r>
           </a:p>
         </p:txBody>
       </p:sp>
       <p:pic>
         <p:nvPicPr>
-          <p:cNvPr id="7" name="Content Placeholder 6">
-            <a:extLst>
-              <a:ext uri="{FF2B5EF4-FFF2-40B4-BE49-F238E27FC236}">
-                <a16:creationId xmlns:a16="http://schemas.microsoft.com/office/drawing/2014/main" id="{FBBAE37E-3972-45CF-3A5D-1F101884472D}"/>
+          <p:cNvPr id="5" name="Content Placeholder 4">
+            <a:extLst>
+              <a:ext uri="{FF2B5EF4-FFF2-40B4-BE49-F238E27FC236}">
+                <a16:creationId xmlns:a16="http://schemas.microsoft.com/office/drawing/2014/main" id="{E09FEC9A-C0F6-43F3-1C4B-D9418707267D}"/>
               </a:ext>
             </a:extLst>
           </p:cNvPr>
@@ -7454,15 +7725,15 @@
         </p:blipFill>
         <p:spPr>
           <a:xfrm>
-            <a:off x="1348766" y="2188031"/>
-            <a:ext cx="6446468" cy="767437"/>
+            <a:off x="188169" y="2057400"/>
+            <a:ext cx="8767661" cy="2070660"/>
           </a:xfrm>
         </p:spPr>
       </p:pic>
     </p:spTree>
     <p:extLst>
       <p:ext uri="{BB962C8B-B14F-4D97-AF65-F5344CB8AC3E}">
-        <p14:creationId xmlns:p14="http://schemas.microsoft.com/office/powerpoint/2010/main" val="527098689"/>
+        <p14:creationId xmlns:p14="http://schemas.microsoft.com/office/powerpoint/2010/main" val="1193690959"/>
       </p:ext>
     </p:extLst>
   </p:cSld>
@@ -7494,7 +7765,7 @@
           <p:cNvPr id="2" name="Title 1">
             <a:extLst>
               <a:ext uri="{FF2B5EF4-FFF2-40B4-BE49-F238E27FC236}">
-                <a16:creationId xmlns:a16="http://schemas.microsoft.com/office/drawing/2014/main" id="{283F52C0-4790-BC0F-391F-819D46297596}"/>
+                <a16:creationId xmlns:a16="http://schemas.microsoft.com/office/drawing/2014/main" id="{8F7C4C28-06A3-6115-AFD8-9AC5C9248E11}"/>
               </a:ext>
             </a:extLst>
           </p:cNvPr>
@@ -7505,83 +7776,46 @@
             <p:ph type="title"/>
           </p:nvPr>
         </p:nvSpPr>
-        <p:spPr>
-          <a:xfrm>
-            <a:off x="335280" y="137399"/>
-            <a:ext cx="8724900" cy="441721"/>
-          </a:xfrm>
-        </p:spPr>
+        <p:spPr/>
         <p:txBody>
           <a:bodyPr/>
           <a:lstStyle/>
           <a:p>
             <a:r>
-              <a:rPr lang="en-US" sz="2000" dirty="0"/>
-              <a:t>Number of Teacher Leaves from FMLA were highest in Sports Park</a:t>
-            </a:r>
-          </a:p>
-        </p:txBody>
-      </p:sp>
-      <p:pic>
-        <p:nvPicPr>
-          <p:cNvPr id="5" name="Content Placeholder 4">
-            <a:extLst>
-              <a:ext uri="{FF2B5EF4-FFF2-40B4-BE49-F238E27FC236}">
-                <a16:creationId xmlns:a16="http://schemas.microsoft.com/office/drawing/2014/main" id="{7990679F-D2D5-F98B-1E11-15B856F4AD4D}"/>
-              </a:ext>
-            </a:extLst>
-          </p:cNvPr>
-          <p:cNvPicPr>
-            <a:picLocks noGrp="1" noChangeAspect="1"/>
-          </p:cNvPicPr>
+              <a:rPr lang="en-US" dirty="0"/>
+              <a:t>FMLA: </a:t>
+            </a:r>
+            <a:r>
+              <a:rPr lang="en-US" u="sng" dirty="0"/>
+              <a:t>Campus</a:t>
+            </a:r>
+          </a:p>
+        </p:txBody>
+      </p:sp>
+      <p:sp>
+        <p:nvSpPr>
+          <p:cNvPr id="3" name="Content Placeholder 2">
+            <a:extLst>
+              <a:ext uri="{FF2B5EF4-FFF2-40B4-BE49-F238E27FC236}">
+                <a16:creationId xmlns:a16="http://schemas.microsoft.com/office/drawing/2014/main" id="{34A0BAC7-649A-6F82-63B4-78AF5AC055C6}"/>
+              </a:ext>
+            </a:extLst>
+          </p:cNvPr>
+          <p:cNvSpPr>
+            <a:spLocks noGrp="1"/>
+          </p:cNvSpPr>
           <p:nvPr>
             <p:ph idx="1"/>
           </p:nvPr>
-        </p:nvPicPr>
-        <p:blipFill>
-          <a:blip r:embed="rId2"/>
-          <a:stretch>
-            <a:fillRect/>
-          </a:stretch>
-        </p:blipFill>
-        <p:spPr>
-          <a:xfrm>
-            <a:off x="567405" y="632460"/>
-            <a:ext cx="5794799" cy="4373641"/>
-          </a:xfrm>
-        </p:spPr>
-      </p:pic>
-      <p:sp>
-        <p:nvSpPr>
-          <p:cNvPr id="6" name="TextBox 5">
-            <a:extLst>
-              <a:ext uri="{FF2B5EF4-FFF2-40B4-BE49-F238E27FC236}">
-                <a16:creationId xmlns:a16="http://schemas.microsoft.com/office/drawing/2014/main" id="{A201CBCF-79F7-4473-8D6A-C021814C8768}"/>
-              </a:ext>
-            </a:extLst>
-          </p:cNvPr>
-          <p:cNvSpPr txBox="1"/>
-          <p:nvPr/>
-        </p:nvSpPr>
-        <p:spPr>
-          <a:xfrm>
-            <a:off x="6720840" y="2571750"/>
-            <a:ext cx="2225040" cy="1600438"/>
-          </a:xfrm>
-          <a:prstGeom prst="rect">
-            <a:avLst/>
-          </a:prstGeom>
-          <a:noFill/>
-        </p:spPr>
-        <p:txBody>
-          <a:bodyPr wrap="square" rtlCol="0">
-            <a:spAutoFit/>
-          </a:bodyPr>
-          <a:lstStyle/>
-          <a:p>
-            <a:r>
-              <a:rPr lang="en-US" sz="1400" dirty="0"/>
-              <a:t>Number of Teacher FMLA leaves were highest in Sports Park (46) followed by Tres Lagos (36) and Pflugerville (35), and lowest in Monterrey Park (3) and La Joya (3).</a:t>
+        </p:nvSpPr>
+        <p:spPr/>
+        <p:txBody>
+          <a:bodyPr/>
+          <a:lstStyle/>
+          <a:p>
+            <a:r>
+              <a:rPr lang="en-US" dirty="0"/>
+              <a:t>Campuses in Texas who had teachers that took leave for FMLA </a:t>
             </a:r>
           </a:p>
         </p:txBody>
@@ -7589,7 +7823,7 @@
     </p:spTree>
     <p:extLst>
       <p:ext uri="{BB962C8B-B14F-4D97-AF65-F5344CB8AC3E}">
-        <p14:creationId xmlns:p14="http://schemas.microsoft.com/office/powerpoint/2010/main" val="2081153933"/>
+        <p14:creationId xmlns:p14="http://schemas.microsoft.com/office/powerpoint/2010/main" val="756694295"/>
       </p:ext>
     </p:extLst>
   </p:cSld>
@@ -7621,7 +7855,7 @@
           <p:cNvPr id="2" name="Title 1">
             <a:extLst>
               <a:ext uri="{FF2B5EF4-FFF2-40B4-BE49-F238E27FC236}">
-                <a16:creationId xmlns:a16="http://schemas.microsoft.com/office/drawing/2014/main" id="{A407967A-F0EC-4346-307A-3E17D0C4A4EB}"/>
+                <a16:creationId xmlns:a16="http://schemas.microsoft.com/office/drawing/2014/main" id="{3F0DA002-1E78-DF3A-C6B6-4C57AE820B91}"/>
               </a:ext>
             </a:extLst>
           </p:cNvPr>
@@ -7632,98 +7866,63 @@
             <p:ph type="title"/>
           </p:nvPr>
         </p:nvSpPr>
-        <p:spPr/>
+        <p:spPr>
+          <a:xfrm>
+            <a:off x="457200" y="120650"/>
+            <a:ext cx="8229600" cy="857250"/>
+          </a:xfrm>
+        </p:spPr>
         <p:txBody>
           <a:bodyPr/>
           <a:lstStyle/>
           <a:p>
             <a:r>
-              <a:rPr lang="en-US" dirty="0"/>
-              <a:t>FMLA: </a:t>
-            </a:r>
-            <a:r>
-              <a:rPr lang="en-US" u="sng" dirty="0"/>
-              <a:t>Subject</a:t>
-            </a:r>
-          </a:p>
-        </p:txBody>
-      </p:sp>
-      <p:sp>
-        <p:nvSpPr>
-          <p:cNvPr id="3" name="Content Placeholder 2">
-            <a:extLst>
-              <a:ext uri="{FF2B5EF4-FFF2-40B4-BE49-F238E27FC236}">
-                <a16:creationId xmlns:a16="http://schemas.microsoft.com/office/drawing/2014/main" id="{9FAFC360-21DE-2CE8-8D8A-09A7655F010B}"/>
-              </a:ext>
-            </a:extLst>
-          </p:cNvPr>
-          <p:cNvSpPr>
-            <a:spLocks noGrp="1"/>
-          </p:cNvSpPr>
+              <a:rPr lang="en-US" sz="2400" dirty="0"/>
+              <a:t>Median, Mean, and SD by Campus</a:t>
+            </a:r>
+            <a:br>
+              <a:rPr lang="en-US" sz="2400" dirty="0"/>
+            </a:br>
+            <a:r>
+              <a:rPr lang="en-US" sz="2400" dirty="0"/>
+              <a:t>for Teacher Leave from FMLA (in Days) – Part 1</a:t>
+            </a:r>
+          </a:p>
+        </p:txBody>
+      </p:sp>
+      <p:pic>
+        <p:nvPicPr>
+          <p:cNvPr id="5" name="Content Placeholder 4">
+            <a:extLst>
+              <a:ext uri="{FF2B5EF4-FFF2-40B4-BE49-F238E27FC236}">
+                <a16:creationId xmlns:a16="http://schemas.microsoft.com/office/drawing/2014/main" id="{B564F7C4-2B5C-04AC-60A0-453766EF40D6}"/>
+              </a:ext>
+            </a:extLst>
+          </p:cNvPr>
+          <p:cNvPicPr>
+            <a:picLocks noGrp="1" noChangeAspect="1"/>
+          </p:cNvPicPr>
           <p:nvPr>
             <p:ph idx="1"/>
           </p:nvPr>
-        </p:nvSpPr>
-        <p:spPr/>
-        <p:txBody>
-          <a:bodyPr/>
-          <a:lstStyle/>
-          <a:p>
-            <a:r>
-              <a:rPr lang="en-US" b="1" u="sng" dirty="0"/>
-              <a:t>Includes four subjects</a:t>
-            </a:r>
-            <a:r>
-              <a:rPr lang="en-US" dirty="0"/>
-              <a:t>:</a:t>
-            </a:r>
-          </a:p>
-          <a:p>
-            <a:pPr lvl="1">
-              <a:buFont typeface="Arial" panose="020B0604020202020204" pitchFamily="34" charset="0"/>
-              <a:buChar char="•"/>
-            </a:pPr>
-            <a:r>
-              <a:rPr lang="en-US" dirty="0"/>
-              <a:t>Math</a:t>
-            </a:r>
-          </a:p>
-          <a:p>
-            <a:pPr lvl="1">
-              <a:buFont typeface="Arial" panose="020B0604020202020204" pitchFamily="34" charset="0"/>
-              <a:buChar char="•"/>
-            </a:pPr>
-            <a:r>
-              <a:rPr lang="en-US" dirty="0"/>
-              <a:t>English Language Arts</a:t>
-            </a:r>
-          </a:p>
-          <a:p>
-            <a:pPr lvl="1">
-              <a:buFont typeface="Arial" panose="020B0604020202020204" pitchFamily="34" charset="0"/>
-              <a:buChar char="•"/>
-            </a:pPr>
-            <a:r>
-              <a:rPr lang="en-US" dirty="0"/>
-              <a:t>Science</a:t>
-            </a:r>
-          </a:p>
-          <a:p>
-            <a:pPr lvl="1">
-              <a:buFont typeface="Arial" panose="020B0604020202020204" pitchFamily="34" charset="0"/>
-              <a:buChar char="•"/>
-            </a:pPr>
-            <a:r>
-              <a:rPr lang="en-US" dirty="0"/>
-              <a:t>Social Studies</a:t>
-            </a:r>
-          </a:p>
-        </p:txBody>
-      </p:sp>
+        </p:nvPicPr>
+        <p:blipFill>
+          <a:blip r:embed="rId2"/>
+          <a:stretch>
+            <a:fillRect/>
+          </a:stretch>
+        </p:blipFill>
+        <p:spPr>
+          <a:xfrm>
+            <a:off x="1734738" y="977900"/>
+            <a:ext cx="5420442" cy="3927773"/>
+          </a:xfrm>
+        </p:spPr>
+      </p:pic>
     </p:spTree>
     <p:extLst>
       <p:ext uri="{BB962C8B-B14F-4D97-AF65-F5344CB8AC3E}">
-        <p14:creationId xmlns:p14="http://schemas.microsoft.com/office/powerpoint/2010/main" val="290337946"/>
+        <p14:creationId xmlns:p14="http://schemas.microsoft.com/office/powerpoint/2010/main" val="1162580884"/>
       </p:ext>
     </p:extLst>
   </p:cSld>
@@ -7755,7 +7954,7 @@
           <p:cNvPr id="2" name="Title 1">
             <a:extLst>
               <a:ext uri="{FF2B5EF4-FFF2-40B4-BE49-F238E27FC236}">
-                <a16:creationId xmlns:a16="http://schemas.microsoft.com/office/drawing/2014/main" id="{615AF228-4121-FA39-E5D1-09AD1907EEE8}"/>
+                <a16:creationId xmlns:a16="http://schemas.microsoft.com/office/drawing/2014/main" id="{3F0DA002-1E78-DF3A-C6B6-4C57AE820B91}"/>
               </a:ext>
             </a:extLst>
           </p:cNvPr>
@@ -7766,24 +7965,36 @@
             <p:ph type="title"/>
           </p:nvPr>
         </p:nvSpPr>
-        <p:spPr/>
+        <p:spPr>
+          <a:xfrm>
+            <a:off x="457200" y="84059"/>
+            <a:ext cx="8229600" cy="857250"/>
+          </a:xfrm>
+        </p:spPr>
         <p:txBody>
           <a:bodyPr/>
           <a:lstStyle/>
           <a:p>
             <a:r>
-              <a:rPr lang="en-US" dirty="0"/>
-              <a:t>Summary Statistics for Teacher Leave (in Days) from FMLA by Subject</a:t>
+              <a:rPr lang="en-US" sz="2400" dirty="0"/>
+              <a:t>Median, Mean, and SD by Campus</a:t>
+            </a:r>
+            <a:br>
+              <a:rPr lang="en-US" sz="2400" dirty="0"/>
+            </a:br>
+            <a:r>
+              <a:rPr lang="en-US" sz="2400" dirty="0"/>
+              <a:t>for Teacher Leave from FMLA (in Days) – Part 2</a:t>
             </a:r>
           </a:p>
         </p:txBody>
       </p:sp>
       <p:pic>
         <p:nvPicPr>
-          <p:cNvPr id="5" name="Content Placeholder 4">
-            <a:extLst>
-              <a:ext uri="{FF2B5EF4-FFF2-40B4-BE49-F238E27FC236}">
-                <a16:creationId xmlns:a16="http://schemas.microsoft.com/office/drawing/2014/main" id="{E7365EA0-ECB3-D665-53A9-576A2748C7C8}"/>
+          <p:cNvPr id="6" name="Content Placeholder 5">
+            <a:extLst>
+              <a:ext uri="{FF2B5EF4-FFF2-40B4-BE49-F238E27FC236}">
+                <a16:creationId xmlns:a16="http://schemas.microsoft.com/office/drawing/2014/main" id="{23DB210D-01A1-25E3-86BE-8C14894F3223}"/>
               </a:ext>
             </a:extLst>
           </p:cNvPr>
@@ -7802,54 +8013,15 @@
         </p:blipFill>
         <p:spPr>
           <a:xfrm>
-            <a:off x="650320" y="1798320"/>
-            <a:ext cx="7843359" cy="1314530"/>
+            <a:off x="1618356" y="1035104"/>
+            <a:ext cx="5475864" cy="3863922"/>
           </a:xfrm>
         </p:spPr>
       </p:pic>
-      <p:sp>
-        <p:nvSpPr>
-          <p:cNvPr id="6" name="TextBox 5">
-            <a:extLst>
-              <a:ext uri="{FF2B5EF4-FFF2-40B4-BE49-F238E27FC236}">
-                <a16:creationId xmlns:a16="http://schemas.microsoft.com/office/drawing/2014/main" id="{7DF9D3F0-975A-BC31-1B5C-BF2E7717C637}"/>
-              </a:ext>
-            </a:extLst>
-          </p:cNvPr>
-          <p:cNvSpPr txBox="1"/>
-          <p:nvPr/>
-        </p:nvSpPr>
-        <p:spPr>
-          <a:xfrm>
-            <a:off x="650320" y="3665220"/>
-            <a:ext cx="7117080" cy="954107"/>
-          </a:xfrm>
-          <a:prstGeom prst="rect">
-            <a:avLst/>
-          </a:prstGeom>
-          <a:noFill/>
-        </p:spPr>
-        <p:txBody>
-          <a:bodyPr wrap="square" rtlCol="0">
-            <a:spAutoFit/>
-          </a:bodyPr>
-          <a:lstStyle/>
-          <a:p>
-            <a:r>
-              <a:rPr lang="en-US" sz="1400" dirty="0">
-                <a:solidFill>
-                  <a:srgbClr val="2007B9"/>
-                </a:solidFill>
-              </a:rPr>
-              <a:t>The highest median FMLA leave was tied between Math and Science at 86.0 and the lowest median was English Language Arts at 85 days. The largest mean FMLA was for Math (106.3 days) and the lowest was for Social Studies (93.9 days). The largest standard deviation for FMLA was for Math at 71.9 days, and the lowest was for Social Studies at 52.0 days.</a:t>
-            </a:r>
-          </a:p>
-        </p:txBody>
-      </p:sp>
     </p:spTree>
     <p:extLst>
       <p:ext uri="{BB962C8B-B14F-4D97-AF65-F5344CB8AC3E}">
-        <p14:creationId xmlns:p14="http://schemas.microsoft.com/office/powerpoint/2010/main" val="1136914339"/>
+        <p14:creationId xmlns:p14="http://schemas.microsoft.com/office/powerpoint/2010/main" val="2856569222"/>
       </p:ext>
     </p:extLst>
   </p:cSld>
@@ -7881,7 +8053,7 @@
           <p:cNvPr id="2" name="Title 1">
             <a:extLst>
               <a:ext uri="{FF2B5EF4-FFF2-40B4-BE49-F238E27FC236}">
-                <a16:creationId xmlns:a16="http://schemas.microsoft.com/office/drawing/2014/main" id="{1716107B-D09E-2788-77BA-10A6BEF32980}"/>
+                <a16:creationId xmlns:a16="http://schemas.microsoft.com/office/drawing/2014/main" id="{07CE3E82-C41F-47E4-9922-CC3F8CD8CE06}"/>
               </a:ext>
             </a:extLst>
           </p:cNvPr>
@@ -7899,17 +8071,17 @@
           <a:p>
             <a:r>
               <a:rPr lang="en-US" dirty="0"/>
-              <a:t>Math: Total Days of FMLA</a:t>
+              <a:t>Number of Teacher Leaves from FMLA Varied by Campus</a:t>
             </a:r>
           </a:p>
         </p:txBody>
       </p:sp>
       <p:pic>
         <p:nvPicPr>
-          <p:cNvPr id="5" name="Content Placeholder 4">
-            <a:extLst>
-              <a:ext uri="{FF2B5EF4-FFF2-40B4-BE49-F238E27FC236}">
-                <a16:creationId xmlns:a16="http://schemas.microsoft.com/office/drawing/2014/main" id="{7CE7F600-4C58-5F06-0E7D-0F2DC8727A15}"/>
+          <p:cNvPr id="9" name="Content Placeholder 8">
+            <a:extLst>
+              <a:ext uri="{FF2B5EF4-FFF2-40B4-BE49-F238E27FC236}">
+                <a16:creationId xmlns:a16="http://schemas.microsoft.com/office/drawing/2014/main" id="{6D945BE9-539E-7B8A-A3EA-926DEDB8BFD4}"/>
               </a:ext>
             </a:extLst>
           </p:cNvPr>
@@ -7928,15 +8100,75 @@
         </p:blipFill>
         <p:spPr>
           <a:xfrm>
-            <a:off x="1575345" y="1305890"/>
-            <a:ext cx="5993310" cy="3516936"/>
-          </a:xfrm>
+            <a:off x="166390" y="1379220"/>
+            <a:ext cx="2769833" cy="3161664"/>
+          </a:xfrm>
+        </p:spPr>
+      </p:pic>
+      <p:pic>
+        <p:nvPicPr>
+          <p:cNvPr id="11" name="Picture 10">
+            <a:extLst>
+              <a:ext uri="{FF2B5EF4-FFF2-40B4-BE49-F238E27FC236}">
+                <a16:creationId xmlns:a16="http://schemas.microsoft.com/office/drawing/2014/main" id="{B6C6E180-2EAA-4B0B-63AE-1EC2D78BD702}"/>
+              </a:ext>
+            </a:extLst>
+          </p:cNvPr>
+          <p:cNvPicPr>
+            <a:picLocks noChangeAspect="1"/>
+          </p:cNvPicPr>
+          <p:nvPr/>
+        </p:nvPicPr>
+        <p:blipFill>
+          <a:blip r:embed="rId3"/>
+          <a:stretch>
+            <a:fillRect/>
+          </a:stretch>
+        </p:blipFill>
+        <p:spPr>
+          <a:xfrm>
+            <a:off x="3125751" y="1379220"/>
+            <a:ext cx="2832043" cy="3161664"/>
+          </a:xfrm>
+          <a:prstGeom prst="rect">
+            <a:avLst/>
+          </a:prstGeom>
+        </p:spPr>
+      </p:pic>
+      <p:pic>
+        <p:nvPicPr>
+          <p:cNvPr id="13" name="Picture 12">
+            <a:extLst>
+              <a:ext uri="{FF2B5EF4-FFF2-40B4-BE49-F238E27FC236}">
+                <a16:creationId xmlns:a16="http://schemas.microsoft.com/office/drawing/2014/main" id="{AD3341C7-8316-3958-71D5-486B8CE74441}"/>
+              </a:ext>
+            </a:extLst>
+          </p:cNvPr>
+          <p:cNvPicPr>
+            <a:picLocks noChangeAspect="1"/>
+          </p:cNvPicPr>
+          <p:nvPr/>
+        </p:nvPicPr>
+        <p:blipFill>
+          <a:blip r:embed="rId4"/>
+          <a:stretch>
+            <a:fillRect/>
+          </a:stretch>
+        </p:blipFill>
+        <p:spPr>
+          <a:xfrm>
+            <a:off x="6147322" y="1379220"/>
+            <a:ext cx="2906162" cy="2990196"/>
+          </a:xfrm>
+          <a:prstGeom prst="rect">
+            <a:avLst/>
+          </a:prstGeom>
         </p:spPr>
       </p:pic>
     </p:spTree>
     <p:extLst>
       <p:ext uri="{BB962C8B-B14F-4D97-AF65-F5344CB8AC3E}">
-        <p14:creationId xmlns:p14="http://schemas.microsoft.com/office/powerpoint/2010/main" val="2871546903"/>
+        <p14:creationId xmlns:p14="http://schemas.microsoft.com/office/powerpoint/2010/main" val="2430876089"/>
       </p:ext>
     </p:extLst>
   </p:cSld>
@@ -7968,7 +8200,7 @@
           <p:cNvPr id="2" name="Title 1">
             <a:extLst>
               <a:ext uri="{FF2B5EF4-FFF2-40B4-BE49-F238E27FC236}">
-                <a16:creationId xmlns:a16="http://schemas.microsoft.com/office/drawing/2014/main" id="{E94856AA-C187-F638-C4CD-1A19FF2E0E48}"/>
+                <a16:creationId xmlns:a16="http://schemas.microsoft.com/office/drawing/2014/main" id="{6A638824-3F6C-B8D5-BD1B-268725B07718}"/>
               </a:ext>
             </a:extLst>
           </p:cNvPr>
@@ -7985,18 +8217,18 @@
           <a:lstStyle/>
           <a:p>
             <a:r>
-              <a:rPr lang="en-US" dirty="0"/>
-              <a:t>English Language Arts: Total Days of FMLA</a:t>
+              <a:rPr lang="en-US" sz="2800" dirty="0"/>
+              <a:t>Summary Statistics for Number of Teacher Leaves from FMLA After Grouping by Campus </a:t>
             </a:r>
           </a:p>
         </p:txBody>
       </p:sp>
       <p:pic>
         <p:nvPicPr>
-          <p:cNvPr id="5" name="Content Placeholder 4">
-            <a:extLst>
-              <a:ext uri="{FF2B5EF4-FFF2-40B4-BE49-F238E27FC236}">
-                <a16:creationId xmlns:a16="http://schemas.microsoft.com/office/drawing/2014/main" id="{E2BDF471-A152-5ED8-A170-CFE8709A4C5A}"/>
+          <p:cNvPr id="7" name="Content Placeholder 6">
+            <a:extLst>
+              <a:ext uri="{FF2B5EF4-FFF2-40B4-BE49-F238E27FC236}">
+                <a16:creationId xmlns:a16="http://schemas.microsoft.com/office/drawing/2014/main" id="{FBBAE37E-3972-45CF-3A5D-1F101884472D}"/>
               </a:ext>
             </a:extLst>
           </p:cNvPr>
@@ -8015,15 +8247,15 @@
         </p:blipFill>
         <p:spPr>
           <a:xfrm>
-            <a:off x="1487366" y="1329330"/>
-            <a:ext cx="5942134" cy="3493496"/>
+            <a:off x="1348766" y="2188031"/>
+            <a:ext cx="6446468" cy="767437"/>
           </a:xfrm>
         </p:spPr>
       </p:pic>
     </p:spTree>
     <p:extLst>
       <p:ext uri="{BB962C8B-B14F-4D97-AF65-F5344CB8AC3E}">
-        <p14:creationId xmlns:p14="http://schemas.microsoft.com/office/powerpoint/2010/main" val="354881332"/>
+        <p14:creationId xmlns:p14="http://schemas.microsoft.com/office/powerpoint/2010/main" val="527098689"/>
       </p:ext>
     </p:extLst>
   </p:cSld>
@@ -8188,7 +8420,7 @@
           <p:cNvPr id="2" name="Title 1">
             <a:extLst>
               <a:ext uri="{FF2B5EF4-FFF2-40B4-BE49-F238E27FC236}">
-                <a16:creationId xmlns:a16="http://schemas.microsoft.com/office/drawing/2014/main" id="{4CE03180-0DB4-0A7D-AC41-782539C8A7A3}"/>
+                <a16:creationId xmlns:a16="http://schemas.microsoft.com/office/drawing/2014/main" id="{283F52C0-4790-BC0F-391F-819D46297596}"/>
               </a:ext>
             </a:extLst>
           </p:cNvPr>
@@ -8199,14 +8431,19 @@
             <p:ph type="title"/>
           </p:nvPr>
         </p:nvSpPr>
-        <p:spPr/>
+        <p:spPr>
+          <a:xfrm>
+            <a:off x="335280" y="137399"/>
+            <a:ext cx="8724900" cy="441721"/>
+          </a:xfrm>
+        </p:spPr>
         <p:txBody>
           <a:bodyPr/>
           <a:lstStyle/>
           <a:p>
             <a:r>
-              <a:rPr lang="en-US" dirty="0"/>
-              <a:t>Science: Total Days of FMLA</a:t>
+              <a:rPr lang="en-US" sz="2000" dirty="0"/>
+              <a:t>Number of Teacher Leaves from FMLA were highest in Sports Park</a:t>
             </a:r>
           </a:p>
         </p:txBody>
@@ -8216,7 +8453,7 @@
           <p:cNvPr id="5" name="Content Placeholder 4">
             <a:extLst>
               <a:ext uri="{FF2B5EF4-FFF2-40B4-BE49-F238E27FC236}">
-                <a16:creationId xmlns:a16="http://schemas.microsoft.com/office/drawing/2014/main" id="{E7783261-EB79-E1B8-DB45-FD4000639808}"/>
+                <a16:creationId xmlns:a16="http://schemas.microsoft.com/office/drawing/2014/main" id="{7990679F-D2D5-F98B-1E11-15B856F4AD4D}"/>
               </a:ext>
             </a:extLst>
           </p:cNvPr>
@@ -8235,15 +8472,50 @@
         </p:blipFill>
         <p:spPr>
           <a:xfrm>
-            <a:off x="1466731" y="1249680"/>
-            <a:ext cx="5871639" cy="3519806"/>
+            <a:off x="567405" y="632460"/>
+            <a:ext cx="5794799" cy="4373641"/>
           </a:xfrm>
         </p:spPr>
       </p:pic>
+      <p:sp>
+        <p:nvSpPr>
+          <p:cNvPr id="6" name="TextBox 5">
+            <a:extLst>
+              <a:ext uri="{FF2B5EF4-FFF2-40B4-BE49-F238E27FC236}">
+                <a16:creationId xmlns:a16="http://schemas.microsoft.com/office/drawing/2014/main" id="{A201CBCF-79F7-4473-8D6A-C021814C8768}"/>
+              </a:ext>
+            </a:extLst>
+          </p:cNvPr>
+          <p:cNvSpPr txBox="1"/>
+          <p:nvPr/>
+        </p:nvSpPr>
+        <p:spPr>
+          <a:xfrm>
+            <a:off x="6720840" y="2571750"/>
+            <a:ext cx="2225040" cy="1600438"/>
+          </a:xfrm>
+          <a:prstGeom prst="rect">
+            <a:avLst/>
+          </a:prstGeom>
+          <a:noFill/>
+        </p:spPr>
+        <p:txBody>
+          <a:bodyPr wrap="square" rtlCol="0">
+            <a:spAutoFit/>
+          </a:bodyPr>
+          <a:lstStyle/>
+          <a:p>
+            <a:r>
+              <a:rPr lang="en-US" sz="1400" dirty="0"/>
+              <a:t>Number of Teacher FMLA leaves were highest in Sports Park (46) followed by Tres Lagos (36) and Pflugerville (35), and lowest in Monterrey Park (3) and La Joya (3).</a:t>
+            </a:r>
+          </a:p>
+        </p:txBody>
+      </p:sp>
     </p:spTree>
     <p:extLst>
       <p:ext uri="{BB962C8B-B14F-4D97-AF65-F5344CB8AC3E}">
-        <p14:creationId xmlns:p14="http://schemas.microsoft.com/office/powerpoint/2010/main" val="1044918234"/>
+        <p14:creationId xmlns:p14="http://schemas.microsoft.com/office/powerpoint/2010/main" val="2081153933"/>
       </p:ext>
     </p:extLst>
   </p:cSld>
@@ -8275,7 +8547,7 @@
           <p:cNvPr id="2" name="Title 1">
             <a:extLst>
               <a:ext uri="{FF2B5EF4-FFF2-40B4-BE49-F238E27FC236}">
-                <a16:creationId xmlns:a16="http://schemas.microsoft.com/office/drawing/2014/main" id="{6CD2BA1D-FC0B-59FD-BE75-A9943BCCD6E1}"/>
+                <a16:creationId xmlns:a16="http://schemas.microsoft.com/office/drawing/2014/main" id="{A407967A-F0EC-4346-307A-3E17D0C4A4EB}"/>
               </a:ext>
             </a:extLst>
           </p:cNvPr>
@@ -8293,44 +8565,91 @@
           <a:p>
             <a:r>
               <a:rPr lang="en-US" dirty="0"/>
-              <a:t>Social Studies: Total Days of FMLA</a:t>
-            </a:r>
-          </a:p>
-        </p:txBody>
-      </p:sp>
-      <p:pic>
-        <p:nvPicPr>
-          <p:cNvPr id="5" name="Content Placeholder 4">
-            <a:extLst>
-              <a:ext uri="{FF2B5EF4-FFF2-40B4-BE49-F238E27FC236}">
-                <a16:creationId xmlns:a16="http://schemas.microsoft.com/office/drawing/2014/main" id="{54B7AB2B-DAA2-F4FA-0159-B0D587DEA1E6}"/>
-              </a:ext>
-            </a:extLst>
-          </p:cNvPr>
-          <p:cNvPicPr>
-            <a:picLocks noGrp="1" noChangeAspect="1"/>
-          </p:cNvPicPr>
+              <a:t>FMLA: </a:t>
+            </a:r>
+            <a:r>
+              <a:rPr lang="en-US" u="sng" dirty="0"/>
+              <a:t>Subject</a:t>
+            </a:r>
+          </a:p>
+        </p:txBody>
+      </p:sp>
+      <p:sp>
+        <p:nvSpPr>
+          <p:cNvPr id="3" name="Content Placeholder 2">
+            <a:extLst>
+              <a:ext uri="{FF2B5EF4-FFF2-40B4-BE49-F238E27FC236}">
+                <a16:creationId xmlns:a16="http://schemas.microsoft.com/office/drawing/2014/main" id="{9FAFC360-21DE-2CE8-8D8A-09A7655F010B}"/>
+              </a:ext>
+            </a:extLst>
+          </p:cNvPr>
+          <p:cNvSpPr>
+            <a:spLocks noGrp="1"/>
+          </p:cNvSpPr>
           <p:nvPr>
             <p:ph idx="1"/>
           </p:nvPr>
-        </p:nvPicPr>
-        <p:blipFill>
-          <a:blip r:embed="rId2"/>
-          <a:stretch>
-            <a:fillRect/>
-          </a:stretch>
-        </p:blipFill>
-        <p:spPr>
-          <a:xfrm>
-            <a:off x="1477318" y="1191482"/>
-            <a:ext cx="6058862" cy="3578004"/>
-          </a:xfrm>
-        </p:spPr>
-      </p:pic>
+        </p:nvSpPr>
+        <p:spPr/>
+        <p:txBody>
+          <a:bodyPr/>
+          <a:lstStyle/>
+          <a:p>
+            <a:r>
+              <a:rPr lang="en-US" b="1" u="sng" dirty="0"/>
+              <a:t>Includes four subjects</a:t>
+            </a:r>
+            <a:r>
+              <a:rPr lang="en-US" dirty="0"/>
+              <a:t>:</a:t>
+            </a:r>
+          </a:p>
+          <a:p>
+            <a:pPr lvl="1">
+              <a:buFont typeface="Arial" panose="020B0604020202020204" pitchFamily="34" charset="0"/>
+              <a:buChar char="•"/>
+            </a:pPr>
+            <a:r>
+              <a:rPr lang="en-US" dirty="0"/>
+              <a:t>Math</a:t>
+            </a:r>
+          </a:p>
+          <a:p>
+            <a:pPr lvl="1">
+              <a:buFont typeface="Arial" panose="020B0604020202020204" pitchFamily="34" charset="0"/>
+              <a:buChar char="•"/>
+            </a:pPr>
+            <a:r>
+              <a:rPr lang="en-US" dirty="0"/>
+              <a:t>English Language Arts</a:t>
+            </a:r>
+          </a:p>
+          <a:p>
+            <a:pPr lvl="1">
+              <a:buFont typeface="Arial" panose="020B0604020202020204" pitchFamily="34" charset="0"/>
+              <a:buChar char="•"/>
+            </a:pPr>
+            <a:r>
+              <a:rPr lang="en-US" dirty="0"/>
+              <a:t>Science</a:t>
+            </a:r>
+          </a:p>
+          <a:p>
+            <a:pPr lvl="1">
+              <a:buFont typeface="Arial" panose="020B0604020202020204" pitchFamily="34" charset="0"/>
+              <a:buChar char="•"/>
+            </a:pPr>
+            <a:r>
+              <a:rPr lang="en-US" dirty="0"/>
+              <a:t>Social Studies</a:t>
+            </a:r>
+          </a:p>
+        </p:txBody>
+      </p:sp>
     </p:spTree>
     <p:extLst>
       <p:ext uri="{BB962C8B-B14F-4D97-AF65-F5344CB8AC3E}">
-        <p14:creationId xmlns:p14="http://schemas.microsoft.com/office/powerpoint/2010/main" val="3486417284"/>
+        <p14:creationId xmlns:p14="http://schemas.microsoft.com/office/powerpoint/2010/main" val="290337946"/>
       </p:ext>
     </p:extLst>
   </p:cSld>
@@ -8362,7 +8681,7 @@
           <p:cNvPr id="2" name="Title 1">
             <a:extLst>
               <a:ext uri="{FF2B5EF4-FFF2-40B4-BE49-F238E27FC236}">
-                <a16:creationId xmlns:a16="http://schemas.microsoft.com/office/drawing/2014/main" id="{5D0B6CA8-410C-24EA-39BD-7F06BF46AF24}"/>
+                <a16:creationId xmlns:a16="http://schemas.microsoft.com/office/drawing/2014/main" id="{615AF228-4121-FA39-E5D1-09AD1907EEE8}"/>
               </a:ext>
             </a:extLst>
           </p:cNvPr>
@@ -8380,14 +8699,7 @@
           <a:p>
             <a:r>
               <a:rPr lang="en-US" dirty="0"/>
-              <a:t>Number of Leaves Taken </a:t>
-            </a:r>
-            <a:br>
-              <a:rPr lang="en-US" dirty="0"/>
-            </a:br>
-            <a:r>
-              <a:rPr lang="en-US" dirty="0"/>
-              <a:t>for FMLA by Subject</a:t>
+              <a:t>Summary Statistics for Teacher Leave (in Days) from FMLA by Subject</a:t>
             </a:r>
           </a:p>
         </p:txBody>
@@ -8397,7 +8709,7 @@
           <p:cNvPr id="5" name="Content Placeholder 4">
             <a:extLst>
               <a:ext uri="{FF2B5EF4-FFF2-40B4-BE49-F238E27FC236}">
-                <a16:creationId xmlns:a16="http://schemas.microsoft.com/office/drawing/2014/main" id="{6AE6EB76-9877-3F1C-CB02-D6DBBE3C82A9}"/>
+                <a16:creationId xmlns:a16="http://schemas.microsoft.com/office/drawing/2014/main" id="{E7365EA0-ECB3-D665-53A9-576A2748C7C8}"/>
               </a:ext>
             </a:extLst>
           </p:cNvPr>
@@ -8416,8 +8728,8 @@
         </p:blipFill>
         <p:spPr>
           <a:xfrm>
-            <a:off x="1422549" y="1649135"/>
-            <a:ext cx="6184599" cy="1599010"/>
+            <a:off x="650320" y="1798320"/>
+            <a:ext cx="7843359" cy="1314530"/>
           </a:xfrm>
         </p:spPr>
       </p:pic>
@@ -8426,7 +8738,7 @@
           <p:cNvPr id="6" name="TextBox 5">
             <a:extLst>
               <a:ext uri="{FF2B5EF4-FFF2-40B4-BE49-F238E27FC236}">
-                <a16:creationId xmlns:a16="http://schemas.microsoft.com/office/drawing/2014/main" id="{6FE6C36E-7919-5F2E-71EA-6EEF94F424A3}"/>
+                <a16:creationId xmlns:a16="http://schemas.microsoft.com/office/drawing/2014/main" id="{7DF9D3F0-975A-BC31-1B5C-BF2E7717C637}"/>
               </a:ext>
             </a:extLst>
           </p:cNvPr>
@@ -8435,8 +8747,8 @@
         </p:nvSpPr>
         <p:spPr>
           <a:xfrm>
-            <a:off x="1722120" y="3676769"/>
-            <a:ext cx="5166360" cy="954107"/>
+            <a:off x="650320" y="3665220"/>
+            <a:ext cx="7117080" cy="954107"/>
           </a:xfrm>
           <a:prstGeom prst="rect">
             <a:avLst/>
@@ -8455,11 +8767,7 @@
                   <a:srgbClr val="2007B9"/>
                 </a:solidFill>
               </a:rPr>
-              <a:t>English Language Arts had the highest count of teachers leaves from FMLA for any subject at 285 leaves. This was followed by Math at 216 leaves and Science at 198 leaves. Social Studies was the subject with the fewest count of teacher leaves from FMLA, with 160 leaves</a:t>
-            </a:r>
-            <a:r>
-              <a:rPr lang="en-US" sz="1400" dirty="0"/>
-              <a:t>.</a:t>
+              <a:t>The highest median FMLA leave was tied between Math and Science at 86.0 and the lowest median was English Language Arts at 85 days. The largest mean FMLA was for Math (106.3 days) and the lowest was for Social Studies (93.9 days). The largest standard deviation for FMLA was for Math at 71.9 days, and the lowest was for Social Studies at 52.0 days.</a:t>
             </a:r>
           </a:p>
         </p:txBody>
@@ -8467,7 +8775,7 @@
     </p:spTree>
     <p:extLst>
       <p:ext uri="{BB962C8B-B14F-4D97-AF65-F5344CB8AC3E}">
-        <p14:creationId xmlns:p14="http://schemas.microsoft.com/office/powerpoint/2010/main" val="1903250323"/>
+        <p14:creationId xmlns:p14="http://schemas.microsoft.com/office/powerpoint/2010/main" val="1136914339"/>
       </p:ext>
     </p:extLst>
   </p:cSld>
@@ -8499,7 +8807,7 @@
           <p:cNvPr id="2" name="Title 1">
             <a:extLst>
               <a:ext uri="{FF2B5EF4-FFF2-40B4-BE49-F238E27FC236}">
-                <a16:creationId xmlns:a16="http://schemas.microsoft.com/office/drawing/2014/main" id="{8BB05A6B-A67D-F3AA-432F-16E3977BD08C}"/>
+                <a16:creationId xmlns:a16="http://schemas.microsoft.com/office/drawing/2014/main" id="{1716107B-D09E-2788-77BA-10A6BEF32980}"/>
               </a:ext>
             </a:extLst>
           </p:cNvPr>
@@ -8517,7 +8825,7 @@
           <a:p>
             <a:r>
               <a:rPr lang="en-US" dirty="0"/>
-              <a:t>Number of Teacher Leaves from FMLA Varied by Subject</a:t>
+              <a:t>Math: Total Days of FMLA</a:t>
             </a:r>
           </a:p>
         </p:txBody>
@@ -8527,7 +8835,7 @@
           <p:cNvPr id="5" name="Content Placeholder 4">
             <a:extLst>
               <a:ext uri="{FF2B5EF4-FFF2-40B4-BE49-F238E27FC236}">
-                <a16:creationId xmlns:a16="http://schemas.microsoft.com/office/drawing/2014/main" id="{FB4CB6FD-695F-ED55-684A-220941901288}"/>
+                <a16:creationId xmlns:a16="http://schemas.microsoft.com/office/drawing/2014/main" id="{7CE7F600-4C58-5F06-0E7D-0F2DC8727A15}"/>
               </a:ext>
             </a:extLst>
           </p:cNvPr>
@@ -8546,54 +8854,15 @@
         </p:blipFill>
         <p:spPr>
           <a:xfrm>
-            <a:off x="403860" y="1289938"/>
-            <a:ext cx="5883157" cy="3540508"/>
+            <a:off x="1575345" y="1305890"/>
+            <a:ext cx="5993310" cy="3516936"/>
           </a:xfrm>
         </p:spPr>
       </p:pic>
-      <p:sp>
-        <p:nvSpPr>
-          <p:cNvPr id="6" name="TextBox 5">
-            <a:extLst>
-              <a:ext uri="{FF2B5EF4-FFF2-40B4-BE49-F238E27FC236}">
-                <a16:creationId xmlns:a16="http://schemas.microsoft.com/office/drawing/2014/main" id="{B113BD69-5179-9253-4A82-A739D4B5D60F}"/>
-              </a:ext>
-            </a:extLst>
-          </p:cNvPr>
-          <p:cNvSpPr txBox="1"/>
-          <p:nvPr/>
-        </p:nvSpPr>
-        <p:spPr>
-          <a:xfrm>
-            <a:off x="6614160" y="2179320"/>
-            <a:ext cx="2072640" cy="2031325"/>
-          </a:xfrm>
-          <a:prstGeom prst="rect">
-            <a:avLst/>
-          </a:prstGeom>
-          <a:noFill/>
-        </p:spPr>
-        <p:txBody>
-          <a:bodyPr wrap="square" rtlCol="0">
-            <a:spAutoFit/>
-          </a:bodyPr>
-          <a:lstStyle/>
-          <a:p>
-            <a:r>
-              <a:rPr lang="en-US" sz="1400" dirty="0">
-                <a:solidFill>
-                  <a:srgbClr val="2007B9"/>
-                </a:solidFill>
-              </a:rPr>
-              <a:t>English Language Arts had the highest count of FMLA leaves by teachers at 285, followed by Math at 216 leaves. Next was Science with 198 leaves, and last was Social Studies with 60 teacher leaves from FMLA.</a:t>
-            </a:r>
-          </a:p>
-        </p:txBody>
-      </p:sp>
     </p:spTree>
     <p:extLst>
       <p:ext uri="{BB962C8B-B14F-4D97-AF65-F5344CB8AC3E}">
-        <p14:creationId xmlns:p14="http://schemas.microsoft.com/office/powerpoint/2010/main" val="2824425630"/>
+        <p14:creationId xmlns:p14="http://schemas.microsoft.com/office/powerpoint/2010/main" val="2871546903"/>
       </p:ext>
     </p:extLst>
   </p:cSld>
@@ -8625,7 +8894,7 @@
           <p:cNvPr id="2" name="Title 1">
             <a:extLst>
               <a:ext uri="{FF2B5EF4-FFF2-40B4-BE49-F238E27FC236}">
-                <a16:creationId xmlns:a16="http://schemas.microsoft.com/office/drawing/2014/main" id="{372C24AE-AF40-AE72-E99C-95F2B0955CC7}"/>
+                <a16:creationId xmlns:a16="http://schemas.microsoft.com/office/drawing/2014/main" id="{E94856AA-C187-F638-C4CD-1A19FF2E0E48}"/>
               </a:ext>
             </a:extLst>
           </p:cNvPr>
@@ -8642,8 +8911,8 @@
           <a:lstStyle/>
           <a:p>
             <a:r>
-              <a:rPr lang="en-US" sz="2800" dirty="0"/>
-              <a:t>Summary Statistics for Number Teacher Leaves from FMLA, After Grouping by Subject </a:t>
+              <a:rPr lang="en-US" dirty="0"/>
+              <a:t>English Language Arts: Total Days of FMLA</a:t>
             </a:r>
           </a:p>
         </p:txBody>
@@ -8653,7 +8922,7 @@
           <p:cNvPr id="5" name="Content Placeholder 4">
             <a:extLst>
               <a:ext uri="{FF2B5EF4-FFF2-40B4-BE49-F238E27FC236}">
-                <a16:creationId xmlns:a16="http://schemas.microsoft.com/office/drawing/2014/main" id="{1695EA2A-00CC-B90C-9A29-129F265C7784}"/>
+                <a16:creationId xmlns:a16="http://schemas.microsoft.com/office/drawing/2014/main" id="{E2BDF471-A152-5ED8-A170-CFE8709A4C5A}"/>
               </a:ext>
             </a:extLst>
           </p:cNvPr>
@@ -8672,54 +8941,15 @@
         </p:blipFill>
         <p:spPr>
           <a:xfrm>
-            <a:off x="816294" y="2174249"/>
-            <a:ext cx="7870506" cy="795001"/>
+            <a:off x="1487366" y="1329330"/>
+            <a:ext cx="5942134" cy="3493496"/>
           </a:xfrm>
         </p:spPr>
       </p:pic>
-      <p:sp>
-        <p:nvSpPr>
-          <p:cNvPr id="6" name="TextBox 5">
-            <a:extLst>
-              <a:ext uri="{FF2B5EF4-FFF2-40B4-BE49-F238E27FC236}">
-                <a16:creationId xmlns:a16="http://schemas.microsoft.com/office/drawing/2014/main" id="{93BFEFBE-80E2-5D83-5F41-ADCA37EBDF9D}"/>
-              </a:ext>
-            </a:extLst>
-          </p:cNvPr>
-          <p:cNvSpPr txBox="1"/>
-          <p:nvPr/>
-        </p:nvSpPr>
-        <p:spPr>
-          <a:xfrm>
-            <a:off x="1794510" y="3603216"/>
-            <a:ext cx="5554980" cy="954107"/>
-          </a:xfrm>
-          <a:prstGeom prst="rect">
-            <a:avLst/>
-          </a:prstGeom>
-          <a:noFill/>
-        </p:spPr>
-        <p:txBody>
-          <a:bodyPr wrap="square" rtlCol="0">
-            <a:spAutoFit/>
-          </a:bodyPr>
-          <a:lstStyle/>
-          <a:p>
-            <a:r>
-              <a:rPr lang="en-US" sz="1400" dirty="0">
-                <a:solidFill>
-                  <a:srgbClr val="2007B9"/>
-                </a:solidFill>
-              </a:rPr>
-              <a:t>English Language Arts and Math were above both the mean and median when looking at teacher leaves from FMLA by subject. Science and Social Studies were the subjects that were both below the median and mean count after grouping by subject.</a:t>
-            </a:r>
-          </a:p>
-        </p:txBody>
-      </p:sp>
     </p:spTree>
     <p:extLst>
       <p:ext uri="{BB962C8B-B14F-4D97-AF65-F5344CB8AC3E}">
-        <p14:creationId xmlns:p14="http://schemas.microsoft.com/office/powerpoint/2010/main" val="3788115464"/>
+        <p14:creationId xmlns:p14="http://schemas.microsoft.com/office/powerpoint/2010/main" val="354881332"/>
       </p:ext>
     </p:extLst>
   </p:cSld>
@@ -8751,7 +8981,7 @@
           <p:cNvPr id="2" name="Title 1">
             <a:extLst>
               <a:ext uri="{FF2B5EF4-FFF2-40B4-BE49-F238E27FC236}">
-                <a16:creationId xmlns:a16="http://schemas.microsoft.com/office/drawing/2014/main" id="{BF18B49F-E802-C85F-2585-24851F4C4A80}"/>
+                <a16:creationId xmlns:a16="http://schemas.microsoft.com/office/drawing/2014/main" id="{4CE03180-0DB4-0A7D-AC41-782539C8A7A3}"/>
               </a:ext>
             </a:extLst>
           </p:cNvPr>
@@ -8767,39 +8997,46 @@
           <a:bodyPr/>
           <a:lstStyle/>
           <a:p>
-            <a:endParaRPr lang="en-US"/>
-          </a:p>
-        </p:txBody>
-      </p:sp>
-      <p:sp>
-        <p:nvSpPr>
-          <p:cNvPr id="3" name="Content Placeholder 2">
-            <a:extLst>
-              <a:ext uri="{FF2B5EF4-FFF2-40B4-BE49-F238E27FC236}">
-                <a16:creationId xmlns:a16="http://schemas.microsoft.com/office/drawing/2014/main" id="{AFAC237D-1EF5-6502-F69A-EBAD2F4266BD}"/>
-              </a:ext>
-            </a:extLst>
-          </p:cNvPr>
-          <p:cNvSpPr>
-            <a:spLocks noGrp="1"/>
-          </p:cNvSpPr>
+            <a:r>
+              <a:rPr lang="en-US" dirty="0"/>
+              <a:t>Science: Total Days of FMLA</a:t>
+            </a:r>
+          </a:p>
+        </p:txBody>
+      </p:sp>
+      <p:pic>
+        <p:nvPicPr>
+          <p:cNvPr id="5" name="Content Placeholder 4">
+            <a:extLst>
+              <a:ext uri="{FF2B5EF4-FFF2-40B4-BE49-F238E27FC236}">
+                <a16:creationId xmlns:a16="http://schemas.microsoft.com/office/drawing/2014/main" id="{E7783261-EB79-E1B8-DB45-FD4000639808}"/>
+              </a:ext>
+            </a:extLst>
+          </p:cNvPr>
+          <p:cNvPicPr>
+            <a:picLocks noGrp="1" noChangeAspect="1"/>
+          </p:cNvPicPr>
           <p:nvPr>
             <p:ph idx="1"/>
           </p:nvPr>
-        </p:nvSpPr>
-        <p:spPr/>
-        <p:txBody>
-          <a:bodyPr/>
-          <a:lstStyle/>
-          <a:p>
-            <a:endParaRPr lang="en-US"/>
-          </a:p>
-        </p:txBody>
-      </p:sp>
+        </p:nvPicPr>
+        <p:blipFill>
+          <a:blip r:embed="rId2"/>
+          <a:stretch>
+            <a:fillRect/>
+          </a:stretch>
+        </p:blipFill>
+        <p:spPr>
+          <a:xfrm>
+            <a:off x="1466731" y="1249680"/>
+            <a:ext cx="5871639" cy="3519806"/>
+          </a:xfrm>
+        </p:spPr>
+      </p:pic>
     </p:spTree>
     <p:extLst>
       <p:ext uri="{BB962C8B-B14F-4D97-AF65-F5344CB8AC3E}">
-        <p14:creationId xmlns:p14="http://schemas.microsoft.com/office/powerpoint/2010/main" val="3648049151"/>
+        <p14:creationId xmlns:p14="http://schemas.microsoft.com/office/powerpoint/2010/main" val="1044918234"/>
       </p:ext>
     </p:extLst>
   </p:cSld>
@@ -8831,7 +9068,7 @@
           <p:cNvPr id="2" name="Title 1">
             <a:extLst>
               <a:ext uri="{FF2B5EF4-FFF2-40B4-BE49-F238E27FC236}">
-                <a16:creationId xmlns:a16="http://schemas.microsoft.com/office/drawing/2014/main" id="{C38B7FEB-CC8D-A44A-3BAA-CC3CD4F65660}"/>
+                <a16:creationId xmlns:a16="http://schemas.microsoft.com/office/drawing/2014/main" id="{6CD2BA1D-FC0B-59FD-BE75-A9943BCCD6E1}"/>
               </a:ext>
             </a:extLst>
           </p:cNvPr>
@@ -8847,39 +9084,46 @@
           <a:bodyPr/>
           <a:lstStyle/>
           <a:p>
-            <a:endParaRPr lang="en-US"/>
-          </a:p>
-        </p:txBody>
-      </p:sp>
-      <p:sp>
-        <p:nvSpPr>
-          <p:cNvPr id="3" name="Content Placeholder 2">
-            <a:extLst>
-              <a:ext uri="{FF2B5EF4-FFF2-40B4-BE49-F238E27FC236}">
-                <a16:creationId xmlns:a16="http://schemas.microsoft.com/office/drawing/2014/main" id="{961A1B12-AE71-865E-B312-4F01CB42219B}"/>
-              </a:ext>
-            </a:extLst>
-          </p:cNvPr>
-          <p:cNvSpPr>
-            <a:spLocks noGrp="1"/>
-          </p:cNvSpPr>
+            <a:r>
+              <a:rPr lang="en-US" dirty="0"/>
+              <a:t>Social Studies: Total Days of FMLA</a:t>
+            </a:r>
+          </a:p>
+        </p:txBody>
+      </p:sp>
+      <p:pic>
+        <p:nvPicPr>
+          <p:cNvPr id="5" name="Content Placeholder 4">
+            <a:extLst>
+              <a:ext uri="{FF2B5EF4-FFF2-40B4-BE49-F238E27FC236}">
+                <a16:creationId xmlns:a16="http://schemas.microsoft.com/office/drawing/2014/main" id="{54B7AB2B-DAA2-F4FA-0159-B0D587DEA1E6}"/>
+              </a:ext>
+            </a:extLst>
+          </p:cNvPr>
+          <p:cNvPicPr>
+            <a:picLocks noGrp="1" noChangeAspect="1"/>
+          </p:cNvPicPr>
           <p:nvPr>
             <p:ph idx="1"/>
           </p:nvPr>
-        </p:nvSpPr>
-        <p:spPr/>
-        <p:txBody>
-          <a:bodyPr/>
-          <a:lstStyle/>
-          <a:p>
-            <a:endParaRPr lang="en-US"/>
-          </a:p>
-        </p:txBody>
-      </p:sp>
+        </p:nvPicPr>
+        <p:blipFill>
+          <a:blip r:embed="rId2"/>
+          <a:stretch>
+            <a:fillRect/>
+          </a:stretch>
+        </p:blipFill>
+        <p:spPr>
+          <a:xfrm>
+            <a:off x="1477318" y="1191482"/>
+            <a:ext cx="6058862" cy="3578004"/>
+          </a:xfrm>
+        </p:spPr>
+      </p:pic>
     </p:spTree>
     <p:extLst>
       <p:ext uri="{BB962C8B-B14F-4D97-AF65-F5344CB8AC3E}">
-        <p14:creationId xmlns:p14="http://schemas.microsoft.com/office/powerpoint/2010/main" val="1570971779"/>
+        <p14:creationId xmlns:p14="http://schemas.microsoft.com/office/powerpoint/2010/main" val="3486417284"/>
       </p:ext>
     </p:extLst>
   </p:cSld>
@@ -8911,7 +9155,7 @@
           <p:cNvPr id="2" name="Title 1">
             <a:extLst>
               <a:ext uri="{FF2B5EF4-FFF2-40B4-BE49-F238E27FC236}">
-                <a16:creationId xmlns:a16="http://schemas.microsoft.com/office/drawing/2014/main" id="{C4EB3F33-7CE5-AED7-6BE3-98746DA20BF9}"/>
+                <a16:creationId xmlns:a16="http://schemas.microsoft.com/office/drawing/2014/main" id="{5D0B6CA8-410C-24EA-39BD-7F06BF46AF24}"/>
               </a:ext>
             </a:extLst>
           </p:cNvPr>
@@ -8927,16 +9171,128 @@
           <a:bodyPr/>
           <a:lstStyle/>
           <a:p>
-            <a:endParaRPr lang="en-US"/>
-          </a:p>
-        </p:txBody>
-      </p:sp>
-      <p:sp>
-        <p:nvSpPr>
-          <p:cNvPr id="3" name="Content Placeholder 2">
-            <a:extLst>
-              <a:ext uri="{FF2B5EF4-FFF2-40B4-BE49-F238E27FC236}">
-                <a16:creationId xmlns:a16="http://schemas.microsoft.com/office/drawing/2014/main" id="{1FEE7A8F-4A30-A8CB-DAAF-F1B443B43890}"/>
+            <a:r>
+              <a:rPr lang="en-US" dirty="0"/>
+              <a:t>Number of Leaves Taken </a:t>
+            </a:r>
+            <a:br>
+              <a:rPr lang="en-US" dirty="0"/>
+            </a:br>
+            <a:r>
+              <a:rPr lang="en-US" dirty="0"/>
+              <a:t>for FMLA by Subject</a:t>
+            </a:r>
+          </a:p>
+        </p:txBody>
+      </p:sp>
+      <p:pic>
+        <p:nvPicPr>
+          <p:cNvPr id="5" name="Content Placeholder 4">
+            <a:extLst>
+              <a:ext uri="{FF2B5EF4-FFF2-40B4-BE49-F238E27FC236}">
+                <a16:creationId xmlns:a16="http://schemas.microsoft.com/office/drawing/2014/main" id="{6AE6EB76-9877-3F1C-CB02-D6DBBE3C82A9}"/>
+              </a:ext>
+            </a:extLst>
+          </p:cNvPr>
+          <p:cNvPicPr>
+            <a:picLocks noGrp="1" noChangeAspect="1"/>
+          </p:cNvPicPr>
+          <p:nvPr>
+            <p:ph idx="1"/>
+          </p:nvPr>
+        </p:nvPicPr>
+        <p:blipFill>
+          <a:blip r:embed="rId2"/>
+          <a:stretch>
+            <a:fillRect/>
+          </a:stretch>
+        </p:blipFill>
+        <p:spPr>
+          <a:xfrm>
+            <a:off x="1422549" y="1649135"/>
+            <a:ext cx="6184599" cy="1599010"/>
+          </a:xfrm>
+        </p:spPr>
+      </p:pic>
+      <p:sp>
+        <p:nvSpPr>
+          <p:cNvPr id="6" name="TextBox 5">
+            <a:extLst>
+              <a:ext uri="{FF2B5EF4-FFF2-40B4-BE49-F238E27FC236}">
+                <a16:creationId xmlns:a16="http://schemas.microsoft.com/office/drawing/2014/main" id="{6FE6C36E-7919-5F2E-71EA-6EEF94F424A3}"/>
+              </a:ext>
+            </a:extLst>
+          </p:cNvPr>
+          <p:cNvSpPr txBox="1"/>
+          <p:nvPr/>
+        </p:nvSpPr>
+        <p:spPr>
+          <a:xfrm>
+            <a:off x="1722120" y="3676769"/>
+            <a:ext cx="5166360" cy="954107"/>
+          </a:xfrm>
+          <a:prstGeom prst="rect">
+            <a:avLst/>
+          </a:prstGeom>
+          <a:noFill/>
+        </p:spPr>
+        <p:txBody>
+          <a:bodyPr wrap="square" rtlCol="0">
+            <a:spAutoFit/>
+          </a:bodyPr>
+          <a:lstStyle/>
+          <a:p>
+            <a:r>
+              <a:rPr lang="en-US" sz="1400" dirty="0">
+                <a:solidFill>
+                  <a:srgbClr val="2007B9"/>
+                </a:solidFill>
+              </a:rPr>
+              <a:t>English Language Arts had the highest count of teachers leaves from FMLA for any subject at 285 leaves. This was followed by Math at 216 leaves and Science at 198 leaves. Social Studies was the subject with the fewest count of teacher leaves from FMLA, with 160 leaves</a:t>
+            </a:r>
+            <a:r>
+              <a:rPr lang="en-US" sz="1400" dirty="0"/>
+              <a:t>.</a:t>
+            </a:r>
+          </a:p>
+        </p:txBody>
+      </p:sp>
+    </p:spTree>
+    <p:extLst>
+      <p:ext uri="{BB962C8B-B14F-4D97-AF65-F5344CB8AC3E}">
+        <p14:creationId xmlns:p14="http://schemas.microsoft.com/office/powerpoint/2010/main" val="1903250323"/>
+      </p:ext>
+    </p:extLst>
+  </p:cSld>
+  <p:clrMapOvr>
+    <a:masterClrMapping/>
+  </p:clrMapOvr>
+</p:sld>
+</file>
+
+<file path=ppt/slides/slide68.xml><?xml version="1.0" encoding="utf-8"?>
+<p:sld xmlns:a="http://schemas.openxmlformats.org/drawingml/2006/main" xmlns:r="http://schemas.openxmlformats.org/officeDocument/2006/relationships" xmlns:p="http://schemas.openxmlformats.org/presentationml/2006/main">
+  <p:cSld>
+    <p:spTree>
+      <p:nvGrpSpPr>
+        <p:cNvPr id="1" name=""/>
+        <p:cNvGrpSpPr/>
+        <p:nvPr/>
+      </p:nvGrpSpPr>
+      <p:grpSpPr>
+        <a:xfrm>
+          <a:off x="0" y="0"/>
+          <a:ext cx="0" cy="0"/>
+          <a:chOff x="0" y="0"/>
+          <a:chExt cx="0" cy="0"/>
+        </a:xfrm>
+      </p:grpSpPr>
+      <p:sp>
+        <p:nvSpPr>
+          <p:cNvPr id="2" name="Title 1">
+            <a:extLst>
+              <a:ext uri="{FF2B5EF4-FFF2-40B4-BE49-F238E27FC236}">
+                <a16:creationId xmlns:a16="http://schemas.microsoft.com/office/drawing/2014/main" id="{8BB05A6B-A67D-F3AA-432F-16E3977BD08C}"/>
               </a:ext>
             </a:extLst>
           </p:cNvPr>
@@ -8944,22 +9300,219 @@
             <a:spLocks noGrp="1"/>
           </p:cNvSpPr>
           <p:nvPr>
+            <p:ph type="title"/>
+          </p:nvPr>
+        </p:nvSpPr>
+        <p:spPr/>
+        <p:txBody>
+          <a:bodyPr/>
+          <a:lstStyle/>
+          <a:p>
+            <a:r>
+              <a:rPr lang="en-US" dirty="0"/>
+              <a:t>Number of Teacher Leaves from FMLA Varied by Subject</a:t>
+            </a:r>
+          </a:p>
+        </p:txBody>
+      </p:sp>
+      <p:pic>
+        <p:nvPicPr>
+          <p:cNvPr id="5" name="Content Placeholder 4">
+            <a:extLst>
+              <a:ext uri="{FF2B5EF4-FFF2-40B4-BE49-F238E27FC236}">
+                <a16:creationId xmlns:a16="http://schemas.microsoft.com/office/drawing/2014/main" id="{FB4CB6FD-695F-ED55-684A-220941901288}"/>
+              </a:ext>
+            </a:extLst>
+          </p:cNvPr>
+          <p:cNvPicPr>
+            <a:picLocks noGrp="1" noChangeAspect="1"/>
+          </p:cNvPicPr>
+          <p:nvPr>
             <p:ph idx="1"/>
           </p:nvPr>
-        </p:nvSpPr>
-        <p:spPr/>
-        <p:txBody>
-          <a:bodyPr/>
-          <a:lstStyle/>
-          <a:p>
-            <a:endParaRPr lang="en-US"/>
+        </p:nvPicPr>
+        <p:blipFill>
+          <a:blip r:embed="rId2"/>
+          <a:stretch>
+            <a:fillRect/>
+          </a:stretch>
+        </p:blipFill>
+        <p:spPr>
+          <a:xfrm>
+            <a:off x="403860" y="1289938"/>
+            <a:ext cx="5883157" cy="3540508"/>
+          </a:xfrm>
+        </p:spPr>
+      </p:pic>
+      <p:sp>
+        <p:nvSpPr>
+          <p:cNvPr id="6" name="TextBox 5">
+            <a:extLst>
+              <a:ext uri="{FF2B5EF4-FFF2-40B4-BE49-F238E27FC236}">
+                <a16:creationId xmlns:a16="http://schemas.microsoft.com/office/drawing/2014/main" id="{B113BD69-5179-9253-4A82-A739D4B5D60F}"/>
+              </a:ext>
+            </a:extLst>
+          </p:cNvPr>
+          <p:cNvSpPr txBox="1"/>
+          <p:nvPr/>
+        </p:nvSpPr>
+        <p:spPr>
+          <a:xfrm>
+            <a:off x="6614160" y="2179320"/>
+            <a:ext cx="2072640" cy="2031325"/>
+          </a:xfrm>
+          <a:prstGeom prst="rect">
+            <a:avLst/>
+          </a:prstGeom>
+          <a:noFill/>
+        </p:spPr>
+        <p:txBody>
+          <a:bodyPr wrap="square" rtlCol="0">
+            <a:spAutoFit/>
+          </a:bodyPr>
+          <a:lstStyle/>
+          <a:p>
+            <a:r>
+              <a:rPr lang="en-US" sz="1400" dirty="0">
+                <a:solidFill>
+                  <a:srgbClr val="2007B9"/>
+                </a:solidFill>
+              </a:rPr>
+              <a:t>English Language Arts had the highest count of FMLA leaves by teachers at 285, followed by Math at 216 leaves. Next was Science with 198 leaves, and last was Social Studies with 60 teacher leaves from FMLA.</a:t>
+            </a:r>
           </a:p>
         </p:txBody>
       </p:sp>
     </p:spTree>
     <p:extLst>
       <p:ext uri="{BB962C8B-B14F-4D97-AF65-F5344CB8AC3E}">
-        <p14:creationId xmlns:p14="http://schemas.microsoft.com/office/powerpoint/2010/main" val="1313753629"/>
+        <p14:creationId xmlns:p14="http://schemas.microsoft.com/office/powerpoint/2010/main" val="2824425630"/>
+      </p:ext>
+    </p:extLst>
+  </p:cSld>
+  <p:clrMapOvr>
+    <a:masterClrMapping/>
+  </p:clrMapOvr>
+</p:sld>
+</file>
+
+<file path=ppt/slides/slide69.xml><?xml version="1.0" encoding="utf-8"?>
+<p:sld xmlns:a="http://schemas.openxmlformats.org/drawingml/2006/main" xmlns:r="http://schemas.openxmlformats.org/officeDocument/2006/relationships" xmlns:p="http://schemas.openxmlformats.org/presentationml/2006/main">
+  <p:cSld>
+    <p:spTree>
+      <p:nvGrpSpPr>
+        <p:cNvPr id="1" name=""/>
+        <p:cNvGrpSpPr/>
+        <p:nvPr/>
+      </p:nvGrpSpPr>
+      <p:grpSpPr>
+        <a:xfrm>
+          <a:off x="0" y="0"/>
+          <a:ext cx="0" cy="0"/>
+          <a:chOff x="0" y="0"/>
+          <a:chExt cx="0" cy="0"/>
+        </a:xfrm>
+      </p:grpSpPr>
+      <p:sp>
+        <p:nvSpPr>
+          <p:cNvPr id="2" name="Title 1">
+            <a:extLst>
+              <a:ext uri="{FF2B5EF4-FFF2-40B4-BE49-F238E27FC236}">
+                <a16:creationId xmlns:a16="http://schemas.microsoft.com/office/drawing/2014/main" id="{372C24AE-AF40-AE72-E99C-95F2B0955CC7}"/>
+              </a:ext>
+            </a:extLst>
+          </p:cNvPr>
+          <p:cNvSpPr>
+            <a:spLocks noGrp="1"/>
+          </p:cNvSpPr>
+          <p:nvPr>
+            <p:ph type="title"/>
+          </p:nvPr>
+        </p:nvSpPr>
+        <p:spPr/>
+        <p:txBody>
+          <a:bodyPr/>
+          <a:lstStyle/>
+          <a:p>
+            <a:r>
+              <a:rPr lang="en-US" sz="2800" dirty="0"/>
+              <a:t>Summary Statistics for Number Teacher Leaves from FMLA, After Grouping by Subject </a:t>
+            </a:r>
+          </a:p>
+        </p:txBody>
+      </p:sp>
+      <p:pic>
+        <p:nvPicPr>
+          <p:cNvPr id="5" name="Content Placeholder 4">
+            <a:extLst>
+              <a:ext uri="{FF2B5EF4-FFF2-40B4-BE49-F238E27FC236}">
+                <a16:creationId xmlns:a16="http://schemas.microsoft.com/office/drawing/2014/main" id="{1695EA2A-00CC-B90C-9A29-129F265C7784}"/>
+              </a:ext>
+            </a:extLst>
+          </p:cNvPr>
+          <p:cNvPicPr>
+            <a:picLocks noGrp="1" noChangeAspect="1"/>
+          </p:cNvPicPr>
+          <p:nvPr>
+            <p:ph idx="1"/>
+          </p:nvPr>
+        </p:nvPicPr>
+        <p:blipFill>
+          <a:blip r:embed="rId2"/>
+          <a:stretch>
+            <a:fillRect/>
+          </a:stretch>
+        </p:blipFill>
+        <p:spPr>
+          <a:xfrm>
+            <a:off x="816294" y="2174249"/>
+            <a:ext cx="7870506" cy="795001"/>
+          </a:xfrm>
+        </p:spPr>
+      </p:pic>
+      <p:sp>
+        <p:nvSpPr>
+          <p:cNvPr id="6" name="TextBox 5">
+            <a:extLst>
+              <a:ext uri="{FF2B5EF4-FFF2-40B4-BE49-F238E27FC236}">
+                <a16:creationId xmlns:a16="http://schemas.microsoft.com/office/drawing/2014/main" id="{93BFEFBE-80E2-5D83-5F41-ADCA37EBDF9D}"/>
+              </a:ext>
+            </a:extLst>
+          </p:cNvPr>
+          <p:cNvSpPr txBox="1"/>
+          <p:nvPr/>
+        </p:nvSpPr>
+        <p:spPr>
+          <a:xfrm>
+            <a:off x="1794510" y="3603216"/>
+            <a:ext cx="5554980" cy="954107"/>
+          </a:xfrm>
+          <a:prstGeom prst="rect">
+            <a:avLst/>
+          </a:prstGeom>
+          <a:noFill/>
+        </p:spPr>
+        <p:txBody>
+          <a:bodyPr wrap="square" rtlCol="0">
+            <a:spAutoFit/>
+          </a:bodyPr>
+          <a:lstStyle/>
+          <a:p>
+            <a:r>
+              <a:rPr lang="en-US" sz="1400" dirty="0">
+                <a:solidFill>
+                  <a:srgbClr val="2007B9"/>
+                </a:solidFill>
+              </a:rPr>
+              <a:t>English Language Arts and Math were above both the mean and median when looking at teacher leaves from FMLA by subject. Science and Social Studies were the subjects that were both below the median and mean count after grouping by subject.</a:t>
+            </a:r>
+          </a:p>
+        </p:txBody>
+      </p:sp>
+    </p:spTree>
+    <p:extLst>
+      <p:ext uri="{BB962C8B-B14F-4D97-AF65-F5344CB8AC3E}">
+        <p14:creationId xmlns:p14="http://schemas.microsoft.com/office/powerpoint/2010/main" val="3788115464"/>
       </p:ext>
     </p:extLst>
   </p:cSld>
@@ -9063,6 +9616,246 @@
 </p:sld>
 </file>
 
+<file path=ppt/slides/slide70.xml><?xml version="1.0" encoding="utf-8"?>
+<p:sld xmlns:a="http://schemas.openxmlformats.org/drawingml/2006/main" xmlns:r="http://schemas.openxmlformats.org/officeDocument/2006/relationships" xmlns:p="http://schemas.openxmlformats.org/presentationml/2006/main">
+  <p:cSld>
+    <p:spTree>
+      <p:nvGrpSpPr>
+        <p:cNvPr id="1" name=""/>
+        <p:cNvGrpSpPr/>
+        <p:nvPr/>
+      </p:nvGrpSpPr>
+      <p:grpSpPr>
+        <a:xfrm>
+          <a:off x="0" y="0"/>
+          <a:ext cx="0" cy="0"/>
+          <a:chOff x="0" y="0"/>
+          <a:chExt cx="0" cy="0"/>
+        </a:xfrm>
+      </p:grpSpPr>
+      <p:sp>
+        <p:nvSpPr>
+          <p:cNvPr id="2" name="Title 1">
+            <a:extLst>
+              <a:ext uri="{FF2B5EF4-FFF2-40B4-BE49-F238E27FC236}">
+                <a16:creationId xmlns:a16="http://schemas.microsoft.com/office/drawing/2014/main" id="{BF18B49F-E802-C85F-2585-24851F4C4A80}"/>
+              </a:ext>
+            </a:extLst>
+          </p:cNvPr>
+          <p:cNvSpPr>
+            <a:spLocks noGrp="1"/>
+          </p:cNvSpPr>
+          <p:nvPr>
+            <p:ph type="title"/>
+          </p:nvPr>
+        </p:nvSpPr>
+        <p:spPr/>
+        <p:txBody>
+          <a:bodyPr/>
+          <a:lstStyle/>
+          <a:p>
+            <a:endParaRPr lang="en-US"/>
+          </a:p>
+        </p:txBody>
+      </p:sp>
+      <p:sp>
+        <p:nvSpPr>
+          <p:cNvPr id="3" name="Content Placeholder 2">
+            <a:extLst>
+              <a:ext uri="{FF2B5EF4-FFF2-40B4-BE49-F238E27FC236}">
+                <a16:creationId xmlns:a16="http://schemas.microsoft.com/office/drawing/2014/main" id="{AFAC237D-1EF5-6502-F69A-EBAD2F4266BD}"/>
+              </a:ext>
+            </a:extLst>
+          </p:cNvPr>
+          <p:cNvSpPr>
+            <a:spLocks noGrp="1"/>
+          </p:cNvSpPr>
+          <p:nvPr>
+            <p:ph idx="1"/>
+          </p:nvPr>
+        </p:nvSpPr>
+        <p:spPr/>
+        <p:txBody>
+          <a:bodyPr/>
+          <a:lstStyle/>
+          <a:p>
+            <a:endParaRPr lang="en-US"/>
+          </a:p>
+        </p:txBody>
+      </p:sp>
+    </p:spTree>
+    <p:extLst>
+      <p:ext uri="{BB962C8B-B14F-4D97-AF65-F5344CB8AC3E}">
+        <p14:creationId xmlns:p14="http://schemas.microsoft.com/office/powerpoint/2010/main" val="3648049151"/>
+      </p:ext>
+    </p:extLst>
+  </p:cSld>
+  <p:clrMapOvr>
+    <a:masterClrMapping/>
+  </p:clrMapOvr>
+</p:sld>
+</file>
+
+<file path=ppt/slides/slide71.xml><?xml version="1.0" encoding="utf-8"?>
+<p:sld xmlns:a="http://schemas.openxmlformats.org/drawingml/2006/main" xmlns:r="http://schemas.openxmlformats.org/officeDocument/2006/relationships" xmlns:p="http://schemas.openxmlformats.org/presentationml/2006/main">
+  <p:cSld>
+    <p:spTree>
+      <p:nvGrpSpPr>
+        <p:cNvPr id="1" name=""/>
+        <p:cNvGrpSpPr/>
+        <p:nvPr/>
+      </p:nvGrpSpPr>
+      <p:grpSpPr>
+        <a:xfrm>
+          <a:off x="0" y="0"/>
+          <a:ext cx="0" cy="0"/>
+          <a:chOff x="0" y="0"/>
+          <a:chExt cx="0" cy="0"/>
+        </a:xfrm>
+      </p:grpSpPr>
+      <p:sp>
+        <p:nvSpPr>
+          <p:cNvPr id="2" name="Title 1">
+            <a:extLst>
+              <a:ext uri="{FF2B5EF4-FFF2-40B4-BE49-F238E27FC236}">
+                <a16:creationId xmlns:a16="http://schemas.microsoft.com/office/drawing/2014/main" id="{C38B7FEB-CC8D-A44A-3BAA-CC3CD4F65660}"/>
+              </a:ext>
+            </a:extLst>
+          </p:cNvPr>
+          <p:cNvSpPr>
+            <a:spLocks noGrp="1"/>
+          </p:cNvSpPr>
+          <p:nvPr>
+            <p:ph type="title"/>
+          </p:nvPr>
+        </p:nvSpPr>
+        <p:spPr/>
+        <p:txBody>
+          <a:bodyPr/>
+          <a:lstStyle/>
+          <a:p>
+            <a:endParaRPr lang="en-US"/>
+          </a:p>
+        </p:txBody>
+      </p:sp>
+      <p:sp>
+        <p:nvSpPr>
+          <p:cNvPr id="3" name="Content Placeholder 2">
+            <a:extLst>
+              <a:ext uri="{FF2B5EF4-FFF2-40B4-BE49-F238E27FC236}">
+                <a16:creationId xmlns:a16="http://schemas.microsoft.com/office/drawing/2014/main" id="{961A1B12-AE71-865E-B312-4F01CB42219B}"/>
+              </a:ext>
+            </a:extLst>
+          </p:cNvPr>
+          <p:cNvSpPr>
+            <a:spLocks noGrp="1"/>
+          </p:cNvSpPr>
+          <p:nvPr>
+            <p:ph idx="1"/>
+          </p:nvPr>
+        </p:nvSpPr>
+        <p:spPr/>
+        <p:txBody>
+          <a:bodyPr/>
+          <a:lstStyle/>
+          <a:p>
+            <a:endParaRPr lang="en-US"/>
+          </a:p>
+        </p:txBody>
+      </p:sp>
+    </p:spTree>
+    <p:extLst>
+      <p:ext uri="{BB962C8B-B14F-4D97-AF65-F5344CB8AC3E}">
+        <p14:creationId xmlns:p14="http://schemas.microsoft.com/office/powerpoint/2010/main" val="1570971779"/>
+      </p:ext>
+    </p:extLst>
+  </p:cSld>
+  <p:clrMapOvr>
+    <a:masterClrMapping/>
+  </p:clrMapOvr>
+</p:sld>
+</file>
+
+<file path=ppt/slides/slide72.xml><?xml version="1.0" encoding="utf-8"?>
+<p:sld xmlns:a="http://schemas.openxmlformats.org/drawingml/2006/main" xmlns:r="http://schemas.openxmlformats.org/officeDocument/2006/relationships" xmlns:p="http://schemas.openxmlformats.org/presentationml/2006/main">
+  <p:cSld>
+    <p:spTree>
+      <p:nvGrpSpPr>
+        <p:cNvPr id="1" name=""/>
+        <p:cNvGrpSpPr/>
+        <p:nvPr/>
+      </p:nvGrpSpPr>
+      <p:grpSpPr>
+        <a:xfrm>
+          <a:off x="0" y="0"/>
+          <a:ext cx="0" cy="0"/>
+          <a:chOff x="0" y="0"/>
+          <a:chExt cx="0" cy="0"/>
+        </a:xfrm>
+      </p:grpSpPr>
+      <p:sp>
+        <p:nvSpPr>
+          <p:cNvPr id="2" name="Title 1">
+            <a:extLst>
+              <a:ext uri="{FF2B5EF4-FFF2-40B4-BE49-F238E27FC236}">
+                <a16:creationId xmlns:a16="http://schemas.microsoft.com/office/drawing/2014/main" id="{C4EB3F33-7CE5-AED7-6BE3-98746DA20BF9}"/>
+              </a:ext>
+            </a:extLst>
+          </p:cNvPr>
+          <p:cNvSpPr>
+            <a:spLocks noGrp="1"/>
+          </p:cNvSpPr>
+          <p:nvPr>
+            <p:ph type="title"/>
+          </p:nvPr>
+        </p:nvSpPr>
+        <p:spPr/>
+        <p:txBody>
+          <a:bodyPr/>
+          <a:lstStyle/>
+          <a:p>
+            <a:endParaRPr lang="en-US"/>
+          </a:p>
+        </p:txBody>
+      </p:sp>
+      <p:sp>
+        <p:nvSpPr>
+          <p:cNvPr id="3" name="Content Placeholder 2">
+            <a:extLst>
+              <a:ext uri="{FF2B5EF4-FFF2-40B4-BE49-F238E27FC236}">
+                <a16:creationId xmlns:a16="http://schemas.microsoft.com/office/drawing/2014/main" id="{1FEE7A8F-4A30-A8CB-DAAF-F1B443B43890}"/>
+              </a:ext>
+            </a:extLst>
+          </p:cNvPr>
+          <p:cNvSpPr>
+            <a:spLocks noGrp="1"/>
+          </p:cNvSpPr>
+          <p:nvPr>
+            <p:ph idx="1"/>
+          </p:nvPr>
+        </p:nvSpPr>
+        <p:spPr/>
+        <p:txBody>
+          <a:bodyPr/>
+          <a:lstStyle/>
+          <a:p>
+            <a:endParaRPr lang="en-US"/>
+          </a:p>
+        </p:txBody>
+      </p:sp>
+    </p:spTree>
+    <p:extLst>
+      <p:ext uri="{BB962C8B-B14F-4D97-AF65-F5344CB8AC3E}">
+        <p14:creationId xmlns:p14="http://schemas.microsoft.com/office/powerpoint/2010/main" val="1313753629"/>
+      </p:ext>
+    </p:extLst>
+  </p:cSld>
+  <p:clrMapOvr>
+    <a:masterClrMapping/>
+  </p:clrMapOvr>
+</p:sld>
+</file>
+
 <file path=ppt/slides/slide8.xml><?xml version="1.0" encoding="utf-8"?>
 <p:sld xmlns:a="http://schemas.openxmlformats.org/drawingml/2006/main" xmlns:r="http://schemas.openxmlformats.org/officeDocument/2006/relationships" xmlns:p="http://schemas.openxmlformats.org/presentationml/2006/main">
   <p:cSld>
@@ -9132,11 +9925,50 @@
         </p:blipFill>
         <p:spPr>
           <a:xfrm>
-            <a:off x="1778415" y="1200150"/>
+            <a:off x="582075" y="1184910"/>
             <a:ext cx="5587169" cy="3394075"/>
           </a:xfrm>
         </p:spPr>
       </p:pic>
+      <p:sp>
+        <p:nvSpPr>
+          <p:cNvPr id="6" name="TextBox 5">
+            <a:extLst>
+              <a:ext uri="{FF2B5EF4-FFF2-40B4-BE49-F238E27FC236}">
+                <a16:creationId xmlns:a16="http://schemas.microsoft.com/office/drawing/2014/main" id="{924CCF94-AFD1-61AF-6F69-075AC56EA348}"/>
+              </a:ext>
+            </a:extLst>
+          </p:cNvPr>
+          <p:cNvSpPr txBox="1"/>
+          <p:nvPr/>
+        </p:nvSpPr>
+        <p:spPr>
+          <a:xfrm>
+            <a:off x="6697981" y="2881947"/>
+            <a:ext cx="1988819" cy="954107"/>
+          </a:xfrm>
+          <a:prstGeom prst="rect">
+            <a:avLst/>
+          </a:prstGeom>
+          <a:noFill/>
+        </p:spPr>
+        <p:txBody>
+          <a:bodyPr wrap="square" rtlCol="0">
+            <a:spAutoFit/>
+          </a:bodyPr>
+          <a:lstStyle/>
+          <a:p>
+            <a:r>
+              <a:rPr lang="en-US" sz="1400" dirty="0">
+                <a:solidFill>
+                  <a:srgbClr val="2007B9"/>
+                </a:solidFill>
+              </a:rPr>
+              <a:t>For Austin, the two highest frequencies of vacancies were both less than 50 days.</a:t>
+            </a:r>
+          </a:p>
+        </p:txBody>
+      </p:sp>
     </p:spTree>
     <p:extLst>
       <p:ext uri="{BB962C8B-B14F-4D97-AF65-F5344CB8AC3E}">
@@ -9219,11 +10051,50 @@
         </p:blipFill>
         <p:spPr>
           <a:xfrm>
-            <a:off x="1818035" y="1200150"/>
+            <a:off x="964595" y="1215390"/>
             <a:ext cx="5507929" cy="3394075"/>
           </a:xfrm>
         </p:spPr>
       </p:pic>
+      <p:sp>
+        <p:nvSpPr>
+          <p:cNvPr id="6" name="TextBox 5">
+            <a:extLst>
+              <a:ext uri="{FF2B5EF4-FFF2-40B4-BE49-F238E27FC236}">
+                <a16:creationId xmlns:a16="http://schemas.microsoft.com/office/drawing/2014/main" id="{6C406D63-4895-E97D-52EE-F3C469678C1B}"/>
+              </a:ext>
+            </a:extLst>
+          </p:cNvPr>
+          <p:cNvSpPr txBox="1"/>
+          <p:nvPr/>
+        </p:nvSpPr>
+        <p:spPr>
+          <a:xfrm>
+            <a:off x="6896100" y="2625090"/>
+            <a:ext cx="1905000" cy="954107"/>
+          </a:xfrm>
+          <a:prstGeom prst="rect">
+            <a:avLst/>
+          </a:prstGeom>
+          <a:noFill/>
+        </p:spPr>
+        <p:txBody>
+          <a:bodyPr wrap="square" rtlCol="0">
+            <a:spAutoFit/>
+          </a:bodyPr>
+          <a:lstStyle/>
+          <a:p>
+            <a:r>
+              <a:rPr lang="en-US" sz="1400" dirty="0">
+                <a:solidFill>
+                  <a:srgbClr val="2007B9"/>
+                </a:solidFill>
+              </a:rPr>
+              <a:t>In El Paso, the highest frequencies of vacancies were less than 50 days.</a:t>
+            </a:r>
+          </a:p>
+        </p:txBody>
+      </p:sp>
     </p:spTree>
     <p:extLst>
       <p:ext uri="{BB962C8B-B14F-4D97-AF65-F5344CB8AC3E}">
